--- a/lecture_notes/week8/week8_maps_and_hashing.pptx
+++ b/lecture_notes/week8/week8_maps_and_hashing.pptx
@@ -33,20 +33,21 @@
     <p:sldId id="281" r:id="rId27"/>
     <p:sldId id="282" r:id="rId28"/>
     <p:sldId id="283" r:id="rId29"/>
-    <p:sldId id="284" r:id="rId30"/>
-    <p:sldId id="286" r:id="rId31"/>
-    <p:sldId id="287" r:id="rId32"/>
-    <p:sldId id="288" r:id="rId33"/>
-    <p:sldId id="289" r:id="rId34"/>
-    <p:sldId id="290" r:id="rId35"/>
-    <p:sldId id="291" r:id="rId36"/>
-    <p:sldId id="292" r:id="rId37"/>
-    <p:sldId id="294" r:id="rId38"/>
-    <p:sldId id="295" r:id="rId39"/>
-    <p:sldId id="297" r:id="rId40"/>
-    <p:sldId id="296" r:id="rId41"/>
-    <p:sldId id="298" r:id="rId42"/>
-    <p:sldId id="299" r:id="rId43"/>
+    <p:sldId id="301" r:id="rId30"/>
+    <p:sldId id="284" r:id="rId31"/>
+    <p:sldId id="286" r:id="rId32"/>
+    <p:sldId id="287" r:id="rId33"/>
+    <p:sldId id="288" r:id="rId34"/>
+    <p:sldId id="289" r:id="rId35"/>
+    <p:sldId id="290" r:id="rId36"/>
+    <p:sldId id="291" r:id="rId37"/>
+    <p:sldId id="292" r:id="rId38"/>
+    <p:sldId id="302" r:id="rId39"/>
+    <p:sldId id="295" r:id="rId40"/>
+    <p:sldId id="297" r:id="rId41"/>
+    <p:sldId id="296" r:id="rId42"/>
+    <p:sldId id="298" r:id="rId43"/>
+    <p:sldId id="299" r:id="rId44"/>
   </p:sldIdLst>
   <p:sldSz cx="12192000" cy="6858000"/>
   <p:notesSz cx="6858000" cy="9144000"/>
@@ -156,6 +157,7 @@
 <file path=ppt/revisionInfo.xml><?xml version="1.0" encoding="utf-8"?>
 <p1510:revInfo xmlns:a="http://schemas.openxmlformats.org/drawingml/2006/main" xmlns:r="http://schemas.openxmlformats.org/officeDocument/2006/relationships" xmlns:p1510="http://schemas.microsoft.com/office/powerpoint/2015/10/main">
   <p1510:revLst>
+    <p1510:client id="{3E49B8A0-82F3-4E5B-B9C4-160B447F8CF8}" v="9" dt="2023-06-24T03:03:37.656"/>
     <p1510:client id="{D9A999BB-D5A6-41D4-9471-09BF3FB2A24E}" v="245" dt="2023-06-23T06:25:16.551"/>
   </p1510:revLst>
 </p1510:revInfo>
@@ -163,6 +165,761 @@
 
 <file path=ppt/changesInfos/changesInfo1.xml><?xml version="1.0" encoding="utf-8"?>
 <pc:chgInfo xmlns:a="http://schemas.openxmlformats.org/drawingml/2006/main" xmlns:r="http://schemas.openxmlformats.org/officeDocument/2006/relationships" xmlns:ac="http://schemas.microsoft.com/office/drawing/2013/main/command" xmlns:pc="http://schemas.microsoft.com/office/powerpoint/2013/main/command">
+  <pc:docChgLst>
+    <pc:chgData name="Toby Donaldson" userId="2e6e5431-bb17-4c41-9985-d39c50d83c73" providerId="ADAL" clId="{3E49B8A0-82F3-4E5B-B9C4-160B447F8CF8}"/>
+    <pc:docChg chg="undo custSel addSld delSld modSld">
+      <pc:chgData name="Toby Donaldson" userId="2e6e5431-bb17-4c41-9985-d39c50d83c73" providerId="ADAL" clId="{3E49B8A0-82F3-4E5B-B9C4-160B447F8CF8}" dt="2023-06-24T03:03:37.656" v="1091"/>
+      <pc:docMkLst>
+        <pc:docMk/>
+      </pc:docMkLst>
+      <pc:sldChg chg="modSp mod">
+        <pc:chgData name="Toby Donaldson" userId="2e6e5431-bb17-4c41-9985-d39c50d83c73" providerId="ADAL" clId="{3E49B8A0-82F3-4E5B-B9C4-160B447F8CF8}" dt="2023-06-24T02:29:52" v="7" actId="20577"/>
+        <pc:sldMkLst>
+          <pc:docMk/>
+          <pc:sldMk cId="2722157211" sldId="260"/>
+        </pc:sldMkLst>
+        <pc:spChg chg="mod">
+          <ac:chgData name="Toby Donaldson" userId="2e6e5431-bb17-4c41-9985-d39c50d83c73" providerId="ADAL" clId="{3E49B8A0-82F3-4E5B-B9C4-160B447F8CF8}" dt="2023-06-24T02:29:52" v="7" actId="20577"/>
+          <ac:spMkLst>
+            <pc:docMk/>
+            <pc:sldMk cId="2722157211" sldId="260"/>
+            <ac:spMk id="3" creationId="{B4C02FA2-2D34-390F-4517-DF9FDCEEE039}"/>
+          </ac:spMkLst>
+        </pc:spChg>
+      </pc:sldChg>
+      <pc:sldChg chg="modSp mod">
+        <pc:chgData name="Toby Donaldson" userId="2e6e5431-bb17-4c41-9985-d39c50d83c73" providerId="ADAL" clId="{3E49B8A0-82F3-4E5B-B9C4-160B447F8CF8}" dt="2023-06-24T02:30:12.960" v="15" actId="20577"/>
+        <pc:sldMkLst>
+          <pc:docMk/>
+          <pc:sldMk cId="864739414" sldId="261"/>
+        </pc:sldMkLst>
+        <pc:spChg chg="mod">
+          <ac:chgData name="Toby Donaldson" userId="2e6e5431-bb17-4c41-9985-d39c50d83c73" providerId="ADAL" clId="{3E49B8A0-82F3-4E5B-B9C4-160B447F8CF8}" dt="2023-06-24T02:30:12.960" v="15" actId="20577"/>
+          <ac:spMkLst>
+            <pc:docMk/>
+            <pc:sldMk cId="864739414" sldId="261"/>
+            <ac:spMk id="3" creationId="{B4C02FA2-2D34-390F-4517-DF9FDCEEE039}"/>
+          </ac:spMkLst>
+        </pc:spChg>
+      </pc:sldChg>
+      <pc:sldChg chg="addSp modSp mod">
+        <pc:chgData name="Toby Donaldson" userId="2e6e5431-bb17-4c41-9985-d39c50d83c73" providerId="ADAL" clId="{3E49B8A0-82F3-4E5B-B9C4-160B447F8CF8}" dt="2023-06-24T02:31:32.556" v="25" actId="14100"/>
+        <pc:sldMkLst>
+          <pc:docMk/>
+          <pc:sldMk cId="1802880351" sldId="265"/>
+        </pc:sldMkLst>
+        <pc:spChg chg="mod">
+          <ac:chgData name="Toby Donaldson" userId="2e6e5431-bb17-4c41-9985-d39c50d83c73" providerId="ADAL" clId="{3E49B8A0-82F3-4E5B-B9C4-160B447F8CF8}" dt="2023-06-24T02:31:01.219" v="16" actId="1076"/>
+          <ac:spMkLst>
+            <pc:docMk/>
+            <pc:sldMk cId="1802880351" sldId="265"/>
+            <ac:spMk id="6" creationId="{F302DE67-0BAD-3554-291D-232C6541E8CF}"/>
+          </ac:spMkLst>
+        </pc:spChg>
+        <pc:cxnChg chg="add mod">
+          <ac:chgData name="Toby Donaldson" userId="2e6e5431-bb17-4c41-9985-d39c50d83c73" providerId="ADAL" clId="{3E49B8A0-82F3-4E5B-B9C4-160B447F8CF8}" dt="2023-06-24T02:31:16.968" v="21" actId="14100"/>
+          <ac:cxnSpMkLst>
+            <pc:docMk/>
+            <pc:sldMk cId="1802880351" sldId="265"/>
+            <ac:cxnSpMk id="3" creationId="{C5108993-F9B1-A2C9-9097-A7ED0AC5313D}"/>
+          </ac:cxnSpMkLst>
+        </pc:cxnChg>
+        <pc:cxnChg chg="add mod">
+          <ac:chgData name="Toby Donaldson" userId="2e6e5431-bb17-4c41-9985-d39c50d83c73" providerId="ADAL" clId="{3E49B8A0-82F3-4E5B-B9C4-160B447F8CF8}" dt="2023-06-24T02:31:23.399" v="22" actId="14100"/>
+          <ac:cxnSpMkLst>
+            <pc:docMk/>
+            <pc:sldMk cId="1802880351" sldId="265"/>
+            <ac:cxnSpMk id="7" creationId="{C612EFA8-A57F-6031-07B6-DB0363349328}"/>
+          </ac:cxnSpMkLst>
+        </pc:cxnChg>
+        <pc:cxnChg chg="add mod">
+          <ac:chgData name="Toby Donaldson" userId="2e6e5431-bb17-4c41-9985-d39c50d83c73" providerId="ADAL" clId="{3E49B8A0-82F3-4E5B-B9C4-160B447F8CF8}" dt="2023-06-24T02:31:32.556" v="25" actId="14100"/>
+          <ac:cxnSpMkLst>
+            <pc:docMk/>
+            <pc:sldMk cId="1802880351" sldId="265"/>
+            <ac:cxnSpMk id="12" creationId="{5E11E5CC-FF3C-E50D-751E-6114C4B180DA}"/>
+          </ac:cxnSpMkLst>
+        </pc:cxnChg>
+      </pc:sldChg>
+      <pc:sldChg chg="modSp mod">
+        <pc:chgData name="Toby Donaldson" userId="2e6e5431-bb17-4c41-9985-d39c50d83c73" providerId="ADAL" clId="{3E49B8A0-82F3-4E5B-B9C4-160B447F8CF8}" dt="2023-06-24T02:32:21.949" v="27" actId="1076"/>
+        <pc:sldMkLst>
+          <pc:docMk/>
+          <pc:sldMk cId="2219068952" sldId="266"/>
+        </pc:sldMkLst>
+        <pc:spChg chg="mod">
+          <ac:chgData name="Toby Donaldson" userId="2e6e5431-bb17-4c41-9985-d39c50d83c73" providerId="ADAL" clId="{3E49B8A0-82F3-4E5B-B9C4-160B447F8CF8}" dt="2023-06-24T02:32:21.949" v="27" actId="1076"/>
+          <ac:spMkLst>
+            <pc:docMk/>
+            <pc:sldMk cId="2219068952" sldId="266"/>
+            <ac:spMk id="14" creationId="{389C62BE-B76F-B311-3756-9588AF100F92}"/>
+          </ac:spMkLst>
+        </pc:spChg>
+      </pc:sldChg>
+      <pc:sldChg chg="modSp mod">
+        <pc:chgData name="Toby Donaldson" userId="2e6e5431-bb17-4c41-9985-d39c50d83c73" providerId="ADAL" clId="{3E49B8A0-82F3-4E5B-B9C4-160B447F8CF8}" dt="2023-06-24T02:33:43.208" v="55" actId="20577"/>
+        <pc:sldMkLst>
+          <pc:docMk/>
+          <pc:sldMk cId="930782038" sldId="268"/>
+        </pc:sldMkLst>
+        <pc:spChg chg="mod">
+          <ac:chgData name="Toby Donaldson" userId="2e6e5431-bb17-4c41-9985-d39c50d83c73" providerId="ADAL" clId="{3E49B8A0-82F3-4E5B-B9C4-160B447F8CF8}" dt="2023-06-24T02:33:43.208" v="55" actId="20577"/>
+          <ac:spMkLst>
+            <pc:docMk/>
+            <pc:sldMk cId="930782038" sldId="268"/>
+            <ac:spMk id="3" creationId="{853BEB51-9955-F82A-6F80-41EBE4E2A34E}"/>
+          </ac:spMkLst>
+        </pc:spChg>
+      </pc:sldChg>
+      <pc:sldChg chg="modSp mod">
+        <pc:chgData name="Toby Donaldson" userId="2e6e5431-bb17-4c41-9985-d39c50d83c73" providerId="ADAL" clId="{3E49B8A0-82F3-4E5B-B9C4-160B447F8CF8}" dt="2023-06-24T02:34:36.916" v="83" actId="20577"/>
+        <pc:sldMkLst>
+          <pc:docMk/>
+          <pc:sldMk cId="2462324294" sldId="269"/>
+        </pc:sldMkLst>
+        <pc:spChg chg="mod">
+          <ac:chgData name="Toby Donaldson" userId="2e6e5431-bb17-4c41-9985-d39c50d83c73" providerId="ADAL" clId="{3E49B8A0-82F3-4E5B-B9C4-160B447F8CF8}" dt="2023-06-24T02:34:14.715" v="58"/>
+          <ac:spMkLst>
+            <pc:docMk/>
+            <pc:sldMk cId="2462324294" sldId="269"/>
+            <ac:spMk id="3" creationId="{853BEB51-9955-F82A-6F80-41EBE4E2A34E}"/>
+          </ac:spMkLst>
+        </pc:spChg>
+        <pc:spChg chg="mod">
+          <ac:chgData name="Toby Donaldson" userId="2e6e5431-bb17-4c41-9985-d39c50d83c73" providerId="ADAL" clId="{3E49B8A0-82F3-4E5B-B9C4-160B447F8CF8}" dt="2023-06-24T02:34:36.916" v="83" actId="20577"/>
+          <ac:spMkLst>
+            <pc:docMk/>
+            <pc:sldMk cId="2462324294" sldId="269"/>
+            <ac:spMk id="4" creationId="{9666938B-E24D-4DB2-9F2D-51AE12936068}"/>
+          </ac:spMkLst>
+        </pc:spChg>
+      </pc:sldChg>
+      <pc:sldChg chg="modSp mod">
+        <pc:chgData name="Toby Donaldson" userId="2e6e5431-bb17-4c41-9985-d39c50d83c73" providerId="ADAL" clId="{3E49B8A0-82F3-4E5B-B9C4-160B447F8CF8}" dt="2023-06-24T02:36:35.433" v="98" actId="14100"/>
+        <pc:sldMkLst>
+          <pc:docMk/>
+          <pc:sldMk cId="677481774" sldId="270"/>
+        </pc:sldMkLst>
+        <pc:spChg chg="mod">
+          <ac:chgData name="Toby Donaldson" userId="2e6e5431-bb17-4c41-9985-d39c50d83c73" providerId="ADAL" clId="{3E49B8A0-82F3-4E5B-B9C4-160B447F8CF8}" dt="2023-06-24T02:36:22.878" v="97" actId="20577"/>
+          <ac:spMkLst>
+            <pc:docMk/>
+            <pc:sldMk cId="677481774" sldId="270"/>
+            <ac:spMk id="32" creationId="{79EF6C89-B375-A86E-F6BC-A36B38E75C07}"/>
+          </ac:spMkLst>
+        </pc:spChg>
+        <pc:cxnChg chg="mod">
+          <ac:chgData name="Toby Donaldson" userId="2e6e5431-bb17-4c41-9985-d39c50d83c73" providerId="ADAL" clId="{3E49B8A0-82F3-4E5B-B9C4-160B447F8CF8}" dt="2023-06-24T02:36:35.433" v="98" actId="14100"/>
+          <ac:cxnSpMkLst>
+            <pc:docMk/>
+            <pc:sldMk cId="677481774" sldId="270"/>
+            <ac:cxnSpMk id="47" creationId="{723C73C1-77F5-88BB-048D-A3AB495C9946}"/>
+          </ac:cxnSpMkLst>
+        </pc:cxnChg>
+      </pc:sldChg>
+      <pc:sldChg chg="modSp mod">
+        <pc:chgData name="Toby Donaldson" userId="2e6e5431-bb17-4c41-9985-d39c50d83c73" providerId="ADAL" clId="{3E49B8A0-82F3-4E5B-B9C4-160B447F8CF8}" dt="2023-06-24T02:35:02.154" v="85" actId="14100"/>
+        <pc:sldMkLst>
+          <pc:docMk/>
+          <pc:sldMk cId="2728094250" sldId="271"/>
+        </pc:sldMkLst>
+        <pc:spChg chg="mod">
+          <ac:chgData name="Toby Donaldson" userId="2e6e5431-bb17-4c41-9985-d39c50d83c73" providerId="ADAL" clId="{3E49B8A0-82F3-4E5B-B9C4-160B447F8CF8}" dt="2023-06-24T02:34:58.710" v="84"/>
+          <ac:spMkLst>
+            <pc:docMk/>
+            <pc:sldMk cId="2728094250" sldId="271"/>
+            <ac:spMk id="3" creationId="{853BEB51-9955-F82A-6F80-41EBE4E2A34E}"/>
+          </ac:spMkLst>
+        </pc:spChg>
+        <pc:cxnChg chg="mod">
+          <ac:chgData name="Toby Donaldson" userId="2e6e5431-bb17-4c41-9985-d39c50d83c73" providerId="ADAL" clId="{3E49B8A0-82F3-4E5B-B9C4-160B447F8CF8}" dt="2023-06-24T02:35:02.154" v="85" actId="14100"/>
+          <ac:cxnSpMkLst>
+            <pc:docMk/>
+            <pc:sldMk cId="2728094250" sldId="271"/>
+            <ac:cxnSpMk id="6" creationId="{5DDF4121-74C5-6428-DBB7-A6035B220EF0}"/>
+          </ac:cxnSpMkLst>
+        </pc:cxnChg>
+      </pc:sldChg>
+      <pc:sldChg chg="modSp mod">
+        <pc:chgData name="Toby Donaldson" userId="2e6e5431-bb17-4c41-9985-d39c50d83c73" providerId="ADAL" clId="{3E49B8A0-82F3-4E5B-B9C4-160B447F8CF8}" dt="2023-06-24T02:35:37.147" v="88" actId="1076"/>
+        <pc:sldMkLst>
+          <pc:docMk/>
+          <pc:sldMk cId="4291476057" sldId="272"/>
+        </pc:sldMkLst>
+        <pc:spChg chg="mod">
+          <ac:chgData name="Toby Donaldson" userId="2e6e5431-bb17-4c41-9985-d39c50d83c73" providerId="ADAL" clId="{3E49B8A0-82F3-4E5B-B9C4-160B447F8CF8}" dt="2023-06-24T02:35:29.056" v="86"/>
+          <ac:spMkLst>
+            <pc:docMk/>
+            <pc:sldMk cId="4291476057" sldId="272"/>
+            <ac:spMk id="3" creationId="{853BEB51-9955-F82A-6F80-41EBE4E2A34E}"/>
+          </ac:spMkLst>
+        </pc:spChg>
+        <pc:spChg chg="mod">
+          <ac:chgData name="Toby Donaldson" userId="2e6e5431-bb17-4c41-9985-d39c50d83c73" providerId="ADAL" clId="{3E49B8A0-82F3-4E5B-B9C4-160B447F8CF8}" dt="2023-06-24T02:35:33.429" v="87" actId="1076"/>
+          <ac:spMkLst>
+            <pc:docMk/>
+            <pc:sldMk cId="4291476057" sldId="272"/>
+            <ac:spMk id="4" creationId="{9666938B-E24D-4DB2-9F2D-51AE12936068}"/>
+          </ac:spMkLst>
+        </pc:spChg>
+        <pc:cxnChg chg="mod">
+          <ac:chgData name="Toby Donaldson" userId="2e6e5431-bb17-4c41-9985-d39c50d83c73" providerId="ADAL" clId="{3E49B8A0-82F3-4E5B-B9C4-160B447F8CF8}" dt="2023-06-24T02:35:37.147" v="88" actId="1076"/>
+          <ac:cxnSpMkLst>
+            <pc:docMk/>
+            <pc:sldMk cId="4291476057" sldId="272"/>
+            <ac:cxnSpMk id="6" creationId="{5DDF4121-74C5-6428-DBB7-A6035B220EF0}"/>
+          </ac:cxnSpMkLst>
+        </pc:cxnChg>
+      </pc:sldChg>
+      <pc:sldChg chg="modSp mod">
+        <pc:chgData name="Toby Donaldson" userId="2e6e5431-bb17-4c41-9985-d39c50d83c73" providerId="ADAL" clId="{3E49B8A0-82F3-4E5B-B9C4-160B447F8CF8}" dt="2023-06-24T02:40:44.524" v="108" actId="1076"/>
+        <pc:sldMkLst>
+          <pc:docMk/>
+          <pc:sldMk cId="213115808" sldId="278"/>
+        </pc:sldMkLst>
+        <pc:spChg chg="mod">
+          <ac:chgData name="Toby Donaldson" userId="2e6e5431-bb17-4c41-9985-d39c50d83c73" providerId="ADAL" clId="{3E49B8A0-82F3-4E5B-B9C4-160B447F8CF8}" dt="2023-06-24T02:40:44.524" v="108" actId="1076"/>
+          <ac:spMkLst>
+            <pc:docMk/>
+            <pc:sldMk cId="213115808" sldId="278"/>
+            <ac:spMk id="3" creationId="{B9E20EEC-6230-145F-DD38-08AE7543906E}"/>
+          </ac:spMkLst>
+        </pc:spChg>
+      </pc:sldChg>
+      <pc:sldChg chg="modSp mod">
+        <pc:chgData name="Toby Donaldson" userId="2e6e5431-bb17-4c41-9985-d39c50d83c73" providerId="ADAL" clId="{3E49B8A0-82F3-4E5B-B9C4-160B447F8CF8}" dt="2023-06-24T02:42:24.191" v="167" actId="20577"/>
+        <pc:sldMkLst>
+          <pc:docMk/>
+          <pc:sldMk cId="12643477" sldId="279"/>
+        </pc:sldMkLst>
+        <pc:spChg chg="mod">
+          <ac:chgData name="Toby Donaldson" userId="2e6e5431-bb17-4c41-9985-d39c50d83c73" providerId="ADAL" clId="{3E49B8A0-82F3-4E5B-B9C4-160B447F8CF8}" dt="2023-06-24T02:42:24.191" v="167" actId="20577"/>
+          <ac:spMkLst>
+            <pc:docMk/>
+            <pc:sldMk cId="12643477" sldId="279"/>
+            <ac:spMk id="3" creationId="{BD2CE6D0-608D-D345-C585-BFD028870A45}"/>
+          </ac:spMkLst>
+        </pc:spChg>
+      </pc:sldChg>
+      <pc:sldChg chg="modSp mod">
+        <pc:chgData name="Toby Donaldson" userId="2e6e5431-bb17-4c41-9985-d39c50d83c73" providerId="ADAL" clId="{3E49B8A0-82F3-4E5B-B9C4-160B447F8CF8}" dt="2023-06-24T02:42:41.592" v="169" actId="20577"/>
+        <pc:sldMkLst>
+          <pc:docMk/>
+          <pc:sldMk cId="1809269518" sldId="280"/>
+        </pc:sldMkLst>
+        <pc:spChg chg="mod">
+          <ac:chgData name="Toby Donaldson" userId="2e6e5431-bb17-4c41-9985-d39c50d83c73" providerId="ADAL" clId="{3E49B8A0-82F3-4E5B-B9C4-160B447F8CF8}" dt="2023-06-24T02:42:41.592" v="169" actId="20577"/>
+          <ac:spMkLst>
+            <pc:docMk/>
+            <pc:sldMk cId="1809269518" sldId="280"/>
+            <ac:spMk id="3" creationId="{BD2CE6D0-608D-D345-C585-BFD028870A45}"/>
+          </ac:spMkLst>
+        </pc:spChg>
+      </pc:sldChg>
+      <pc:sldChg chg="modSp mod">
+        <pc:chgData name="Toby Donaldson" userId="2e6e5431-bb17-4c41-9985-d39c50d83c73" providerId="ADAL" clId="{3E49B8A0-82F3-4E5B-B9C4-160B447F8CF8}" dt="2023-06-24T02:42:53.560" v="176" actId="20577"/>
+        <pc:sldMkLst>
+          <pc:docMk/>
+          <pc:sldMk cId="1978690111" sldId="281"/>
+        </pc:sldMkLst>
+        <pc:spChg chg="mod">
+          <ac:chgData name="Toby Donaldson" userId="2e6e5431-bb17-4c41-9985-d39c50d83c73" providerId="ADAL" clId="{3E49B8A0-82F3-4E5B-B9C4-160B447F8CF8}" dt="2023-06-24T02:42:53.560" v="176" actId="20577"/>
+          <ac:spMkLst>
+            <pc:docMk/>
+            <pc:sldMk cId="1978690111" sldId="281"/>
+            <ac:spMk id="3" creationId="{BD2CE6D0-608D-D345-C585-BFD028870A45}"/>
+          </ac:spMkLst>
+        </pc:spChg>
+      </pc:sldChg>
+      <pc:sldChg chg="modSp mod">
+        <pc:chgData name="Toby Donaldson" userId="2e6e5431-bb17-4c41-9985-d39c50d83c73" providerId="ADAL" clId="{3E49B8A0-82F3-4E5B-B9C4-160B447F8CF8}" dt="2023-06-24T02:43:06.600" v="183" actId="20577"/>
+        <pc:sldMkLst>
+          <pc:docMk/>
+          <pc:sldMk cId="2149584888" sldId="282"/>
+        </pc:sldMkLst>
+        <pc:spChg chg="mod">
+          <ac:chgData name="Toby Donaldson" userId="2e6e5431-bb17-4c41-9985-d39c50d83c73" providerId="ADAL" clId="{3E49B8A0-82F3-4E5B-B9C4-160B447F8CF8}" dt="2023-06-24T02:43:06.600" v="183" actId="20577"/>
+          <ac:spMkLst>
+            <pc:docMk/>
+            <pc:sldMk cId="2149584888" sldId="282"/>
+            <ac:spMk id="3" creationId="{BD2CE6D0-608D-D345-C585-BFD028870A45}"/>
+          </ac:spMkLst>
+        </pc:spChg>
+      </pc:sldChg>
+      <pc:sldChg chg="addSp delSp modSp mod">
+        <pc:chgData name="Toby Donaldson" userId="2e6e5431-bb17-4c41-9985-d39c50d83c73" providerId="ADAL" clId="{3E49B8A0-82F3-4E5B-B9C4-160B447F8CF8}" dt="2023-06-24T02:50:20.721" v="435" actId="208"/>
+        <pc:sldMkLst>
+          <pc:docMk/>
+          <pc:sldMk cId="740533681" sldId="283"/>
+        </pc:sldMkLst>
+        <pc:spChg chg="mod">
+          <ac:chgData name="Toby Donaldson" userId="2e6e5431-bb17-4c41-9985-d39c50d83c73" providerId="ADAL" clId="{3E49B8A0-82F3-4E5B-B9C4-160B447F8CF8}" dt="2023-06-24T02:49:07.739" v="416" actId="20577"/>
+          <ac:spMkLst>
+            <pc:docMk/>
+            <pc:sldMk cId="740533681" sldId="283"/>
+            <ac:spMk id="2" creationId="{05EEB890-4AE9-E61C-9A74-E115946F8737}"/>
+          </ac:spMkLst>
+        </pc:spChg>
+        <pc:spChg chg="mod">
+          <ac:chgData name="Toby Donaldson" userId="2e6e5431-bb17-4c41-9985-d39c50d83c73" providerId="ADAL" clId="{3E49B8A0-82F3-4E5B-B9C4-160B447F8CF8}" dt="2023-06-24T02:48:58.123" v="392" actId="5793"/>
+          <ac:spMkLst>
+            <pc:docMk/>
+            <pc:sldMk cId="740533681" sldId="283"/>
+            <ac:spMk id="3" creationId="{853BEB51-9955-F82A-6F80-41EBE4E2A34E}"/>
+          </ac:spMkLst>
+        </pc:spChg>
+        <pc:spChg chg="add mod">
+          <ac:chgData name="Toby Donaldson" userId="2e6e5431-bb17-4c41-9985-d39c50d83c73" providerId="ADAL" clId="{3E49B8A0-82F3-4E5B-B9C4-160B447F8CF8}" dt="2023-06-24T02:50:00.181" v="433" actId="1076"/>
+          <ac:spMkLst>
+            <pc:docMk/>
+            <pc:sldMk cId="740533681" sldId="283"/>
+            <ac:spMk id="4" creationId="{C6E390C3-C23E-8885-F152-D76BE3C03A20}"/>
+          </ac:spMkLst>
+        </pc:spChg>
+        <pc:spChg chg="add mod">
+          <ac:chgData name="Toby Donaldson" userId="2e6e5431-bb17-4c41-9985-d39c50d83c73" providerId="ADAL" clId="{3E49B8A0-82F3-4E5B-B9C4-160B447F8CF8}" dt="2023-06-24T02:50:20.721" v="435" actId="208"/>
+          <ac:spMkLst>
+            <pc:docMk/>
+            <pc:sldMk cId="740533681" sldId="283"/>
+            <ac:spMk id="5" creationId="{28B8EA08-2981-2FF4-BDF7-59E3A6C2CB08}"/>
+          </ac:spMkLst>
+        </pc:spChg>
+        <pc:spChg chg="mod">
+          <ac:chgData name="Toby Donaldson" userId="2e6e5431-bb17-4c41-9985-d39c50d83c73" providerId="ADAL" clId="{3E49B8A0-82F3-4E5B-B9C4-160B447F8CF8}" dt="2023-06-24T02:49:43.031" v="430" actId="20577"/>
+          <ac:spMkLst>
+            <pc:docMk/>
+            <pc:sldMk cId="740533681" sldId="283"/>
+            <ac:spMk id="8" creationId="{1E340167-FAFF-9E55-2497-F7B2B09CCA2C}"/>
+          </ac:spMkLst>
+        </pc:spChg>
+        <pc:cxnChg chg="add">
+          <ac:chgData name="Toby Donaldson" userId="2e6e5431-bb17-4c41-9985-d39c50d83c73" providerId="ADAL" clId="{3E49B8A0-82F3-4E5B-B9C4-160B447F8CF8}" dt="2023-06-24T02:49:34.678" v="426" actId="11529"/>
+          <ac:cxnSpMkLst>
+            <pc:docMk/>
+            <pc:sldMk cId="740533681" sldId="283"/>
+            <ac:cxnSpMk id="7" creationId="{57D856B2-E747-D2D0-D611-2F0130FE87F2}"/>
+          </ac:cxnSpMkLst>
+        </pc:cxnChg>
+        <pc:cxnChg chg="del">
+          <ac:chgData name="Toby Donaldson" userId="2e6e5431-bb17-4c41-9985-d39c50d83c73" providerId="ADAL" clId="{3E49B8A0-82F3-4E5B-B9C4-160B447F8CF8}" dt="2023-06-24T02:46:45.911" v="261" actId="21"/>
+          <ac:cxnSpMkLst>
+            <pc:docMk/>
+            <pc:sldMk cId="740533681" sldId="283"/>
+            <ac:cxnSpMk id="10" creationId="{CB680526-959C-396D-A75F-2F7881CD7999}"/>
+          </ac:cxnSpMkLst>
+        </pc:cxnChg>
+        <pc:cxnChg chg="del">
+          <ac:chgData name="Toby Donaldson" userId="2e6e5431-bb17-4c41-9985-d39c50d83c73" providerId="ADAL" clId="{3E49B8A0-82F3-4E5B-B9C4-160B447F8CF8}" dt="2023-06-24T02:46:45.911" v="261" actId="21"/>
+          <ac:cxnSpMkLst>
+            <pc:docMk/>
+            <pc:sldMk cId="740533681" sldId="283"/>
+            <ac:cxnSpMk id="12" creationId="{F082F8CD-B44A-CB1A-C6D2-24B79110E7BF}"/>
+          </ac:cxnSpMkLst>
+        </pc:cxnChg>
+      </pc:sldChg>
+      <pc:sldChg chg="modSp mod">
+        <pc:chgData name="Toby Donaldson" userId="2e6e5431-bb17-4c41-9985-d39c50d83c73" providerId="ADAL" clId="{3E49B8A0-82F3-4E5B-B9C4-160B447F8CF8}" dt="2023-06-24T02:55:50.466" v="991" actId="20577"/>
+        <pc:sldMkLst>
+          <pc:docMk/>
+          <pc:sldMk cId="1981722786" sldId="284"/>
+        </pc:sldMkLst>
+        <pc:spChg chg="mod">
+          <ac:chgData name="Toby Donaldson" userId="2e6e5431-bb17-4c41-9985-d39c50d83c73" providerId="ADAL" clId="{3E49B8A0-82F3-4E5B-B9C4-160B447F8CF8}" dt="2023-06-24T02:55:50.466" v="991" actId="20577"/>
+          <ac:spMkLst>
+            <pc:docMk/>
+            <pc:sldMk cId="1981722786" sldId="284"/>
+            <ac:spMk id="3" creationId="{853BEB51-9955-F82A-6F80-41EBE4E2A34E}"/>
+          </ac:spMkLst>
+        </pc:spChg>
+      </pc:sldChg>
+      <pc:sldChg chg="modSp mod">
+        <pc:chgData name="Toby Donaldson" userId="2e6e5431-bb17-4c41-9985-d39c50d83c73" providerId="ADAL" clId="{3E49B8A0-82F3-4E5B-B9C4-160B447F8CF8}" dt="2023-06-24T02:58:35.851" v="1055" actId="20577"/>
+        <pc:sldMkLst>
+          <pc:docMk/>
+          <pc:sldMk cId="4235339031" sldId="286"/>
+        </pc:sldMkLst>
+        <pc:spChg chg="mod">
+          <ac:chgData name="Toby Donaldson" userId="2e6e5431-bb17-4c41-9985-d39c50d83c73" providerId="ADAL" clId="{3E49B8A0-82F3-4E5B-B9C4-160B447F8CF8}" dt="2023-06-24T02:58:35.851" v="1055" actId="20577"/>
+          <ac:spMkLst>
+            <pc:docMk/>
+            <pc:sldMk cId="4235339031" sldId="286"/>
+            <ac:spMk id="3" creationId="{853BEB51-9955-F82A-6F80-41EBE4E2A34E}"/>
+          </ac:spMkLst>
+        </pc:spChg>
+      </pc:sldChg>
+      <pc:sldChg chg="modSp mod">
+        <pc:chgData name="Toby Donaldson" userId="2e6e5431-bb17-4c41-9985-d39c50d83c73" providerId="ADAL" clId="{3E49B8A0-82F3-4E5B-B9C4-160B447F8CF8}" dt="2023-06-24T02:56:49.215" v="996" actId="14100"/>
+        <pc:sldMkLst>
+          <pc:docMk/>
+          <pc:sldMk cId="1435161024" sldId="287"/>
+        </pc:sldMkLst>
+        <pc:spChg chg="mod">
+          <ac:chgData name="Toby Donaldson" userId="2e6e5431-bb17-4c41-9985-d39c50d83c73" providerId="ADAL" clId="{3E49B8A0-82F3-4E5B-B9C4-160B447F8CF8}" dt="2023-06-24T02:56:49.215" v="996" actId="14100"/>
+          <ac:spMkLst>
+            <pc:docMk/>
+            <pc:sldMk cId="1435161024" sldId="287"/>
+            <ac:spMk id="3" creationId="{853BEB51-9955-F82A-6F80-41EBE4E2A34E}"/>
+          </ac:spMkLst>
+        </pc:spChg>
+      </pc:sldChg>
+      <pc:sldChg chg="modSp mod">
+        <pc:chgData name="Toby Donaldson" userId="2e6e5431-bb17-4c41-9985-d39c50d83c73" providerId="ADAL" clId="{3E49B8A0-82F3-4E5B-B9C4-160B447F8CF8}" dt="2023-06-24T02:57:48.572" v="1012" actId="20577"/>
+        <pc:sldMkLst>
+          <pc:docMk/>
+          <pc:sldMk cId="1682691476" sldId="288"/>
+        </pc:sldMkLst>
+        <pc:spChg chg="mod">
+          <ac:chgData name="Toby Donaldson" userId="2e6e5431-bb17-4c41-9985-d39c50d83c73" providerId="ADAL" clId="{3E49B8A0-82F3-4E5B-B9C4-160B447F8CF8}" dt="2023-06-24T02:57:33.074" v="1011" actId="20577"/>
+          <ac:spMkLst>
+            <pc:docMk/>
+            <pc:sldMk cId="1682691476" sldId="288"/>
+            <ac:spMk id="3" creationId="{853BEB51-9955-F82A-6F80-41EBE4E2A34E}"/>
+          </ac:spMkLst>
+        </pc:spChg>
+        <pc:spChg chg="mod">
+          <ac:chgData name="Toby Donaldson" userId="2e6e5431-bb17-4c41-9985-d39c50d83c73" providerId="ADAL" clId="{3E49B8A0-82F3-4E5B-B9C4-160B447F8CF8}" dt="2023-06-24T02:57:48.572" v="1012" actId="20577"/>
+          <ac:spMkLst>
+            <pc:docMk/>
+            <pc:sldMk cId="1682691476" sldId="288"/>
+            <ac:spMk id="7" creationId="{413C3B1B-8956-A95C-683F-18D9074849E9}"/>
+          </ac:spMkLst>
+        </pc:spChg>
+      </pc:sldChg>
+      <pc:sldChg chg="modSp mod">
+        <pc:chgData name="Toby Donaldson" userId="2e6e5431-bb17-4c41-9985-d39c50d83c73" providerId="ADAL" clId="{3E49B8A0-82F3-4E5B-B9C4-160B447F8CF8}" dt="2023-06-24T02:58:11.937" v="1016" actId="20577"/>
+        <pc:sldMkLst>
+          <pc:docMk/>
+          <pc:sldMk cId="1672341037" sldId="289"/>
+        </pc:sldMkLst>
+        <pc:spChg chg="mod">
+          <ac:chgData name="Toby Donaldson" userId="2e6e5431-bb17-4c41-9985-d39c50d83c73" providerId="ADAL" clId="{3E49B8A0-82F3-4E5B-B9C4-160B447F8CF8}" dt="2023-06-24T02:58:11.937" v="1016" actId="20577"/>
+          <ac:spMkLst>
+            <pc:docMk/>
+            <pc:sldMk cId="1672341037" sldId="289"/>
+            <ac:spMk id="2" creationId="{05EEB890-4AE9-E61C-9A74-E115946F8737}"/>
+          </ac:spMkLst>
+        </pc:spChg>
+      </pc:sldChg>
+      <pc:sldChg chg="modSp mod">
+        <pc:chgData name="Toby Donaldson" userId="2e6e5431-bb17-4c41-9985-d39c50d83c73" providerId="ADAL" clId="{3E49B8A0-82F3-4E5B-B9C4-160B447F8CF8}" dt="2023-06-24T02:59:34.345" v="1058" actId="1076"/>
+        <pc:sldMkLst>
+          <pc:docMk/>
+          <pc:sldMk cId="397900611" sldId="290"/>
+        </pc:sldMkLst>
+        <pc:spChg chg="mod">
+          <ac:chgData name="Toby Donaldson" userId="2e6e5431-bb17-4c41-9985-d39c50d83c73" providerId="ADAL" clId="{3E49B8A0-82F3-4E5B-B9C4-160B447F8CF8}" dt="2023-06-24T02:59:21.537" v="1056" actId="1076"/>
+          <ac:spMkLst>
+            <pc:docMk/>
+            <pc:sldMk cId="397900611" sldId="290"/>
+            <ac:spMk id="10" creationId="{C426CA52-5795-6EB4-0560-A7FA9BD70B89}"/>
+          </ac:spMkLst>
+        </pc:spChg>
+        <pc:spChg chg="mod">
+          <ac:chgData name="Toby Donaldson" userId="2e6e5431-bb17-4c41-9985-d39c50d83c73" providerId="ADAL" clId="{3E49B8A0-82F3-4E5B-B9C4-160B447F8CF8}" dt="2023-06-24T02:59:34.345" v="1058" actId="1076"/>
+          <ac:spMkLst>
+            <pc:docMk/>
+            <pc:sldMk cId="397900611" sldId="290"/>
+            <ac:spMk id="11" creationId="{0B3048A3-03FE-EDBE-7D47-8B00E19471C1}"/>
+          </ac:spMkLst>
+        </pc:spChg>
+      </pc:sldChg>
+      <pc:sldChg chg="modSp mod">
+        <pc:chgData name="Toby Donaldson" userId="2e6e5431-bb17-4c41-9985-d39c50d83c73" providerId="ADAL" clId="{3E49B8A0-82F3-4E5B-B9C4-160B447F8CF8}" dt="2023-06-24T02:59:53.656" v="1066" actId="20577"/>
+        <pc:sldMkLst>
+          <pc:docMk/>
+          <pc:sldMk cId="1657589750" sldId="291"/>
+        </pc:sldMkLst>
+        <pc:spChg chg="mod">
+          <ac:chgData name="Toby Donaldson" userId="2e6e5431-bb17-4c41-9985-d39c50d83c73" providerId="ADAL" clId="{3E49B8A0-82F3-4E5B-B9C4-160B447F8CF8}" dt="2023-06-24T02:59:43.353" v="1059" actId="20577"/>
+          <ac:spMkLst>
+            <pc:docMk/>
+            <pc:sldMk cId="1657589750" sldId="291"/>
+            <ac:spMk id="2" creationId="{6E6C3240-625C-85D5-9A27-AFC44222D530}"/>
+          </ac:spMkLst>
+        </pc:spChg>
+        <pc:spChg chg="mod">
+          <ac:chgData name="Toby Donaldson" userId="2e6e5431-bb17-4c41-9985-d39c50d83c73" providerId="ADAL" clId="{3E49B8A0-82F3-4E5B-B9C4-160B447F8CF8}" dt="2023-06-24T02:59:53.656" v="1066" actId="20577"/>
+          <ac:spMkLst>
+            <pc:docMk/>
+            <pc:sldMk cId="1657589750" sldId="291"/>
+            <ac:spMk id="10" creationId="{A4FEAC98-6DC3-B4B1-0754-7C5EDD69E199}"/>
+          </ac:spMkLst>
+        </pc:spChg>
+      </pc:sldChg>
+      <pc:sldChg chg="addSp modSp mod">
+        <pc:chgData name="Toby Donaldson" userId="2e6e5431-bb17-4c41-9985-d39c50d83c73" providerId="ADAL" clId="{3E49B8A0-82F3-4E5B-B9C4-160B447F8CF8}" dt="2023-06-24T03:01:29.354" v="1081" actId="1076"/>
+        <pc:sldMkLst>
+          <pc:docMk/>
+          <pc:sldMk cId="3118127669" sldId="292"/>
+        </pc:sldMkLst>
+        <pc:spChg chg="mod">
+          <ac:chgData name="Toby Donaldson" userId="2e6e5431-bb17-4c41-9985-d39c50d83c73" providerId="ADAL" clId="{3E49B8A0-82F3-4E5B-B9C4-160B447F8CF8}" dt="2023-06-24T03:00:04.759" v="1067" actId="20577"/>
+          <ac:spMkLst>
+            <pc:docMk/>
+            <pc:sldMk cId="3118127669" sldId="292"/>
+            <ac:spMk id="2" creationId="{6E6C3240-625C-85D5-9A27-AFC44222D530}"/>
+          </ac:spMkLst>
+        </pc:spChg>
+        <pc:spChg chg="add mod">
+          <ac:chgData name="Toby Donaldson" userId="2e6e5431-bb17-4c41-9985-d39c50d83c73" providerId="ADAL" clId="{3E49B8A0-82F3-4E5B-B9C4-160B447F8CF8}" dt="2023-06-24T03:01:16.646" v="1079" actId="1076"/>
+          <ac:spMkLst>
+            <pc:docMk/>
+            <pc:sldMk cId="3118127669" sldId="292"/>
+            <ac:spMk id="3" creationId="{78BC99BD-F5D0-A2B0-AC9A-F3E674D0A94E}"/>
+          </ac:spMkLst>
+        </pc:spChg>
+        <pc:spChg chg="mod">
+          <ac:chgData name="Toby Donaldson" userId="2e6e5431-bb17-4c41-9985-d39c50d83c73" providerId="ADAL" clId="{3E49B8A0-82F3-4E5B-B9C4-160B447F8CF8}" dt="2023-06-24T03:01:12.033" v="1077" actId="1076"/>
+          <ac:spMkLst>
+            <pc:docMk/>
+            <pc:sldMk cId="3118127669" sldId="292"/>
+            <ac:spMk id="8" creationId="{92625BD6-573B-1828-6710-12D80A93331E}"/>
+          </ac:spMkLst>
+        </pc:spChg>
+        <pc:spChg chg="mod">
+          <ac:chgData name="Toby Donaldson" userId="2e6e5431-bb17-4c41-9985-d39c50d83c73" providerId="ADAL" clId="{3E49B8A0-82F3-4E5B-B9C4-160B447F8CF8}" dt="2023-06-24T03:00:45.824" v="1072" actId="113"/>
+          <ac:spMkLst>
+            <pc:docMk/>
+            <pc:sldMk cId="3118127669" sldId="292"/>
+            <ac:spMk id="10" creationId="{A4FEAC98-6DC3-B4B1-0754-7C5EDD69E199}"/>
+          </ac:spMkLst>
+        </pc:spChg>
+        <pc:spChg chg="mod">
+          <ac:chgData name="Toby Donaldson" userId="2e6e5431-bb17-4c41-9985-d39c50d83c73" providerId="ADAL" clId="{3E49B8A0-82F3-4E5B-B9C4-160B447F8CF8}" dt="2023-06-24T03:00:39.072" v="1071" actId="20577"/>
+          <ac:spMkLst>
+            <pc:docMk/>
+            <pc:sldMk cId="3118127669" sldId="292"/>
+            <ac:spMk id="12" creationId="{30E81C47-38A2-4FB2-2322-0763897119E2}"/>
+          </ac:spMkLst>
+        </pc:spChg>
+        <pc:spChg chg="mod">
+          <ac:chgData name="Toby Donaldson" userId="2e6e5431-bb17-4c41-9985-d39c50d83c73" providerId="ADAL" clId="{3E49B8A0-82F3-4E5B-B9C4-160B447F8CF8}" dt="2023-06-24T03:01:29.354" v="1081" actId="1076"/>
+          <ac:spMkLst>
+            <pc:docMk/>
+            <pc:sldMk cId="3118127669" sldId="292"/>
+            <ac:spMk id="30" creationId="{748401B0-B0E5-3CF5-A28C-53A208B4A7B2}"/>
+          </ac:spMkLst>
+        </pc:spChg>
+        <pc:spChg chg="mod">
+          <ac:chgData name="Toby Donaldson" userId="2e6e5431-bb17-4c41-9985-d39c50d83c73" providerId="ADAL" clId="{3E49B8A0-82F3-4E5B-B9C4-160B447F8CF8}" dt="2023-06-24T03:01:06.470" v="1075" actId="1076"/>
+          <ac:spMkLst>
+            <pc:docMk/>
+            <pc:sldMk cId="3118127669" sldId="292"/>
+            <ac:spMk id="32" creationId="{FF72C43F-0B6A-EAED-F40F-D40A13AD666B}"/>
+          </ac:spMkLst>
+        </pc:spChg>
+        <pc:spChg chg="mod">
+          <ac:chgData name="Toby Donaldson" userId="2e6e5431-bb17-4c41-9985-d39c50d83c73" providerId="ADAL" clId="{3E49B8A0-82F3-4E5B-B9C4-160B447F8CF8}" dt="2023-06-24T03:00:57.082" v="1073" actId="1076"/>
+          <ac:spMkLst>
+            <pc:docMk/>
+            <pc:sldMk cId="3118127669" sldId="292"/>
+            <ac:spMk id="33" creationId="{AC02D06A-7F5E-0DAA-8621-9A81ECFB2FDB}"/>
+          </ac:spMkLst>
+        </pc:spChg>
+      </pc:sldChg>
+      <pc:sldChg chg="del">
+        <pc:chgData name="Toby Donaldson" userId="2e6e5431-bb17-4c41-9985-d39c50d83c73" providerId="ADAL" clId="{3E49B8A0-82F3-4E5B-B9C4-160B447F8CF8}" dt="2023-06-24T03:02:38.848" v="1086" actId="2696"/>
+        <pc:sldMkLst>
+          <pc:docMk/>
+          <pc:sldMk cId="3965035007" sldId="294"/>
+        </pc:sldMkLst>
+      </pc:sldChg>
+      <pc:sldChg chg="modSp mod">
+        <pc:chgData name="Toby Donaldson" userId="2e6e5431-bb17-4c41-9985-d39c50d83c73" providerId="ADAL" clId="{3E49B8A0-82F3-4E5B-B9C4-160B447F8CF8}" dt="2023-06-24T03:03:08.357" v="1089"/>
+        <pc:sldMkLst>
+          <pc:docMk/>
+          <pc:sldMk cId="826826618" sldId="295"/>
+        </pc:sldMkLst>
+        <pc:spChg chg="mod">
+          <ac:chgData name="Toby Donaldson" userId="2e6e5431-bb17-4c41-9985-d39c50d83c73" providerId="ADAL" clId="{3E49B8A0-82F3-4E5B-B9C4-160B447F8CF8}" dt="2023-06-24T03:02:48.716" v="1088" actId="113"/>
+          <ac:spMkLst>
+            <pc:docMk/>
+            <pc:sldMk cId="826826618" sldId="295"/>
+            <ac:spMk id="2" creationId="{05EEB890-4AE9-E61C-9A74-E115946F8737}"/>
+          </ac:spMkLst>
+        </pc:spChg>
+        <pc:spChg chg="mod">
+          <ac:chgData name="Toby Donaldson" userId="2e6e5431-bb17-4c41-9985-d39c50d83c73" providerId="ADAL" clId="{3E49B8A0-82F3-4E5B-B9C4-160B447F8CF8}" dt="2023-06-24T03:03:08.357" v="1089"/>
+          <ac:spMkLst>
+            <pc:docMk/>
+            <pc:sldMk cId="826826618" sldId="295"/>
+            <ac:spMk id="4" creationId="{2D05EE0B-8C9B-F11E-BADA-D9B3F4B68631}"/>
+          </ac:spMkLst>
+        </pc:spChg>
+      </pc:sldChg>
+      <pc:sldChg chg="modSp">
+        <pc:chgData name="Toby Donaldson" userId="2e6e5431-bb17-4c41-9985-d39c50d83c73" providerId="ADAL" clId="{3E49B8A0-82F3-4E5B-B9C4-160B447F8CF8}" dt="2023-06-24T03:03:37.656" v="1091"/>
+        <pc:sldMkLst>
+          <pc:docMk/>
+          <pc:sldMk cId="3247521913" sldId="296"/>
+        </pc:sldMkLst>
+        <pc:spChg chg="mod">
+          <ac:chgData name="Toby Donaldson" userId="2e6e5431-bb17-4c41-9985-d39c50d83c73" providerId="ADAL" clId="{3E49B8A0-82F3-4E5B-B9C4-160B447F8CF8}" dt="2023-06-24T03:03:37.656" v="1091"/>
+          <ac:spMkLst>
+            <pc:docMk/>
+            <pc:sldMk cId="3247521913" sldId="296"/>
+            <ac:spMk id="4" creationId="{2D05EE0B-8C9B-F11E-BADA-D9B3F4B68631}"/>
+          </ac:spMkLst>
+        </pc:spChg>
+      </pc:sldChg>
+      <pc:sldChg chg="modSp">
+        <pc:chgData name="Toby Donaldson" userId="2e6e5431-bb17-4c41-9985-d39c50d83c73" providerId="ADAL" clId="{3E49B8A0-82F3-4E5B-B9C4-160B447F8CF8}" dt="2023-06-24T03:03:31.617" v="1090"/>
+        <pc:sldMkLst>
+          <pc:docMk/>
+          <pc:sldMk cId="566280753" sldId="297"/>
+        </pc:sldMkLst>
+        <pc:spChg chg="mod">
+          <ac:chgData name="Toby Donaldson" userId="2e6e5431-bb17-4c41-9985-d39c50d83c73" providerId="ADAL" clId="{3E49B8A0-82F3-4E5B-B9C4-160B447F8CF8}" dt="2023-06-24T03:03:31.617" v="1090"/>
+          <ac:spMkLst>
+            <pc:docMk/>
+            <pc:sldMk cId="566280753" sldId="297"/>
+            <ac:spMk id="4" creationId="{2D05EE0B-8C9B-F11E-BADA-D9B3F4B68631}"/>
+          </ac:spMkLst>
+        </pc:spChg>
+      </pc:sldChg>
+      <pc:sldChg chg="add del">
+        <pc:chgData name="Toby Donaldson" userId="2e6e5431-bb17-4c41-9985-d39c50d83c73" providerId="ADAL" clId="{3E49B8A0-82F3-4E5B-B9C4-160B447F8CF8}" dt="2023-06-24T02:54:48.847" v="906" actId="2696"/>
+        <pc:sldMkLst>
+          <pc:docMk/>
+          <pc:sldMk cId="2926371896" sldId="300"/>
+        </pc:sldMkLst>
+      </pc:sldChg>
+      <pc:sldChg chg="delSp modSp add mod">
+        <pc:chgData name="Toby Donaldson" userId="2e6e5431-bb17-4c41-9985-d39c50d83c73" providerId="ADAL" clId="{3E49B8A0-82F3-4E5B-B9C4-160B447F8CF8}" dt="2023-06-24T02:54:15.955" v="905" actId="20577"/>
+        <pc:sldMkLst>
+          <pc:docMk/>
+          <pc:sldMk cId="2976736663" sldId="301"/>
+        </pc:sldMkLst>
+        <pc:spChg chg="mod">
+          <ac:chgData name="Toby Donaldson" userId="2e6e5431-bb17-4c41-9985-d39c50d83c73" providerId="ADAL" clId="{3E49B8A0-82F3-4E5B-B9C4-160B447F8CF8}" dt="2023-06-24T02:50:38.489" v="453" actId="20577"/>
+          <ac:spMkLst>
+            <pc:docMk/>
+            <pc:sldMk cId="2976736663" sldId="301"/>
+            <ac:spMk id="2" creationId="{05EEB890-4AE9-E61C-9A74-E115946F8737}"/>
+          </ac:spMkLst>
+        </pc:spChg>
+        <pc:spChg chg="mod">
+          <ac:chgData name="Toby Donaldson" userId="2e6e5431-bb17-4c41-9985-d39c50d83c73" providerId="ADAL" clId="{3E49B8A0-82F3-4E5B-B9C4-160B447F8CF8}" dt="2023-06-24T02:54:15.955" v="905" actId="20577"/>
+          <ac:spMkLst>
+            <pc:docMk/>
+            <pc:sldMk cId="2976736663" sldId="301"/>
+            <ac:spMk id="3" creationId="{853BEB51-9955-F82A-6F80-41EBE4E2A34E}"/>
+          </ac:spMkLst>
+        </pc:spChg>
+        <pc:spChg chg="del">
+          <ac:chgData name="Toby Donaldson" userId="2e6e5431-bb17-4c41-9985-d39c50d83c73" providerId="ADAL" clId="{3E49B8A0-82F3-4E5B-B9C4-160B447F8CF8}" dt="2023-06-24T02:50:44.201" v="454" actId="21"/>
+          <ac:spMkLst>
+            <pc:docMk/>
+            <pc:sldMk cId="2976736663" sldId="301"/>
+            <ac:spMk id="4" creationId="{C6E390C3-C23E-8885-F152-D76BE3C03A20}"/>
+          </ac:spMkLst>
+        </pc:spChg>
+        <pc:spChg chg="mod">
+          <ac:chgData name="Toby Donaldson" userId="2e6e5431-bb17-4c41-9985-d39c50d83c73" providerId="ADAL" clId="{3E49B8A0-82F3-4E5B-B9C4-160B447F8CF8}" dt="2023-06-24T02:53:49.472" v="882" actId="113"/>
+          <ac:spMkLst>
+            <pc:docMk/>
+            <pc:sldMk cId="2976736663" sldId="301"/>
+            <ac:spMk id="5" creationId="{28B8EA08-2981-2FF4-BDF7-59E3A6C2CB08}"/>
+          </ac:spMkLst>
+        </pc:spChg>
+        <pc:spChg chg="del">
+          <ac:chgData name="Toby Donaldson" userId="2e6e5431-bb17-4c41-9985-d39c50d83c73" providerId="ADAL" clId="{3E49B8A0-82F3-4E5B-B9C4-160B447F8CF8}" dt="2023-06-24T02:50:44.201" v="454" actId="21"/>
+          <ac:spMkLst>
+            <pc:docMk/>
+            <pc:sldMk cId="2976736663" sldId="301"/>
+            <ac:spMk id="8" creationId="{1E340167-FAFF-9E55-2497-F7B2B09CCA2C}"/>
+          </ac:spMkLst>
+        </pc:spChg>
+        <pc:cxnChg chg="del">
+          <ac:chgData name="Toby Donaldson" userId="2e6e5431-bb17-4c41-9985-d39c50d83c73" providerId="ADAL" clId="{3E49B8A0-82F3-4E5B-B9C4-160B447F8CF8}" dt="2023-06-24T02:50:44.201" v="454" actId="21"/>
+          <ac:cxnSpMkLst>
+            <pc:docMk/>
+            <pc:sldMk cId="2976736663" sldId="301"/>
+            <ac:cxnSpMk id="7" creationId="{57D856B2-E747-D2D0-D611-2F0130FE87F2}"/>
+          </ac:cxnSpMkLst>
+        </pc:cxnChg>
+      </pc:sldChg>
+      <pc:sldChg chg="addSp delSp modSp add mod">
+        <pc:chgData name="Toby Donaldson" userId="2e6e5431-bb17-4c41-9985-d39c50d83c73" providerId="ADAL" clId="{3E49B8A0-82F3-4E5B-B9C4-160B447F8CF8}" dt="2023-06-24T03:02:16.313" v="1085"/>
+        <pc:sldMkLst>
+          <pc:docMk/>
+          <pc:sldMk cId="2859941842" sldId="302"/>
+        </pc:sldMkLst>
+        <pc:spChg chg="add mod">
+          <ac:chgData name="Toby Donaldson" userId="2e6e5431-bb17-4c41-9985-d39c50d83c73" providerId="ADAL" clId="{3E49B8A0-82F3-4E5B-B9C4-160B447F8CF8}" dt="2023-06-24T03:02:16.313" v="1085"/>
+          <ac:spMkLst>
+            <pc:docMk/>
+            <pc:sldMk cId="2859941842" sldId="302"/>
+            <ac:spMk id="4" creationId="{2736AC0A-DE43-D386-CF8D-3EF883453115}"/>
+          </ac:spMkLst>
+        </pc:spChg>
+        <pc:spChg chg="del">
+          <ac:chgData name="Toby Donaldson" userId="2e6e5431-bb17-4c41-9985-d39c50d83c73" providerId="ADAL" clId="{3E49B8A0-82F3-4E5B-B9C4-160B447F8CF8}" dt="2023-06-24T03:02:04.450" v="1083" actId="21"/>
+          <ac:spMkLst>
+            <pc:docMk/>
+            <pc:sldMk cId="2859941842" sldId="302"/>
+            <ac:spMk id="12" creationId="{30E81C47-38A2-4FB2-2322-0763897119E2}"/>
+          </ac:spMkLst>
+        </pc:spChg>
+        <pc:spChg chg="del">
+          <ac:chgData name="Toby Donaldson" userId="2e6e5431-bb17-4c41-9985-d39c50d83c73" providerId="ADAL" clId="{3E49B8A0-82F3-4E5B-B9C4-160B447F8CF8}" dt="2023-06-24T03:02:04.450" v="1083" actId="21"/>
+          <ac:spMkLst>
+            <pc:docMk/>
+            <pc:sldMk cId="2859941842" sldId="302"/>
+            <ac:spMk id="30" creationId="{748401B0-B0E5-3CF5-A28C-53A208B4A7B2}"/>
+          </ac:spMkLst>
+        </pc:spChg>
+        <pc:spChg chg="del">
+          <ac:chgData name="Toby Donaldson" userId="2e6e5431-bb17-4c41-9985-d39c50d83c73" providerId="ADAL" clId="{3E49B8A0-82F3-4E5B-B9C4-160B447F8CF8}" dt="2023-06-24T03:02:04.450" v="1083" actId="21"/>
+          <ac:spMkLst>
+            <pc:docMk/>
+            <pc:sldMk cId="2859941842" sldId="302"/>
+            <ac:spMk id="31" creationId="{6FC95193-ACB8-5743-20F0-FE1FA36B44AB}"/>
+          </ac:spMkLst>
+        </pc:spChg>
+        <pc:cxnChg chg="del">
+          <ac:chgData name="Toby Donaldson" userId="2e6e5431-bb17-4c41-9985-d39c50d83c73" providerId="ADAL" clId="{3E49B8A0-82F3-4E5B-B9C4-160B447F8CF8}" dt="2023-06-24T03:02:09.708" v="1084" actId="21"/>
+          <ac:cxnSpMkLst>
+            <pc:docMk/>
+            <pc:sldMk cId="2859941842" sldId="302"/>
+            <ac:cxnSpMk id="14" creationId="{E8D2E508-36AE-D86D-B747-31D20B196531}"/>
+          </ac:cxnSpMkLst>
+        </pc:cxnChg>
+        <pc:cxnChg chg="del">
+          <ac:chgData name="Toby Donaldson" userId="2e6e5431-bb17-4c41-9985-d39c50d83c73" providerId="ADAL" clId="{3E49B8A0-82F3-4E5B-B9C4-160B447F8CF8}" dt="2023-06-24T03:02:09.708" v="1084" actId="21"/>
+          <ac:cxnSpMkLst>
+            <pc:docMk/>
+            <pc:sldMk cId="2859941842" sldId="302"/>
+            <ac:cxnSpMk id="18" creationId="{1EDAFE89-1388-BA75-4B85-395E8AAC9467}"/>
+          </ac:cxnSpMkLst>
+        </pc:cxnChg>
+        <pc:cxnChg chg="del">
+          <ac:chgData name="Toby Donaldson" userId="2e6e5431-bb17-4c41-9985-d39c50d83c73" providerId="ADAL" clId="{3E49B8A0-82F3-4E5B-B9C4-160B447F8CF8}" dt="2023-06-24T03:02:09.708" v="1084" actId="21"/>
+          <ac:cxnSpMkLst>
+            <pc:docMk/>
+            <pc:sldMk cId="2859941842" sldId="302"/>
+            <ac:cxnSpMk id="20" creationId="{9B95CA7E-4D69-6AB5-A58E-63BB80A19AF4}"/>
+          </ac:cxnSpMkLst>
+        </pc:cxnChg>
+        <pc:cxnChg chg="del">
+          <ac:chgData name="Toby Donaldson" userId="2e6e5431-bb17-4c41-9985-d39c50d83c73" providerId="ADAL" clId="{3E49B8A0-82F3-4E5B-B9C4-160B447F8CF8}" dt="2023-06-24T03:02:09.708" v="1084" actId="21"/>
+          <ac:cxnSpMkLst>
+            <pc:docMk/>
+            <pc:sldMk cId="2859941842" sldId="302"/>
+            <ac:cxnSpMk id="23" creationId="{A5AD9B66-531E-9F4A-E36F-CE8352948C18}"/>
+          </ac:cxnSpMkLst>
+        </pc:cxnChg>
+        <pc:cxnChg chg="del">
+          <ac:chgData name="Toby Donaldson" userId="2e6e5431-bb17-4c41-9985-d39c50d83c73" providerId="ADAL" clId="{3E49B8A0-82F3-4E5B-B9C4-160B447F8CF8}" dt="2023-06-24T03:02:09.708" v="1084" actId="21"/>
+          <ac:cxnSpMkLst>
+            <pc:docMk/>
+            <pc:sldMk cId="2859941842" sldId="302"/>
+            <ac:cxnSpMk id="27" creationId="{FF90B311-4177-46AF-51F2-C3BF15EA52D0}"/>
+          </ac:cxnSpMkLst>
+        </pc:cxnChg>
+      </pc:sldChg>
+    </pc:docChg>
+  </pc:docChgLst>
   <pc:docChgLst>
     <pc:chgData name="Toby Donaldson" userId="2e6e5431-bb17-4c41-9985-d39c50d83c73" providerId="ADAL" clId="{D9A999BB-D5A6-41D4-9471-09BF3FB2A24E}"/>
     <pc:docChg chg="undo custSel addSld delSld modSld sldOrd">
@@ -2065,7 +2822,7 @@
           <a:p>
             <a:fld id="{ED9869CA-F724-400B-9726-11CBC5990295}" type="datetimeFigureOut">
               <a:rPr lang="en-AU" smtClean="0"/>
-              <a:t>22/06/2023</a:t>
+              <a:t>23/06/2023</a:t>
             </a:fld>
             <a:endParaRPr lang="en-AU"/>
           </a:p>
@@ -2265,7 +3022,7 @@
           <a:p>
             <a:fld id="{ED9869CA-F724-400B-9726-11CBC5990295}" type="datetimeFigureOut">
               <a:rPr lang="en-AU" smtClean="0"/>
-              <a:t>22/06/2023</a:t>
+              <a:t>23/06/2023</a:t>
             </a:fld>
             <a:endParaRPr lang="en-AU"/>
           </a:p>
@@ -2475,7 +3232,7 @@
           <a:p>
             <a:fld id="{ED9869CA-F724-400B-9726-11CBC5990295}" type="datetimeFigureOut">
               <a:rPr lang="en-AU" smtClean="0"/>
-              <a:t>22/06/2023</a:t>
+              <a:t>23/06/2023</a:t>
             </a:fld>
             <a:endParaRPr lang="en-AU"/>
           </a:p>
@@ -2675,7 +3432,7 @@
           <a:p>
             <a:fld id="{ED9869CA-F724-400B-9726-11CBC5990295}" type="datetimeFigureOut">
               <a:rPr lang="en-AU" smtClean="0"/>
-              <a:t>22/06/2023</a:t>
+              <a:t>23/06/2023</a:t>
             </a:fld>
             <a:endParaRPr lang="en-AU"/>
           </a:p>
@@ -2951,7 +3708,7 @@
           <a:p>
             <a:fld id="{ED9869CA-F724-400B-9726-11CBC5990295}" type="datetimeFigureOut">
               <a:rPr lang="en-AU" smtClean="0"/>
-              <a:t>22/06/2023</a:t>
+              <a:t>23/06/2023</a:t>
             </a:fld>
             <a:endParaRPr lang="en-AU"/>
           </a:p>
@@ -3219,7 +3976,7 @@
           <a:p>
             <a:fld id="{ED9869CA-F724-400B-9726-11CBC5990295}" type="datetimeFigureOut">
               <a:rPr lang="en-AU" smtClean="0"/>
-              <a:t>22/06/2023</a:t>
+              <a:t>23/06/2023</a:t>
             </a:fld>
             <a:endParaRPr lang="en-AU"/>
           </a:p>
@@ -3634,7 +4391,7 @@
           <a:p>
             <a:fld id="{ED9869CA-F724-400B-9726-11CBC5990295}" type="datetimeFigureOut">
               <a:rPr lang="en-AU" smtClean="0"/>
-              <a:t>22/06/2023</a:t>
+              <a:t>23/06/2023</a:t>
             </a:fld>
             <a:endParaRPr lang="en-AU"/>
           </a:p>
@@ -3776,7 +4533,7 @@
           <a:p>
             <a:fld id="{ED9869CA-F724-400B-9726-11CBC5990295}" type="datetimeFigureOut">
               <a:rPr lang="en-AU" smtClean="0"/>
-              <a:t>22/06/2023</a:t>
+              <a:t>23/06/2023</a:t>
             </a:fld>
             <a:endParaRPr lang="en-AU"/>
           </a:p>
@@ -3889,7 +4646,7 @@
           <a:p>
             <a:fld id="{ED9869CA-F724-400B-9726-11CBC5990295}" type="datetimeFigureOut">
               <a:rPr lang="en-AU" smtClean="0"/>
-              <a:t>22/06/2023</a:t>
+              <a:t>23/06/2023</a:t>
             </a:fld>
             <a:endParaRPr lang="en-AU"/>
           </a:p>
@@ -4202,7 +4959,7 @@
           <a:p>
             <a:fld id="{ED9869CA-F724-400B-9726-11CBC5990295}" type="datetimeFigureOut">
               <a:rPr lang="en-AU" smtClean="0"/>
-              <a:t>22/06/2023</a:t>
+              <a:t>23/06/2023</a:t>
             </a:fld>
             <a:endParaRPr lang="en-AU"/>
           </a:p>
@@ -4491,7 +5248,7 @@
           <a:p>
             <a:fld id="{ED9869CA-F724-400B-9726-11CBC5990295}" type="datetimeFigureOut">
               <a:rPr lang="en-AU" smtClean="0"/>
-              <a:t>22/06/2023</a:t>
+              <a:t>23/06/2023</a:t>
             </a:fld>
             <a:endParaRPr lang="en-AU"/>
           </a:p>
@@ -4734,7 +5491,7 @@
           <a:p>
             <a:fld id="{ED9869CA-F724-400B-9726-11CBC5990295}" type="datetimeFigureOut">
               <a:rPr lang="en-AU" smtClean="0"/>
-              <a:t>22/06/2023</a:t>
+              <a:t>23/06/2023</a:t>
             </a:fld>
             <a:endParaRPr lang="en-AU"/>
           </a:p>
@@ -5357,7 +6114,7 @@
         </p:nvSpPr>
         <p:spPr>
           <a:xfrm>
-            <a:off x="4053724" y="2019383"/>
+            <a:off x="4351090" y="1655110"/>
             <a:ext cx="2596457" cy="923330"/>
           </a:xfrm>
           <a:prstGeom prst="rect">
@@ -5399,6 +6156,129 @@
           </a:p>
         </p:txBody>
       </p:sp>
+      <p:cxnSp>
+        <p:nvCxnSpPr>
+          <p:cNvPr id="3" name="Straight Arrow Connector 2">
+            <a:extLst>
+              <a:ext uri="{FF2B5EF4-FFF2-40B4-BE49-F238E27FC236}">
+                <a16:creationId xmlns:a16="http://schemas.microsoft.com/office/drawing/2014/main" id="{C5108993-F9B1-A2C9-9097-A7ED0AC5313D}"/>
+              </a:ext>
+            </a:extLst>
+          </p:cNvPr>
+          <p:cNvCxnSpPr>
+            <a:cxnSpLocks/>
+          </p:cNvCxnSpPr>
+          <p:nvPr/>
+        </p:nvCxnSpPr>
+        <p:spPr>
+          <a:xfrm flipH="1">
+            <a:off x="2282283" y="2653990"/>
+            <a:ext cx="2720897" cy="840059"/>
+          </a:xfrm>
+          <a:prstGeom prst="straightConnector1">
+            <a:avLst/>
+          </a:prstGeom>
+          <a:ln>
+            <a:tailEnd type="triangle"/>
+          </a:ln>
+        </p:spPr>
+        <p:style>
+          <a:lnRef idx="1">
+            <a:schemeClr val="accent1"/>
+          </a:lnRef>
+          <a:fillRef idx="0">
+            <a:schemeClr val="accent1"/>
+          </a:fillRef>
+          <a:effectRef idx="0">
+            <a:schemeClr val="accent1"/>
+          </a:effectRef>
+          <a:fontRef idx="minor">
+            <a:schemeClr val="tx1"/>
+          </a:fontRef>
+        </p:style>
+      </p:cxnSp>
+      <p:cxnSp>
+        <p:nvCxnSpPr>
+          <p:cNvPr id="7" name="Straight Arrow Connector 6">
+            <a:extLst>
+              <a:ext uri="{FF2B5EF4-FFF2-40B4-BE49-F238E27FC236}">
+                <a16:creationId xmlns:a16="http://schemas.microsoft.com/office/drawing/2014/main" id="{C612EFA8-A57F-6031-07B6-DB0363349328}"/>
+              </a:ext>
+            </a:extLst>
+          </p:cNvPr>
+          <p:cNvCxnSpPr>
+            <a:cxnSpLocks/>
+          </p:cNvCxnSpPr>
+          <p:nvPr/>
+        </p:nvCxnSpPr>
+        <p:spPr>
+          <a:xfrm flipH="1">
+            <a:off x="4921405" y="2653990"/>
+            <a:ext cx="401444" cy="840059"/>
+          </a:xfrm>
+          <a:prstGeom prst="straightConnector1">
+            <a:avLst/>
+          </a:prstGeom>
+          <a:ln>
+            <a:tailEnd type="triangle"/>
+          </a:ln>
+        </p:spPr>
+        <p:style>
+          <a:lnRef idx="1">
+            <a:schemeClr val="accent1"/>
+          </a:lnRef>
+          <a:fillRef idx="0">
+            <a:schemeClr val="accent1"/>
+          </a:fillRef>
+          <a:effectRef idx="0">
+            <a:schemeClr val="accent1"/>
+          </a:effectRef>
+          <a:fontRef idx="minor">
+            <a:schemeClr val="tx1"/>
+          </a:fontRef>
+        </p:style>
+      </p:cxnSp>
+      <p:cxnSp>
+        <p:nvCxnSpPr>
+          <p:cNvPr id="12" name="Straight Arrow Connector 11">
+            <a:extLst>
+              <a:ext uri="{FF2B5EF4-FFF2-40B4-BE49-F238E27FC236}">
+                <a16:creationId xmlns:a16="http://schemas.microsoft.com/office/drawing/2014/main" id="{5E11E5CC-FF3C-E50D-751E-6114C4B180DA}"/>
+              </a:ext>
+            </a:extLst>
+          </p:cNvPr>
+          <p:cNvCxnSpPr>
+            <a:cxnSpLocks/>
+          </p:cNvCxnSpPr>
+          <p:nvPr/>
+        </p:nvCxnSpPr>
+        <p:spPr>
+          <a:xfrm>
+            <a:off x="5709424" y="2653990"/>
+            <a:ext cx="1984917" cy="906966"/>
+          </a:xfrm>
+          <a:prstGeom prst="straightConnector1">
+            <a:avLst/>
+          </a:prstGeom>
+          <a:ln>
+            <a:tailEnd type="triangle"/>
+          </a:ln>
+        </p:spPr>
+        <p:style>
+          <a:lnRef idx="1">
+            <a:schemeClr val="accent1"/>
+          </a:lnRef>
+          <a:fillRef idx="0">
+            <a:schemeClr val="accent1"/>
+          </a:fillRef>
+          <a:effectRef idx="0">
+            <a:schemeClr val="accent1"/>
+          </a:effectRef>
+          <a:fontRef idx="minor">
+            <a:schemeClr val="tx1"/>
+          </a:fontRef>
+        </p:style>
+      </p:cxnSp>
     </p:spTree>
     <p:extLst>
       <p:ext uri="{BB962C8B-B14F-4D97-AF65-F5344CB8AC3E}">
@@ -6031,7 +6911,7 @@
         </p:nvSpPr>
         <p:spPr>
           <a:xfrm>
-            <a:off x="1338802" y="5408859"/>
+            <a:off x="1207195" y="5408859"/>
             <a:ext cx="2854036" cy="1200329"/>
           </a:xfrm>
           <a:prstGeom prst="rect">
@@ -6900,8 +7780,12 @@
           <a:lstStyle/>
           <a:p>
             <a:r>
-              <a:rPr lang="en-CA" dirty="0"/>
-              <a:t>Hash tables are a popular data structure for implementing maps</a:t>
+              <a:rPr lang="en-CA" b="1" dirty="0"/>
+              <a:t>Hash tables </a:t>
+            </a:r>
+            <a:r>
+              <a:rPr lang="en-CA" dirty="0"/>
+              <a:t>are a popular data structure for implementing maps</a:t>
             </a:r>
           </a:p>
           <a:p>
@@ -6920,7 +7804,15 @@
           <a:p>
             <a:r>
               <a:rPr lang="en-CA" dirty="0"/>
-              <a:t>The basic idea is simple: use a hash function that converts a key to a index in array of where to store it</a:t>
+              <a:t>The basic idea is simple: use a </a:t>
+            </a:r>
+            <a:r>
+              <a:rPr lang="en-CA" b="1" dirty="0"/>
+              <a:t>hash function </a:t>
+            </a:r>
+            <a:r>
+              <a:rPr lang="en-CA" dirty="0"/>
+              <a:t>that converts a key to an index of where to store it in an array</a:t>
             </a:r>
           </a:p>
           <a:p>
@@ -6934,7 +7826,7 @@
             <a:pPr lvl="1"/>
             <a:r>
               <a:rPr lang="en-CA" dirty="0"/>
-              <a:t>store (key, value) at index location hash(key)</a:t>
+              <a:t>(key, value) is stored at index location hash(key)</a:t>
             </a:r>
           </a:p>
         </p:txBody>
@@ -7040,7 +7932,15 @@
           <a:p>
             <a:r>
               <a:rPr lang="en-CA" dirty="0"/>
-              <a:t>The basic idea is simple: use a hash function that converts a key to a index in array of where to store it</a:t>
+              <a:t>The basic idea is simple: use a </a:t>
+            </a:r>
+            <a:r>
+              <a:rPr lang="en-CA" b="1" dirty="0"/>
+              <a:t>hash function </a:t>
+            </a:r>
+            <a:r>
+              <a:rPr lang="en-CA" dirty="0"/>
+              <a:t>that converts a key to an index of where to store it in an array</a:t>
             </a:r>
           </a:p>
           <a:p>
@@ -7054,7 +7954,7 @@
             <a:pPr lvl="1"/>
             <a:r>
               <a:rPr lang="en-CA" dirty="0"/>
-              <a:t>store (key, value) at index location hash(key)</a:t>
+              <a:t>(key, value) is stored at index location hash(key)</a:t>
             </a:r>
           </a:p>
         </p:txBody>
@@ -7074,7 +7974,7 @@
         <p:spPr>
           <a:xfrm>
             <a:off x="7961275" y="4212690"/>
-            <a:ext cx="3039234" cy="923330"/>
+            <a:ext cx="2788501" cy="1200329"/>
           </a:xfrm>
           <a:prstGeom prst="rect">
             <a:avLst/>
@@ -7098,7 +7998,7 @@
             <a:pPr algn="ctr"/>
             <a:r>
               <a:rPr lang="en-CA" dirty="0"/>
-              <a:t>Calculating hashes should be fast, and spread out unpredictably over the table.</a:t>
+              <a:t>Calculating hashes should be fast, and they should be spread out unpredictably over the array.</a:t>
             </a:r>
             <a:endParaRPr lang="en-AU" dirty="0"/>
           </a:p>
@@ -7244,7 +8144,15 @@
           <a:p>
             <a:r>
               <a:rPr lang="en-CA" dirty="0"/>
-              <a:t>The basic idea is simple: use a hash function that converts a key to a index in array of where to store it</a:t>
+              <a:t>The basic idea is simple: use a </a:t>
+            </a:r>
+            <a:r>
+              <a:rPr lang="en-CA" b="1" dirty="0"/>
+              <a:t>hash function </a:t>
+            </a:r>
+            <a:r>
+              <a:rPr lang="en-CA" dirty="0"/>
+              <a:t>that converts a key to an index of where to store it in an array</a:t>
             </a:r>
           </a:p>
           <a:p>
@@ -7258,7 +8166,7 @@
             <a:pPr lvl="1"/>
             <a:r>
               <a:rPr lang="en-CA" dirty="0"/>
-              <a:t>store (key, value) at index location hash(key)</a:t>
+              <a:t>(key, value) is stored at index location hash(key)</a:t>
             </a:r>
           </a:p>
         </p:txBody>
@@ -7336,8 +8244,8 @@
         </p:nvCxnSpPr>
         <p:spPr>
           <a:xfrm flipH="1">
-            <a:off x="7065818" y="5061527"/>
-            <a:ext cx="1174857" cy="0"/>
+            <a:off x="7605132" y="5061527"/>
+            <a:ext cx="635543" cy="0"/>
           </a:xfrm>
           <a:prstGeom prst="straightConnector1">
             <a:avLst/>
@@ -7462,7 +8370,15 @@
           <a:p>
             <a:r>
               <a:rPr lang="en-CA" dirty="0"/>
-              <a:t>The basic idea is simple: use a hash function that converts a key to a index in array of where to store it</a:t>
+              <a:t>The basic idea is simple: use a </a:t>
+            </a:r>
+            <a:r>
+              <a:rPr lang="en-CA" b="1" dirty="0"/>
+              <a:t>hash function </a:t>
+            </a:r>
+            <a:r>
+              <a:rPr lang="en-CA" dirty="0"/>
+              <a:t>that converts a key to an index of where to store it in an array</a:t>
             </a:r>
           </a:p>
           <a:p>
@@ -7476,7 +8392,7 @@
             <a:pPr lvl="1"/>
             <a:r>
               <a:rPr lang="en-CA" dirty="0"/>
-              <a:t>store (key, value) at index location hash(key)</a:t>
+              <a:t>(key, value) is stored at index location hash(key)</a:t>
             </a:r>
           </a:p>
         </p:txBody>
@@ -7495,7 +8411,7 @@
         </p:nvSpPr>
         <p:spPr>
           <a:xfrm>
-            <a:off x="8127529" y="5253633"/>
+            <a:off x="8507610" y="5157580"/>
             <a:ext cx="2355744" cy="923330"/>
           </a:xfrm>
           <a:prstGeom prst="rect">
@@ -7542,7 +8458,7 @@
         </p:nvCxnSpPr>
         <p:spPr>
           <a:xfrm flipH="1" flipV="1">
-            <a:off x="7139709" y="5061527"/>
+            <a:off x="7511417" y="5061527"/>
             <a:ext cx="877455" cy="192106"/>
           </a:xfrm>
           <a:prstGeom prst="straightConnector1">
@@ -8336,7 +9252,7 @@
             <a:pPr algn="ctr"/>
             <a:r>
               <a:rPr lang="en-CA" dirty="0"/>
-              <a:t>6 because that’s the size of the array.</a:t>
+              <a:t>6 because that’s the capacity of the array</a:t>
             </a:r>
             <a:endParaRPr lang="en-AU" dirty="0"/>
           </a:p>
@@ -8921,8 +9837,8 @@
         </p:nvCxnSpPr>
         <p:spPr>
           <a:xfrm flipH="1">
-            <a:off x="8420518" y="3725233"/>
-            <a:ext cx="769147" cy="1096074"/>
+            <a:off x="8420518" y="4264316"/>
+            <a:ext cx="698413" cy="556991"/>
           </a:xfrm>
           <a:prstGeom prst="straightConnector1">
             <a:avLst/>
@@ -15947,8 +16863,8 @@
         </p:nvSpPr>
         <p:spPr>
           <a:xfrm>
-            <a:off x="8649380" y="3332348"/>
-            <a:ext cx="3025380" cy="1477328"/>
+            <a:off x="8935028" y="3252987"/>
+            <a:ext cx="2739732" cy="1477328"/>
           </a:xfrm>
           <a:prstGeom prst="rect">
             <a:avLst/>
@@ -15972,7 +16888,7 @@
             <a:pPr algn="ctr"/>
             <a:r>
               <a:rPr lang="en-CA" dirty="0"/>
-              <a:t>No extra data structure needed for buckets: all entries stored directly in the array. This kinds of hash table is thus said to use </a:t>
+              <a:t>No extra data structure needed: all entries stored directly in the array. This kind of hash table is said to use </a:t>
             </a:r>
             <a:r>
               <a:rPr lang="en-CA" b="1" dirty="0"/>
@@ -17943,8 +18859,8 @@
         </p:nvSpPr>
         <p:spPr>
           <a:xfrm>
-            <a:off x="7960690" y="3365647"/>
-            <a:ext cx="3255640" cy="1477328"/>
+            <a:off x="8793315" y="3252987"/>
+            <a:ext cx="3049281" cy="1477328"/>
           </a:xfrm>
           <a:prstGeom prst="rect">
             <a:avLst/>
@@ -17972,7 +18888,7 @@
             </a:r>
             <a:r>
               <a:rPr lang="en-CA" dirty="0"/>
-              <a:t>: Removing an item is complicated. You typically need to mark removed locations with a special “available” value different from empty.</a:t>
+              <a:t>: Removing an item is tricky. We will mark removed locations with a special “deleted” value different from empty.</a:t>
             </a:r>
             <a:endParaRPr lang="en-AU" dirty="0"/>
           </a:p>
@@ -18968,7 +19884,7 @@
             </a:r>
             <a:r>
               <a:rPr lang="en-CA" dirty="0"/>
-              <a:t>: Suppose we delete 25. The how is 12 found? If we mark location 1 as “empty”, then that ruins the linear probing.</a:t>
+              <a:t>: Suppose we delete 25. Then how is 12 found? If we mark location 1 as “empty”, that ruins the linear probing.</a:t>
             </a:r>
             <a:endParaRPr lang="en-AU" dirty="0"/>
           </a:p>
@@ -20050,7 +20966,7 @@
             </a:r>
             <a:r>
               <a:rPr lang="en-CA" dirty="0"/>
-              <a:t>: So instead of marking it “empty”, we mark it as “available”. Then linear probing can work, although the code is a little more complex because now there are two non-filled cases.</a:t>
+              <a:t>: So instead of marking it “empty”, we mark it as “deleted”. Then linear probing can work, although the code is a little more complex because now there are two non-filled cases.</a:t>
             </a:r>
             <a:endParaRPr lang="en-AU" dirty="0"/>
           </a:p>
@@ -21132,7 +22048,7 @@
             </a:r>
             <a:r>
               <a:rPr lang="en-CA" dirty="0"/>
-              <a:t>: So instead of marking it “empty”, we mark it as “available”. Then linear probing can work, although the code is a little more complex because now there are two non-filled cases.</a:t>
+              <a:t>: So instead of marking it “empty”, we mark it as “deleted”. Then linear probing can work, although the code is a little more complex because now there are two non-filled cases.</a:t>
             </a:r>
             <a:endParaRPr lang="en-AU" dirty="0"/>
           </a:p>
@@ -21367,7 +22283,7 @@
           <a:p>
             <a:r>
               <a:rPr lang="en-CA" dirty="0"/>
-              <a:t>Open Addressing: Quadratic Hashing</a:t>
+              <a:t>Open Addressing: Linear Probing</a:t>
             </a:r>
             <a:endParaRPr lang="en-AU" dirty="0"/>
           </a:p>
@@ -21389,13 +22305,21 @@
             <p:ph idx="1"/>
           </p:nvPr>
         </p:nvSpPr>
-        <p:spPr/>
+        <p:spPr>
+          <a:xfrm>
+            <a:off x="838200" y="1825625"/>
+            <a:ext cx="3860180" cy="4351338"/>
+          </a:xfrm>
+        </p:spPr>
         <p:txBody>
           <a:bodyPr>
-            <a:normAutofit fontScale="92500" lnSpcReduction="20000"/>
+            <a:normAutofit/>
           </a:bodyPr>
           <a:lstStyle/>
           <a:p>
+            <a:pPr marL="0" indent="0">
+              <a:buNone/>
+            </a:pPr>
             <a:r>
               <a:rPr lang="en-CA" b="1" dirty="0"/>
               <a:t>Linear probing</a:t>
@@ -21405,76 +22329,64 @@
             </a:br>
             <a:r>
               <a:rPr lang="en-CA" dirty="0"/>
-              <a:t>hash(key), hash(key)+1, hash(key)+2, hash(key)+3, hash(key)+4, …</a:t>
-            </a:r>
-          </a:p>
-          <a:p>
-            <a:pPr lvl="1"/>
-            <a:r>
-              <a:rPr lang="en-CA" dirty="0"/>
-              <a:t>Keys start to cluster, slowing it down</a:t>
-            </a:r>
-          </a:p>
-          <a:p>
-            <a:pPr lvl="1"/>
-            <a:r>
-              <a:rPr lang="en-CA" dirty="0"/>
-              <a:t>Removal is tricky</a:t>
-            </a:r>
-          </a:p>
-          <a:p>
-            <a:r>
-              <a:rPr lang="en-CA" b="1" dirty="0"/>
-              <a:t>Quadratic probing</a:t>
+              <a:t>(hash(key) + 0) % N</a:t>
             </a:r>
             <a:br>
               <a:rPr lang="en-CA" dirty="0"/>
             </a:br>
             <a:r>
               <a:rPr lang="en-CA" dirty="0"/>
-              <a:t>hash(key), hash(key)+1, hash(key)+4, hash(key)+9, hash(key)+16, …</a:t>
-            </a:r>
-          </a:p>
-          <a:p>
-            <a:pPr lvl="1"/>
-            <a:r>
-              <a:rPr lang="en-CA" dirty="0"/>
-              <a:t>Tends to avoid clustered sequences of keys</a:t>
-            </a:r>
-          </a:p>
-          <a:p>
-            <a:pPr lvl="1"/>
-            <a:r>
-              <a:rPr lang="en-CA" dirty="0"/>
-              <a:t>But suffers from “secondary clustering”, i.e. repeated patterns of locations in the array</a:t>
-            </a:r>
-          </a:p>
-          <a:p>
-            <a:pPr lvl="1"/>
-            <a:r>
-              <a:rPr lang="en-CA" dirty="0"/>
-              <a:t>Removal is tricky</a:t>
-            </a:r>
-          </a:p>
-          <a:p>
-            <a:pPr lvl="1"/>
-            <a:r>
-              <a:rPr lang="en-CA" dirty="0"/>
-              <a:t>Capacity of the array must be a prime number, otherwise it might not find an empty location</a:t>
-            </a:r>
-          </a:p>
-          <a:p>
-            <a:pPr lvl="1"/>
-            <a:r>
-              <a:rPr lang="en-CA" dirty="0"/>
-              <a:t>If the array is at half or more filled, may also not find an empty location</a:t>
-            </a:r>
-          </a:p>
-          <a:p>
-            <a:pPr lvl="2"/>
-            <a:r>
-              <a:rPr lang="en-CA" dirty="0"/>
-              <a:t>Increase array size an “re=hash” to when it becomes too full</a:t>
+              <a:t>(hash(key) + 1) % N</a:t>
+            </a:r>
+            <a:br>
+              <a:rPr lang="en-CA" dirty="0"/>
+            </a:br>
+            <a:r>
+              <a:rPr lang="en-CA" dirty="0"/>
+              <a:t>(hash(key) + 2) % N</a:t>
+            </a:r>
+            <a:br>
+              <a:rPr lang="en-CA" dirty="0"/>
+            </a:br>
+            <a:r>
+              <a:rPr lang="en-CA" dirty="0"/>
+              <a:t>(hash(key) + 3) % N</a:t>
+            </a:r>
+            <a:br>
+              <a:rPr lang="en-CA" dirty="0"/>
+            </a:br>
+            <a:r>
+              <a:rPr lang="en-CA" dirty="0"/>
+              <a:t>(hash(key) + 4) % N</a:t>
+            </a:r>
+            <a:br>
+              <a:rPr lang="en-CA" dirty="0"/>
+            </a:br>
+            <a:r>
+              <a:rPr lang="en-CA" dirty="0"/>
+              <a:t>…</a:t>
+            </a:r>
+            <a:br>
+              <a:rPr lang="en-CA" dirty="0"/>
+            </a:br>
+            <a:r>
+              <a:rPr lang="en-CA" dirty="0"/>
+              <a:t>(hash(key) + </a:t>
+            </a:r>
+            <a:r>
+              <a:rPr lang="en-CA" dirty="0" err="1"/>
+              <a:t>i</a:t>
+            </a:r>
+            <a:r>
+              <a:rPr lang="en-CA" dirty="0"/>
+              <a:t>) % N</a:t>
+            </a:r>
+            <a:br>
+              <a:rPr lang="en-CA" dirty="0"/>
+            </a:br>
+            <a:r>
+              <a:rPr lang="en-CA" dirty="0"/>
+              <a:t>…</a:t>
             </a:r>
           </a:p>
           <a:p>
@@ -21502,8 +22414,8 @@
         </p:nvSpPr>
         <p:spPr>
           <a:xfrm>
-            <a:off x="10309880" y="2720237"/>
-            <a:ext cx="1569886" cy="646331"/>
+            <a:off x="5114051" y="1597682"/>
+            <a:ext cx="2163977" cy="1200329"/>
           </a:xfrm>
           <a:prstGeom prst="rect">
             <a:avLst/>
@@ -21526,72 +22438,136 @@
           <a:p>
             <a:pPr algn="ctr"/>
             <a:r>
-              <a:rPr lang="en-CA" dirty="0"/>
-              <a:t>wrap-around if necessary</a:t>
+              <a:rPr lang="en-CA" b="1" dirty="0"/>
+              <a:t>% N </a:t>
+            </a:r>
+            <a:r>
+              <a:rPr lang="en-CA" dirty="0"/>
+              <a:t>makes the sequence wrap-around when it hits the end of the array.</a:t>
             </a:r>
             <a:endParaRPr lang="en-AU" dirty="0"/>
+          </a:p>
+        </p:txBody>
+      </p:sp>
+      <p:sp>
+        <p:nvSpPr>
+          <p:cNvPr id="4" name="TextBox 3">
+            <a:extLst>
+              <a:ext uri="{FF2B5EF4-FFF2-40B4-BE49-F238E27FC236}">
+                <a16:creationId xmlns:a16="http://schemas.microsoft.com/office/drawing/2014/main" id="{C6E390C3-C23E-8885-F152-D76BE3C03A20}"/>
+              </a:ext>
+            </a:extLst>
+          </p:cNvPr>
+          <p:cNvSpPr txBox="1"/>
+          <p:nvPr/>
+        </p:nvSpPr>
+        <p:spPr>
+          <a:xfrm>
+            <a:off x="7787494" y="1597682"/>
+            <a:ext cx="1219903" cy="923330"/>
+          </a:xfrm>
+          <a:prstGeom prst="rect">
+            <a:avLst/>
+          </a:prstGeom>
+          <a:solidFill>
+            <a:schemeClr val="accent4">
+              <a:lumMod val="40000"/>
+              <a:lumOff val="60000"/>
+            </a:schemeClr>
+          </a:solidFill>
+          <a:ln>
+            <a:noFill/>
+          </a:ln>
+        </p:spPr>
+        <p:txBody>
+          <a:bodyPr wrap="square" rtlCol="0">
+            <a:spAutoFit/>
+          </a:bodyPr>
+          <a:lstStyle/>
+          <a:p>
+            <a:pPr algn="ctr"/>
+            <a:r>
+              <a:rPr lang="en-CA" b="1" dirty="0"/>
+              <a:t>N</a:t>
+            </a:r>
+            <a:r>
+              <a:rPr lang="en-CA" dirty="0"/>
+              <a:t> is the capacity of the array.</a:t>
+            </a:r>
+            <a:endParaRPr lang="en-AU" dirty="0"/>
+          </a:p>
+        </p:txBody>
+      </p:sp>
+      <p:sp>
+        <p:nvSpPr>
+          <p:cNvPr id="5" name="TextBox 4">
+            <a:extLst>
+              <a:ext uri="{FF2B5EF4-FFF2-40B4-BE49-F238E27FC236}">
+                <a16:creationId xmlns:a16="http://schemas.microsoft.com/office/drawing/2014/main" id="{28B8EA08-2981-2FF4-BDF7-59E3A6C2CB08}"/>
+              </a:ext>
+            </a:extLst>
+          </p:cNvPr>
+          <p:cNvSpPr txBox="1"/>
+          <p:nvPr/>
+        </p:nvSpPr>
+        <p:spPr>
+          <a:xfrm>
+            <a:off x="4921405" y="4013823"/>
+            <a:ext cx="3860180" cy="646331"/>
+          </a:xfrm>
+          <a:prstGeom prst="rect">
+            <a:avLst/>
+          </a:prstGeom>
+          <a:noFill/>
+          <a:ln>
+            <a:solidFill>
+              <a:schemeClr val="tx1"/>
+            </a:solidFill>
+          </a:ln>
+        </p:spPr>
+        <p:txBody>
+          <a:bodyPr wrap="square" rtlCol="0">
+            <a:spAutoFit/>
+          </a:bodyPr>
+          <a:lstStyle/>
+          <a:p>
+            <a:pPr marL="285750" indent="-285750">
+              <a:buFont typeface="Arial" panose="020B0604020202020204" pitchFamily="34" charset="0"/>
+              <a:buChar char="•"/>
+            </a:pPr>
+            <a:r>
+              <a:rPr lang="en-CA" dirty="0"/>
+              <a:t>Keys start to cluster, slowing it down</a:t>
+            </a:r>
+          </a:p>
+          <a:p>
+            <a:pPr marL="285750" indent="-285750">
+              <a:buFont typeface="Arial" panose="020B0604020202020204" pitchFamily="34" charset="0"/>
+              <a:buChar char="•"/>
+            </a:pPr>
+            <a:r>
+              <a:rPr lang="en-CA" dirty="0"/>
+              <a:t>Removal is tricky</a:t>
+            </a:r>
           </a:p>
         </p:txBody>
       </p:sp>
       <p:cxnSp>
         <p:nvCxnSpPr>
-          <p:cNvPr id="10" name="Straight Arrow Connector 9">
-            <a:extLst>
-              <a:ext uri="{FF2B5EF4-FFF2-40B4-BE49-F238E27FC236}">
-                <a16:creationId xmlns:a16="http://schemas.microsoft.com/office/drawing/2014/main" id="{CB680526-959C-396D-A75F-2F7881CD7999}"/>
-              </a:ext>
-            </a:extLst>
-          </p:cNvPr>
-          <p:cNvCxnSpPr>
-            <a:cxnSpLocks/>
-          </p:cNvCxnSpPr>
-          <p:nvPr/>
-        </p:nvCxnSpPr>
-        <p:spPr>
-          <a:xfrm flipH="1" flipV="1">
-            <a:off x="9694127" y="2490439"/>
-            <a:ext cx="542693" cy="334537"/>
-          </a:xfrm>
-          <a:prstGeom prst="straightConnector1">
-            <a:avLst/>
-          </a:prstGeom>
-          <a:ln>
-            <a:tailEnd type="triangle"/>
-          </a:ln>
-        </p:spPr>
-        <p:style>
-          <a:lnRef idx="1">
-            <a:schemeClr val="accent1"/>
-          </a:lnRef>
-          <a:fillRef idx="0">
-            <a:schemeClr val="accent1"/>
-          </a:fillRef>
-          <a:effectRef idx="0">
-            <a:schemeClr val="accent1"/>
-          </a:effectRef>
-          <a:fontRef idx="minor">
-            <a:schemeClr val="tx1"/>
-          </a:fontRef>
-        </p:style>
-      </p:cxnSp>
-      <p:cxnSp>
-        <p:nvCxnSpPr>
-          <p:cNvPr id="12" name="Straight Arrow Connector 11">
-            <a:extLst>
-              <a:ext uri="{FF2B5EF4-FFF2-40B4-BE49-F238E27FC236}">
-                <a16:creationId xmlns:a16="http://schemas.microsoft.com/office/drawing/2014/main" id="{F082F8CD-B44A-CB1A-C6D2-24B79110E7BF}"/>
-              </a:ext>
-            </a:extLst>
-          </p:cNvPr>
-          <p:cNvCxnSpPr>
-            <a:cxnSpLocks/>
-          </p:cNvCxnSpPr>
+          <p:cNvPr id="7" name="Straight Arrow Connector 6">
+            <a:extLst>
+              <a:ext uri="{FF2B5EF4-FFF2-40B4-BE49-F238E27FC236}">
+                <a16:creationId xmlns:a16="http://schemas.microsoft.com/office/drawing/2014/main" id="{57D856B2-E747-D2D0-D611-2F0130FE87F2}"/>
+              </a:ext>
+            </a:extLst>
+          </p:cNvPr>
+          <p:cNvCxnSpPr/>
           <p:nvPr/>
         </p:nvCxnSpPr>
         <p:spPr>
           <a:xfrm flipH="1">
-            <a:off x="9850244" y="3122341"/>
-            <a:ext cx="459636" cy="244227"/>
+            <a:off x="3508917" y="1825625"/>
+            <a:ext cx="1531434" cy="412053"/>
           </a:xfrm>
           <a:prstGeom prst="straightConnector1">
             <a:avLst/>
@@ -21668,7 +22644,7 @@
           <a:p>
             <a:r>
               <a:rPr lang="en-CA" dirty="0"/>
-              <a:t>Buckets vs Open Addressing</a:t>
+              <a:t>Open Addressing: Quadratic Hashing</a:t>
             </a:r>
             <a:endParaRPr lang="en-AU" dirty="0"/>
           </a:p>
@@ -21690,42 +22666,96 @@
             <p:ph idx="1"/>
           </p:nvPr>
         </p:nvSpPr>
-        <p:spPr/>
+        <p:spPr>
+          <a:xfrm>
+            <a:off x="838200" y="1825625"/>
+            <a:ext cx="3860180" cy="4351338"/>
+          </a:xfrm>
+        </p:spPr>
         <p:txBody>
           <a:bodyPr>
             <a:normAutofit/>
           </a:bodyPr>
           <a:lstStyle/>
           <a:p>
-            <a:r>
-              <a:rPr lang="en-CA" dirty="0"/>
-              <a:t>Buckets are as efficient as open addressing, if you have a good hash function that scatters keys around well</a:t>
-            </a:r>
-          </a:p>
-          <a:p>
-            <a:r>
-              <a:rPr lang="en-CA" dirty="0"/>
-              <a:t>However, </a:t>
-            </a:r>
+            <a:pPr marL="0" indent="0">
+              <a:buNone/>
+            </a:pPr>
             <a:r>
               <a:rPr lang="en-CA" b="1" dirty="0"/>
-              <a:t>the details matter</a:t>
-            </a:r>
-            <a:r>
-              <a:rPr lang="en-CA" dirty="0"/>
-              <a:t>!</a:t>
-            </a:r>
-          </a:p>
-          <a:p>
-            <a:r>
-              <a:rPr lang="en-CA" dirty="0"/>
-              <a:t>Different situations, and the exact implementation details of the hash table, can make a big difference.</a:t>
-            </a:r>
-          </a:p>
-          <a:p>
-            <a:r>
-              <a:rPr lang="en-CA" dirty="0"/>
-              <a:t>Hash tables are extremely common in real-life programming, with many variations.</a:t>
+              <a:t>Quadratic Hashing</a:t>
+            </a:r>
+            <a:br>
+              <a:rPr lang="en-CA" b="1" dirty="0"/>
+            </a:br>
+            <a:r>
+              <a:rPr lang="en-CA" dirty="0"/>
+              <a:t>(hash(key) + 0*0) % N</a:t>
+            </a:r>
+            <a:br>
+              <a:rPr lang="en-CA" dirty="0"/>
+            </a:br>
+            <a:r>
+              <a:rPr lang="en-CA" dirty="0"/>
+              <a:t>(hash(key) + 1*1) % N</a:t>
+            </a:r>
+            <a:br>
+              <a:rPr lang="en-CA" dirty="0"/>
+            </a:br>
+            <a:r>
+              <a:rPr lang="en-CA" dirty="0"/>
+              <a:t>(hash(key) + 2*2) % N</a:t>
+            </a:r>
+            <a:br>
+              <a:rPr lang="en-CA" dirty="0"/>
+            </a:br>
+            <a:r>
+              <a:rPr lang="en-CA" dirty="0"/>
+              <a:t>(hash(key) + 3*3) % N</a:t>
+            </a:r>
+            <a:br>
+              <a:rPr lang="en-CA" dirty="0"/>
+            </a:br>
+            <a:r>
+              <a:rPr lang="en-CA" dirty="0"/>
+              <a:t>(hash(key) + 4*4) % N</a:t>
+            </a:r>
+            <a:br>
+              <a:rPr lang="en-CA" dirty="0"/>
+            </a:br>
+            <a:r>
+              <a:rPr lang="en-CA" dirty="0"/>
+              <a:t>…</a:t>
+            </a:r>
+            <a:br>
+              <a:rPr lang="en-CA" dirty="0"/>
+            </a:br>
+            <a:r>
+              <a:rPr lang="en-CA" dirty="0"/>
+              <a:t>(hash(key) + </a:t>
+            </a:r>
+            <a:r>
+              <a:rPr lang="en-CA" dirty="0" err="1"/>
+              <a:t>i</a:t>
+            </a:r>
+            <a:r>
+              <a:rPr lang="en-CA" dirty="0"/>
+              <a:t>*</a:t>
+            </a:r>
+            <a:r>
+              <a:rPr lang="en-CA" dirty="0" err="1"/>
+              <a:t>i</a:t>
+            </a:r>
+            <a:r>
+              <a:rPr lang="en-CA" dirty="0"/>
+              <a:t>) % N</a:t>
+            </a:r>
+            <a:br>
+              <a:rPr lang="en-CA" dirty="0"/>
+            </a:br>
+            <a:r>
+              <a:rPr lang="en-CA" dirty="0"/>
+              <a:t>…</a:t>
             </a:r>
           </a:p>
           <a:p>
@@ -21736,13 +22766,105 @@
           </a:p>
           <a:p>
             <a:endParaRPr lang="en-CA" dirty="0"/>
+          </a:p>
+        </p:txBody>
+      </p:sp>
+      <p:sp>
+        <p:nvSpPr>
+          <p:cNvPr id="5" name="TextBox 4">
+            <a:extLst>
+              <a:ext uri="{FF2B5EF4-FFF2-40B4-BE49-F238E27FC236}">
+                <a16:creationId xmlns:a16="http://schemas.microsoft.com/office/drawing/2014/main" id="{28B8EA08-2981-2FF4-BDF7-59E3A6C2CB08}"/>
+              </a:ext>
+            </a:extLst>
+          </p:cNvPr>
+          <p:cNvSpPr txBox="1"/>
+          <p:nvPr/>
+        </p:nvSpPr>
+        <p:spPr>
+          <a:xfrm>
+            <a:off x="5932450" y="2690336"/>
+            <a:ext cx="3860180" cy="3139321"/>
+          </a:xfrm>
+          <a:prstGeom prst="rect">
+            <a:avLst/>
+          </a:prstGeom>
+          <a:noFill/>
+          <a:ln>
+            <a:solidFill>
+              <a:schemeClr val="tx1"/>
+            </a:solidFill>
+          </a:ln>
+        </p:spPr>
+        <p:txBody>
+          <a:bodyPr wrap="square" rtlCol="0">
+            <a:spAutoFit/>
+          </a:bodyPr>
+          <a:lstStyle/>
+          <a:p>
+            <a:pPr marL="285750" indent="-285750">
+              <a:buFont typeface="Arial" panose="020B0604020202020204" pitchFamily="34" charset="0"/>
+              <a:buChar char="•"/>
+            </a:pPr>
+            <a:r>
+              <a:rPr lang="en-CA" dirty="0"/>
+              <a:t>Avoids cluster sequences seen in linear probing</a:t>
+            </a:r>
+          </a:p>
+          <a:p>
+            <a:pPr marL="285750" indent="-285750">
+              <a:buFont typeface="Arial" panose="020B0604020202020204" pitchFamily="34" charset="0"/>
+              <a:buChar char="•"/>
+            </a:pPr>
+            <a:r>
+              <a:rPr lang="en-CA" dirty="0"/>
+              <a:t>Suffers from secondary cluster patterns</a:t>
+            </a:r>
+          </a:p>
+          <a:p>
+            <a:pPr marL="285750" indent="-285750">
+              <a:buFont typeface="Arial" panose="020B0604020202020204" pitchFamily="34" charset="0"/>
+              <a:buChar char="•"/>
+            </a:pPr>
+            <a:r>
+              <a:rPr lang="en-CA" dirty="0"/>
+              <a:t>Removal is tricky</a:t>
+            </a:r>
+          </a:p>
+          <a:p>
+            <a:pPr marL="285750" indent="-285750">
+              <a:buFont typeface="Arial" panose="020B0604020202020204" pitchFamily="34" charset="0"/>
+              <a:buChar char="•"/>
+            </a:pPr>
+            <a:r>
+              <a:rPr lang="en-CA" dirty="0"/>
+              <a:t>Table capacity must be prime, otherwise might not find an empty location</a:t>
+            </a:r>
+          </a:p>
+          <a:p>
+            <a:pPr marL="285750" indent="-285750">
+              <a:buFont typeface="Arial" panose="020B0604020202020204" pitchFamily="34" charset="0"/>
+              <a:buChar char="•"/>
+            </a:pPr>
+            <a:r>
+              <a:rPr lang="en-CA" dirty="0"/>
+              <a:t>Might loop forever if the table is half or more full (need to extend table size and </a:t>
+            </a:r>
+            <a:r>
+              <a:rPr lang="en-CA" b="1" dirty="0"/>
+              <a:t>re-hash</a:t>
+            </a:r>
+            <a:r>
+              <a:rPr lang="en-CA" dirty="0"/>
+              <a:t> entries)</a:t>
+            </a:r>
           </a:p>
         </p:txBody>
       </p:sp>
     </p:spTree>
     <p:extLst>
       <p:ext uri="{BB962C8B-B14F-4D97-AF65-F5344CB8AC3E}">
-        <p14:creationId xmlns:p14="http://schemas.microsoft.com/office/powerpoint/2010/main" val="1981722786"/>
+        <p14:creationId xmlns:p14="http://schemas.microsoft.com/office/powerpoint/2010/main" val="2976736663"/>
       </p:ext>
     </p:extLst>
   </p:cSld>
@@ -22388,7 +23510,7 @@
           <a:p>
             <a:r>
               <a:rPr lang="en-CA" dirty="0"/>
-              <a:t>Hash Functions</a:t>
+              <a:t>Buckets vs Open Addressing</a:t>
             </a:r>
             <a:endParaRPr lang="en-AU" dirty="0"/>
           </a:p>
@@ -22419,79 +23541,34 @@
           <a:p>
             <a:r>
               <a:rPr lang="en-CA" dirty="0"/>
-              <a:t>A good hash function is essential for an efficient hash table</a:t>
-            </a:r>
-          </a:p>
-          <a:p>
-            <a:r>
-              <a:rPr lang="en-CA" dirty="0"/>
-              <a:t>hash: keys -&gt; [0..n-1]</a:t>
-            </a:r>
-          </a:p>
-          <a:p>
-            <a:r>
-              <a:rPr lang="en-CA" dirty="0"/>
-              <a:t>Properties of a good hash function</a:t>
-            </a:r>
-          </a:p>
-          <a:p>
-            <a:pPr lvl="1"/>
+              <a:t>Buckets can be as efficient as open addressing</a:t>
+            </a:r>
+          </a:p>
+          <a:p>
+            <a:r>
+              <a:rPr lang="en-CA" dirty="0"/>
+              <a:t>However, </a:t>
+            </a:r>
             <a:r>
               <a:rPr lang="en-CA" b="1" dirty="0"/>
-              <a:t>Deterministic</a:t>
-            </a:r>
-            <a:r>
-              <a:rPr lang="en-CA" dirty="0"/>
-              <a:t>, i.e. hash(key) must always return the same value</a:t>
-            </a:r>
-          </a:p>
-          <a:p>
-            <a:pPr lvl="1"/>
-            <a:r>
-              <a:rPr lang="en-CA" b="1" dirty="0"/>
-              <a:t>Uses all the bits of the key</a:t>
-            </a:r>
-          </a:p>
-          <a:p>
-            <a:pPr lvl="2"/>
-            <a:r>
-              <a:rPr lang="en-CA" dirty="0"/>
-              <a:t>Keys that differ only in the ignored bits will have the same hash value</a:t>
-            </a:r>
-          </a:p>
-          <a:p>
-            <a:pPr lvl="2"/>
-            <a:r>
-              <a:rPr lang="en-CA" dirty="0"/>
-              <a:t>This means collisions are more likely!</a:t>
-            </a:r>
-          </a:p>
-          <a:p>
-            <a:pPr lvl="1"/>
-            <a:r>
-              <a:rPr lang="en-CA" dirty="0"/>
-              <a:t>Give a large range of unpredictable values</a:t>
-            </a:r>
-          </a:p>
-          <a:p>
-            <a:pPr lvl="2"/>
-            <a:r>
-              <a:rPr lang="en-CA" dirty="0"/>
-              <a:t>Narrow range or patterns could cause collisions</a:t>
-            </a:r>
-          </a:p>
-          <a:p>
-            <a:pPr lvl="1"/>
-            <a:r>
-              <a:rPr lang="en-CA" b="1" dirty="0"/>
-              <a:t>Fast to calculate</a:t>
-            </a:r>
-          </a:p>
-          <a:p>
-            <a:endParaRPr lang="en-CA" dirty="0"/>
-          </a:p>
-          <a:p>
-            <a:endParaRPr lang="en-CA" dirty="0"/>
+              <a:t>the details matter</a:t>
+            </a:r>
+            <a:r>
+              <a:rPr lang="en-CA" dirty="0"/>
+              <a:t>!</a:t>
+            </a:r>
+          </a:p>
+          <a:p>
+            <a:r>
+              <a:rPr lang="en-CA" dirty="0"/>
+              <a:t>The exact implementation details of the hash table, and the kind of data you give it, can make a big difference.</a:t>
+            </a:r>
+          </a:p>
+          <a:p>
+            <a:r>
+              <a:rPr lang="en-CA" dirty="0"/>
+              <a:t>Hash tables are extremely common in real-life programming, with many variations and optimizations for special cases.</a:t>
+            </a:r>
           </a:p>
           <a:p>
             <a:pPr marL="0" indent="0">
@@ -22507,7 +23584,7 @@
     </p:spTree>
     <p:extLst>
       <p:ext uri="{BB962C8B-B14F-4D97-AF65-F5344CB8AC3E}">
-        <p14:creationId xmlns:p14="http://schemas.microsoft.com/office/powerpoint/2010/main" val="4235339031"/>
+        <p14:creationId xmlns:p14="http://schemas.microsoft.com/office/powerpoint/2010/main" val="1981722786"/>
       </p:ext>
     </p:extLst>
   </p:cSld>
@@ -22557,21 +23634,9 @@
           <a:p>
             <a:r>
               <a:rPr lang="en-CA" dirty="0"/>
-              <a:t>Hash Functions: </a:t>
-            </a:r>
-            <a:r>
-              <a:rPr lang="en-CA" dirty="0">
-                <a:solidFill>
-                  <a:srgbClr val="FF0000"/>
-                </a:solidFill>
-              </a:rPr>
-              <a:t>Determinism</a:t>
-            </a:r>
-            <a:endParaRPr lang="en-AU" dirty="0">
-              <a:solidFill>
-                <a:srgbClr val="FF0000"/>
-              </a:solidFill>
-            </a:endParaRPr>
+              <a:t>Hash Functions</a:t>
+            </a:r>
+            <a:endParaRPr lang="en-AU" dirty="0"/>
           </a:p>
         </p:txBody>
       </p:sp>
@@ -22591,47 +23656,94 @@
             <p:ph idx="1"/>
           </p:nvPr>
         </p:nvSpPr>
-        <p:spPr>
-          <a:xfrm>
-            <a:off x="838200" y="1825625"/>
-            <a:ext cx="5570034" cy="4351338"/>
-          </a:xfrm>
-        </p:spPr>
+        <p:spPr/>
         <p:txBody>
           <a:bodyPr>
-            <a:normAutofit/>
+            <a:normAutofit lnSpcReduction="10000"/>
           </a:bodyPr>
           <a:lstStyle/>
           <a:p>
             <a:r>
               <a:rPr lang="en-CA" dirty="0"/>
-              <a:t>hash(key) must always return the same value when you give it key</a:t>
+              <a:t>A good hash function is essential for an efficient hash table</a:t>
+            </a:r>
+          </a:p>
+          <a:p>
+            <a:r>
+              <a:rPr lang="en-CA" dirty="0"/>
+              <a:t>hash: keys -&gt; [0..n-1]</a:t>
+            </a:r>
+          </a:p>
+          <a:p>
+            <a:r>
+              <a:rPr lang="en-CA" dirty="0"/>
+              <a:t>Properties of a good hash function</a:t>
             </a:r>
           </a:p>
           <a:p>
             <a:pPr lvl="1"/>
             <a:r>
-              <a:rPr lang="en-CA" dirty="0"/>
-              <a:t>Can’t depend on random numbers, time, files, network, etc.</a:t>
+              <a:rPr lang="en-CA" b="1" dirty="0"/>
+              <a:t>Deterministic</a:t>
+            </a:r>
+            <a:r>
+              <a:rPr lang="en-CA" dirty="0"/>
+              <a:t>, i.e. hash(key) must always return the same value</a:t>
             </a:r>
           </a:p>
           <a:p>
             <a:pPr lvl="1"/>
             <a:r>
               <a:rPr lang="en-CA" b="1" dirty="0"/>
-              <a:t>It can only depend upon the bits in the key</a:t>
-            </a:r>
-          </a:p>
-          <a:p>
-            <a:pPr marL="0" indent="0">
-              <a:buNone/>
-            </a:pPr>
-            <a:br>
-              <a:rPr lang="en-CA" dirty="0"/>
-            </a:br>
-            <a:br>
-              <a:rPr lang="en-CA" dirty="0"/>
-            </a:br>
+              <a:t>Uses all the bits of the key</a:t>
+            </a:r>
+          </a:p>
+          <a:p>
+            <a:pPr lvl="2"/>
+            <a:r>
+              <a:rPr lang="en-CA" dirty="0"/>
+              <a:t>Keys that differ only in the ignored bits will have the same hash value</a:t>
+            </a:r>
+          </a:p>
+          <a:p>
+            <a:pPr lvl="2"/>
+            <a:r>
+              <a:rPr lang="en-CA" dirty="0"/>
+              <a:t>This means collisions are more likely!</a:t>
+            </a:r>
+          </a:p>
+          <a:p>
+            <a:pPr lvl="1"/>
+            <a:r>
+              <a:rPr lang="en-CA" dirty="0"/>
+              <a:t>Give a large range of unpredictable values</a:t>
+            </a:r>
+          </a:p>
+          <a:p>
+            <a:pPr lvl="2"/>
+            <a:r>
+              <a:rPr lang="en-CA" dirty="0"/>
+              <a:t>Narrow range could cause collisions</a:t>
+            </a:r>
+          </a:p>
+          <a:p>
+            <a:pPr lvl="2"/>
+            <a:r>
+              <a:rPr lang="en-CA" dirty="0"/>
+              <a:t>Patterns could cause collisions</a:t>
+            </a:r>
+          </a:p>
+          <a:p>
+            <a:pPr lvl="1"/>
+            <a:r>
+              <a:rPr lang="en-CA" b="1" dirty="0"/>
+              <a:t>Fast to calculate</a:t>
+            </a:r>
+          </a:p>
+          <a:p>
+            <a:endParaRPr lang="en-CA" dirty="0"/>
+          </a:p>
+          <a:p>
             <a:endParaRPr lang="en-CA" dirty="0"/>
           </a:p>
           <a:p>
@@ -22642,191 +23754,13 @@
           </a:p>
           <a:p>
             <a:endParaRPr lang="en-CA" dirty="0"/>
-          </a:p>
-        </p:txBody>
-      </p:sp>
-      <p:sp>
-        <p:nvSpPr>
-          <p:cNvPr id="4" name="TextBox 3">
-            <a:extLst>
-              <a:ext uri="{FF2B5EF4-FFF2-40B4-BE49-F238E27FC236}">
-                <a16:creationId xmlns:a16="http://schemas.microsoft.com/office/drawing/2014/main" id="{720713C2-B2CA-2EFD-A40C-CE698351CD93}"/>
-              </a:ext>
-            </a:extLst>
-          </p:cNvPr>
-          <p:cNvSpPr txBox="1"/>
-          <p:nvPr/>
-        </p:nvSpPr>
-        <p:spPr>
-          <a:xfrm>
-            <a:off x="7344936" y="2092132"/>
-            <a:ext cx="4676217" cy="523220"/>
-          </a:xfrm>
-          <a:prstGeom prst="rect">
-            <a:avLst/>
-          </a:prstGeom>
-          <a:noFill/>
-        </p:spPr>
-        <p:txBody>
-          <a:bodyPr wrap="none" rtlCol="0">
-            <a:spAutoFit/>
-          </a:bodyPr>
-          <a:lstStyle/>
-          <a:p>
-            <a:r>
-              <a:rPr lang="en-CA" sz="2800" dirty="0"/>
-              <a:t>hash(x) = 2*x + </a:t>
-            </a:r>
-            <a:r>
-              <a:rPr lang="en-CA" sz="2800" dirty="0" err="1"/>
-              <a:t>current_millis</a:t>
-            </a:r>
-            <a:r>
-              <a:rPr lang="en-CA" sz="2800" dirty="0"/>
-              <a:t>()</a:t>
-            </a:r>
-            <a:endParaRPr lang="en-AU" sz="2800" dirty="0"/>
-          </a:p>
-        </p:txBody>
-      </p:sp>
-      <p:sp>
-        <p:nvSpPr>
-          <p:cNvPr id="5" name="TextBox 4">
-            <a:extLst>
-              <a:ext uri="{FF2B5EF4-FFF2-40B4-BE49-F238E27FC236}">
-                <a16:creationId xmlns:a16="http://schemas.microsoft.com/office/drawing/2014/main" id="{166F97EC-DB21-5409-B448-A0710615047D}"/>
-              </a:ext>
-            </a:extLst>
-          </p:cNvPr>
-          <p:cNvSpPr txBox="1"/>
-          <p:nvPr/>
-        </p:nvSpPr>
-        <p:spPr>
-          <a:xfrm>
-            <a:off x="8532414" y="1434991"/>
-            <a:ext cx="1153573" cy="646331"/>
-          </a:xfrm>
-          <a:prstGeom prst="rect">
-            <a:avLst/>
-          </a:prstGeom>
-          <a:solidFill>
-            <a:schemeClr val="accent4">
-              <a:lumMod val="40000"/>
-              <a:lumOff val="60000"/>
-            </a:schemeClr>
-          </a:solidFill>
-          <a:ln>
-            <a:noFill/>
-          </a:ln>
-        </p:spPr>
-        <p:txBody>
-          <a:bodyPr wrap="square" rtlCol="0">
-            <a:spAutoFit/>
-          </a:bodyPr>
-          <a:lstStyle/>
-          <a:p>
-            <a:pPr algn="ctr"/>
-            <a:r>
-              <a:rPr lang="en-CA" dirty="0"/>
-              <a:t>Bad hash function!</a:t>
-            </a:r>
-            <a:endParaRPr lang="en-AU" dirty="0"/>
-          </a:p>
-        </p:txBody>
-      </p:sp>
-      <p:sp>
-        <p:nvSpPr>
-          <p:cNvPr id="6" name="Left Brace 5">
-            <a:extLst>
-              <a:ext uri="{FF2B5EF4-FFF2-40B4-BE49-F238E27FC236}">
-                <a16:creationId xmlns:a16="http://schemas.microsoft.com/office/drawing/2014/main" id="{79867D8C-7980-5B05-55D3-E59171D0E75B}"/>
-              </a:ext>
-            </a:extLst>
-          </p:cNvPr>
-          <p:cNvSpPr/>
-          <p:nvPr/>
-        </p:nvSpPr>
-        <p:spPr>
-          <a:xfrm rot="16200000">
-            <a:off x="10669895" y="1639312"/>
-            <a:ext cx="208156" cy="2181856"/>
-          </a:xfrm>
-          <a:prstGeom prst="leftBrace">
-            <a:avLst/>
-          </a:prstGeom>
-        </p:spPr>
-        <p:style>
-          <a:lnRef idx="1">
-            <a:schemeClr val="accent1"/>
-          </a:lnRef>
-          <a:fillRef idx="0">
-            <a:schemeClr val="accent1"/>
-          </a:fillRef>
-          <a:effectRef idx="0">
-            <a:schemeClr val="accent1"/>
-          </a:effectRef>
-          <a:fontRef idx="minor">
-            <a:schemeClr val="tx1"/>
-          </a:fontRef>
-        </p:style>
-        <p:txBody>
-          <a:bodyPr rtlCol="0" anchor="ctr"/>
-          <a:lstStyle/>
-          <a:p>
-            <a:pPr algn="ctr"/>
-            <a:endParaRPr lang="en-AU"/>
-          </a:p>
-        </p:txBody>
-      </p:sp>
-      <p:sp>
-        <p:nvSpPr>
-          <p:cNvPr id="7" name="TextBox 6">
-            <a:extLst>
-              <a:ext uri="{FF2B5EF4-FFF2-40B4-BE49-F238E27FC236}">
-                <a16:creationId xmlns:a16="http://schemas.microsoft.com/office/drawing/2014/main" id="{F1C17EC2-1160-378F-CDAB-85C9961282EC}"/>
-              </a:ext>
-            </a:extLst>
-          </p:cNvPr>
-          <p:cNvSpPr txBox="1"/>
-          <p:nvPr/>
-        </p:nvSpPr>
-        <p:spPr>
-          <a:xfrm>
-            <a:off x="9865113" y="2966665"/>
-            <a:ext cx="1947745" cy="923330"/>
-          </a:xfrm>
-          <a:prstGeom prst="rect">
-            <a:avLst/>
-          </a:prstGeom>
-          <a:solidFill>
-            <a:schemeClr val="accent4">
-              <a:lumMod val="40000"/>
-              <a:lumOff val="60000"/>
-            </a:schemeClr>
-          </a:solidFill>
-          <a:ln>
-            <a:noFill/>
-          </a:ln>
-        </p:spPr>
-        <p:txBody>
-          <a:bodyPr wrap="square" rtlCol="0">
-            <a:spAutoFit/>
-          </a:bodyPr>
-          <a:lstStyle/>
-          <a:p>
-            <a:pPr algn="ctr"/>
-            <a:r>
-              <a:rPr lang="en-CA" dirty="0"/>
-              <a:t>Returns a different value every time it’s called.</a:t>
-            </a:r>
-            <a:endParaRPr lang="en-AU" dirty="0"/>
           </a:p>
         </p:txBody>
       </p:sp>
     </p:spTree>
     <p:extLst>
       <p:ext uri="{BB962C8B-B14F-4D97-AF65-F5344CB8AC3E}">
-        <p14:creationId xmlns:p14="http://schemas.microsoft.com/office/powerpoint/2010/main" val="1435161024"/>
+        <p14:creationId xmlns:p14="http://schemas.microsoft.com/office/powerpoint/2010/main" val="4235339031"/>
       </p:ext>
     </p:extLst>
   </p:cSld>
@@ -22884,7 +23818,7 @@
                   <a:srgbClr val="FF0000"/>
                 </a:solidFill>
               </a:rPr>
-              <a:t>Use All the Bits</a:t>
+              <a:t>Determinism</a:t>
             </a:r>
             <a:endParaRPr lang="en-AU" dirty="0">
               <a:solidFill>
@@ -22912,8 +23846,8 @@
         </p:nvSpPr>
         <p:spPr>
           <a:xfrm>
-            <a:off x="162496" y="1690688"/>
-            <a:ext cx="4871224" cy="4667250"/>
+            <a:off x="838200" y="1825625"/>
+            <a:ext cx="5570034" cy="4351338"/>
           </a:xfrm>
         </p:spPr>
         <p:txBody>
@@ -22924,14 +23858,21 @@
           <a:p>
             <a:r>
               <a:rPr lang="en-CA" dirty="0"/>
-              <a:t>hash(key) should return a value that depends on all the bits in the key</a:t>
+              <a:t>hash(key) must always return the same value when you give it key</a:t>
             </a:r>
           </a:p>
           <a:p>
             <a:pPr lvl="1"/>
             <a:r>
               <a:rPr lang="en-CA" dirty="0"/>
-              <a:t>Changing even 1 bit in the key should result in a different hash value</a:t>
+              <a:t>Can’t depend on random numbers, time, files, network, etc.</a:t>
+            </a:r>
+          </a:p>
+          <a:p>
+            <a:pPr lvl="1"/>
+            <a:r>
+              <a:rPr lang="en-CA" b="1" dirty="0"/>
+              <a:t>It can only depend upon the bits in the key</a:t>
             </a:r>
           </a:p>
           <a:p>
@@ -22962,7 +23903,7 @@
           <p:cNvPr id="4" name="TextBox 3">
             <a:extLst>
               <a:ext uri="{FF2B5EF4-FFF2-40B4-BE49-F238E27FC236}">
-                <a16:creationId xmlns:a16="http://schemas.microsoft.com/office/drawing/2014/main" id="{7675A707-B606-70A6-1221-BF7AD44CEFB4}"/>
+                <a16:creationId xmlns:a16="http://schemas.microsoft.com/office/drawing/2014/main" id="{720713C2-B2CA-2EFD-A40C-CE698351CD93}"/>
               </a:ext>
             </a:extLst>
           </p:cNvPr>
@@ -22972,7 +23913,7 @@
         <p:spPr>
           <a:xfrm>
             <a:off x="7344936" y="2092132"/>
-            <a:ext cx="3528530" cy="707886"/>
+            <a:ext cx="4676217" cy="523220"/>
           </a:xfrm>
           <a:prstGeom prst="rect">
             <a:avLst/>
@@ -22986,10 +23927,18 @@
           <a:lstStyle/>
           <a:p>
             <a:r>
-              <a:rPr lang="en-CA" sz="4000" dirty="0"/>
-              <a:t>hash(x) = x % 10</a:t>
-            </a:r>
-            <a:endParaRPr lang="en-AU" sz="4000" dirty="0"/>
+              <a:rPr lang="en-CA" sz="2800" dirty="0"/>
+              <a:t>hash(x) = 2*x + </a:t>
+            </a:r>
+            <a:r>
+              <a:rPr lang="en-CA" sz="2800" dirty="0" err="1"/>
+              <a:t>current_millis</a:t>
+            </a:r>
+            <a:r>
+              <a:rPr lang="en-CA" sz="2800" dirty="0"/>
+              <a:t>()</a:t>
+            </a:r>
+            <a:endParaRPr lang="en-AU" sz="2800" dirty="0"/>
           </a:p>
         </p:txBody>
       </p:sp>
@@ -22998,7 +23947,7 @@
           <p:cNvPr id="5" name="TextBox 4">
             <a:extLst>
               <a:ext uri="{FF2B5EF4-FFF2-40B4-BE49-F238E27FC236}">
-                <a16:creationId xmlns:a16="http://schemas.microsoft.com/office/drawing/2014/main" id="{5F4249B7-6C15-476D-7742-6B51BB0CB221}"/>
+                <a16:creationId xmlns:a16="http://schemas.microsoft.com/office/drawing/2014/main" id="{166F97EC-DB21-5409-B448-A0710615047D}"/>
               </a:ext>
             </a:extLst>
           </p:cNvPr>
@@ -23043,7 +23992,7 @@
           <p:cNvPr id="6" name="Left Brace 5">
             <a:extLst>
               <a:ext uri="{FF2B5EF4-FFF2-40B4-BE49-F238E27FC236}">
-                <a16:creationId xmlns:a16="http://schemas.microsoft.com/office/drawing/2014/main" id="{6E9C3EE9-2FC7-DAB8-75D3-94C50C8D173E}"/>
+                <a16:creationId xmlns:a16="http://schemas.microsoft.com/office/drawing/2014/main" id="{79867D8C-7980-5B05-55D3-E59171D0E75B}"/>
               </a:ext>
             </a:extLst>
           </p:cNvPr>
@@ -23052,8 +24001,8 @@
         </p:nvSpPr>
         <p:spPr>
           <a:xfrm rot="16200000">
-            <a:off x="9998926" y="2178925"/>
-            <a:ext cx="208156" cy="1263805"/>
+            <a:off x="10669895" y="1639312"/>
+            <a:ext cx="208156" cy="2181856"/>
           </a:xfrm>
           <a:prstGeom prst="leftBrace">
             <a:avLst/>
@@ -23087,7 +24036,7 @@
           <p:cNvPr id="7" name="TextBox 6">
             <a:extLst>
               <a:ext uri="{FF2B5EF4-FFF2-40B4-BE49-F238E27FC236}">
-                <a16:creationId xmlns:a16="http://schemas.microsoft.com/office/drawing/2014/main" id="{413C3B1B-8956-A95C-683F-18D9074849E9}"/>
+                <a16:creationId xmlns:a16="http://schemas.microsoft.com/office/drawing/2014/main" id="{F1C17EC2-1160-378F-CDAB-85C9961282EC}"/>
               </a:ext>
             </a:extLst>
           </p:cNvPr>
@@ -23096,8 +24045,8 @@
         </p:nvSpPr>
         <p:spPr>
           <a:xfrm>
-            <a:off x="9182903" y="3095481"/>
-            <a:ext cx="2109566" cy="1477328"/>
+            <a:off x="9865113" y="2966665"/>
+            <a:ext cx="1947745" cy="923330"/>
           </a:xfrm>
           <a:prstGeom prst="rect">
             <a:avLst/>
@@ -23121,7 +24070,315 @@
             <a:pPr algn="ctr"/>
             <a:r>
               <a:rPr lang="en-CA" dirty="0"/>
-              <a:t>Its value depends only on the last digit of key. Only 10 hash values are possible, so lots of collisions!</a:t>
+              <a:t>Returns a different value every time it’s called.</a:t>
+            </a:r>
+            <a:endParaRPr lang="en-AU" dirty="0"/>
+          </a:p>
+        </p:txBody>
+      </p:sp>
+    </p:spTree>
+    <p:extLst>
+      <p:ext uri="{BB962C8B-B14F-4D97-AF65-F5344CB8AC3E}">
+        <p14:creationId xmlns:p14="http://schemas.microsoft.com/office/powerpoint/2010/main" val="1435161024"/>
+      </p:ext>
+    </p:extLst>
+  </p:cSld>
+  <p:clrMapOvr>
+    <a:masterClrMapping/>
+  </p:clrMapOvr>
+</p:sld>
+</file>
+
+<file path=ppt/slides/slide33.xml><?xml version="1.0" encoding="utf-8"?>
+<p:sld xmlns:a="http://schemas.openxmlformats.org/drawingml/2006/main" xmlns:r="http://schemas.openxmlformats.org/officeDocument/2006/relationships" xmlns:p="http://schemas.openxmlformats.org/presentationml/2006/main">
+  <p:cSld>
+    <p:spTree>
+      <p:nvGrpSpPr>
+        <p:cNvPr id="1" name=""/>
+        <p:cNvGrpSpPr/>
+        <p:nvPr/>
+      </p:nvGrpSpPr>
+      <p:grpSpPr>
+        <a:xfrm>
+          <a:off x="0" y="0"/>
+          <a:ext cx="0" cy="0"/>
+          <a:chOff x="0" y="0"/>
+          <a:chExt cx="0" cy="0"/>
+        </a:xfrm>
+      </p:grpSpPr>
+      <p:sp>
+        <p:nvSpPr>
+          <p:cNvPr id="2" name="Title 1">
+            <a:extLst>
+              <a:ext uri="{FF2B5EF4-FFF2-40B4-BE49-F238E27FC236}">
+                <a16:creationId xmlns:a16="http://schemas.microsoft.com/office/drawing/2014/main" id="{05EEB890-4AE9-E61C-9A74-E115946F8737}"/>
+              </a:ext>
+            </a:extLst>
+          </p:cNvPr>
+          <p:cNvSpPr>
+            <a:spLocks noGrp="1"/>
+          </p:cNvSpPr>
+          <p:nvPr>
+            <p:ph type="title"/>
+          </p:nvPr>
+        </p:nvSpPr>
+        <p:spPr/>
+        <p:txBody>
+          <a:bodyPr/>
+          <a:lstStyle/>
+          <a:p>
+            <a:r>
+              <a:rPr lang="en-CA" dirty="0"/>
+              <a:t>Hash Functions: </a:t>
+            </a:r>
+            <a:r>
+              <a:rPr lang="en-CA" dirty="0">
+                <a:solidFill>
+                  <a:srgbClr val="FF0000"/>
+                </a:solidFill>
+              </a:rPr>
+              <a:t>Use All the Bits</a:t>
+            </a:r>
+            <a:endParaRPr lang="en-AU" dirty="0">
+              <a:solidFill>
+                <a:srgbClr val="FF0000"/>
+              </a:solidFill>
+            </a:endParaRPr>
+          </a:p>
+        </p:txBody>
+      </p:sp>
+      <p:sp>
+        <p:nvSpPr>
+          <p:cNvPr id="3" name="Content Placeholder 2">
+            <a:extLst>
+              <a:ext uri="{FF2B5EF4-FFF2-40B4-BE49-F238E27FC236}">
+                <a16:creationId xmlns:a16="http://schemas.microsoft.com/office/drawing/2014/main" id="{853BEB51-9955-F82A-6F80-41EBE4E2A34E}"/>
+              </a:ext>
+            </a:extLst>
+          </p:cNvPr>
+          <p:cNvSpPr>
+            <a:spLocks noGrp="1"/>
+          </p:cNvSpPr>
+          <p:nvPr>
+            <p:ph idx="1"/>
+          </p:nvPr>
+        </p:nvSpPr>
+        <p:spPr>
+          <a:xfrm>
+            <a:off x="162496" y="1690688"/>
+            <a:ext cx="4871224" cy="4667250"/>
+          </a:xfrm>
+        </p:spPr>
+        <p:txBody>
+          <a:bodyPr>
+            <a:normAutofit/>
+          </a:bodyPr>
+          <a:lstStyle/>
+          <a:p>
+            <a:r>
+              <a:rPr lang="en-CA" dirty="0"/>
+              <a:t>hash(key) should return a value that </a:t>
+            </a:r>
+            <a:r>
+              <a:rPr lang="en-CA" b="1" dirty="0"/>
+              <a:t>depends on all the bits in the key</a:t>
+            </a:r>
+          </a:p>
+          <a:p>
+            <a:pPr lvl="1"/>
+            <a:r>
+              <a:rPr lang="en-CA" dirty="0"/>
+              <a:t>Changing just 1 bit in the key should result in a different hash value</a:t>
+            </a:r>
+          </a:p>
+          <a:p>
+            <a:pPr marL="0" indent="0">
+              <a:buNone/>
+            </a:pPr>
+            <a:br>
+              <a:rPr lang="en-CA" dirty="0"/>
+            </a:br>
+            <a:br>
+              <a:rPr lang="en-CA" dirty="0"/>
+            </a:br>
+            <a:endParaRPr lang="en-CA" dirty="0"/>
+          </a:p>
+          <a:p>
+            <a:pPr marL="0" indent="0">
+              <a:buNone/>
+            </a:pPr>
+            <a:endParaRPr lang="en-CA" dirty="0"/>
+          </a:p>
+          <a:p>
+            <a:endParaRPr lang="en-CA" dirty="0"/>
+          </a:p>
+        </p:txBody>
+      </p:sp>
+      <p:sp>
+        <p:nvSpPr>
+          <p:cNvPr id="4" name="TextBox 3">
+            <a:extLst>
+              <a:ext uri="{FF2B5EF4-FFF2-40B4-BE49-F238E27FC236}">
+                <a16:creationId xmlns:a16="http://schemas.microsoft.com/office/drawing/2014/main" id="{7675A707-B606-70A6-1221-BF7AD44CEFB4}"/>
+              </a:ext>
+            </a:extLst>
+          </p:cNvPr>
+          <p:cNvSpPr txBox="1"/>
+          <p:nvPr/>
+        </p:nvSpPr>
+        <p:spPr>
+          <a:xfrm>
+            <a:off x="7344936" y="2092132"/>
+            <a:ext cx="3528530" cy="707886"/>
+          </a:xfrm>
+          <a:prstGeom prst="rect">
+            <a:avLst/>
+          </a:prstGeom>
+          <a:noFill/>
+        </p:spPr>
+        <p:txBody>
+          <a:bodyPr wrap="none" rtlCol="0">
+            <a:spAutoFit/>
+          </a:bodyPr>
+          <a:lstStyle/>
+          <a:p>
+            <a:r>
+              <a:rPr lang="en-CA" sz="4000" dirty="0"/>
+              <a:t>hash(x) = x % 10</a:t>
+            </a:r>
+            <a:endParaRPr lang="en-AU" sz="4000" dirty="0"/>
+          </a:p>
+        </p:txBody>
+      </p:sp>
+      <p:sp>
+        <p:nvSpPr>
+          <p:cNvPr id="5" name="TextBox 4">
+            <a:extLst>
+              <a:ext uri="{FF2B5EF4-FFF2-40B4-BE49-F238E27FC236}">
+                <a16:creationId xmlns:a16="http://schemas.microsoft.com/office/drawing/2014/main" id="{5F4249B7-6C15-476D-7742-6B51BB0CB221}"/>
+              </a:ext>
+            </a:extLst>
+          </p:cNvPr>
+          <p:cNvSpPr txBox="1"/>
+          <p:nvPr/>
+        </p:nvSpPr>
+        <p:spPr>
+          <a:xfrm>
+            <a:off x="8532414" y="1434991"/>
+            <a:ext cx="1153573" cy="646331"/>
+          </a:xfrm>
+          <a:prstGeom prst="rect">
+            <a:avLst/>
+          </a:prstGeom>
+          <a:solidFill>
+            <a:schemeClr val="accent4">
+              <a:lumMod val="40000"/>
+              <a:lumOff val="60000"/>
+            </a:schemeClr>
+          </a:solidFill>
+          <a:ln>
+            <a:noFill/>
+          </a:ln>
+        </p:spPr>
+        <p:txBody>
+          <a:bodyPr wrap="square" rtlCol="0">
+            <a:spAutoFit/>
+          </a:bodyPr>
+          <a:lstStyle/>
+          <a:p>
+            <a:pPr algn="ctr"/>
+            <a:r>
+              <a:rPr lang="en-CA" dirty="0"/>
+              <a:t>Bad hash function!</a:t>
+            </a:r>
+            <a:endParaRPr lang="en-AU" dirty="0"/>
+          </a:p>
+        </p:txBody>
+      </p:sp>
+      <p:sp>
+        <p:nvSpPr>
+          <p:cNvPr id="6" name="Left Brace 5">
+            <a:extLst>
+              <a:ext uri="{FF2B5EF4-FFF2-40B4-BE49-F238E27FC236}">
+                <a16:creationId xmlns:a16="http://schemas.microsoft.com/office/drawing/2014/main" id="{6E9C3EE9-2FC7-DAB8-75D3-94C50C8D173E}"/>
+              </a:ext>
+            </a:extLst>
+          </p:cNvPr>
+          <p:cNvSpPr/>
+          <p:nvPr/>
+        </p:nvSpPr>
+        <p:spPr>
+          <a:xfrm rot="16200000">
+            <a:off x="9998926" y="2178925"/>
+            <a:ext cx="208156" cy="1263805"/>
+          </a:xfrm>
+          <a:prstGeom prst="leftBrace">
+            <a:avLst/>
+          </a:prstGeom>
+        </p:spPr>
+        <p:style>
+          <a:lnRef idx="1">
+            <a:schemeClr val="accent1"/>
+          </a:lnRef>
+          <a:fillRef idx="0">
+            <a:schemeClr val="accent1"/>
+          </a:fillRef>
+          <a:effectRef idx="0">
+            <a:schemeClr val="accent1"/>
+          </a:effectRef>
+          <a:fontRef idx="minor">
+            <a:schemeClr val="tx1"/>
+          </a:fontRef>
+        </p:style>
+        <p:txBody>
+          <a:bodyPr rtlCol="0" anchor="ctr"/>
+          <a:lstStyle/>
+          <a:p>
+            <a:pPr algn="ctr"/>
+            <a:endParaRPr lang="en-AU"/>
+          </a:p>
+        </p:txBody>
+      </p:sp>
+      <p:sp>
+        <p:nvSpPr>
+          <p:cNvPr id="7" name="TextBox 6">
+            <a:extLst>
+              <a:ext uri="{FF2B5EF4-FFF2-40B4-BE49-F238E27FC236}">
+                <a16:creationId xmlns:a16="http://schemas.microsoft.com/office/drawing/2014/main" id="{413C3B1B-8956-A95C-683F-18D9074849E9}"/>
+              </a:ext>
+            </a:extLst>
+          </p:cNvPr>
+          <p:cNvSpPr txBox="1"/>
+          <p:nvPr/>
+        </p:nvSpPr>
+        <p:spPr>
+          <a:xfrm>
+            <a:off x="9182903" y="3095481"/>
+            <a:ext cx="2109566" cy="1477328"/>
+          </a:xfrm>
+          <a:prstGeom prst="rect">
+            <a:avLst/>
+          </a:prstGeom>
+          <a:solidFill>
+            <a:schemeClr val="accent4">
+              <a:lumMod val="40000"/>
+              <a:lumOff val="60000"/>
+            </a:schemeClr>
+          </a:solidFill>
+          <a:ln>
+            <a:noFill/>
+          </a:ln>
+        </p:spPr>
+        <p:txBody>
+          <a:bodyPr wrap="square" rtlCol="0">
+            <a:spAutoFit/>
+          </a:bodyPr>
+          <a:lstStyle/>
+          <a:p>
+            <a:pPr algn="ctr"/>
+            <a:r>
+              <a:rPr lang="en-CA" dirty="0"/>
+              <a:t>Its value depends only on the last digit of x. Only 10 hash values are possible, so lots of collisions!</a:t>
             </a:r>
             <a:endParaRPr lang="en-AU" dirty="0"/>
           </a:p>
@@ -23394,7 +24651,7 @@
 </p:sld>
 </file>
 
-<file path=ppt/slides/slide33.xml><?xml version="1.0" encoding="utf-8"?>
+<file path=ppt/slides/slide34.xml><?xml version="1.0" encoding="utf-8"?>
 <p:sld xmlns:a="http://schemas.openxmlformats.org/drawingml/2006/main" xmlns:r="http://schemas.openxmlformats.org/officeDocument/2006/relationships" xmlns:p="http://schemas.openxmlformats.org/presentationml/2006/main">
   <p:cSld>
     <p:spTree>
@@ -23442,7 +24699,7 @@
                   <a:srgbClr val="FF0000"/>
                 </a:solidFill>
               </a:rPr>
-              <a:t>Large Range of Values</a:t>
+              <a:t>Wide Range of Values</a:t>
             </a:r>
             <a:endParaRPr lang="en-AU" dirty="0">
               <a:solidFill>
@@ -23868,520 +25125,6 @@
     <p:extLst>
       <p:ext uri="{BB962C8B-B14F-4D97-AF65-F5344CB8AC3E}">
         <p14:creationId xmlns:p14="http://schemas.microsoft.com/office/powerpoint/2010/main" val="1672341037"/>
-      </p:ext>
-    </p:extLst>
-  </p:cSld>
-  <p:clrMapOvr>
-    <a:masterClrMapping/>
-  </p:clrMapOvr>
-</p:sld>
-</file>
-
-<file path=ppt/slides/slide34.xml><?xml version="1.0" encoding="utf-8"?>
-<p:sld xmlns:a="http://schemas.openxmlformats.org/drawingml/2006/main" xmlns:r="http://schemas.openxmlformats.org/officeDocument/2006/relationships" xmlns:p="http://schemas.openxmlformats.org/presentationml/2006/main">
-  <p:cSld>
-    <p:spTree>
-      <p:nvGrpSpPr>
-        <p:cNvPr id="1" name=""/>
-        <p:cNvGrpSpPr/>
-        <p:nvPr/>
-      </p:nvGrpSpPr>
-      <p:grpSpPr>
-        <a:xfrm>
-          <a:off x="0" y="0"/>
-          <a:ext cx="0" cy="0"/>
-          <a:chOff x="0" y="0"/>
-          <a:chExt cx="0" cy="0"/>
-        </a:xfrm>
-      </p:grpSpPr>
-      <p:sp>
-        <p:nvSpPr>
-          <p:cNvPr id="2" name="Title 1">
-            <a:extLst>
-              <a:ext uri="{FF2B5EF4-FFF2-40B4-BE49-F238E27FC236}">
-                <a16:creationId xmlns:a16="http://schemas.microsoft.com/office/drawing/2014/main" id="{05EEB890-4AE9-E61C-9A74-E115946F8737}"/>
-              </a:ext>
-            </a:extLst>
-          </p:cNvPr>
-          <p:cNvSpPr>
-            <a:spLocks noGrp="1"/>
-          </p:cNvSpPr>
-          <p:nvPr>
-            <p:ph type="title"/>
-          </p:nvPr>
-        </p:nvSpPr>
-        <p:spPr/>
-        <p:txBody>
-          <a:bodyPr/>
-          <a:lstStyle/>
-          <a:p>
-            <a:r>
-              <a:rPr lang="en-CA" dirty="0"/>
-              <a:t>Hash Functions: </a:t>
-            </a:r>
-            <a:r>
-              <a:rPr lang="en-CA" dirty="0">
-                <a:solidFill>
-                  <a:srgbClr val="FF0000"/>
-                </a:solidFill>
-              </a:rPr>
-              <a:t>Fast to Calculate</a:t>
-            </a:r>
-            <a:endParaRPr lang="en-AU" dirty="0">
-              <a:solidFill>
-                <a:srgbClr val="FF0000"/>
-              </a:solidFill>
-            </a:endParaRPr>
-          </a:p>
-        </p:txBody>
-      </p:sp>
-      <p:sp>
-        <p:nvSpPr>
-          <p:cNvPr id="3" name="Content Placeholder 2">
-            <a:extLst>
-              <a:ext uri="{FF2B5EF4-FFF2-40B4-BE49-F238E27FC236}">
-                <a16:creationId xmlns:a16="http://schemas.microsoft.com/office/drawing/2014/main" id="{853BEB51-9955-F82A-6F80-41EBE4E2A34E}"/>
-              </a:ext>
-            </a:extLst>
-          </p:cNvPr>
-          <p:cNvSpPr>
-            <a:spLocks noGrp="1"/>
-          </p:cNvSpPr>
-          <p:nvPr>
-            <p:ph idx="1"/>
-          </p:nvPr>
-        </p:nvSpPr>
-        <p:spPr>
-          <a:xfrm>
-            <a:off x="838200" y="1825625"/>
-            <a:ext cx="5570034" cy="4351338"/>
-          </a:xfrm>
-        </p:spPr>
-        <p:txBody>
-          <a:bodyPr>
-            <a:normAutofit lnSpcReduction="10000"/>
-          </a:bodyPr>
-          <a:lstStyle/>
-          <a:p>
-            <a:r>
-              <a:rPr lang="en-CA" dirty="0"/>
-              <a:t>hash(key) should be fast to calculate</a:t>
-            </a:r>
-          </a:p>
-          <a:p>
-            <a:pPr lvl="1"/>
-            <a:r>
-              <a:rPr lang="en-CA" dirty="0"/>
-              <a:t>We want hash table operations to be as fast as possible</a:t>
-            </a:r>
-          </a:p>
-          <a:p>
-            <a:pPr lvl="1"/>
-            <a:r>
-              <a:rPr lang="en-CA" dirty="0"/>
-              <a:t>Determining the best balance between speed of calculation and quality of output is non-trivial!</a:t>
-            </a:r>
-          </a:p>
-          <a:p>
-            <a:pPr lvl="1"/>
-            <a:r>
-              <a:rPr lang="en-CA" dirty="0"/>
-              <a:t>Check out </a:t>
-            </a:r>
-            <a:r>
-              <a:rPr lang="en-CA" dirty="0" err="1">
-                <a:hlinkClick r:id="rId2"/>
-              </a:rPr>
-              <a:t>MurmurHash</a:t>
-            </a:r>
-            <a:r>
-              <a:rPr lang="en-CA" dirty="0"/>
-              <a:t>, a popular high-quality hash function</a:t>
-            </a:r>
-          </a:p>
-          <a:p>
-            <a:pPr marL="0" indent="0">
-              <a:buNone/>
-            </a:pPr>
-            <a:br>
-              <a:rPr lang="en-CA" dirty="0"/>
-            </a:br>
-            <a:br>
-              <a:rPr lang="en-CA" dirty="0"/>
-            </a:br>
-            <a:endParaRPr lang="en-CA" dirty="0"/>
-          </a:p>
-          <a:p>
-            <a:pPr marL="0" indent="0">
-              <a:buNone/>
-            </a:pPr>
-            <a:endParaRPr lang="en-CA" dirty="0"/>
-          </a:p>
-          <a:p>
-            <a:endParaRPr lang="en-CA" dirty="0"/>
-          </a:p>
-        </p:txBody>
-      </p:sp>
-      <p:sp>
-        <p:nvSpPr>
-          <p:cNvPr id="4" name="TextBox 3">
-            <a:extLst>
-              <a:ext uri="{FF2B5EF4-FFF2-40B4-BE49-F238E27FC236}">
-                <a16:creationId xmlns:a16="http://schemas.microsoft.com/office/drawing/2014/main" id="{720713C2-B2CA-2EFD-A40C-CE698351CD93}"/>
-              </a:ext>
-            </a:extLst>
-          </p:cNvPr>
-          <p:cNvSpPr txBox="1"/>
-          <p:nvPr/>
-        </p:nvSpPr>
-        <p:spPr>
-          <a:xfrm>
-            <a:off x="7344936" y="2092132"/>
-            <a:ext cx="3251211" cy="523220"/>
-          </a:xfrm>
-          <a:prstGeom prst="rect">
-            <a:avLst/>
-          </a:prstGeom>
-          <a:noFill/>
-        </p:spPr>
-        <p:txBody>
-          <a:bodyPr wrap="none" rtlCol="0">
-            <a:spAutoFit/>
-          </a:bodyPr>
-          <a:lstStyle/>
-          <a:p>
-            <a:r>
-              <a:rPr lang="en-CA" sz="2800" dirty="0"/>
-              <a:t>hash(x) = x*x + x*x*x</a:t>
-            </a:r>
-            <a:endParaRPr lang="en-AU" sz="2800" dirty="0"/>
-          </a:p>
-        </p:txBody>
-      </p:sp>
-      <p:sp>
-        <p:nvSpPr>
-          <p:cNvPr id="5" name="TextBox 4">
-            <a:extLst>
-              <a:ext uri="{FF2B5EF4-FFF2-40B4-BE49-F238E27FC236}">
-                <a16:creationId xmlns:a16="http://schemas.microsoft.com/office/drawing/2014/main" id="{166F97EC-DB21-5409-B448-A0710615047D}"/>
-              </a:ext>
-            </a:extLst>
-          </p:cNvPr>
-          <p:cNvSpPr txBox="1"/>
-          <p:nvPr/>
-        </p:nvSpPr>
-        <p:spPr>
-          <a:xfrm>
-            <a:off x="8532414" y="1434991"/>
-            <a:ext cx="1153573" cy="646331"/>
-          </a:xfrm>
-          <a:prstGeom prst="rect">
-            <a:avLst/>
-          </a:prstGeom>
-          <a:solidFill>
-            <a:schemeClr val="accent4">
-              <a:lumMod val="40000"/>
-              <a:lumOff val="60000"/>
-            </a:schemeClr>
-          </a:solidFill>
-          <a:ln>
-            <a:noFill/>
-          </a:ln>
-        </p:spPr>
-        <p:txBody>
-          <a:bodyPr wrap="square" rtlCol="0">
-            <a:spAutoFit/>
-          </a:bodyPr>
-          <a:lstStyle/>
-          <a:p>
-            <a:pPr algn="ctr"/>
-            <a:r>
-              <a:rPr lang="en-CA" dirty="0"/>
-              <a:t>Bad hash function!</a:t>
-            </a:r>
-            <a:endParaRPr lang="en-AU" dirty="0"/>
-          </a:p>
-        </p:txBody>
-      </p:sp>
-      <p:sp>
-        <p:nvSpPr>
-          <p:cNvPr id="6" name="Left Brace 5">
-            <a:extLst>
-              <a:ext uri="{FF2B5EF4-FFF2-40B4-BE49-F238E27FC236}">
-                <a16:creationId xmlns:a16="http://schemas.microsoft.com/office/drawing/2014/main" id="{79867D8C-7980-5B05-55D3-E59171D0E75B}"/>
-              </a:ext>
-            </a:extLst>
-          </p:cNvPr>
-          <p:cNvSpPr/>
-          <p:nvPr/>
-        </p:nvSpPr>
-        <p:spPr>
-          <a:xfrm rot="16200000">
-            <a:off x="9528752" y="1897087"/>
-            <a:ext cx="208156" cy="1579686"/>
-          </a:xfrm>
-          <a:prstGeom prst="leftBrace">
-            <a:avLst/>
-          </a:prstGeom>
-        </p:spPr>
-        <p:style>
-          <a:lnRef idx="1">
-            <a:schemeClr val="accent1"/>
-          </a:lnRef>
-          <a:fillRef idx="0">
-            <a:schemeClr val="accent1"/>
-          </a:fillRef>
-          <a:effectRef idx="0">
-            <a:schemeClr val="accent1"/>
-          </a:effectRef>
-          <a:fontRef idx="minor">
-            <a:schemeClr val="tx1"/>
-          </a:fontRef>
-        </p:style>
-        <p:txBody>
-          <a:bodyPr rtlCol="0" anchor="ctr"/>
-          <a:lstStyle/>
-          <a:p>
-            <a:pPr algn="ctr"/>
-            <a:endParaRPr lang="en-AU"/>
-          </a:p>
-        </p:txBody>
-      </p:sp>
-      <p:sp>
-        <p:nvSpPr>
-          <p:cNvPr id="7" name="TextBox 6">
-            <a:extLst>
-              <a:ext uri="{FF2B5EF4-FFF2-40B4-BE49-F238E27FC236}">
-                <a16:creationId xmlns:a16="http://schemas.microsoft.com/office/drawing/2014/main" id="{F1C17EC2-1160-378F-CDAB-85C9961282EC}"/>
-              </a:ext>
-            </a:extLst>
-          </p:cNvPr>
-          <p:cNvSpPr txBox="1"/>
-          <p:nvPr/>
-        </p:nvSpPr>
-        <p:spPr>
-          <a:xfrm>
-            <a:off x="8842987" y="2892324"/>
-            <a:ext cx="1947745" cy="646331"/>
-          </a:xfrm>
-          <a:prstGeom prst="rect">
-            <a:avLst/>
-          </a:prstGeom>
-          <a:solidFill>
-            <a:schemeClr val="accent4">
-              <a:lumMod val="40000"/>
-              <a:lumOff val="60000"/>
-            </a:schemeClr>
-          </a:solidFill>
-          <a:ln>
-            <a:noFill/>
-          </a:ln>
-        </p:spPr>
-        <p:txBody>
-          <a:bodyPr wrap="square" rtlCol="0">
-            <a:spAutoFit/>
-          </a:bodyPr>
-          <a:lstStyle/>
-          <a:p>
-            <a:pPr algn="ctr"/>
-            <a:r>
-              <a:rPr lang="en-CA" dirty="0"/>
-              <a:t>3 multiplications</a:t>
-            </a:r>
-            <a:br>
-              <a:rPr lang="en-CA" dirty="0"/>
-            </a:br>
-            <a:r>
-              <a:rPr lang="en-CA" dirty="0"/>
-              <a:t>1 addition</a:t>
-            </a:r>
-            <a:endParaRPr lang="en-AU" dirty="0"/>
-          </a:p>
-        </p:txBody>
-      </p:sp>
-      <p:sp>
-        <p:nvSpPr>
-          <p:cNvPr id="8" name="TextBox 7">
-            <a:extLst>
-              <a:ext uri="{FF2B5EF4-FFF2-40B4-BE49-F238E27FC236}">
-                <a16:creationId xmlns:a16="http://schemas.microsoft.com/office/drawing/2014/main" id="{A8CA337D-0CC5-B139-4E4A-8E56DA78EFE1}"/>
-              </a:ext>
-            </a:extLst>
-          </p:cNvPr>
-          <p:cNvSpPr txBox="1"/>
-          <p:nvPr/>
-        </p:nvSpPr>
-        <p:spPr>
-          <a:xfrm>
-            <a:off x="7461956" y="4730440"/>
-            <a:ext cx="3134191" cy="523220"/>
-          </a:xfrm>
-          <a:prstGeom prst="rect">
-            <a:avLst/>
-          </a:prstGeom>
-          <a:noFill/>
-        </p:spPr>
-        <p:txBody>
-          <a:bodyPr wrap="none" rtlCol="0">
-            <a:spAutoFit/>
-          </a:bodyPr>
-          <a:lstStyle/>
-          <a:p>
-            <a:r>
-              <a:rPr lang="en-CA" sz="2800" dirty="0"/>
-              <a:t>hash(x) = x*(x + x*x)</a:t>
-            </a:r>
-            <a:endParaRPr lang="en-AU" sz="2800" dirty="0"/>
-          </a:p>
-        </p:txBody>
-      </p:sp>
-      <p:sp>
-        <p:nvSpPr>
-          <p:cNvPr id="9" name="TextBox 8">
-            <a:extLst>
-              <a:ext uri="{FF2B5EF4-FFF2-40B4-BE49-F238E27FC236}">
-                <a16:creationId xmlns:a16="http://schemas.microsoft.com/office/drawing/2014/main" id="{39ED0346-F127-581B-63D2-94945803BF4A}"/>
-              </a:ext>
-            </a:extLst>
-          </p:cNvPr>
-          <p:cNvSpPr txBox="1"/>
-          <p:nvPr/>
-        </p:nvSpPr>
-        <p:spPr>
-          <a:xfrm>
-            <a:off x="8960007" y="5530632"/>
-            <a:ext cx="1947745" cy="646331"/>
-          </a:xfrm>
-          <a:prstGeom prst="rect">
-            <a:avLst/>
-          </a:prstGeom>
-          <a:solidFill>
-            <a:schemeClr val="accent4">
-              <a:lumMod val="40000"/>
-              <a:lumOff val="60000"/>
-            </a:schemeClr>
-          </a:solidFill>
-          <a:ln>
-            <a:noFill/>
-          </a:ln>
-        </p:spPr>
-        <p:txBody>
-          <a:bodyPr wrap="square" rtlCol="0">
-            <a:spAutoFit/>
-          </a:bodyPr>
-          <a:lstStyle/>
-          <a:p>
-            <a:pPr algn="ctr"/>
-            <a:r>
-              <a:rPr lang="en-CA" dirty="0"/>
-              <a:t>2 multiplications</a:t>
-            </a:r>
-            <a:br>
-              <a:rPr lang="en-CA" dirty="0"/>
-            </a:br>
-            <a:r>
-              <a:rPr lang="en-CA" dirty="0"/>
-              <a:t>1 addition</a:t>
-            </a:r>
-            <a:endParaRPr lang="en-AU" dirty="0"/>
-          </a:p>
-        </p:txBody>
-      </p:sp>
-      <p:sp>
-        <p:nvSpPr>
-          <p:cNvPr id="10" name="Arrow: Down 9">
-            <a:extLst>
-              <a:ext uri="{FF2B5EF4-FFF2-40B4-BE49-F238E27FC236}">
-                <a16:creationId xmlns:a16="http://schemas.microsoft.com/office/drawing/2014/main" id="{C426CA52-5795-6EB4-0560-A7FA9BD70B89}"/>
-              </a:ext>
-            </a:extLst>
-          </p:cNvPr>
-          <p:cNvSpPr/>
-          <p:nvPr/>
-        </p:nvSpPr>
-        <p:spPr>
-          <a:xfrm>
-            <a:off x="8842987" y="3776360"/>
-            <a:ext cx="308447" cy="758283"/>
-          </a:xfrm>
-          <a:prstGeom prst="downArrow">
-            <a:avLst/>
-          </a:prstGeom>
-        </p:spPr>
-        <p:style>
-          <a:lnRef idx="2">
-            <a:schemeClr val="accent1">
-              <a:shade val="15000"/>
-            </a:schemeClr>
-          </a:lnRef>
-          <a:fillRef idx="1">
-            <a:schemeClr val="accent1"/>
-          </a:fillRef>
-          <a:effectRef idx="0">
-            <a:schemeClr val="accent1"/>
-          </a:effectRef>
-          <a:fontRef idx="minor">
-            <a:schemeClr val="lt1"/>
-          </a:fontRef>
-        </p:style>
-        <p:txBody>
-          <a:bodyPr rtlCol="0" anchor="ctr"/>
-          <a:lstStyle/>
-          <a:p>
-            <a:pPr algn="ctr"/>
-            <a:endParaRPr lang="en-AU"/>
-          </a:p>
-        </p:txBody>
-      </p:sp>
-      <p:sp>
-        <p:nvSpPr>
-          <p:cNvPr id="11" name="TextBox 10">
-            <a:extLst>
-              <a:ext uri="{FF2B5EF4-FFF2-40B4-BE49-F238E27FC236}">
-                <a16:creationId xmlns:a16="http://schemas.microsoft.com/office/drawing/2014/main" id="{0B3048A3-03FE-EDBE-7D47-8B00E19471C1}"/>
-              </a:ext>
-            </a:extLst>
-          </p:cNvPr>
-          <p:cNvSpPr txBox="1"/>
-          <p:nvPr/>
-        </p:nvSpPr>
-        <p:spPr>
-          <a:xfrm>
-            <a:off x="7646765" y="4057983"/>
-            <a:ext cx="844832" cy="369332"/>
-          </a:xfrm>
-          <a:prstGeom prst="rect">
-            <a:avLst/>
-          </a:prstGeom>
-          <a:solidFill>
-            <a:schemeClr val="accent4">
-              <a:lumMod val="40000"/>
-              <a:lumOff val="60000"/>
-            </a:schemeClr>
-          </a:solidFill>
-          <a:ln>
-            <a:noFill/>
-          </a:ln>
-        </p:spPr>
-        <p:txBody>
-          <a:bodyPr wrap="square" rtlCol="0">
-            <a:spAutoFit/>
-          </a:bodyPr>
-          <a:lstStyle/>
-          <a:p>
-            <a:pPr algn="ctr"/>
-            <a:r>
-              <a:rPr lang="en-CA" dirty="0"/>
-              <a:t>Better!</a:t>
-            </a:r>
-            <a:endParaRPr lang="en-AU" dirty="0"/>
-          </a:p>
-        </p:txBody>
-      </p:sp>
-    </p:spTree>
-    <p:extLst>
-      <p:ext uri="{BB962C8B-B14F-4D97-AF65-F5344CB8AC3E}">
-        <p14:creationId xmlns:p14="http://schemas.microsoft.com/office/powerpoint/2010/main" val="397900611"/>
       </p:ext>
     </p:extLst>
   </p:cSld>
@@ -24413,7 +25156,7 @@
           <p:cNvPr id="2" name="Title 1">
             <a:extLst>
               <a:ext uri="{FF2B5EF4-FFF2-40B4-BE49-F238E27FC236}">
-                <a16:creationId xmlns:a16="http://schemas.microsoft.com/office/drawing/2014/main" id="{6E6C3240-625C-85D5-9A27-AFC44222D530}"/>
+                <a16:creationId xmlns:a16="http://schemas.microsoft.com/office/drawing/2014/main" id="{05EEB890-4AE9-E61C-9A74-E115946F8737}"/>
               </a:ext>
             </a:extLst>
           </p:cNvPr>
@@ -24424,21 +25167,14 @@
             <p:ph type="title"/>
           </p:nvPr>
         </p:nvSpPr>
-        <p:spPr>
-          <a:xfrm>
-            <a:off x="838199" y="365125"/>
-            <a:ext cx="4581293" cy="1325563"/>
-          </a:xfrm>
-        </p:spPr>
+        <p:spPr/>
         <p:txBody>
-          <a:bodyPr>
-            <a:normAutofit fontScale="90000"/>
-          </a:bodyPr>
+          <a:bodyPr/>
           <a:lstStyle/>
           <a:p>
             <a:r>
               <a:rPr lang="en-CA" dirty="0"/>
-              <a:t>Hashing Strings: </a:t>
+              <a:t>Hash Functions: </a:t>
             </a:r>
             <a:r>
               <a:rPr lang="en-CA" dirty="0">
@@ -24446,7 +25182,7 @@
                   <a:srgbClr val="FF0000"/>
                 </a:solidFill>
               </a:rPr>
-              <a:t>Summing Characters</a:t>
+              <a:t>Fast to Calculate</a:t>
             </a:r>
             <a:endParaRPr lang="en-AU" dirty="0">
               <a:solidFill>
@@ -24458,20 +25194,107 @@
       </p:sp>
       <p:sp>
         <p:nvSpPr>
-          <p:cNvPr id="4" name="TextBox 3">
-            <a:extLst>
-              <a:ext uri="{FF2B5EF4-FFF2-40B4-BE49-F238E27FC236}">
-                <a16:creationId xmlns:a16="http://schemas.microsoft.com/office/drawing/2014/main" id="{43DFE22A-91EA-1CB3-5416-93D6F2AB3EC5}"/>
-              </a:ext>
-            </a:extLst>
-          </p:cNvPr>
-          <p:cNvSpPr txBox="1"/>
-          <p:nvPr/>
+          <p:cNvPr id="3" name="Content Placeholder 2">
+            <a:extLst>
+              <a:ext uri="{FF2B5EF4-FFF2-40B4-BE49-F238E27FC236}">
+                <a16:creationId xmlns:a16="http://schemas.microsoft.com/office/drawing/2014/main" id="{853BEB51-9955-F82A-6F80-41EBE4E2A34E}"/>
+              </a:ext>
+            </a:extLst>
+          </p:cNvPr>
+          <p:cNvSpPr>
+            <a:spLocks noGrp="1"/>
+          </p:cNvSpPr>
+          <p:nvPr>
+            <p:ph idx="1"/>
+          </p:nvPr>
         </p:nvSpPr>
         <p:spPr>
           <a:xfrm>
-            <a:off x="4311805" y="1894749"/>
-            <a:ext cx="6296917" cy="1384995"/>
+            <a:off x="838200" y="1825625"/>
+            <a:ext cx="5570034" cy="4351338"/>
+          </a:xfrm>
+        </p:spPr>
+        <p:txBody>
+          <a:bodyPr>
+            <a:normAutofit lnSpcReduction="10000"/>
+          </a:bodyPr>
+          <a:lstStyle/>
+          <a:p>
+            <a:r>
+              <a:rPr lang="en-CA" dirty="0"/>
+              <a:t>hash(key) should be fast to calculate</a:t>
+            </a:r>
+          </a:p>
+          <a:p>
+            <a:pPr lvl="1"/>
+            <a:r>
+              <a:rPr lang="en-CA" dirty="0"/>
+              <a:t>We want hash table operations to be as fast as possible</a:t>
+            </a:r>
+          </a:p>
+          <a:p>
+            <a:pPr lvl="1"/>
+            <a:r>
+              <a:rPr lang="en-CA" dirty="0"/>
+              <a:t>Determining the best balance between speed of calculation and quality of output is non-trivial!</a:t>
+            </a:r>
+          </a:p>
+          <a:p>
+            <a:pPr lvl="1"/>
+            <a:r>
+              <a:rPr lang="en-CA" dirty="0"/>
+              <a:t>Check out </a:t>
+            </a:r>
+            <a:r>
+              <a:rPr lang="en-CA" dirty="0" err="1">
+                <a:hlinkClick r:id="rId2"/>
+              </a:rPr>
+              <a:t>MurmurHash</a:t>
+            </a:r>
+            <a:r>
+              <a:rPr lang="en-CA" dirty="0"/>
+              <a:t>, a popular high-quality hash function</a:t>
+            </a:r>
+          </a:p>
+          <a:p>
+            <a:pPr marL="0" indent="0">
+              <a:buNone/>
+            </a:pPr>
+            <a:br>
+              <a:rPr lang="en-CA" dirty="0"/>
+            </a:br>
+            <a:br>
+              <a:rPr lang="en-CA" dirty="0"/>
+            </a:br>
+            <a:endParaRPr lang="en-CA" dirty="0"/>
+          </a:p>
+          <a:p>
+            <a:pPr marL="0" indent="0">
+              <a:buNone/>
+            </a:pPr>
+            <a:endParaRPr lang="en-CA" dirty="0"/>
+          </a:p>
+          <a:p>
+            <a:endParaRPr lang="en-CA" dirty="0"/>
+          </a:p>
+        </p:txBody>
+      </p:sp>
+      <p:sp>
+        <p:nvSpPr>
+          <p:cNvPr id="4" name="TextBox 3">
+            <a:extLst>
+              <a:ext uri="{FF2B5EF4-FFF2-40B4-BE49-F238E27FC236}">
+                <a16:creationId xmlns:a16="http://schemas.microsoft.com/office/drawing/2014/main" id="{720713C2-B2CA-2EFD-A40C-CE698351CD93}"/>
+              </a:ext>
+            </a:extLst>
+          </p:cNvPr>
+          <p:cNvSpPr txBox="1"/>
+          <p:nvPr/>
+        </p:nvSpPr>
+        <p:spPr>
+          <a:xfrm>
+            <a:off x="7344936" y="2092132"/>
+            <a:ext cx="3251211" cy="523220"/>
           </a:xfrm>
           <a:prstGeom prst="rect">
             <a:avLst/>
@@ -24485,69 +25308,19 @@
           <a:lstStyle/>
           <a:p>
             <a:r>
-              <a:rPr lang="en-US" sz="2800" b="0" dirty="0">
-                <a:solidFill>
-                  <a:srgbClr val="40454E"/>
-                </a:solidFill>
-                <a:effectLst/>
-                <a:latin typeface="Consolas" panose="020B0609020204030204" pitchFamily="49" charset="0"/>
-              </a:rPr>
-              <a:t>hash("cat") = 'c' + 'a' +  't' </a:t>
-            </a:r>
-            <a:endParaRPr lang="en-US" sz="2800" b="0" dirty="0">
-              <a:solidFill>
-                <a:srgbClr val="9DA5B4"/>
-              </a:solidFill>
-              <a:effectLst/>
-              <a:latin typeface="Consolas" panose="020B0609020204030204" pitchFamily="49" charset="0"/>
-            </a:endParaRPr>
-          </a:p>
-          <a:p>
-            <a:r>
-              <a:rPr lang="en-US" sz="2800" b="0" dirty="0">
-                <a:solidFill>
-                  <a:srgbClr val="40454E"/>
-                </a:solidFill>
-                <a:effectLst/>
-                <a:latin typeface="Consolas" panose="020B0609020204030204" pitchFamily="49" charset="0"/>
-              </a:rPr>
-              <a:t>            = 99  + 97  + 116 </a:t>
-            </a:r>
-            <a:endParaRPr lang="en-US" sz="2800" b="0" dirty="0">
-              <a:solidFill>
-                <a:srgbClr val="9DA5B4"/>
-              </a:solidFill>
-              <a:effectLst/>
-              <a:latin typeface="Consolas" panose="020B0609020204030204" pitchFamily="49" charset="0"/>
-            </a:endParaRPr>
-          </a:p>
-          <a:p>
-            <a:r>
-              <a:rPr lang="en-US" sz="2800" b="0" dirty="0">
-                <a:solidFill>
-                  <a:srgbClr val="40454E"/>
-                </a:solidFill>
-                <a:effectLst/>
-                <a:latin typeface="Consolas" panose="020B0609020204030204" pitchFamily="49" charset="0"/>
-              </a:rPr>
-              <a:t>            = 312</a:t>
-            </a:r>
-            <a:endParaRPr lang="en-US" sz="2800" b="0" dirty="0">
-              <a:solidFill>
-                <a:srgbClr val="9DA5B4"/>
-              </a:solidFill>
-              <a:effectLst/>
-              <a:latin typeface="Consolas" panose="020B0609020204030204" pitchFamily="49" charset="0"/>
-            </a:endParaRPr>
+              <a:rPr lang="en-CA" sz="2800" dirty="0"/>
+              <a:t>hash(x) = x*x + x*x*x</a:t>
+            </a:r>
+            <a:endParaRPr lang="en-AU" sz="2800" dirty="0"/>
           </a:p>
         </p:txBody>
       </p:sp>
       <p:sp>
         <p:nvSpPr>
-          <p:cNvPr id="9" name="TextBox 8">
-            <a:extLst>
-              <a:ext uri="{FF2B5EF4-FFF2-40B4-BE49-F238E27FC236}">
-                <a16:creationId xmlns:a16="http://schemas.microsoft.com/office/drawing/2014/main" id="{A48DE7D5-12C0-AC84-0139-CB3229CA0A87}"/>
+          <p:cNvPr id="5" name="TextBox 4">
+            <a:extLst>
+              <a:ext uri="{FF2B5EF4-FFF2-40B4-BE49-F238E27FC236}">
+                <a16:creationId xmlns:a16="http://schemas.microsoft.com/office/drawing/2014/main" id="{166F97EC-DB21-5409-B448-A0710615047D}"/>
               </a:ext>
             </a:extLst>
           </p:cNvPr>
@@ -24556,117 +25329,8 @@
         </p:nvSpPr>
         <p:spPr>
           <a:xfrm>
-            <a:off x="743414" y="3483806"/>
-            <a:ext cx="5003181" cy="2585323"/>
-          </a:xfrm>
-          <a:prstGeom prst="rect">
-            <a:avLst/>
-          </a:prstGeom>
-          <a:noFill/>
-          <a:ln>
-            <a:solidFill>
-              <a:schemeClr val="tx1"/>
-            </a:solidFill>
-          </a:ln>
-        </p:spPr>
-        <p:txBody>
-          <a:bodyPr wrap="square" rtlCol="0">
-            <a:spAutoFit/>
-          </a:bodyPr>
-          <a:lstStyle/>
-          <a:p>
-            <a:r>
-              <a:rPr lang="en-US" dirty="0">
-                <a:latin typeface="Consolas" panose="020B0609020204030204" pitchFamily="49" charset="0"/>
-              </a:rPr>
-              <a:t>int hash(const string &amp;s)</a:t>
-            </a:r>
-          </a:p>
-          <a:p>
-            <a:r>
-              <a:rPr lang="en-US" dirty="0">
-                <a:latin typeface="Consolas" panose="020B0609020204030204" pitchFamily="49" charset="0"/>
-              </a:rPr>
-              <a:t>{</a:t>
-            </a:r>
-          </a:p>
-          <a:p>
-            <a:r>
-              <a:rPr lang="en-US" dirty="0">
-                <a:latin typeface="Consolas" panose="020B0609020204030204" pitchFamily="49" charset="0"/>
-              </a:rPr>
-              <a:t>    int result = 0;</a:t>
-            </a:r>
-          </a:p>
-          <a:p>
-            <a:r>
-              <a:rPr lang="en-US" dirty="0">
-                <a:latin typeface="Consolas" panose="020B0609020204030204" pitchFamily="49" charset="0"/>
-              </a:rPr>
-              <a:t>    for (int i = 0; i &lt; s.size(); i++)</a:t>
-            </a:r>
-          </a:p>
-          <a:p>
-            <a:r>
-              <a:rPr lang="en-US" dirty="0">
-                <a:latin typeface="Consolas" panose="020B0609020204030204" pitchFamily="49" charset="0"/>
-              </a:rPr>
-              <a:t>    {</a:t>
-            </a:r>
-          </a:p>
-          <a:p>
-            <a:r>
-              <a:rPr lang="en-US" dirty="0">
-                <a:latin typeface="Consolas" panose="020B0609020204030204" pitchFamily="49" charset="0"/>
-              </a:rPr>
-              <a:t>        result += s[i];</a:t>
-            </a:r>
-          </a:p>
-          <a:p>
-            <a:r>
-              <a:rPr lang="en-US" dirty="0">
-                <a:latin typeface="Consolas" panose="020B0609020204030204" pitchFamily="49" charset="0"/>
-              </a:rPr>
-              <a:t>    }</a:t>
-            </a:r>
-          </a:p>
-          <a:p>
-            <a:r>
-              <a:rPr lang="en-US" dirty="0">
-                <a:latin typeface="Consolas" panose="020B0609020204030204" pitchFamily="49" charset="0"/>
-              </a:rPr>
-              <a:t>    return result;</a:t>
-            </a:r>
-          </a:p>
-          <a:p>
-            <a:r>
-              <a:rPr lang="en-US" dirty="0">
-                <a:latin typeface="Consolas" panose="020B0609020204030204" pitchFamily="49" charset="0"/>
-              </a:rPr>
-              <a:t>}</a:t>
-            </a:r>
-            <a:endParaRPr lang="en-AU" dirty="0">
-              <a:latin typeface="Consolas" panose="020B0609020204030204" pitchFamily="49" charset="0"/>
-            </a:endParaRPr>
-          </a:p>
-        </p:txBody>
-      </p:sp>
-      <p:sp>
-        <p:nvSpPr>
-          <p:cNvPr id="10" name="TextBox 9">
-            <a:extLst>
-              <a:ext uri="{FF2B5EF4-FFF2-40B4-BE49-F238E27FC236}">
-                <a16:creationId xmlns:a16="http://schemas.microsoft.com/office/drawing/2014/main" id="{A4FEAC98-6DC3-B4B1-0754-7C5EDD69E199}"/>
-              </a:ext>
-            </a:extLst>
-          </p:cNvPr>
-          <p:cNvSpPr txBox="1"/>
-          <p:nvPr/>
-        </p:nvSpPr>
-        <p:spPr>
-          <a:xfrm>
-            <a:off x="9138427" y="490358"/>
-            <a:ext cx="2689300" cy="1200329"/>
+            <a:off x="8532414" y="1434991"/>
+            <a:ext cx="1153573" cy="646331"/>
           </a:xfrm>
           <a:prstGeom prst="rect">
             <a:avLst/>
@@ -24690,7 +25354,282 @@
             <a:pPr algn="ctr"/>
             <a:r>
               <a:rPr lang="en-CA" dirty="0"/>
-              <a:t>In C++, characters are represented as their ASCII values, so you can add them and get integers.</a:t>
+              <a:t>Bad hash function!</a:t>
+            </a:r>
+            <a:endParaRPr lang="en-AU" dirty="0"/>
+          </a:p>
+        </p:txBody>
+      </p:sp>
+      <p:sp>
+        <p:nvSpPr>
+          <p:cNvPr id="6" name="Left Brace 5">
+            <a:extLst>
+              <a:ext uri="{FF2B5EF4-FFF2-40B4-BE49-F238E27FC236}">
+                <a16:creationId xmlns:a16="http://schemas.microsoft.com/office/drawing/2014/main" id="{79867D8C-7980-5B05-55D3-E59171D0E75B}"/>
+              </a:ext>
+            </a:extLst>
+          </p:cNvPr>
+          <p:cNvSpPr/>
+          <p:nvPr/>
+        </p:nvSpPr>
+        <p:spPr>
+          <a:xfrm rot="16200000">
+            <a:off x="9528752" y="1897087"/>
+            <a:ext cx="208156" cy="1579686"/>
+          </a:xfrm>
+          <a:prstGeom prst="leftBrace">
+            <a:avLst/>
+          </a:prstGeom>
+        </p:spPr>
+        <p:style>
+          <a:lnRef idx="1">
+            <a:schemeClr val="accent1"/>
+          </a:lnRef>
+          <a:fillRef idx="0">
+            <a:schemeClr val="accent1"/>
+          </a:fillRef>
+          <a:effectRef idx="0">
+            <a:schemeClr val="accent1"/>
+          </a:effectRef>
+          <a:fontRef idx="minor">
+            <a:schemeClr val="tx1"/>
+          </a:fontRef>
+        </p:style>
+        <p:txBody>
+          <a:bodyPr rtlCol="0" anchor="ctr"/>
+          <a:lstStyle/>
+          <a:p>
+            <a:pPr algn="ctr"/>
+            <a:endParaRPr lang="en-AU"/>
+          </a:p>
+        </p:txBody>
+      </p:sp>
+      <p:sp>
+        <p:nvSpPr>
+          <p:cNvPr id="7" name="TextBox 6">
+            <a:extLst>
+              <a:ext uri="{FF2B5EF4-FFF2-40B4-BE49-F238E27FC236}">
+                <a16:creationId xmlns:a16="http://schemas.microsoft.com/office/drawing/2014/main" id="{F1C17EC2-1160-378F-CDAB-85C9961282EC}"/>
+              </a:ext>
+            </a:extLst>
+          </p:cNvPr>
+          <p:cNvSpPr txBox="1"/>
+          <p:nvPr/>
+        </p:nvSpPr>
+        <p:spPr>
+          <a:xfrm>
+            <a:off x="8842987" y="2892324"/>
+            <a:ext cx="1947745" cy="646331"/>
+          </a:xfrm>
+          <a:prstGeom prst="rect">
+            <a:avLst/>
+          </a:prstGeom>
+          <a:solidFill>
+            <a:schemeClr val="accent4">
+              <a:lumMod val="40000"/>
+              <a:lumOff val="60000"/>
+            </a:schemeClr>
+          </a:solidFill>
+          <a:ln>
+            <a:noFill/>
+          </a:ln>
+        </p:spPr>
+        <p:txBody>
+          <a:bodyPr wrap="square" rtlCol="0">
+            <a:spAutoFit/>
+          </a:bodyPr>
+          <a:lstStyle/>
+          <a:p>
+            <a:pPr algn="ctr"/>
+            <a:r>
+              <a:rPr lang="en-CA" dirty="0"/>
+              <a:t>3 multiplications</a:t>
+            </a:r>
+            <a:br>
+              <a:rPr lang="en-CA" dirty="0"/>
+            </a:br>
+            <a:r>
+              <a:rPr lang="en-CA" dirty="0"/>
+              <a:t>1 addition</a:t>
+            </a:r>
+            <a:endParaRPr lang="en-AU" dirty="0"/>
+          </a:p>
+        </p:txBody>
+      </p:sp>
+      <p:sp>
+        <p:nvSpPr>
+          <p:cNvPr id="8" name="TextBox 7">
+            <a:extLst>
+              <a:ext uri="{FF2B5EF4-FFF2-40B4-BE49-F238E27FC236}">
+                <a16:creationId xmlns:a16="http://schemas.microsoft.com/office/drawing/2014/main" id="{A8CA337D-0CC5-B139-4E4A-8E56DA78EFE1}"/>
+              </a:ext>
+            </a:extLst>
+          </p:cNvPr>
+          <p:cNvSpPr txBox="1"/>
+          <p:nvPr/>
+        </p:nvSpPr>
+        <p:spPr>
+          <a:xfrm>
+            <a:off x="7461956" y="4730440"/>
+            <a:ext cx="3134191" cy="523220"/>
+          </a:xfrm>
+          <a:prstGeom prst="rect">
+            <a:avLst/>
+          </a:prstGeom>
+          <a:noFill/>
+        </p:spPr>
+        <p:txBody>
+          <a:bodyPr wrap="none" rtlCol="0">
+            <a:spAutoFit/>
+          </a:bodyPr>
+          <a:lstStyle/>
+          <a:p>
+            <a:r>
+              <a:rPr lang="en-CA" sz="2800" dirty="0"/>
+              <a:t>hash(x) = x*(x + x*x)</a:t>
+            </a:r>
+            <a:endParaRPr lang="en-AU" sz="2800" dirty="0"/>
+          </a:p>
+        </p:txBody>
+      </p:sp>
+      <p:sp>
+        <p:nvSpPr>
+          <p:cNvPr id="9" name="TextBox 8">
+            <a:extLst>
+              <a:ext uri="{FF2B5EF4-FFF2-40B4-BE49-F238E27FC236}">
+                <a16:creationId xmlns:a16="http://schemas.microsoft.com/office/drawing/2014/main" id="{39ED0346-F127-581B-63D2-94945803BF4A}"/>
+              </a:ext>
+            </a:extLst>
+          </p:cNvPr>
+          <p:cNvSpPr txBox="1"/>
+          <p:nvPr/>
+        </p:nvSpPr>
+        <p:spPr>
+          <a:xfrm>
+            <a:off x="8960007" y="5530632"/>
+            <a:ext cx="1947745" cy="646331"/>
+          </a:xfrm>
+          <a:prstGeom prst="rect">
+            <a:avLst/>
+          </a:prstGeom>
+          <a:solidFill>
+            <a:schemeClr val="accent4">
+              <a:lumMod val="40000"/>
+              <a:lumOff val="60000"/>
+            </a:schemeClr>
+          </a:solidFill>
+          <a:ln>
+            <a:noFill/>
+          </a:ln>
+        </p:spPr>
+        <p:txBody>
+          <a:bodyPr wrap="square" rtlCol="0">
+            <a:spAutoFit/>
+          </a:bodyPr>
+          <a:lstStyle/>
+          <a:p>
+            <a:pPr algn="ctr"/>
+            <a:r>
+              <a:rPr lang="en-CA" dirty="0"/>
+              <a:t>2 multiplications</a:t>
+            </a:r>
+            <a:br>
+              <a:rPr lang="en-CA" dirty="0"/>
+            </a:br>
+            <a:r>
+              <a:rPr lang="en-CA" dirty="0"/>
+              <a:t>1 addition</a:t>
+            </a:r>
+            <a:endParaRPr lang="en-AU" dirty="0"/>
+          </a:p>
+        </p:txBody>
+      </p:sp>
+      <p:sp>
+        <p:nvSpPr>
+          <p:cNvPr id="10" name="Arrow: Down 9">
+            <a:extLst>
+              <a:ext uri="{FF2B5EF4-FFF2-40B4-BE49-F238E27FC236}">
+                <a16:creationId xmlns:a16="http://schemas.microsoft.com/office/drawing/2014/main" id="{C426CA52-5795-6EB4-0560-A7FA9BD70B89}"/>
+              </a:ext>
+            </a:extLst>
+          </p:cNvPr>
+          <p:cNvSpPr/>
+          <p:nvPr/>
+        </p:nvSpPr>
+        <p:spPr>
+          <a:xfrm>
+            <a:off x="9625432" y="3755406"/>
+            <a:ext cx="308447" cy="758283"/>
+          </a:xfrm>
+          <a:prstGeom prst="downArrow">
+            <a:avLst/>
+          </a:prstGeom>
+        </p:spPr>
+        <p:style>
+          <a:lnRef idx="2">
+            <a:schemeClr val="accent1">
+              <a:shade val="15000"/>
+            </a:schemeClr>
+          </a:lnRef>
+          <a:fillRef idx="1">
+            <a:schemeClr val="accent1"/>
+          </a:fillRef>
+          <a:effectRef idx="0">
+            <a:schemeClr val="accent1"/>
+          </a:effectRef>
+          <a:fontRef idx="minor">
+            <a:schemeClr val="lt1"/>
+          </a:fontRef>
+        </p:style>
+        <p:txBody>
+          <a:bodyPr rtlCol="0" anchor="ctr"/>
+          <a:lstStyle/>
+          <a:p>
+            <a:pPr algn="ctr"/>
+            <a:endParaRPr lang="en-AU"/>
+          </a:p>
+        </p:txBody>
+      </p:sp>
+      <p:sp>
+        <p:nvSpPr>
+          <p:cNvPr id="11" name="TextBox 10">
+            <a:extLst>
+              <a:ext uri="{FF2B5EF4-FFF2-40B4-BE49-F238E27FC236}">
+                <a16:creationId xmlns:a16="http://schemas.microsoft.com/office/drawing/2014/main" id="{0B3048A3-03FE-EDBE-7D47-8B00E19471C1}"/>
+              </a:ext>
+            </a:extLst>
+          </p:cNvPr>
+          <p:cNvSpPr txBox="1"/>
+          <p:nvPr/>
+        </p:nvSpPr>
+        <p:spPr>
+          <a:xfrm>
+            <a:off x="7863221" y="5669131"/>
+            <a:ext cx="844832" cy="369332"/>
+          </a:xfrm>
+          <a:prstGeom prst="rect">
+            <a:avLst/>
+          </a:prstGeom>
+          <a:solidFill>
+            <a:schemeClr val="accent4">
+              <a:lumMod val="40000"/>
+              <a:lumOff val="60000"/>
+            </a:schemeClr>
+          </a:solidFill>
+          <a:ln>
+            <a:noFill/>
+          </a:ln>
+        </p:spPr>
+        <p:txBody>
+          <a:bodyPr wrap="square" rtlCol="0">
+            <a:spAutoFit/>
+          </a:bodyPr>
+          <a:lstStyle/>
+          <a:p>
+            <a:pPr algn="ctr"/>
+            <a:r>
+              <a:rPr lang="en-CA" dirty="0"/>
+              <a:t>Better!</a:t>
             </a:r>
             <a:endParaRPr lang="en-AU" dirty="0"/>
           </a:p>
@@ -24699,7 +25638,7 @@
     </p:spTree>
     <p:extLst>
       <p:ext uri="{BB962C8B-B14F-4D97-AF65-F5344CB8AC3E}">
-        <p14:creationId xmlns:p14="http://schemas.microsoft.com/office/powerpoint/2010/main" val="1657589750"/>
+        <p14:creationId xmlns:p14="http://schemas.microsoft.com/office/powerpoint/2010/main" val="397900611"/>
       </p:ext>
     </p:extLst>
   </p:cSld>
@@ -24750,13 +25689,13 @@
         </p:spPr>
         <p:txBody>
           <a:bodyPr>
-            <a:normAutofit/>
+            <a:normAutofit fontScale="90000"/>
           </a:bodyPr>
           <a:lstStyle/>
           <a:p>
             <a:r>
               <a:rPr lang="en-CA" dirty="0"/>
-              <a:t>Hashing Strings: </a:t>
+              <a:t>Hashing Strings </a:t>
             </a:r>
             <a:r>
               <a:rPr lang="en-CA" dirty="0">
@@ -24764,7 +25703,7 @@
                   <a:srgbClr val="FF0000"/>
                 </a:solidFill>
               </a:rPr>
-              <a:t>Polynomial Hashing</a:t>
+              <a:t>Summing Characters</a:t>
             </a:r>
             <a:endParaRPr lang="en-AU" dirty="0">
               <a:solidFill>
@@ -24776,10 +25715,10 @@
       </p:sp>
       <p:sp>
         <p:nvSpPr>
-          <p:cNvPr id="10" name="TextBox 9">
-            <a:extLst>
-              <a:ext uri="{FF2B5EF4-FFF2-40B4-BE49-F238E27FC236}">
-                <a16:creationId xmlns:a16="http://schemas.microsoft.com/office/drawing/2014/main" id="{A4FEAC98-6DC3-B4B1-0754-7C5EDD69E199}"/>
+          <p:cNvPr id="4" name="TextBox 3">
+            <a:extLst>
+              <a:ext uri="{FF2B5EF4-FFF2-40B4-BE49-F238E27FC236}">
+                <a16:creationId xmlns:a16="http://schemas.microsoft.com/office/drawing/2014/main" id="{43DFE22A-91EA-1CB3-5416-93D6F2AB3EC5}"/>
               </a:ext>
             </a:extLst>
           </p:cNvPr>
@@ -24788,8 +25727,203 @@
         </p:nvSpPr>
         <p:spPr>
           <a:xfrm>
-            <a:off x="4804320" y="2806989"/>
-            <a:ext cx="2689300" cy="923330"/>
+            <a:off x="4311805" y="1894749"/>
+            <a:ext cx="6296917" cy="1384995"/>
+          </a:xfrm>
+          <a:prstGeom prst="rect">
+            <a:avLst/>
+          </a:prstGeom>
+          <a:noFill/>
+        </p:spPr>
+        <p:txBody>
+          <a:bodyPr wrap="none" rtlCol="0">
+            <a:spAutoFit/>
+          </a:bodyPr>
+          <a:lstStyle/>
+          <a:p>
+            <a:r>
+              <a:rPr lang="en-US" sz="2800" b="0" dirty="0">
+                <a:solidFill>
+                  <a:srgbClr val="40454E"/>
+                </a:solidFill>
+                <a:effectLst/>
+                <a:latin typeface="Consolas" panose="020B0609020204030204" pitchFamily="49" charset="0"/>
+              </a:rPr>
+              <a:t>hash("cat") = 'c' + 'a' +  't' </a:t>
+            </a:r>
+            <a:endParaRPr lang="en-US" sz="2800" b="0" dirty="0">
+              <a:solidFill>
+                <a:srgbClr val="9DA5B4"/>
+              </a:solidFill>
+              <a:effectLst/>
+              <a:latin typeface="Consolas" panose="020B0609020204030204" pitchFamily="49" charset="0"/>
+            </a:endParaRPr>
+          </a:p>
+          <a:p>
+            <a:r>
+              <a:rPr lang="en-US" sz="2800" b="0" dirty="0">
+                <a:solidFill>
+                  <a:srgbClr val="40454E"/>
+                </a:solidFill>
+                <a:effectLst/>
+                <a:latin typeface="Consolas" panose="020B0609020204030204" pitchFamily="49" charset="0"/>
+              </a:rPr>
+              <a:t>            = 99  + 97  + 116 </a:t>
+            </a:r>
+            <a:endParaRPr lang="en-US" sz="2800" b="0" dirty="0">
+              <a:solidFill>
+                <a:srgbClr val="9DA5B4"/>
+              </a:solidFill>
+              <a:effectLst/>
+              <a:latin typeface="Consolas" panose="020B0609020204030204" pitchFamily="49" charset="0"/>
+            </a:endParaRPr>
+          </a:p>
+          <a:p>
+            <a:r>
+              <a:rPr lang="en-US" sz="2800" b="0" dirty="0">
+                <a:solidFill>
+                  <a:srgbClr val="40454E"/>
+                </a:solidFill>
+                <a:effectLst/>
+                <a:latin typeface="Consolas" panose="020B0609020204030204" pitchFamily="49" charset="0"/>
+              </a:rPr>
+              <a:t>            = 312</a:t>
+            </a:r>
+            <a:endParaRPr lang="en-US" sz="2800" b="0" dirty="0">
+              <a:solidFill>
+                <a:srgbClr val="9DA5B4"/>
+              </a:solidFill>
+              <a:effectLst/>
+              <a:latin typeface="Consolas" panose="020B0609020204030204" pitchFamily="49" charset="0"/>
+            </a:endParaRPr>
+          </a:p>
+        </p:txBody>
+      </p:sp>
+      <p:sp>
+        <p:nvSpPr>
+          <p:cNvPr id="9" name="TextBox 8">
+            <a:extLst>
+              <a:ext uri="{FF2B5EF4-FFF2-40B4-BE49-F238E27FC236}">
+                <a16:creationId xmlns:a16="http://schemas.microsoft.com/office/drawing/2014/main" id="{A48DE7D5-12C0-AC84-0139-CB3229CA0A87}"/>
+              </a:ext>
+            </a:extLst>
+          </p:cNvPr>
+          <p:cNvSpPr txBox="1"/>
+          <p:nvPr/>
+        </p:nvSpPr>
+        <p:spPr>
+          <a:xfrm>
+            <a:off x="743414" y="3483806"/>
+            <a:ext cx="5003181" cy="2585323"/>
+          </a:xfrm>
+          <a:prstGeom prst="rect">
+            <a:avLst/>
+          </a:prstGeom>
+          <a:noFill/>
+          <a:ln>
+            <a:solidFill>
+              <a:schemeClr val="tx1"/>
+            </a:solidFill>
+          </a:ln>
+        </p:spPr>
+        <p:txBody>
+          <a:bodyPr wrap="square" rtlCol="0">
+            <a:spAutoFit/>
+          </a:bodyPr>
+          <a:lstStyle/>
+          <a:p>
+            <a:r>
+              <a:rPr lang="en-US" dirty="0">
+                <a:latin typeface="Consolas" panose="020B0609020204030204" pitchFamily="49" charset="0"/>
+              </a:rPr>
+              <a:t>int hash(const string &amp;s)</a:t>
+            </a:r>
+          </a:p>
+          <a:p>
+            <a:r>
+              <a:rPr lang="en-US" dirty="0">
+                <a:latin typeface="Consolas" panose="020B0609020204030204" pitchFamily="49" charset="0"/>
+              </a:rPr>
+              <a:t>{</a:t>
+            </a:r>
+          </a:p>
+          <a:p>
+            <a:r>
+              <a:rPr lang="en-US" dirty="0">
+                <a:latin typeface="Consolas" panose="020B0609020204030204" pitchFamily="49" charset="0"/>
+              </a:rPr>
+              <a:t>    int result = 0;</a:t>
+            </a:r>
+          </a:p>
+          <a:p>
+            <a:r>
+              <a:rPr lang="en-US" dirty="0">
+                <a:latin typeface="Consolas" panose="020B0609020204030204" pitchFamily="49" charset="0"/>
+              </a:rPr>
+              <a:t>    for (int i = 0; i &lt; s.size(); i++)</a:t>
+            </a:r>
+          </a:p>
+          <a:p>
+            <a:r>
+              <a:rPr lang="en-US" dirty="0">
+                <a:latin typeface="Consolas" panose="020B0609020204030204" pitchFamily="49" charset="0"/>
+              </a:rPr>
+              <a:t>    {</a:t>
+            </a:r>
+          </a:p>
+          <a:p>
+            <a:r>
+              <a:rPr lang="en-US" dirty="0">
+                <a:latin typeface="Consolas" panose="020B0609020204030204" pitchFamily="49" charset="0"/>
+              </a:rPr>
+              <a:t>        result += s[i];</a:t>
+            </a:r>
+          </a:p>
+          <a:p>
+            <a:r>
+              <a:rPr lang="en-US" dirty="0">
+                <a:latin typeface="Consolas" panose="020B0609020204030204" pitchFamily="49" charset="0"/>
+              </a:rPr>
+              <a:t>    }</a:t>
+            </a:r>
+          </a:p>
+          <a:p>
+            <a:r>
+              <a:rPr lang="en-US" dirty="0">
+                <a:latin typeface="Consolas" panose="020B0609020204030204" pitchFamily="49" charset="0"/>
+              </a:rPr>
+              <a:t>    return result;</a:t>
+            </a:r>
+          </a:p>
+          <a:p>
+            <a:r>
+              <a:rPr lang="en-US" dirty="0">
+                <a:latin typeface="Consolas" panose="020B0609020204030204" pitchFamily="49" charset="0"/>
+              </a:rPr>
+              <a:t>}</a:t>
+            </a:r>
+            <a:endParaRPr lang="en-AU" dirty="0">
+              <a:latin typeface="Consolas" panose="020B0609020204030204" pitchFamily="49" charset="0"/>
+            </a:endParaRPr>
+          </a:p>
+        </p:txBody>
+      </p:sp>
+      <p:sp>
+        <p:nvSpPr>
+          <p:cNvPr id="10" name="TextBox 9">
+            <a:extLst>
+              <a:ext uri="{FF2B5EF4-FFF2-40B4-BE49-F238E27FC236}">
+                <a16:creationId xmlns:a16="http://schemas.microsoft.com/office/drawing/2014/main" id="{A4FEAC98-6DC3-B4B1-0754-7C5EDD69E199}"/>
+              </a:ext>
+            </a:extLst>
+          </p:cNvPr>
+          <p:cNvSpPr txBox="1"/>
+          <p:nvPr/>
+        </p:nvSpPr>
+        <p:spPr>
+          <a:xfrm>
+            <a:off x="9138427" y="490358"/>
+            <a:ext cx="2689300" cy="1200329"/>
           </a:xfrm>
           <a:prstGeom prst="rect">
             <a:avLst/>
@@ -24813,7 +25947,138 @@
             <a:pPr algn="ctr"/>
             <a:r>
               <a:rPr lang="en-CA" dirty="0"/>
-              <a:t>Polynomial’s can be more efficiently evaluated using Horner’s Rule.</a:t>
+              <a:t>In C++, characters are represented as their ASCII values, so you can add them like integers.</a:t>
+            </a:r>
+            <a:endParaRPr lang="en-AU" dirty="0"/>
+          </a:p>
+        </p:txBody>
+      </p:sp>
+    </p:spTree>
+    <p:extLst>
+      <p:ext uri="{BB962C8B-B14F-4D97-AF65-F5344CB8AC3E}">
+        <p14:creationId xmlns:p14="http://schemas.microsoft.com/office/powerpoint/2010/main" val="1657589750"/>
+      </p:ext>
+    </p:extLst>
+  </p:cSld>
+  <p:clrMapOvr>
+    <a:masterClrMapping/>
+  </p:clrMapOvr>
+</p:sld>
+</file>
+
+<file path=ppt/slides/slide37.xml><?xml version="1.0" encoding="utf-8"?>
+<p:sld xmlns:a="http://schemas.openxmlformats.org/drawingml/2006/main" xmlns:r="http://schemas.openxmlformats.org/officeDocument/2006/relationships" xmlns:p="http://schemas.openxmlformats.org/presentationml/2006/main">
+  <p:cSld>
+    <p:spTree>
+      <p:nvGrpSpPr>
+        <p:cNvPr id="1" name=""/>
+        <p:cNvGrpSpPr/>
+        <p:nvPr/>
+      </p:nvGrpSpPr>
+      <p:grpSpPr>
+        <a:xfrm>
+          <a:off x="0" y="0"/>
+          <a:ext cx="0" cy="0"/>
+          <a:chOff x="0" y="0"/>
+          <a:chExt cx="0" cy="0"/>
+        </a:xfrm>
+      </p:grpSpPr>
+      <p:sp>
+        <p:nvSpPr>
+          <p:cNvPr id="2" name="Title 1">
+            <a:extLst>
+              <a:ext uri="{FF2B5EF4-FFF2-40B4-BE49-F238E27FC236}">
+                <a16:creationId xmlns:a16="http://schemas.microsoft.com/office/drawing/2014/main" id="{6E6C3240-625C-85D5-9A27-AFC44222D530}"/>
+              </a:ext>
+            </a:extLst>
+          </p:cNvPr>
+          <p:cNvSpPr>
+            <a:spLocks noGrp="1"/>
+          </p:cNvSpPr>
+          <p:nvPr>
+            <p:ph type="title"/>
+          </p:nvPr>
+        </p:nvSpPr>
+        <p:spPr>
+          <a:xfrm>
+            <a:off x="838199" y="365125"/>
+            <a:ext cx="4581293" cy="1325563"/>
+          </a:xfrm>
+        </p:spPr>
+        <p:txBody>
+          <a:bodyPr>
+            <a:normAutofit/>
+          </a:bodyPr>
+          <a:lstStyle/>
+          <a:p>
+            <a:r>
+              <a:rPr lang="en-CA" dirty="0"/>
+              <a:t>Hashing Strings </a:t>
+            </a:r>
+            <a:r>
+              <a:rPr lang="en-CA" dirty="0">
+                <a:solidFill>
+                  <a:srgbClr val="FF0000"/>
+                </a:solidFill>
+              </a:rPr>
+              <a:t>Polynomial Hashing</a:t>
+            </a:r>
+            <a:endParaRPr lang="en-AU" dirty="0">
+              <a:solidFill>
+                <a:srgbClr val="FF0000"/>
+              </a:solidFill>
+            </a:endParaRPr>
+          </a:p>
+        </p:txBody>
+      </p:sp>
+      <p:sp>
+        <p:nvSpPr>
+          <p:cNvPr id="10" name="TextBox 9">
+            <a:extLst>
+              <a:ext uri="{FF2B5EF4-FFF2-40B4-BE49-F238E27FC236}">
+                <a16:creationId xmlns:a16="http://schemas.microsoft.com/office/drawing/2014/main" id="{A4FEAC98-6DC3-B4B1-0754-7C5EDD69E199}"/>
+              </a:ext>
+            </a:extLst>
+          </p:cNvPr>
+          <p:cNvSpPr txBox="1"/>
+          <p:nvPr/>
+        </p:nvSpPr>
+        <p:spPr>
+          <a:xfrm>
+            <a:off x="4804320" y="2806989"/>
+            <a:ext cx="2689300" cy="923330"/>
+          </a:xfrm>
+          <a:prstGeom prst="rect">
+            <a:avLst/>
+          </a:prstGeom>
+          <a:solidFill>
+            <a:schemeClr val="accent4">
+              <a:lumMod val="40000"/>
+              <a:lumOff val="60000"/>
+            </a:schemeClr>
+          </a:solidFill>
+          <a:ln>
+            <a:noFill/>
+          </a:ln>
+        </p:spPr>
+        <p:txBody>
+          <a:bodyPr wrap="square" rtlCol="0">
+            <a:spAutoFit/>
+          </a:bodyPr>
+          <a:lstStyle/>
+          <a:p>
+            <a:pPr algn="ctr"/>
+            <a:r>
+              <a:rPr lang="en-CA" dirty="0"/>
+              <a:t>Polynomial’s can be more efficiently evaluated using </a:t>
+            </a:r>
+            <a:r>
+              <a:rPr lang="en-CA" b="1" dirty="0"/>
+              <a:t>Horner’s Rule</a:t>
+            </a:r>
+            <a:r>
+              <a:rPr lang="en-CA" dirty="0"/>
+              <a:t>.</a:t>
             </a:r>
             <a:endParaRPr lang="en-AU" dirty="0"/>
           </a:p>
@@ -24924,8 +26189,8 @@
           </a:p>
         </p:txBody>
       </p:sp>
-      <mc:AlternateContent xmlns:mc="http://schemas.openxmlformats.org/markup-compatibility/2006">
-        <mc:Choice xmlns:a14="http://schemas.microsoft.com/office/drawing/2010/main" Requires="a14">
+      <mc:AlternateContent xmlns:mc="http://schemas.openxmlformats.org/markup-compatibility/2006" xmlns:a14="http://schemas.microsoft.com/office/drawing/2010/main">
+        <mc:Choice Requires="a14">
           <p:sp>
             <p:nvSpPr>
               <p:cNvPr id="11" name="TextBox 10">
@@ -24954,6 +26219,7 @@
               </a:bodyPr>
               <a:lstStyle/>
               <a:p>
+                <a:pPr/>
                 <a14:m>
                   <m:oMathPara xmlns:m="http://schemas.openxmlformats.org/officeDocument/2006/math">
                     <m:oMathParaPr>
@@ -25110,7 +26376,7 @@
             </p:txBody>
           </p:sp>
         </mc:Choice>
-        <mc:Fallback>
+        <mc:Fallback xmlns="">
           <p:sp>
             <p:nvSpPr>
               <p:cNvPr id="11" name="TextBox 10">
@@ -25194,7 +26460,7 @@
             <a:pPr algn="ctr"/>
             <a:r>
               <a:rPr lang="en-CA" dirty="0"/>
-              <a:t>a is some fixed constant int, e.g. the book suggests that 33, 37, 39, and 41 can be good values for a.</a:t>
+              <a:t>a is some fixed constant int, e.g. the book suggests 33, 37, 39, and 41 can be good values for a.</a:t>
             </a:r>
             <a:endParaRPr lang="en-AU" dirty="0"/>
           </a:p>
@@ -25419,7 +26685,7 @@
         </p:nvSpPr>
         <p:spPr>
           <a:xfrm>
-            <a:off x="6445405" y="5657385"/>
+            <a:off x="6387303" y="5703613"/>
             <a:ext cx="959005" cy="341971"/>
           </a:xfrm>
           <a:prstGeom prst="rightArrow">
@@ -25512,13 +26778,18 @@
             </p:nvSpPr>
             <p:spPr>
               <a:xfrm>
-                <a:off x="7181580" y="2004752"/>
+                <a:off x="7757642" y="1897321"/>
                 <a:ext cx="2896370" cy="461665"/>
               </a:xfrm>
               <a:prstGeom prst="rect">
                 <a:avLst/>
               </a:prstGeom>
               <a:noFill/>
+              <a:ln>
+                <a:solidFill>
+                  <a:schemeClr val="tx1"/>
+                </a:solidFill>
+              </a:ln>
             </p:spPr>
             <p:txBody>
               <a:bodyPr wrap="none" rtlCol="0">
@@ -25598,7 +26869,7 @@
             </p:nvSpPr>
             <p:spPr>
               <a:xfrm>
-                <a:off x="7181580" y="2004752"/>
+                <a:off x="7757642" y="1897321"/>
                 <a:ext cx="2896370" cy="461665"/>
               </a:xfrm>
               <a:prstGeom prst="rect">
@@ -25607,9 +26878,14 @@
               <a:blipFill>
                 <a:blip r:embed="rId5"/>
                 <a:stretch>
-                  <a:fillRect l="-421" t="-10526" r="-2105" b="-28947"/>
+                  <a:fillRect l="-419" t="-8974" r="-1677" b="-26923"/>
                 </a:stretch>
               </a:blipFill>
+              <a:ln>
+                <a:solidFill>
+                  <a:schemeClr val="tx1"/>
+                </a:solidFill>
+              </a:ln>
             </p:spPr>
             <p:txBody>
               <a:bodyPr/>
@@ -25642,13 +26918,18 @@
             </p:nvSpPr>
             <p:spPr>
               <a:xfrm>
-                <a:off x="9013960" y="3273623"/>
+                <a:off x="7906272" y="3226788"/>
                 <a:ext cx="2747740" cy="461665"/>
               </a:xfrm>
               <a:prstGeom prst="rect">
                 <a:avLst/>
               </a:prstGeom>
               <a:noFill/>
+              <a:ln>
+                <a:solidFill>
+                  <a:schemeClr val="tx1"/>
+                </a:solidFill>
+              </a:ln>
             </p:spPr>
             <p:txBody>
               <a:bodyPr wrap="none" rtlCol="0">
@@ -25709,7 +26990,7 @@
             </p:nvSpPr>
             <p:spPr>
               <a:xfrm>
-                <a:off x="9013960" y="3273623"/>
+                <a:off x="7906272" y="3226788"/>
                 <a:ext cx="2747740" cy="461665"/>
               </a:xfrm>
               <a:prstGeom prst="rect">
@@ -25718,9 +26999,14 @@
               <a:blipFill>
                 <a:blip r:embed="rId6"/>
                 <a:stretch>
-                  <a:fillRect l="-667" t="-10526" r="-2222" b="-28947"/>
+                  <a:fillRect l="-442" t="-8974" r="-1766" b="-26923"/>
                 </a:stretch>
               </a:blipFill>
+              <a:ln>
+                <a:solidFill>
+                  <a:schemeClr val="tx1"/>
+                </a:solidFill>
+              </a:ln>
             </p:spPr>
             <p:txBody>
               <a:bodyPr/>
@@ -25737,6 +27023,52 @@
           </p:sp>
         </mc:Fallback>
       </mc:AlternateContent>
+      <p:sp>
+        <p:nvSpPr>
+          <p:cNvPr id="3" name="Arrow: Down 2">
+            <a:extLst>
+              <a:ext uri="{FF2B5EF4-FFF2-40B4-BE49-F238E27FC236}">
+                <a16:creationId xmlns:a16="http://schemas.microsoft.com/office/drawing/2014/main" id="{78BC99BD-F5D0-A2B0-AC9A-F3E674D0A94E}"/>
+              </a:ext>
+            </a:extLst>
+          </p:cNvPr>
+          <p:cNvSpPr/>
+          <p:nvPr/>
+        </p:nvSpPr>
+        <p:spPr>
+          <a:xfrm>
+            <a:off x="8996318" y="2463209"/>
+            <a:ext cx="349405" cy="704041"/>
+          </a:xfrm>
+          <a:prstGeom prst="downArrow">
+            <a:avLst/>
+          </a:prstGeom>
+        </p:spPr>
+        <p:style>
+          <a:lnRef idx="2">
+            <a:schemeClr val="accent1">
+              <a:shade val="15000"/>
+            </a:schemeClr>
+          </a:lnRef>
+          <a:fillRef idx="1">
+            <a:schemeClr val="accent1"/>
+          </a:fillRef>
+          <a:effectRef idx="0">
+            <a:schemeClr val="accent1"/>
+          </a:effectRef>
+          <a:fontRef idx="minor">
+            <a:schemeClr val="lt1"/>
+          </a:fontRef>
+        </p:style>
+        <p:txBody>
+          <a:bodyPr rtlCol="0" anchor="ctr"/>
+          <a:lstStyle/>
+          <a:p>
+            <a:pPr algn="ctr"/>
+            <a:endParaRPr lang="en-AU"/>
+          </a:p>
+        </p:txBody>
+      </p:sp>
     </p:spTree>
     <p:extLst>
       <p:ext uri="{BB962C8B-B14F-4D97-AF65-F5344CB8AC3E}">
@@ -25750,7 +27082,7 @@
 </p:sld>
 </file>
 
-<file path=ppt/slides/slide37.xml><?xml version="1.0" encoding="utf-8"?>
+<file path=ppt/slides/slide38.xml><?xml version="1.0" encoding="utf-8"?>
 <p:sld xmlns:a="http://schemas.openxmlformats.org/drawingml/2006/main" xmlns:r="http://schemas.openxmlformats.org/officeDocument/2006/relationships" xmlns:p="http://schemas.openxmlformats.org/presentationml/2006/main">
   <p:cSld>
     <p:spTree>
@@ -25797,7 +27129,7 @@
           <a:p>
             <a:r>
               <a:rPr lang="en-CA" dirty="0"/>
-              <a:t>Hashing Strings: </a:t>
+              <a:t>Hashing Strings </a:t>
             </a:r>
             <a:r>
               <a:rPr lang="en-CA" dirty="0">
@@ -25854,7 +27186,15 @@
             <a:pPr algn="ctr"/>
             <a:r>
               <a:rPr lang="en-CA" dirty="0"/>
-              <a:t>Polynomial’s can be more efficiently evaluated using Horner’s Rule.</a:t>
+              <a:t>Polynomial’s can be more efficiently evaluated using </a:t>
+            </a:r>
+            <a:r>
+              <a:rPr lang="en-CA" b="1" dirty="0"/>
+              <a:t>Horner’s Rule</a:t>
+            </a:r>
+            <a:r>
+              <a:rPr lang="en-CA" dirty="0"/>
+              <a:t>.</a:t>
             </a:r>
             <a:endParaRPr lang="en-AU" dirty="0"/>
           </a:p>
@@ -26213,13 +27553,18 @@
             </p:nvSpPr>
             <p:spPr>
               <a:xfrm>
-                <a:off x="7181580" y="2004752"/>
+                <a:off x="7757642" y="1897321"/>
                 <a:ext cx="2896370" cy="461665"/>
               </a:xfrm>
               <a:prstGeom prst="rect">
                 <a:avLst/>
               </a:prstGeom>
               <a:noFill/>
+              <a:ln>
+                <a:solidFill>
+                  <a:schemeClr val="tx1"/>
+                </a:solidFill>
+              </a:ln>
             </p:spPr>
             <p:txBody>
               <a:bodyPr wrap="none" rtlCol="0">
@@ -26299,7 +27644,7 @@
             </p:nvSpPr>
             <p:spPr>
               <a:xfrm>
-                <a:off x="7181580" y="2004752"/>
+                <a:off x="7757642" y="1897321"/>
                 <a:ext cx="2896370" cy="461665"/>
               </a:xfrm>
               <a:prstGeom prst="rect">
@@ -26308,9 +27653,14 @@
               <a:blipFill>
                 <a:blip r:embed="rId5"/>
                 <a:stretch>
-                  <a:fillRect l="-421" t="-10526" r="-2105" b="-28947"/>
+                  <a:fillRect l="-419" t="-8974" r="-1677" b="-26923"/>
                 </a:stretch>
               </a:blipFill>
+              <a:ln>
+                <a:solidFill>
+                  <a:schemeClr val="tx1"/>
+                </a:solidFill>
+              </a:ln>
             </p:spPr>
             <p:txBody>
               <a:bodyPr/>
@@ -26343,13 +27693,18 @@
             </p:nvSpPr>
             <p:spPr>
               <a:xfrm>
-                <a:off x="9013960" y="3273623"/>
+                <a:off x="7906272" y="3226788"/>
                 <a:ext cx="2747740" cy="461665"/>
               </a:xfrm>
               <a:prstGeom prst="rect">
                 <a:avLst/>
               </a:prstGeom>
               <a:noFill/>
+              <a:ln>
+                <a:solidFill>
+                  <a:schemeClr val="tx1"/>
+                </a:solidFill>
+              </a:ln>
             </p:spPr>
             <p:txBody>
               <a:bodyPr wrap="none" rtlCol="0">
@@ -26410,7 +27765,7 @@
             </p:nvSpPr>
             <p:spPr>
               <a:xfrm>
-                <a:off x="9013960" y="3273623"/>
+                <a:off x="7906272" y="3226788"/>
                 <a:ext cx="2747740" cy="461665"/>
               </a:xfrm>
               <a:prstGeom prst="rect">
@@ -26419,9 +27774,14 @@
               <a:blipFill>
                 <a:blip r:embed="rId6"/>
                 <a:stretch>
-                  <a:fillRect l="-667" t="-10526" r="-2222" b="-28947"/>
+                  <a:fillRect l="-442" t="-8974" r="-1766" b="-26923"/>
                 </a:stretch>
               </a:blipFill>
+              <a:ln>
+                <a:solidFill>
+                  <a:schemeClr val="tx1"/>
+                </a:solidFill>
+              </a:ln>
             </p:spPr>
             <p:txBody>
               <a:bodyPr/>
@@ -26440,10 +27800,56 @@
       </mc:AlternateContent>
       <p:sp>
         <p:nvSpPr>
-          <p:cNvPr id="3" name="TextBox 2">
-            <a:extLst>
-              <a:ext uri="{FF2B5EF4-FFF2-40B4-BE49-F238E27FC236}">
-                <a16:creationId xmlns:a16="http://schemas.microsoft.com/office/drawing/2014/main" id="{12014C51-E95A-AECF-0AE5-8455542C6512}"/>
+          <p:cNvPr id="3" name="Arrow: Down 2">
+            <a:extLst>
+              <a:ext uri="{FF2B5EF4-FFF2-40B4-BE49-F238E27FC236}">
+                <a16:creationId xmlns:a16="http://schemas.microsoft.com/office/drawing/2014/main" id="{78BC99BD-F5D0-A2B0-AC9A-F3E674D0A94E}"/>
+              </a:ext>
+            </a:extLst>
+          </p:cNvPr>
+          <p:cNvSpPr/>
+          <p:nvPr/>
+        </p:nvSpPr>
+        <p:spPr>
+          <a:xfrm>
+            <a:off x="8996318" y="2463209"/>
+            <a:ext cx="349405" cy="704041"/>
+          </a:xfrm>
+          <a:prstGeom prst="downArrow">
+            <a:avLst/>
+          </a:prstGeom>
+        </p:spPr>
+        <p:style>
+          <a:lnRef idx="2">
+            <a:schemeClr val="accent1">
+              <a:shade val="15000"/>
+            </a:schemeClr>
+          </a:lnRef>
+          <a:fillRef idx="1">
+            <a:schemeClr val="accent1"/>
+          </a:fillRef>
+          <a:effectRef idx="0">
+            <a:schemeClr val="accent1"/>
+          </a:effectRef>
+          <a:fontRef idx="minor">
+            <a:schemeClr val="lt1"/>
+          </a:fontRef>
+        </p:style>
+        <p:txBody>
+          <a:bodyPr rtlCol="0" anchor="ctr"/>
+          <a:lstStyle/>
+          <a:p>
+            <a:pPr algn="ctr"/>
+            <a:endParaRPr lang="en-AU"/>
+          </a:p>
+        </p:txBody>
+      </p:sp>
+      <p:sp>
+        <p:nvSpPr>
+          <p:cNvPr id="4" name="TextBox 3">
+            <a:extLst>
+              <a:ext uri="{FF2B5EF4-FFF2-40B4-BE49-F238E27FC236}">
+                <a16:creationId xmlns:a16="http://schemas.microsoft.com/office/drawing/2014/main" id="{2736AC0A-DE43-D386-CF8D-3EF883453115}"/>
               </a:ext>
             </a:extLst>
           </p:cNvPr>
@@ -26527,7 +27933,7 @@
     </p:spTree>
     <p:extLst>
       <p:ext uri="{BB962C8B-B14F-4D97-AF65-F5344CB8AC3E}">
-        <p14:creationId xmlns:p14="http://schemas.microsoft.com/office/powerpoint/2010/main" val="3965035007"/>
+        <p14:creationId xmlns:p14="http://schemas.microsoft.com/office/powerpoint/2010/main" val="2859941842"/>
       </p:ext>
     </p:extLst>
   </p:cSld>
@@ -26537,7 +27943,7 @@
 </p:sld>
 </file>
 
-<file path=ppt/slides/slide38.xml><?xml version="1.0" encoding="utf-8"?>
+<file path=ppt/slides/slide39.xml><?xml version="1.0" encoding="utf-8"?>
 <p:sld xmlns:a="http://schemas.openxmlformats.org/drawingml/2006/main" xmlns:r="http://schemas.openxmlformats.org/officeDocument/2006/relationships" xmlns:p="http://schemas.openxmlformats.org/presentationml/2006/main">
   <p:cSld>
     <p:spTree>
@@ -26581,10 +27987,18 @@
           <a:lstStyle/>
           <a:p>
             <a:r>
-              <a:rPr lang="en-CA" dirty="0"/>
-              <a:t>Load Factors and Re-hashing</a:t>
-            </a:r>
-            <a:endParaRPr lang="en-AU" dirty="0"/>
+              <a:rPr lang="en-CA" b="1" dirty="0"/>
+              <a:t>Load Factors </a:t>
+            </a:r>
+            <a:r>
+              <a:rPr lang="en-CA" dirty="0"/>
+              <a:t>and </a:t>
+            </a:r>
+            <a:r>
+              <a:rPr lang="en-CA" b="1" dirty="0"/>
+              <a:t>Re-hashing</a:t>
+            </a:r>
+            <a:endParaRPr lang="en-AU" b="1" dirty="0"/>
           </a:p>
         </p:txBody>
       </p:sp>
@@ -26618,6 +28032,7 @@
               </a:bodyPr>
               <a:lstStyle/>
               <a:p>
+                <a:pPr/>
                 <a:r>
                   <a:rPr lang="en-CA" sz="4000" dirty="0"/>
                   <a:t>If a hash table has </a:t>
@@ -26645,6 +28060,22 @@
                   <a:rPr lang="en-CA" sz="4000" b="1" dirty="0"/>
                   <a:t>load factor </a:t>
                 </a:r>
+                <a14:m>
+                  <m:oMath xmlns:m="http://schemas.openxmlformats.org/officeDocument/2006/math">
+                    <m:r>
+                      <a:rPr lang="en-CA" sz="4000" i="1">
+                        <a:latin typeface="Cambria Math" panose="02040503050406030204" pitchFamily="18" charset="0"/>
+                      </a:rPr>
+                      <m:t>𝜆</m:t>
+                    </m:r>
+                    <m:r>
+                      <a:rPr lang="en-CA" sz="4000" i="1">
+                        <a:latin typeface="Cambria Math" panose="02040503050406030204" pitchFamily="18" charset="0"/>
+                      </a:rPr>
+                      <m:t> </m:t>
+                    </m:r>
+                  </m:oMath>
+                </a14:m>
                 <a:r>
                   <a:rPr lang="en-CA" sz="4000" dirty="0"/>
                   <a:t>is defined to be:</a:t>
@@ -27433,8 +28864,8 @@
           </p:txBody>
         </p:sp>
       </p:grpSp>
-      <mc:AlternateContent xmlns:mc="http://schemas.openxmlformats.org/markup-compatibility/2006">
-        <mc:Choice xmlns:a14="http://schemas.microsoft.com/office/drawing/2010/main" Requires="a14">
+      <mc:AlternateContent xmlns:mc="http://schemas.openxmlformats.org/markup-compatibility/2006" xmlns:a14="http://schemas.microsoft.com/office/drawing/2010/main">
+        <mc:Choice Requires="a14">
           <p:sp>
             <p:nvSpPr>
               <p:cNvPr id="31" name="TextBox 30">
@@ -27463,6 +28894,7 @@
               </a:bodyPr>
               <a:lstStyle/>
               <a:p>
+                <a:pPr/>
                 <a14:m>
                   <m:oMathPara xmlns:m="http://schemas.openxmlformats.org/officeDocument/2006/math">
                     <m:oMathParaPr>
@@ -27551,7 +28983,7 @@
             </p:txBody>
           </p:sp>
         </mc:Choice>
-        <mc:Fallback>
+        <mc:Fallback xmlns="">
           <p:sp>
             <p:nvSpPr>
               <p:cNvPr id="31" name="TextBox 30">
@@ -27609,7 +29041,471 @@
 </p:sld>
 </file>
 
-<file path=ppt/slides/slide39.xml><?xml version="1.0" encoding="utf-8"?>
+<file path=ppt/slides/slide4.xml><?xml version="1.0" encoding="utf-8"?>
+<p:sld xmlns:a="http://schemas.openxmlformats.org/drawingml/2006/main" xmlns:r="http://schemas.openxmlformats.org/officeDocument/2006/relationships" xmlns:p="http://schemas.openxmlformats.org/presentationml/2006/main">
+  <p:cSld>
+    <p:spTree>
+      <p:nvGrpSpPr>
+        <p:cNvPr id="1" name=""/>
+        <p:cNvGrpSpPr/>
+        <p:nvPr/>
+      </p:nvGrpSpPr>
+      <p:grpSpPr>
+        <a:xfrm>
+          <a:off x="0" y="0"/>
+          <a:ext cx="0" cy="0"/>
+          <a:chOff x="0" y="0"/>
+          <a:chExt cx="0" cy="0"/>
+        </a:xfrm>
+      </p:grpSpPr>
+      <p:sp>
+        <p:nvSpPr>
+          <p:cNvPr id="4" name="TextBox 3">
+            <a:extLst>
+              <a:ext uri="{FF2B5EF4-FFF2-40B4-BE49-F238E27FC236}">
+                <a16:creationId xmlns:a16="http://schemas.microsoft.com/office/drawing/2014/main" id="{8B46A5D8-CF52-A68B-F655-C6DC5365138C}"/>
+              </a:ext>
+            </a:extLst>
+          </p:cNvPr>
+          <p:cNvSpPr txBox="1"/>
+          <p:nvPr/>
+        </p:nvSpPr>
+        <p:spPr>
+          <a:xfrm>
+            <a:off x="692727" y="378691"/>
+            <a:ext cx="1801091" cy="923330"/>
+          </a:xfrm>
+          <a:prstGeom prst="rect">
+            <a:avLst/>
+          </a:prstGeom>
+          <a:solidFill>
+            <a:schemeClr val="accent4">
+              <a:lumMod val="40000"/>
+              <a:lumOff val="60000"/>
+            </a:schemeClr>
+          </a:solidFill>
+          <a:ln>
+            <a:noFill/>
+          </a:ln>
+        </p:spPr>
+        <p:txBody>
+          <a:bodyPr wrap="square" rtlCol="0">
+            <a:spAutoFit/>
+          </a:bodyPr>
+          <a:lstStyle/>
+          <a:p>
+            <a:pPr algn="ctr"/>
+            <a:r>
+              <a:rPr lang="en-CA" dirty="0"/>
+              <a:t>A </a:t>
+            </a:r>
+            <a:r>
+              <a:rPr lang="en-CA" b="1" dirty="0"/>
+              <a:t>map</a:t>
+            </a:r>
+            <a:r>
+              <a:rPr lang="en-CA" dirty="0"/>
+              <a:t> is an ADT that stores </a:t>
+            </a:r>
+            <a:br>
+              <a:rPr lang="en-CA" dirty="0"/>
+            </a:br>
+            <a:r>
+              <a:rPr lang="en-CA" dirty="0"/>
+              <a:t>(key, value) pairs.</a:t>
+            </a:r>
+            <a:endParaRPr lang="en-AU" dirty="0"/>
+          </a:p>
+        </p:txBody>
+      </p:sp>
+      <p:sp>
+        <p:nvSpPr>
+          <p:cNvPr id="5" name="TextBox 4">
+            <a:extLst>
+              <a:ext uri="{FF2B5EF4-FFF2-40B4-BE49-F238E27FC236}">
+                <a16:creationId xmlns:a16="http://schemas.microsoft.com/office/drawing/2014/main" id="{B48647EF-E221-6FA3-3454-C7067ECEA17A}"/>
+              </a:ext>
+            </a:extLst>
+          </p:cNvPr>
+          <p:cNvSpPr txBox="1"/>
+          <p:nvPr/>
+        </p:nvSpPr>
+        <p:spPr>
+          <a:xfrm>
+            <a:off x="1234660" y="3429000"/>
+            <a:ext cx="8593763" cy="646331"/>
+          </a:xfrm>
+          <a:prstGeom prst="rect">
+            <a:avLst/>
+          </a:prstGeom>
+          <a:noFill/>
+        </p:spPr>
+        <p:txBody>
+          <a:bodyPr wrap="none" rtlCol="0">
+            <a:spAutoFit/>
+          </a:bodyPr>
+          <a:lstStyle/>
+          <a:p>
+            <a:r>
+              <a:rPr lang="en-CA" sz="3600" dirty="0"/>
+              <a:t>[("Kal", "corn"), ("</a:t>
+            </a:r>
+            <a:r>
+              <a:rPr lang="en-CA" sz="3600" dirty="0" err="1"/>
+              <a:t>Mei","fish</a:t>
+            </a:r>
+            <a:r>
+              <a:rPr lang="en-CA" sz="3600" dirty="0"/>
+              <a:t>"), ("Ed", "corn")]</a:t>
+            </a:r>
+            <a:endParaRPr lang="en-AU" sz="3600" dirty="0"/>
+          </a:p>
+        </p:txBody>
+      </p:sp>
+      <p:sp>
+        <p:nvSpPr>
+          <p:cNvPr id="6" name="TextBox 5">
+            <a:extLst>
+              <a:ext uri="{FF2B5EF4-FFF2-40B4-BE49-F238E27FC236}">
+                <a16:creationId xmlns:a16="http://schemas.microsoft.com/office/drawing/2014/main" id="{F302DE67-0BAD-3554-291D-232C6541E8CF}"/>
+              </a:ext>
+            </a:extLst>
+          </p:cNvPr>
+          <p:cNvSpPr txBox="1"/>
+          <p:nvPr/>
+        </p:nvSpPr>
+        <p:spPr>
+          <a:xfrm>
+            <a:off x="4387272" y="1669887"/>
+            <a:ext cx="1357746" cy="646331"/>
+          </a:xfrm>
+          <a:prstGeom prst="rect">
+            <a:avLst/>
+          </a:prstGeom>
+          <a:solidFill>
+            <a:schemeClr val="accent4">
+              <a:lumMod val="40000"/>
+              <a:lumOff val="60000"/>
+            </a:schemeClr>
+          </a:solidFill>
+          <a:ln>
+            <a:noFill/>
+          </a:ln>
+        </p:spPr>
+        <p:txBody>
+          <a:bodyPr wrap="square" rtlCol="0">
+            <a:spAutoFit/>
+          </a:bodyPr>
+          <a:lstStyle/>
+          <a:p>
+            <a:pPr algn="ctr"/>
+            <a:r>
+              <a:rPr lang="en-CA" dirty="0"/>
+              <a:t>Keys must be unique.</a:t>
+            </a:r>
+            <a:endParaRPr lang="en-AU" dirty="0"/>
+          </a:p>
+        </p:txBody>
+      </p:sp>
+      <p:cxnSp>
+        <p:nvCxnSpPr>
+          <p:cNvPr id="11" name="Straight Arrow Connector 10">
+            <a:extLst>
+              <a:ext uri="{FF2B5EF4-FFF2-40B4-BE49-F238E27FC236}">
+                <a16:creationId xmlns:a16="http://schemas.microsoft.com/office/drawing/2014/main" id="{F2DC76C1-E819-4014-A07D-A3105B48988D}"/>
+              </a:ext>
+            </a:extLst>
+          </p:cNvPr>
+          <p:cNvCxnSpPr/>
+          <p:nvPr/>
+        </p:nvCxnSpPr>
+        <p:spPr>
+          <a:xfrm flipH="1">
+            <a:off x="2355273" y="2316218"/>
+            <a:ext cx="1939636" cy="1112782"/>
+          </a:xfrm>
+          <a:prstGeom prst="straightConnector1">
+            <a:avLst/>
+          </a:prstGeom>
+          <a:ln>
+            <a:tailEnd type="triangle"/>
+          </a:ln>
+        </p:spPr>
+        <p:style>
+          <a:lnRef idx="1">
+            <a:schemeClr val="accent1"/>
+          </a:lnRef>
+          <a:fillRef idx="0">
+            <a:schemeClr val="accent1"/>
+          </a:fillRef>
+          <a:effectRef idx="0">
+            <a:schemeClr val="accent1"/>
+          </a:effectRef>
+          <a:fontRef idx="minor">
+            <a:schemeClr val="tx1"/>
+          </a:fontRef>
+        </p:style>
+      </p:cxnSp>
+      <p:cxnSp>
+        <p:nvCxnSpPr>
+          <p:cNvPr id="14" name="Straight Arrow Connector 13">
+            <a:extLst>
+              <a:ext uri="{FF2B5EF4-FFF2-40B4-BE49-F238E27FC236}">
+                <a16:creationId xmlns:a16="http://schemas.microsoft.com/office/drawing/2014/main" id="{190CCCD0-E2D2-730D-ECC6-7FA769A37CDA}"/>
+              </a:ext>
+            </a:extLst>
+          </p:cNvPr>
+          <p:cNvCxnSpPr/>
+          <p:nvPr/>
+        </p:nvCxnSpPr>
+        <p:spPr>
+          <a:xfrm>
+            <a:off x="5066145" y="2410691"/>
+            <a:ext cx="0" cy="1145309"/>
+          </a:xfrm>
+          <a:prstGeom prst="straightConnector1">
+            <a:avLst/>
+          </a:prstGeom>
+          <a:ln>
+            <a:tailEnd type="triangle"/>
+          </a:ln>
+        </p:spPr>
+        <p:style>
+          <a:lnRef idx="1">
+            <a:schemeClr val="accent1"/>
+          </a:lnRef>
+          <a:fillRef idx="0">
+            <a:schemeClr val="accent1"/>
+          </a:fillRef>
+          <a:effectRef idx="0">
+            <a:schemeClr val="accent1"/>
+          </a:effectRef>
+          <a:fontRef idx="minor">
+            <a:schemeClr val="tx1"/>
+          </a:fontRef>
+        </p:style>
+      </p:cxnSp>
+      <p:cxnSp>
+        <p:nvCxnSpPr>
+          <p:cNvPr id="16" name="Straight Arrow Connector 15">
+            <a:extLst>
+              <a:ext uri="{FF2B5EF4-FFF2-40B4-BE49-F238E27FC236}">
+                <a16:creationId xmlns:a16="http://schemas.microsoft.com/office/drawing/2014/main" id="{0A7A623B-E111-DA4E-E5F9-779D1C1989C8}"/>
+              </a:ext>
+            </a:extLst>
+          </p:cNvPr>
+          <p:cNvCxnSpPr/>
+          <p:nvPr/>
+        </p:nvCxnSpPr>
+        <p:spPr>
+          <a:xfrm>
+            <a:off x="5892800" y="2235200"/>
+            <a:ext cx="1681018" cy="1274618"/>
+          </a:xfrm>
+          <a:prstGeom prst="straightConnector1">
+            <a:avLst/>
+          </a:prstGeom>
+          <a:ln>
+            <a:tailEnd type="triangle"/>
+          </a:ln>
+        </p:spPr>
+        <p:style>
+          <a:lnRef idx="1">
+            <a:schemeClr val="accent1"/>
+          </a:lnRef>
+          <a:fillRef idx="0">
+            <a:schemeClr val="accent1"/>
+          </a:fillRef>
+          <a:effectRef idx="0">
+            <a:schemeClr val="accent1"/>
+          </a:effectRef>
+          <a:fontRef idx="minor">
+            <a:schemeClr val="tx1"/>
+          </a:fontRef>
+        </p:style>
+      </p:cxnSp>
+      <p:sp>
+        <p:nvSpPr>
+          <p:cNvPr id="17" name="TextBox 16">
+            <a:extLst>
+              <a:ext uri="{FF2B5EF4-FFF2-40B4-BE49-F238E27FC236}">
+                <a16:creationId xmlns:a16="http://schemas.microsoft.com/office/drawing/2014/main" id="{E9987884-9FE5-13DA-55CA-5904DB1FABB4}"/>
+              </a:ext>
+            </a:extLst>
+          </p:cNvPr>
+          <p:cNvSpPr txBox="1"/>
+          <p:nvPr/>
+        </p:nvSpPr>
+        <p:spPr>
+          <a:xfrm>
+            <a:off x="4948614" y="5254039"/>
+            <a:ext cx="2294772" cy="923330"/>
+          </a:xfrm>
+          <a:prstGeom prst="rect">
+            <a:avLst/>
+          </a:prstGeom>
+          <a:solidFill>
+            <a:schemeClr val="accent4">
+              <a:lumMod val="40000"/>
+              <a:lumOff val="60000"/>
+            </a:schemeClr>
+          </a:solidFill>
+          <a:ln>
+            <a:noFill/>
+          </a:ln>
+        </p:spPr>
+        <p:txBody>
+          <a:bodyPr wrap="square" rtlCol="0">
+            <a:spAutoFit/>
+          </a:bodyPr>
+          <a:lstStyle/>
+          <a:p>
+            <a:pPr algn="ctr"/>
+            <a:r>
+              <a:rPr lang="en-CA" dirty="0"/>
+              <a:t>Values don’t need to be unique. There can be duplicate values.</a:t>
+            </a:r>
+            <a:endParaRPr lang="en-AU" dirty="0"/>
+          </a:p>
+        </p:txBody>
+      </p:sp>
+      <p:cxnSp>
+        <p:nvCxnSpPr>
+          <p:cNvPr id="19" name="Straight Arrow Connector 18">
+            <a:extLst>
+              <a:ext uri="{FF2B5EF4-FFF2-40B4-BE49-F238E27FC236}">
+                <a16:creationId xmlns:a16="http://schemas.microsoft.com/office/drawing/2014/main" id="{BBAE8163-5BB3-B5D6-552A-37DCD488A406}"/>
+              </a:ext>
+            </a:extLst>
+          </p:cNvPr>
+          <p:cNvCxnSpPr>
+            <a:cxnSpLocks/>
+          </p:cNvCxnSpPr>
+          <p:nvPr/>
+        </p:nvCxnSpPr>
+        <p:spPr>
+          <a:xfrm flipH="1" flipV="1">
+            <a:off x="3398982" y="4075331"/>
+            <a:ext cx="1549632" cy="1112782"/>
+          </a:xfrm>
+          <a:prstGeom prst="straightConnector1">
+            <a:avLst/>
+          </a:prstGeom>
+          <a:ln>
+            <a:tailEnd type="triangle"/>
+          </a:ln>
+        </p:spPr>
+        <p:style>
+          <a:lnRef idx="1">
+            <a:schemeClr val="accent1"/>
+          </a:lnRef>
+          <a:fillRef idx="0">
+            <a:schemeClr val="accent1"/>
+          </a:fillRef>
+          <a:effectRef idx="0">
+            <a:schemeClr val="accent1"/>
+          </a:effectRef>
+          <a:fontRef idx="minor">
+            <a:schemeClr val="tx1"/>
+          </a:fontRef>
+        </p:style>
+      </p:cxnSp>
+      <p:cxnSp>
+        <p:nvCxnSpPr>
+          <p:cNvPr id="22" name="Straight Arrow Connector 21">
+            <a:extLst>
+              <a:ext uri="{FF2B5EF4-FFF2-40B4-BE49-F238E27FC236}">
+                <a16:creationId xmlns:a16="http://schemas.microsoft.com/office/drawing/2014/main" id="{CD735B58-7B40-D8BA-AEC9-C36D4B7118FF}"/>
+              </a:ext>
+            </a:extLst>
+          </p:cNvPr>
+          <p:cNvCxnSpPr>
+            <a:cxnSpLocks/>
+          </p:cNvCxnSpPr>
+          <p:nvPr/>
+        </p:nvCxnSpPr>
+        <p:spPr>
+          <a:xfrm flipV="1">
+            <a:off x="6188364" y="4075331"/>
+            <a:ext cx="0" cy="1112782"/>
+          </a:xfrm>
+          <a:prstGeom prst="straightConnector1">
+            <a:avLst/>
+          </a:prstGeom>
+          <a:ln>
+            <a:tailEnd type="triangle"/>
+          </a:ln>
+        </p:spPr>
+        <p:style>
+          <a:lnRef idx="1">
+            <a:schemeClr val="accent1"/>
+          </a:lnRef>
+          <a:fillRef idx="0">
+            <a:schemeClr val="accent1"/>
+          </a:fillRef>
+          <a:effectRef idx="0">
+            <a:schemeClr val="accent1"/>
+          </a:effectRef>
+          <a:fontRef idx="minor">
+            <a:schemeClr val="tx1"/>
+          </a:fontRef>
+        </p:style>
+      </p:cxnSp>
+      <p:cxnSp>
+        <p:nvCxnSpPr>
+          <p:cNvPr id="24" name="Straight Arrow Connector 23">
+            <a:extLst>
+              <a:ext uri="{FF2B5EF4-FFF2-40B4-BE49-F238E27FC236}">
+                <a16:creationId xmlns:a16="http://schemas.microsoft.com/office/drawing/2014/main" id="{59EFD409-7456-AE41-B189-94F6F9C5D867}"/>
+              </a:ext>
+            </a:extLst>
+          </p:cNvPr>
+          <p:cNvCxnSpPr>
+            <a:cxnSpLocks/>
+          </p:cNvCxnSpPr>
+          <p:nvPr/>
+        </p:nvCxnSpPr>
+        <p:spPr>
+          <a:xfrm flipV="1">
+            <a:off x="7243386" y="4075331"/>
+            <a:ext cx="1383378" cy="1112782"/>
+          </a:xfrm>
+          <a:prstGeom prst="straightConnector1">
+            <a:avLst/>
+          </a:prstGeom>
+          <a:ln>
+            <a:tailEnd type="triangle"/>
+          </a:ln>
+        </p:spPr>
+        <p:style>
+          <a:lnRef idx="1">
+            <a:schemeClr val="accent1"/>
+          </a:lnRef>
+          <a:fillRef idx="0">
+            <a:schemeClr val="accent1"/>
+          </a:fillRef>
+          <a:effectRef idx="0">
+            <a:schemeClr val="accent1"/>
+          </a:effectRef>
+          <a:fontRef idx="minor">
+            <a:schemeClr val="tx1"/>
+          </a:fontRef>
+        </p:style>
+      </p:cxnSp>
+    </p:spTree>
+    <p:extLst>
+      <p:ext uri="{BB962C8B-B14F-4D97-AF65-F5344CB8AC3E}">
+        <p14:creationId xmlns:p14="http://schemas.microsoft.com/office/powerpoint/2010/main" val="3135316208"/>
+      </p:ext>
+    </p:extLst>
+  </p:cSld>
+  <p:clrMapOvr>
+    <a:masterClrMapping/>
+  </p:clrMapOvr>
+</p:sld>
+</file>
+
+<file path=ppt/slides/slide40.xml><?xml version="1.0" encoding="utf-8"?>
 <p:sld xmlns:a="http://schemas.openxmlformats.org/drawingml/2006/main" xmlns:r="http://schemas.openxmlformats.org/officeDocument/2006/relationships" xmlns:p="http://schemas.openxmlformats.org/presentationml/2006/main">
   <p:cSld>
     <p:spTree>
@@ -27718,6 +29614,22 @@
                   <a:rPr lang="en-CA" sz="4000" b="1" dirty="0"/>
                   <a:t>load factor </a:t>
                 </a:r>
+                <a14:m>
+                  <m:oMath xmlns:m="http://schemas.openxmlformats.org/officeDocument/2006/math">
+                    <m:r>
+                      <a:rPr lang="en-CA" sz="4000" i="1">
+                        <a:latin typeface="Cambria Math" panose="02040503050406030204" pitchFamily="18" charset="0"/>
+                      </a:rPr>
+                      <m:t>𝜆</m:t>
+                    </m:r>
+                    <m:r>
+                      <a:rPr lang="en-CA" sz="4000" i="1">
+                        <a:latin typeface="Cambria Math" panose="02040503050406030204" pitchFamily="18" charset="0"/>
+                      </a:rPr>
+                      <m:t> </m:t>
+                    </m:r>
+                  </m:oMath>
+                </a14:m>
                 <a:r>
                   <a:rPr lang="en-CA" sz="4000" dirty="0"/>
                   <a:t>is defined to be:</a:t>
@@ -27910,8 +29822,8 @@
           </a:fontRef>
         </p:style>
       </p:cxnSp>
-      <mc:AlternateContent xmlns:mc="http://schemas.openxmlformats.org/markup-compatibility/2006">
-        <mc:Choice xmlns:a14="http://schemas.microsoft.com/office/drawing/2010/main" Requires="a14">
+      <mc:AlternateContent xmlns:mc="http://schemas.openxmlformats.org/markup-compatibility/2006" xmlns:a14="http://schemas.microsoft.com/office/drawing/2010/main">
+        <mc:Choice Requires="a14">
           <p:sp>
             <p:nvSpPr>
               <p:cNvPr id="31" name="TextBox 30">
@@ -28019,13 +29931,7 @@
                         <a:rPr lang="en-CA" sz="1800" b="0" i="1" smtClean="0">
                           <a:latin typeface="Cambria Math" panose="02040503050406030204" pitchFamily="18" charset="0"/>
                         </a:rPr>
-                        <m:t>=</m:t>
-                      </m:r>
-                      <m:r>
-                        <a:rPr lang="en-CA" sz="1800" b="0" i="1" smtClean="0">
-                          <a:latin typeface="Cambria Math" panose="02040503050406030204" pitchFamily="18" charset="0"/>
-                        </a:rPr>
-                        <m:t>1.17</m:t>
+                        <m:t>=1.17</m:t>
                       </m:r>
                     </m:oMath>
                   </m:oMathPara>
@@ -28035,7 +29941,7 @@
             </p:txBody>
           </p:sp>
         </mc:Choice>
-        <mc:Fallback>
+        <mc:Fallback xmlns="">
           <p:sp>
             <p:nvSpPr>
               <p:cNvPr id="31" name="TextBox 30">
@@ -29082,471 +30988,7 @@
 </p:sld>
 </file>
 
-<file path=ppt/slides/slide4.xml><?xml version="1.0" encoding="utf-8"?>
-<p:sld xmlns:a="http://schemas.openxmlformats.org/drawingml/2006/main" xmlns:r="http://schemas.openxmlformats.org/officeDocument/2006/relationships" xmlns:p="http://schemas.openxmlformats.org/presentationml/2006/main">
-  <p:cSld>
-    <p:spTree>
-      <p:nvGrpSpPr>
-        <p:cNvPr id="1" name=""/>
-        <p:cNvGrpSpPr/>
-        <p:nvPr/>
-      </p:nvGrpSpPr>
-      <p:grpSpPr>
-        <a:xfrm>
-          <a:off x="0" y="0"/>
-          <a:ext cx="0" cy="0"/>
-          <a:chOff x="0" y="0"/>
-          <a:chExt cx="0" cy="0"/>
-        </a:xfrm>
-      </p:grpSpPr>
-      <p:sp>
-        <p:nvSpPr>
-          <p:cNvPr id="4" name="TextBox 3">
-            <a:extLst>
-              <a:ext uri="{FF2B5EF4-FFF2-40B4-BE49-F238E27FC236}">
-                <a16:creationId xmlns:a16="http://schemas.microsoft.com/office/drawing/2014/main" id="{8B46A5D8-CF52-A68B-F655-C6DC5365138C}"/>
-              </a:ext>
-            </a:extLst>
-          </p:cNvPr>
-          <p:cNvSpPr txBox="1"/>
-          <p:nvPr/>
-        </p:nvSpPr>
-        <p:spPr>
-          <a:xfrm>
-            <a:off x="692727" y="378691"/>
-            <a:ext cx="1801091" cy="923330"/>
-          </a:xfrm>
-          <a:prstGeom prst="rect">
-            <a:avLst/>
-          </a:prstGeom>
-          <a:solidFill>
-            <a:schemeClr val="accent4">
-              <a:lumMod val="40000"/>
-              <a:lumOff val="60000"/>
-            </a:schemeClr>
-          </a:solidFill>
-          <a:ln>
-            <a:noFill/>
-          </a:ln>
-        </p:spPr>
-        <p:txBody>
-          <a:bodyPr wrap="square" rtlCol="0">
-            <a:spAutoFit/>
-          </a:bodyPr>
-          <a:lstStyle/>
-          <a:p>
-            <a:pPr algn="ctr"/>
-            <a:r>
-              <a:rPr lang="en-CA" dirty="0"/>
-              <a:t>A </a:t>
-            </a:r>
-            <a:r>
-              <a:rPr lang="en-CA" b="1" dirty="0"/>
-              <a:t>map</a:t>
-            </a:r>
-            <a:r>
-              <a:rPr lang="en-CA" dirty="0"/>
-              <a:t> is an ADT that stores </a:t>
-            </a:r>
-            <a:br>
-              <a:rPr lang="en-CA" dirty="0"/>
-            </a:br>
-            <a:r>
-              <a:rPr lang="en-CA" dirty="0"/>
-              <a:t>(key, value) pairs.</a:t>
-            </a:r>
-            <a:endParaRPr lang="en-AU" dirty="0"/>
-          </a:p>
-        </p:txBody>
-      </p:sp>
-      <p:sp>
-        <p:nvSpPr>
-          <p:cNvPr id="5" name="TextBox 4">
-            <a:extLst>
-              <a:ext uri="{FF2B5EF4-FFF2-40B4-BE49-F238E27FC236}">
-                <a16:creationId xmlns:a16="http://schemas.microsoft.com/office/drawing/2014/main" id="{B48647EF-E221-6FA3-3454-C7067ECEA17A}"/>
-              </a:ext>
-            </a:extLst>
-          </p:cNvPr>
-          <p:cNvSpPr txBox="1"/>
-          <p:nvPr/>
-        </p:nvSpPr>
-        <p:spPr>
-          <a:xfrm>
-            <a:off x="1234660" y="3429000"/>
-            <a:ext cx="8593763" cy="646331"/>
-          </a:xfrm>
-          <a:prstGeom prst="rect">
-            <a:avLst/>
-          </a:prstGeom>
-          <a:noFill/>
-        </p:spPr>
-        <p:txBody>
-          <a:bodyPr wrap="none" rtlCol="0">
-            <a:spAutoFit/>
-          </a:bodyPr>
-          <a:lstStyle/>
-          <a:p>
-            <a:r>
-              <a:rPr lang="en-CA" sz="3600" dirty="0"/>
-              <a:t>[("Kal", "corn"), ("</a:t>
-            </a:r>
-            <a:r>
-              <a:rPr lang="en-CA" sz="3600" dirty="0" err="1"/>
-              <a:t>Mei","fish</a:t>
-            </a:r>
-            <a:r>
-              <a:rPr lang="en-CA" sz="3600" dirty="0"/>
-              <a:t>"), ("Ed", "corn")]</a:t>
-            </a:r>
-            <a:endParaRPr lang="en-AU" sz="3600" dirty="0"/>
-          </a:p>
-        </p:txBody>
-      </p:sp>
-      <p:sp>
-        <p:nvSpPr>
-          <p:cNvPr id="6" name="TextBox 5">
-            <a:extLst>
-              <a:ext uri="{FF2B5EF4-FFF2-40B4-BE49-F238E27FC236}">
-                <a16:creationId xmlns:a16="http://schemas.microsoft.com/office/drawing/2014/main" id="{F302DE67-0BAD-3554-291D-232C6541E8CF}"/>
-              </a:ext>
-            </a:extLst>
-          </p:cNvPr>
-          <p:cNvSpPr txBox="1"/>
-          <p:nvPr/>
-        </p:nvSpPr>
-        <p:spPr>
-          <a:xfrm>
-            <a:off x="4387272" y="1669887"/>
-            <a:ext cx="1357746" cy="646331"/>
-          </a:xfrm>
-          <a:prstGeom prst="rect">
-            <a:avLst/>
-          </a:prstGeom>
-          <a:solidFill>
-            <a:schemeClr val="accent4">
-              <a:lumMod val="40000"/>
-              <a:lumOff val="60000"/>
-            </a:schemeClr>
-          </a:solidFill>
-          <a:ln>
-            <a:noFill/>
-          </a:ln>
-        </p:spPr>
-        <p:txBody>
-          <a:bodyPr wrap="square" rtlCol="0">
-            <a:spAutoFit/>
-          </a:bodyPr>
-          <a:lstStyle/>
-          <a:p>
-            <a:pPr algn="ctr"/>
-            <a:r>
-              <a:rPr lang="en-CA" dirty="0"/>
-              <a:t>Keys must be unique.</a:t>
-            </a:r>
-            <a:endParaRPr lang="en-AU" dirty="0"/>
-          </a:p>
-        </p:txBody>
-      </p:sp>
-      <p:cxnSp>
-        <p:nvCxnSpPr>
-          <p:cNvPr id="11" name="Straight Arrow Connector 10">
-            <a:extLst>
-              <a:ext uri="{FF2B5EF4-FFF2-40B4-BE49-F238E27FC236}">
-                <a16:creationId xmlns:a16="http://schemas.microsoft.com/office/drawing/2014/main" id="{F2DC76C1-E819-4014-A07D-A3105B48988D}"/>
-              </a:ext>
-            </a:extLst>
-          </p:cNvPr>
-          <p:cNvCxnSpPr/>
-          <p:nvPr/>
-        </p:nvCxnSpPr>
-        <p:spPr>
-          <a:xfrm flipH="1">
-            <a:off x="2355273" y="2316218"/>
-            <a:ext cx="1939636" cy="1112782"/>
-          </a:xfrm>
-          <a:prstGeom prst="straightConnector1">
-            <a:avLst/>
-          </a:prstGeom>
-          <a:ln>
-            <a:tailEnd type="triangle"/>
-          </a:ln>
-        </p:spPr>
-        <p:style>
-          <a:lnRef idx="1">
-            <a:schemeClr val="accent1"/>
-          </a:lnRef>
-          <a:fillRef idx="0">
-            <a:schemeClr val="accent1"/>
-          </a:fillRef>
-          <a:effectRef idx="0">
-            <a:schemeClr val="accent1"/>
-          </a:effectRef>
-          <a:fontRef idx="minor">
-            <a:schemeClr val="tx1"/>
-          </a:fontRef>
-        </p:style>
-      </p:cxnSp>
-      <p:cxnSp>
-        <p:nvCxnSpPr>
-          <p:cNvPr id="14" name="Straight Arrow Connector 13">
-            <a:extLst>
-              <a:ext uri="{FF2B5EF4-FFF2-40B4-BE49-F238E27FC236}">
-                <a16:creationId xmlns:a16="http://schemas.microsoft.com/office/drawing/2014/main" id="{190CCCD0-E2D2-730D-ECC6-7FA769A37CDA}"/>
-              </a:ext>
-            </a:extLst>
-          </p:cNvPr>
-          <p:cNvCxnSpPr/>
-          <p:nvPr/>
-        </p:nvCxnSpPr>
-        <p:spPr>
-          <a:xfrm>
-            <a:off x="5066145" y="2410691"/>
-            <a:ext cx="0" cy="1145309"/>
-          </a:xfrm>
-          <a:prstGeom prst="straightConnector1">
-            <a:avLst/>
-          </a:prstGeom>
-          <a:ln>
-            <a:tailEnd type="triangle"/>
-          </a:ln>
-        </p:spPr>
-        <p:style>
-          <a:lnRef idx="1">
-            <a:schemeClr val="accent1"/>
-          </a:lnRef>
-          <a:fillRef idx="0">
-            <a:schemeClr val="accent1"/>
-          </a:fillRef>
-          <a:effectRef idx="0">
-            <a:schemeClr val="accent1"/>
-          </a:effectRef>
-          <a:fontRef idx="minor">
-            <a:schemeClr val="tx1"/>
-          </a:fontRef>
-        </p:style>
-      </p:cxnSp>
-      <p:cxnSp>
-        <p:nvCxnSpPr>
-          <p:cNvPr id="16" name="Straight Arrow Connector 15">
-            <a:extLst>
-              <a:ext uri="{FF2B5EF4-FFF2-40B4-BE49-F238E27FC236}">
-                <a16:creationId xmlns:a16="http://schemas.microsoft.com/office/drawing/2014/main" id="{0A7A623B-E111-DA4E-E5F9-779D1C1989C8}"/>
-              </a:ext>
-            </a:extLst>
-          </p:cNvPr>
-          <p:cNvCxnSpPr/>
-          <p:nvPr/>
-        </p:nvCxnSpPr>
-        <p:spPr>
-          <a:xfrm>
-            <a:off x="5892800" y="2235200"/>
-            <a:ext cx="1681018" cy="1274618"/>
-          </a:xfrm>
-          <a:prstGeom prst="straightConnector1">
-            <a:avLst/>
-          </a:prstGeom>
-          <a:ln>
-            <a:tailEnd type="triangle"/>
-          </a:ln>
-        </p:spPr>
-        <p:style>
-          <a:lnRef idx="1">
-            <a:schemeClr val="accent1"/>
-          </a:lnRef>
-          <a:fillRef idx="0">
-            <a:schemeClr val="accent1"/>
-          </a:fillRef>
-          <a:effectRef idx="0">
-            <a:schemeClr val="accent1"/>
-          </a:effectRef>
-          <a:fontRef idx="minor">
-            <a:schemeClr val="tx1"/>
-          </a:fontRef>
-        </p:style>
-      </p:cxnSp>
-      <p:sp>
-        <p:nvSpPr>
-          <p:cNvPr id="17" name="TextBox 16">
-            <a:extLst>
-              <a:ext uri="{FF2B5EF4-FFF2-40B4-BE49-F238E27FC236}">
-                <a16:creationId xmlns:a16="http://schemas.microsoft.com/office/drawing/2014/main" id="{E9987884-9FE5-13DA-55CA-5904DB1FABB4}"/>
-              </a:ext>
-            </a:extLst>
-          </p:cNvPr>
-          <p:cNvSpPr txBox="1"/>
-          <p:nvPr/>
-        </p:nvSpPr>
-        <p:spPr>
-          <a:xfrm>
-            <a:off x="4948614" y="5254039"/>
-            <a:ext cx="2294772" cy="923330"/>
-          </a:xfrm>
-          <a:prstGeom prst="rect">
-            <a:avLst/>
-          </a:prstGeom>
-          <a:solidFill>
-            <a:schemeClr val="accent4">
-              <a:lumMod val="40000"/>
-              <a:lumOff val="60000"/>
-            </a:schemeClr>
-          </a:solidFill>
-          <a:ln>
-            <a:noFill/>
-          </a:ln>
-        </p:spPr>
-        <p:txBody>
-          <a:bodyPr wrap="square" rtlCol="0">
-            <a:spAutoFit/>
-          </a:bodyPr>
-          <a:lstStyle/>
-          <a:p>
-            <a:pPr algn="ctr"/>
-            <a:r>
-              <a:rPr lang="en-CA" dirty="0"/>
-              <a:t>Values don’t need to be unique. There can be duplicate values.</a:t>
-            </a:r>
-            <a:endParaRPr lang="en-AU" dirty="0"/>
-          </a:p>
-        </p:txBody>
-      </p:sp>
-      <p:cxnSp>
-        <p:nvCxnSpPr>
-          <p:cNvPr id="19" name="Straight Arrow Connector 18">
-            <a:extLst>
-              <a:ext uri="{FF2B5EF4-FFF2-40B4-BE49-F238E27FC236}">
-                <a16:creationId xmlns:a16="http://schemas.microsoft.com/office/drawing/2014/main" id="{BBAE8163-5BB3-B5D6-552A-37DCD488A406}"/>
-              </a:ext>
-            </a:extLst>
-          </p:cNvPr>
-          <p:cNvCxnSpPr>
-            <a:cxnSpLocks/>
-          </p:cNvCxnSpPr>
-          <p:nvPr/>
-        </p:nvCxnSpPr>
-        <p:spPr>
-          <a:xfrm flipH="1" flipV="1">
-            <a:off x="3398982" y="4075331"/>
-            <a:ext cx="1549632" cy="1112782"/>
-          </a:xfrm>
-          <a:prstGeom prst="straightConnector1">
-            <a:avLst/>
-          </a:prstGeom>
-          <a:ln>
-            <a:tailEnd type="triangle"/>
-          </a:ln>
-        </p:spPr>
-        <p:style>
-          <a:lnRef idx="1">
-            <a:schemeClr val="accent1"/>
-          </a:lnRef>
-          <a:fillRef idx="0">
-            <a:schemeClr val="accent1"/>
-          </a:fillRef>
-          <a:effectRef idx="0">
-            <a:schemeClr val="accent1"/>
-          </a:effectRef>
-          <a:fontRef idx="minor">
-            <a:schemeClr val="tx1"/>
-          </a:fontRef>
-        </p:style>
-      </p:cxnSp>
-      <p:cxnSp>
-        <p:nvCxnSpPr>
-          <p:cNvPr id="22" name="Straight Arrow Connector 21">
-            <a:extLst>
-              <a:ext uri="{FF2B5EF4-FFF2-40B4-BE49-F238E27FC236}">
-                <a16:creationId xmlns:a16="http://schemas.microsoft.com/office/drawing/2014/main" id="{CD735B58-7B40-D8BA-AEC9-C36D4B7118FF}"/>
-              </a:ext>
-            </a:extLst>
-          </p:cNvPr>
-          <p:cNvCxnSpPr>
-            <a:cxnSpLocks/>
-          </p:cNvCxnSpPr>
-          <p:nvPr/>
-        </p:nvCxnSpPr>
-        <p:spPr>
-          <a:xfrm flipV="1">
-            <a:off x="6188364" y="4075331"/>
-            <a:ext cx="0" cy="1112782"/>
-          </a:xfrm>
-          <a:prstGeom prst="straightConnector1">
-            <a:avLst/>
-          </a:prstGeom>
-          <a:ln>
-            <a:tailEnd type="triangle"/>
-          </a:ln>
-        </p:spPr>
-        <p:style>
-          <a:lnRef idx="1">
-            <a:schemeClr val="accent1"/>
-          </a:lnRef>
-          <a:fillRef idx="0">
-            <a:schemeClr val="accent1"/>
-          </a:fillRef>
-          <a:effectRef idx="0">
-            <a:schemeClr val="accent1"/>
-          </a:effectRef>
-          <a:fontRef idx="minor">
-            <a:schemeClr val="tx1"/>
-          </a:fontRef>
-        </p:style>
-      </p:cxnSp>
-      <p:cxnSp>
-        <p:nvCxnSpPr>
-          <p:cNvPr id="24" name="Straight Arrow Connector 23">
-            <a:extLst>
-              <a:ext uri="{FF2B5EF4-FFF2-40B4-BE49-F238E27FC236}">
-                <a16:creationId xmlns:a16="http://schemas.microsoft.com/office/drawing/2014/main" id="{59EFD409-7456-AE41-B189-94F6F9C5D867}"/>
-              </a:ext>
-            </a:extLst>
-          </p:cNvPr>
-          <p:cNvCxnSpPr>
-            <a:cxnSpLocks/>
-          </p:cNvCxnSpPr>
-          <p:nvPr/>
-        </p:nvCxnSpPr>
-        <p:spPr>
-          <a:xfrm flipV="1">
-            <a:off x="7243386" y="4075331"/>
-            <a:ext cx="1383378" cy="1112782"/>
-          </a:xfrm>
-          <a:prstGeom prst="straightConnector1">
-            <a:avLst/>
-          </a:prstGeom>
-          <a:ln>
-            <a:tailEnd type="triangle"/>
-          </a:ln>
-        </p:spPr>
-        <p:style>
-          <a:lnRef idx="1">
-            <a:schemeClr val="accent1"/>
-          </a:lnRef>
-          <a:fillRef idx="0">
-            <a:schemeClr val="accent1"/>
-          </a:fillRef>
-          <a:effectRef idx="0">
-            <a:schemeClr val="accent1"/>
-          </a:effectRef>
-          <a:fontRef idx="minor">
-            <a:schemeClr val="tx1"/>
-          </a:fontRef>
-        </p:style>
-      </p:cxnSp>
-    </p:spTree>
-    <p:extLst>
-      <p:ext uri="{BB962C8B-B14F-4D97-AF65-F5344CB8AC3E}">
-        <p14:creationId xmlns:p14="http://schemas.microsoft.com/office/powerpoint/2010/main" val="3135316208"/>
-      </p:ext>
-    </p:extLst>
-  </p:cSld>
-  <p:clrMapOvr>
-    <a:masterClrMapping/>
-  </p:clrMapOvr>
-</p:sld>
-</file>
-
-<file path=ppt/slides/slide40.xml><?xml version="1.0" encoding="utf-8"?>
+<file path=ppt/slides/slide41.xml><?xml version="1.0" encoding="utf-8"?>
 <p:sld xmlns:a="http://schemas.openxmlformats.org/drawingml/2006/main" xmlns:r="http://schemas.openxmlformats.org/officeDocument/2006/relationships" xmlns:p="http://schemas.openxmlformats.org/presentationml/2006/main">
   <p:cSld>
     <p:spTree>
@@ -29655,6 +31097,22 @@
                   <a:rPr lang="en-CA" sz="4000" b="1" dirty="0"/>
                   <a:t>load factor </a:t>
                 </a:r>
+                <a14:m>
+                  <m:oMath xmlns:m="http://schemas.openxmlformats.org/officeDocument/2006/math">
+                    <m:r>
+                      <a:rPr lang="en-CA" sz="4000" i="1">
+                        <a:latin typeface="Cambria Math" panose="02040503050406030204" pitchFamily="18" charset="0"/>
+                      </a:rPr>
+                      <m:t>𝜆</m:t>
+                    </m:r>
+                    <m:r>
+                      <a:rPr lang="en-CA" sz="4000" i="1">
+                        <a:latin typeface="Cambria Math" panose="02040503050406030204" pitchFamily="18" charset="0"/>
+                      </a:rPr>
+                      <m:t> </m:t>
+                    </m:r>
+                  </m:oMath>
+                </a14:m>
                 <a:r>
                   <a:rPr lang="en-CA" sz="4000" dirty="0"/>
                   <a:t>is defined to be:</a:t>
@@ -30443,8 +31901,8 @@
           </p:txBody>
         </p:sp>
       </p:grpSp>
-      <mc:AlternateContent xmlns:mc="http://schemas.openxmlformats.org/markup-compatibility/2006">
-        <mc:Choice xmlns:a14="http://schemas.microsoft.com/office/drawing/2010/main" Requires="a14">
+      <mc:AlternateContent xmlns:mc="http://schemas.openxmlformats.org/markup-compatibility/2006" xmlns:a14="http://schemas.microsoft.com/office/drawing/2010/main">
+        <mc:Choice Requires="a14">
           <p:sp>
             <p:nvSpPr>
               <p:cNvPr id="31" name="TextBox 30">
@@ -30562,7 +32020,7 @@
             </p:txBody>
           </p:sp>
         </mc:Choice>
-        <mc:Fallback>
+        <mc:Fallback xmlns="">
           <p:sp>
             <p:nvSpPr>
               <p:cNvPr id="31" name="TextBox 30">
@@ -30607,8 +32065,8 @@
           </p:sp>
         </mc:Fallback>
       </mc:AlternateContent>
-      <mc:AlternateContent xmlns:mc="http://schemas.openxmlformats.org/markup-compatibility/2006">
-        <mc:Choice xmlns:a14="http://schemas.microsoft.com/office/drawing/2010/main" Requires="a14">
+      <mc:AlternateContent xmlns:mc="http://schemas.openxmlformats.org/markup-compatibility/2006" xmlns:a14="http://schemas.microsoft.com/office/drawing/2010/main">
+        <mc:Choice Requires="a14">
           <p:sp>
             <p:nvSpPr>
               <p:cNvPr id="3" name="TextBox 2">
@@ -30689,7 +32147,7 @@
             </p:txBody>
           </p:sp>
         </mc:Choice>
-        <mc:Fallback>
+        <mc:Fallback xmlns="">
           <p:sp>
             <p:nvSpPr>
               <p:cNvPr id="3" name="TextBox 2">
@@ -30750,7 +32208,7 @@
 </p:sld>
 </file>
 
-<file path=ppt/slides/slide41.xml><?xml version="1.0" encoding="utf-8"?>
+<file path=ppt/slides/slide42.xml><?xml version="1.0" encoding="utf-8"?>
 <p:sld xmlns:a="http://schemas.openxmlformats.org/drawingml/2006/main" xmlns:r="http://schemas.openxmlformats.org/officeDocument/2006/relationships" xmlns:p="http://schemas.openxmlformats.org/presentationml/2006/main">
   <p:cSld>
     <p:spTree>
@@ -31397,8 +32855,8 @@
           </p:txBody>
         </p:sp>
       </p:grpSp>
-      <mc:AlternateContent xmlns:mc="http://schemas.openxmlformats.org/markup-compatibility/2006">
-        <mc:Choice xmlns:a14="http://schemas.microsoft.com/office/drawing/2010/main" Requires="a14">
+      <mc:AlternateContent xmlns:mc="http://schemas.openxmlformats.org/markup-compatibility/2006" xmlns:a14="http://schemas.microsoft.com/office/drawing/2010/main">
+        <mc:Choice Requires="a14">
           <p:sp>
             <p:nvSpPr>
               <p:cNvPr id="31" name="TextBox 30">
@@ -31432,7 +32890,6 @@
               </a:bodyPr>
               <a:lstStyle/>
               <a:p>
-                <a:pPr/>
                 <a:r>
                   <a:rPr lang="en-CA" sz="2800" b="0" dirty="0"/>
                   <a:t>load factor = </a:t>
@@ -31483,7 +32940,7 @@
             </p:txBody>
           </p:sp>
         </mc:Choice>
-        <mc:Fallback>
+        <mc:Fallback xmlns="">
           <p:sp>
             <p:nvSpPr>
               <p:cNvPr id="31" name="TextBox 30">
@@ -32965,7 +34422,7 @@
 </p:sld>
 </file>
 
-<file path=ppt/slides/slide42.xml><?xml version="1.0" encoding="utf-8"?>
+<file path=ppt/slides/slide43.xml><?xml version="1.0" encoding="utf-8"?>
 <p:sld xmlns:a="http://schemas.openxmlformats.org/drawingml/2006/main" xmlns:r="http://schemas.openxmlformats.org/officeDocument/2006/relationships" xmlns:p="http://schemas.openxmlformats.org/presentationml/2006/main">
   <p:cSld>
     <p:spTree>
@@ -33612,8 +35069,8 @@
           </p:txBody>
         </p:sp>
       </p:grpSp>
-      <mc:AlternateContent xmlns:mc="http://schemas.openxmlformats.org/markup-compatibility/2006">
-        <mc:Choice xmlns:a14="http://schemas.microsoft.com/office/drawing/2010/main" Requires="a14">
+      <mc:AlternateContent xmlns:mc="http://schemas.openxmlformats.org/markup-compatibility/2006" xmlns:a14="http://schemas.microsoft.com/office/drawing/2010/main">
+        <mc:Choice Requires="a14">
           <p:sp>
             <p:nvSpPr>
               <p:cNvPr id="31" name="TextBox 30">
@@ -33697,7 +35154,7 @@
             </p:txBody>
           </p:sp>
         </mc:Choice>
-        <mc:Fallback>
+        <mc:Fallback xmlns="">
           <p:sp>
             <p:nvSpPr>
               <p:cNvPr id="31" name="TextBox 30">
@@ -35320,7 +36777,7 @@
           <a:p>
             <a:r>
               <a:rPr lang="en-CA" dirty="0"/>
-              <a:t>But we will stick to a simpler implementation.</a:t>
+              <a:t>But we will use a simpler implementation …</a:t>
             </a:r>
             <a:endParaRPr lang="en-AU" dirty="0"/>
           </a:p>

--- a/lecture_notes/week8/week8_maps_and_hashing.pptx
+++ b/lecture_notes/week8/week8_maps_and_hashing.pptx
@@ -34,20 +34,21 @@
     <p:sldId id="282" r:id="rId28"/>
     <p:sldId id="283" r:id="rId29"/>
     <p:sldId id="301" r:id="rId30"/>
-    <p:sldId id="284" r:id="rId31"/>
-    <p:sldId id="286" r:id="rId32"/>
-    <p:sldId id="287" r:id="rId33"/>
-    <p:sldId id="288" r:id="rId34"/>
-    <p:sldId id="289" r:id="rId35"/>
-    <p:sldId id="290" r:id="rId36"/>
-    <p:sldId id="291" r:id="rId37"/>
-    <p:sldId id="292" r:id="rId38"/>
-    <p:sldId id="302" r:id="rId39"/>
-    <p:sldId id="295" r:id="rId40"/>
-    <p:sldId id="297" r:id="rId41"/>
-    <p:sldId id="296" r:id="rId42"/>
-    <p:sldId id="298" r:id="rId43"/>
-    <p:sldId id="299" r:id="rId44"/>
+    <p:sldId id="303" r:id="rId31"/>
+    <p:sldId id="284" r:id="rId32"/>
+    <p:sldId id="286" r:id="rId33"/>
+    <p:sldId id="287" r:id="rId34"/>
+    <p:sldId id="288" r:id="rId35"/>
+    <p:sldId id="289" r:id="rId36"/>
+    <p:sldId id="290" r:id="rId37"/>
+    <p:sldId id="291" r:id="rId38"/>
+    <p:sldId id="292" r:id="rId39"/>
+    <p:sldId id="302" r:id="rId40"/>
+    <p:sldId id="295" r:id="rId41"/>
+    <p:sldId id="297" r:id="rId42"/>
+    <p:sldId id="296" r:id="rId43"/>
+    <p:sldId id="298" r:id="rId44"/>
+    <p:sldId id="299" r:id="rId45"/>
   </p:sldIdLst>
   <p:sldSz cx="12192000" cy="6858000"/>
   <p:notesSz cx="6858000" cy="9144000"/>
@@ -157,8 +158,7 @@
 <file path=ppt/revisionInfo.xml><?xml version="1.0" encoding="utf-8"?>
 <p1510:revInfo xmlns:a="http://schemas.openxmlformats.org/drawingml/2006/main" xmlns:r="http://schemas.openxmlformats.org/officeDocument/2006/relationships" xmlns:p1510="http://schemas.microsoft.com/office/powerpoint/2015/10/main">
   <p1510:revLst>
-    <p1510:client id="{3E49B8A0-82F3-4E5B-B9C4-160B447F8CF8}" v="9" dt="2023-06-24T03:03:37.656"/>
-    <p1510:client id="{D9A999BB-D5A6-41D4-9471-09BF3FB2A24E}" v="245" dt="2023-06-23T06:25:16.551"/>
+    <p1510:client id="{3E49B8A0-82F3-4E5B-B9C4-160B447F8CF8}" v="20" dt="2023-06-27T01:45:06.395"/>
   </p1510:revLst>
 </p1510:revInfo>
 </file>
@@ -168,7 +168,7 @@
   <pc:docChgLst>
     <pc:chgData name="Toby Donaldson" userId="2e6e5431-bb17-4c41-9985-d39c50d83c73" providerId="ADAL" clId="{3E49B8A0-82F3-4E5B-B9C4-160B447F8CF8}"/>
     <pc:docChg chg="undo custSel addSld delSld modSld">
-      <pc:chgData name="Toby Donaldson" userId="2e6e5431-bb17-4c41-9985-d39c50d83c73" providerId="ADAL" clId="{3E49B8A0-82F3-4E5B-B9C4-160B447F8CF8}" dt="2023-06-24T03:03:37.656" v="1091"/>
+      <pc:chgData name="Toby Donaldson" userId="2e6e5431-bb17-4c41-9985-d39c50d83c73" providerId="ADAL" clId="{3E49B8A0-82F3-4E5B-B9C4-160B447F8CF8}" dt="2023-06-27T01:46:14.158" v="1845" actId="20577"/>
       <pc:docMkLst>
         <pc:docMk/>
       </pc:docMkLst>
@@ -447,13 +447,13 @@
         </pc:spChg>
       </pc:sldChg>
       <pc:sldChg chg="addSp delSp modSp mod">
-        <pc:chgData name="Toby Donaldson" userId="2e6e5431-bb17-4c41-9985-d39c50d83c73" providerId="ADAL" clId="{3E49B8A0-82F3-4E5B-B9C4-160B447F8CF8}" dt="2023-06-24T02:50:20.721" v="435" actId="208"/>
+        <pc:chgData name="Toby Donaldson" userId="2e6e5431-bb17-4c41-9985-d39c50d83c73" providerId="ADAL" clId="{3E49B8A0-82F3-4E5B-B9C4-160B447F8CF8}" dt="2023-06-27T01:33:58.046" v="1547" actId="20577"/>
         <pc:sldMkLst>
           <pc:docMk/>
           <pc:sldMk cId="740533681" sldId="283"/>
         </pc:sldMkLst>
         <pc:spChg chg="mod">
-          <ac:chgData name="Toby Donaldson" userId="2e6e5431-bb17-4c41-9985-d39c50d83c73" providerId="ADAL" clId="{3E49B8A0-82F3-4E5B-B9C4-160B447F8CF8}" dt="2023-06-24T02:49:07.739" v="416" actId="20577"/>
+          <ac:chgData name="Toby Donaldson" userId="2e6e5431-bb17-4c41-9985-d39c50d83c73" providerId="ADAL" clId="{3E49B8A0-82F3-4E5B-B9C4-160B447F8CF8}" dt="2023-06-27T01:21:35.411" v="1099" actId="207"/>
           <ac:spMkLst>
             <pc:docMk/>
             <pc:sldMk cId="740533681" sldId="283"/>
@@ -461,7 +461,7 @@
           </ac:spMkLst>
         </pc:spChg>
         <pc:spChg chg="mod">
-          <ac:chgData name="Toby Donaldson" userId="2e6e5431-bb17-4c41-9985-d39c50d83c73" providerId="ADAL" clId="{3E49B8A0-82F3-4E5B-B9C4-160B447F8CF8}" dt="2023-06-24T02:48:58.123" v="392" actId="5793"/>
+          <ac:chgData name="Toby Donaldson" userId="2e6e5431-bb17-4c41-9985-d39c50d83c73" providerId="ADAL" clId="{3E49B8A0-82F3-4E5B-B9C4-160B447F8CF8}" dt="2023-06-27T01:33:58.046" v="1547" actId="20577"/>
           <ac:spMkLst>
             <pc:docMk/>
             <pc:sldMk cId="740533681" sldId="283"/>
@@ -484,12 +484,28 @@
             <ac:spMk id="5" creationId="{28B8EA08-2981-2FF4-BDF7-59E3A6C2CB08}"/>
           </ac:spMkLst>
         </pc:spChg>
+        <pc:spChg chg="add del mod">
+          <ac:chgData name="Toby Donaldson" userId="2e6e5431-bb17-4c41-9985-d39c50d83c73" providerId="ADAL" clId="{3E49B8A0-82F3-4E5B-B9C4-160B447F8CF8}" dt="2023-06-27T01:33:04.146" v="1498" actId="21"/>
+          <ac:spMkLst>
+            <pc:docMk/>
+            <pc:sldMk cId="740533681" sldId="283"/>
+            <ac:spMk id="6" creationId="{F248A0F4-662E-A9B1-D488-9C2BD8AA70EF}"/>
+          </ac:spMkLst>
+        </pc:spChg>
         <pc:spChg chg="mod">
           <ac:chgData name="Toby Donaldson" userId="2e6e5431-bb17-4c41-9985-d39c50d83c73" providerId="ADAL" clId="{3E49B8A0-82F3-4E5B-B9C4-160B447F8CF8}" dt="2023-06-24T02:49:43.031" v="430" actId="20577"/>
           <ac:spMkLst>
             <pc:docMk/>
             <pc:sldMk cId="740533681" sldId="283"/>
             <ac:spMk id="8" creationId="{1E340167-FAFF-9E55-2497-F7B2B09CCA2C}"/>
+          </ac:spMkLst>
+        </pc:spChg>
+        <pc:spChg chg="add mod">
+          <ac:chgData name="Toby Donaldson" userId="2e6e5431-bb17-4c41-9985-d39c50d83c73" providerId="ADAL" clId="{3E49B8A0-82F3-4E5B-B9C4-160B447F8CF8}" dt="2023-06-27T01:33:32.644" v="1544" actId="1076"/>
+          <ac:spMkLst>
+            <pc:docMk/>
+            <pc:sldMk cId="740533681" sldId="283"/>
+            <ac:spMk id="9" creationId="{C27A4809-B9EA-88C8-23BC-CFA217FAFC0A}"/>
           </ac:spMkLst>
         </pc:spChg>
         <pc:cxnChg chg="add">
@@ -518,13 +534,13 @@
         </pc:cxnChg>
       </pc:sldChg>
       <pc:sldChg chg="modSp mod">
-        <pc:chgData name="Toby Donaldson" userId="2e6e5431-bb17-4c41-9985-d39c50d83c73" providerId="ADAL" clId="{3E49B8A0-82F3-4E5B-B9C4-160B447F8CF8}" dt="2023-06-24T02:55:50.466" v="991" actId="20577"/>
+        <pc:chgData name="Toby Donaldson" userId="2e6e5431-bb17-4c41-9985-d39c50d83c73" providerId="ADAL" clId="{3E49B8A0-82F3-4E5B-B9C4-160B447F8CF8}" dt="2023-06-27T01:46:14.158" v="1845" actId="20577"/>
         <pc:sldMkLst>
           <pc:docMk/>
           <pc:sldMk cId="1981722786" sldId="284"/>
         </pc:sldMkLst>
         <pc:spChg chg="mod">
-          <ac:chgData name="Toby Donaldson" userId="2e6e5431-bb17-4c41-9985-d39c50d83c73" providerId="ADAL" clId="{3E49B8A0-82F3-4E5B-B9C4-160B447F8CF8}" dt="2023-06-24T02:55:50.466" v="991" actId="20577"/>
+          <ac:chgData name="Toby Donaldson" userId="2e6e5431-bb17-4c41-9985-d39c50d83c73" providerId="ADAL" clId="{3E49B8A0-82F3-4E5B-B9C4-160B447F8CF8}" dt="2023-06-27T01:46:14.158" v="1845" actId="20577"/>
           <ac:spMkLst>
             <pc:docMk/>
             <pc:sldMk cId="1981722786" sldId="284"/>
@@ -784,14 +800,14 @@
           <pc:sldMk cId="2926371896" sldId="300"/>
         </pc:sldMkLst>
       </pc:sldChg>
-      <pc:sldChg chg="delSp modSp add mod">
-        <pc:chgData name="Toby Donaldson" userId="2e6e5431-bb17-4c41-9985-d39c50d83c73" providerId="ADAL" clId="{3E49B8A0-82F3-4E5B-B9C4-160B447F8CF8}" dt="2023-06-24T02:54:15.955" v="905" actId="20577"/>
+      <pc:sldChg chg="addSp delSp modSp add mod">
+        <pc:chgData name="Toby Donaldson" userId="2e6e5431-bb17-4c41-9985-d39c50d83c73" providerId="ADAL" clId="{3E49B8A0-82F3-4E5B-B9C4-160B447F8CF8}" dt="2023-06-27T01:33:35.945" v="1545"/>
         <pc:sldMkLst>
           <pc:docMk/>
           <pc:sldMk cId="2976736663" sldId="301"/>
         </pc:sldMkLst>
         <pc:spChg chg="mod">
-          <ac:chgData name="Toby Donaldson" userId="2e6e5431-bb17-4c41-9985-d39c50d83c73" providerId="ADAL" clId="{3E49B8A0-82F3-4E5B-B9C4-160B447F8CF8}" dt="2023-06-24T02:50:38.489" v="453" actId="20577"/>
+          <ac:chgData name="Toby Donaldson" userId="2e6e5431-bb17-4c41-9985-d39c50d83c73" providerId="ADAL" clId="{3E49B8A0-82F3-4E5B-B9C4-160B447F8CF8}" dt="2023-06-27T01:21:40.114" v="1100" actId="207"/>
           <ac:spMkLst>
             <pc:docMk/>
             <pc:sldMk cId="2976736663" sldId="301"/>
@@ -799,11 +815,19 @@
           </ac:spMkLst>
         </pc:spChg>
         <pc:spChg chg="mod">
-          <ac:chgData name="Toby Donaldson" userId="2e6e5431-bb17-4c41-9985-d39c50d83c73" providerId="ADAL" clId="{3E49B8A0-82F3-4E5B-B9C4-160B447F8CF8}" dt="2023-06-24T02:54:15.955" v="905" actId="20577"/>
+          <ac:chgData name="Toby Donaldson" userId="2e6e5431-bb17-4c41-9985-d39c50d83c73" providerId="ADAL" clId="{3E49B8A0-82F3-4E5B-B9C4-160B447F8CF8}" dt="2023-06-27T01:32:16.555" v="1495" actId="20577"/>
           <ac:spMkLst>
             <pc:docMk/>
             <pc:sldMk cId="2976736663" sldId="301"/>
             <ac:spMk id="3" creationId="{853BEB51-9955-F82A-6F80-41EBE4E2A34E}"/>
+          </ac:spMkLst>
+        </pc:spChg>
+        <pc:spChg chg="add mod">
+          <ac:chgData name="Toby Donaldson" userId="2e6e5431-bb17-4c41-9985-d39c50d83c73" providerId="ADAL" clId="{3E49B8A0-82F3-4E5B-B9C4-160B447F8CF8}" dt="2023-06-27T01:33:35.945" v="1545"/>
+          <ac:spMkLst>
+            <pc:docMk/>
+            <pc:sldMk cId="2976736663" sldId="301"/>
+            <ac:spMk id="4" creationId="{4CE21BD3-4F8D-2A9C-FF27-736292ABED5C}"/>
           </ac:spMkLst>
         </pc:spChg>
         <pc:spChg chg="del">
@@ -915,6 +939,101 @@
             <pc:docMk/>
             <pc:sldMk cId="2859941842" sldId="302"/>
             <ac:cxnSpMk id="27" creationId="{FF90B311-4177-46AF-51F2-C3BF15EA52D0}"/>
+          </ac:cxnSpMkLst>
+        </pc:cxnChg>
+      </pc:sldChg>
+      <pc:sldChg chg="addSp delSp modSp add mod">
+        <pc:chgData name="Toby Donaldson" userId="2e6e5431-bb17-4c41-9985-d39c50d83c73" providerId="ADAL" clId="{3E49B8A0-82F3-4E5B-B9C4-160B447F8CF8}" dt="2023-06-27T01:33:38.408" v="1546"/>
+        <pc:sldMkLst>
+          <pc:docMk/>
+          <pc:sldMk cId="2136513501" sldId="303"/>
+        </pc:sldMkLst>
+        <pc:spChg chg="mod">
+          <ac:chgData name="Toby Donaldson" userId="2e6e5431-bb17-4c41-9985-d39c50d83c73" providerId="ADAL" clId="{3E49B8A0-82F3-4E5B-B9C4-160B447F8CF8}" dt="2023-06-27T01:21:45.034" v="1101" actId="207"/>
+          <ac:spMkLst>
+            <pc:docMk/>
+            <pc:sldMk cId="2136513501" sldId="303"/>
+            <ac:spMk id="2" creationId="{05EEB890-4AE9-E61C-9A74-E115946F8737}"/>
+          </ac:spMkLst>
+        </pc:spChg>
+        <pc:spChg chg="mod">
+          <ac:chgData name="Toby Donaldson" userId="2e6e5431-bb17-4c41-9985-d39c50d83c73" providerId="ADAL" clId="{3E49B8A0-82F3-4E5B-B9C4-160B447F8CF8}" dt="2023-06-27T01:31:59.366" v="1487" actId="20577"/>
+          <ac:spMkLst>
+            <pc:docMk/>
+            <pc:sldMk cId="2136513501" sldId="303"/>
+            <ac:spMk id="3" creationId="{853BEB51-9955-F82A-6F80-41EBE4E2A34E}"/>
+          </ac:spMkLst>
+        </pc:spChg>
+        <pc:spChg chg="add del mod">
+          <ac:chgData name="Toby Donaldson" userId="2e6e5431-bb17-4c41-9985-d39c50d83c73" providerId="ADAL" clId="{3E49B8A0-82F3-4E5B-B9C4-160B447F8CF8}" dt="2023-06-27T01:26:58.649" v="1214" actId="21"/>
+          <ac:spMkLst>
+            <pc:docMk/>
+            <pc:sldMk cId="2136513501" sldId="303"/>
+            <ac:spMk id="4" creationId="{EA29819E-4FE3-A684-5303-9930D5EFD656}"/>
+          </ac:spMkLst>
+        </pc:spChg>
+        <pc:spChg chg="mod">
+          <ac:chgData name="Toby Donaldson" userId="2e6e5431-bb17-4c41-9985-d39c50d83c73" providerId="ADAL" clId="{3E49B8A0-82F3-4E5B-B9C4-160B447F8CF8}" dt="2023-06-27T01:31:49.171" v="1486" actId="113"/>
+          <ac:spMkLst>
+            <pc:docMk/>
+            <pc:sldMk cId="2136513501" sldId="303"/>
+            <ac:spMk id="5" creationId="{28B8EA08-2981-2FF4-BDF7-59E3A6C2CB08}"/>
+          </ac:spMkLst>
+        </pc:spChg>
+        <pc:spChg chg="add mod">
+          <ac:chgData name="Toby Donaldson" userId="2e6e5431-bb17-4c41-9985-d39c50d83c73" providerId="ADAL" clId="{3E49B8A0-82F3-4E5B-B9C4-160B447F8CF8}" dt="2023-06-27T01:27:52.459" v="1284" actId="1076"/>
+          <ac:spMkLst>
+            <pc:docMk/>
+            <pc:sldMk cId="2136513501" sldId="303"/>
+            <ac:spMk id="6" creationId="{CD206C89-06DD-A5B3-CF93-CBB77E1B2806}"/>
+          </ac:spMkLst>
+        </pc:spChg>
+        <pc:spChg chg="add mod">
+          <ac:chgData name="Toby Donaldson" userId="2e6e5431-bb17-4c41-9985-d39c50d83c73" providerId="ADAL" clId="{3E49B8A0-82F3-4E5B-B9C4-160B447F8CF8}" dt="2023-06-27T01:28:27.838" v="1306" actId="20577"/>
+          <ac:spMkLst>
+            <pc:docMk/>
+            <pc:sldMk cId="2136513501" sldId="303"/>
+            <ac:spMk id="7" creationId="{1C9444AC-3489-8CE2-ECE3-6DBEDA957589}"/>
+          </ac:spMkLst>
+        </pc:spChg>
+        <pc:spChg chg="add mod">
+          <ac:chgData name="Toby Donaldson" userId="2e6e5431-bb17-4c41-9985-d39c50d83c73" providerId="ADAL" clId="{3E49B8A0-82F3-4E5B-B9C4-160B447F8CF8}" dt="2023-06-27T01:29:00.562" v="1353" actId="114"/>
+          <ac:spMkLst>
+            <pc:docMk/>
+            <pc:sldMk cId="2136513501" sldId="303"/>
+            <ac:spMk id="8" creationId="{73D442C4-7A80-9563-853F-645233E72599}"/>
+          </ac:spMkLst>
+        </pc:spChg>
+        <pc:spChg chg="add mod">
+          <ac:chgData name="Toby Donaldson" userId="2e6e5431-bb17-4c41-9985-d39c50d83c73" providerId="ADAL" clId="{3E49B8A0-82F3-4E5B-B9C4-160B447F8CF8}" dt="2023-06-27T01:28:55.502" v="1352" actId="14100"/>
+          <ac:spMkLst>
+            <pc:docMk/>
+            <pc:sldMk cId="2136513501" sldId="303"/>
+            <ac:spMk id="9" creationId="{CC47DAEE-4677-35E8-4142-7447F9268379}"/>
+          </ac:spMkLst>
+        </pc:spChg>
+        <pc:spChg chg="add mod">
+          <ac:chgData name="Toby Donaldson" userId="2e6e5431-bb17-4c41-9985-d39c50d83c73" providerId="ADAL" clId="{3E49B8A0-82F3-4E5B-B9C4-160B447F8CF8}" dt="2023-06-27T01:31:03.629" v="1467" actId="20577"/>
+          <ac:spMkLst>
+            <pc:docMk/>
+            <pc:sldMk cId="2136513501" sldId="303"/>
+            <ac:spMk id="10" creationId="{E6F8C828-5CB8-AD60-04D3-2017A6A7A908}"/>
+          </ac:spMkLst>
+        </pc:spChg>
+        <pc:spChg chg="add mod">
+          <ac:chgData name="Toby Donaldson" userId="2e6e5431-bb17-4c41-9985-d39c50d83c73" providerId="ADAL" clId="{3E49B8A0-82F3-4E5B-B9C4-160B447F8CF8}" dt="2023-06-27T01:33:38.408" v="1546"/>
+          <ac:spMkLst>
+            <pc:docMk/>
+            <pc:sldMk cId="2136513501" sldId="303"/>
+            <ac:spMk id="16" creationId="{DA1D3C3B-9047-5DEA-0626-027882A4826F}"/>
+          </ac:spMkLst>
+        </pc:spChg>
+        <pc:cxnChg chg="add mod">
+          <ac:chgData name="Toby Donaldson" userId="2e6e5431-bb17-4c41-9985-d39c50d83c73" providerId="ADAL" clId="{3E49B8A0-82F3-4E5B-B9C4-160B447F8CF8}" dt="2023-06-27T01:30:48.055" v="1463" actId="14100"/>
+          <ac:cxnSpMkLst>
+            <pc:docMk/>
+            <pc:sldMk cId="2136513501" sldId="303"/>
+            <ac:cxnSpMk id="12" creationId="{695C668C-6C69-7876-5077-5A7730559343}"/>
           </ac:cxnSpMkLst>
         </pc:cxnChg>
       </pc:sldChg>
@@ -2822,7 +2941,7 @@
           <a:p>
             <a:fld id="{ED9869CA-F724-400B-9726-11CBC5990295}" type="datetimeFigureOut">
               <a:rPr lang="en-AU" smtClean="0"/>
-              <a:t>23/06/2023</a:t>
+              <a:t>26/06/2023</a:t>
             </a:fld>
             <a:endParaRPr lang="en-AU"/>
           </a:p>
@@ -3022,7 +3141,7 @@
           <a:p>
             <a:fld id="{ED9869CA-F724-400B-9726-11CBC5990295}" type="datetimeFigureOut">
               <a:rPr lang="en-AU" smtClean="0"/>
-              <a:t>23/06/2023</a:t>
+              <a:t>26/06/2023</a:t>
             </a:fld>
             <a:endParaRPr lang="en-AU"/>
           </a:p>
@@ -3232,7 +3351,7 @@
           <a:p>
             <a:fld id="{ED9869CA-F724-400B-9726-11CBC5990295}" type="datetimeFigureOut">
               <a:rPr lang="en-AU" smtClean="0"/>
-              <a:t>23/06/2023</a:t>
+              <a:t>26/06/2023</a:t>
             </a:fld>
             <a:endParaRPr lang="en-AU"/>
           </a:p>
@@ -3432,7 +3551,7 @@
           <a:p>
             <a:fld id="{ED9869CA-F724-400B-9726-11CBC5990295}" type="datetimeFigureOut">
               <a:rPr lang="en-AU" smtClean="0"/>
-              <a:t>23/06/2023</a:t>
+              <a:t>26/06/2023</a:t>
             </a:fld>
             <a:endParaRPr lang="en-AU"/>
           </a:p>
@@ -3708,7 +3827,7 @@
           <a:p>
             <a:fld id="{ED9869CA-F724-400B-9726-11CBC5990295}" type="datetimeFigureOut">
               <a:rPr lang="en-AU" smtClean="0"/>
-              <a:t>23/06/2023</a:t>
+              <a:t>26/06/2023</a:t>
             </a:fld>
             <a:endParaRPr lang="en-AU"/>
           </a:p>
@@ -3976,7 +4095,7 @@
           <a:p>
             <a:fld id="{ED9869CA-F724-400B-9726-11CBC5990295}" type="datetimeFigureOut">
               <a:rPr lang="en-AU" smtClean="0"/>
-              <a:t>23/06/2023</a:t>
+              <a:t>26/06/2023</a:t>
             </a:fld>
             <a:endParaRPr lang="en-AU"/>
           </a:p>
@@ -4391,7 +4510,7 @@
           <a:p>
             <a:fld id="{ED9869CA-F724-400B-9726-11CBC5990295}" type="datetimeFigureOut">
               <a:rPr lang="en-AU" smtClean="0"/>
-              <a:t>23/06/2023</a:t>
+              <a:t>26/06/2023</a:t>
             </a:fld>
             <a:endParaRPr lang="en-AU"/>
           </a:p>
@@ -4533,7 +4652,7 @@
           <a:p>
             <a:fld id="{ED9869CA-F724-400B-9726-11CBC5990295}" type="datetimeFigureOut">
               <a:rPr lang="en-AU" smtClean="0"/>
-              <a:t>23/06/2023</a:t>
+              <a:t>26/06/2023</a:t>
             </a:fld>
             <a:endParaRPr lang="en-AU"/>
           </a:p>
@@ -4646,7 +4765,7 @@
           <a:p>
             <a:fld id="{ED9869CA-F724-400B-9726-11CBC5990295}" type="datetimeFigureOut">
               <a:rPr lang="en-AU" smtClean="0"/>
-              <a:t>23/06/2023</a:t>
+              <a:t>26/06/2023</a:t>
             </a:fld>
             <a:endParaRPr lang="en-AU"/>
           </a:p>
@@ -4959,7 +5078,7 @@
           <a:p>
             <a:fld id="{ED9869CA-F724-400B-9726-11CBC5990295}" type="datetimeFigureOut">
               <a:rPr lang="en-AU" smtClean="0"/>
-              <a:t>23/06/2023</a:t>
+              <a:t>26/06/2023</a:t>
             </a:fld>
             <a:endParaRPr lang="en-AU"/>
           </a:p>
@@ -5248,7 +5367,7 @@
           <a:p>
             <a:fld id="{ED9869CA-F724-400B-9726-11CBC5990295}" type="datetimeFigureOut">
               <a:rPr lang="en-AU" smtClean="0"/>
-              <a:t>23/06/2023</a:t>
+              <a:t>26/06/2023</a:t>
             </a:fld>
             <a:endParaRPr lang="en-AU"/>
           </a:p>
@@ -5491,7 +5610,7 @@
           <a:p>
             <a:fld id="{ED9869CA-F724-400B-9726-11CBC5990295}" type="datetimeFigureOut">
               <a:rPr lang="en-AU" smtClean="0"/>
-              <a:t>23/06/2023</a:t>
+              <a:t>26/06/2023</a:t>
             </a:fld>
             <a:endParaRPr lang="en-AU"/>
           </a:p>
@@ -22283,9 +22402,21 @@
           <a:p>
             <a:r>
               <a:rPr lang="en-CA" dirty="0"/>
-              <a:t>Open Addressing: Linear Probing</a:t>
-            </a:r>
-            <a:endParaRPr lang="en-AU" dirty="0"/>
+              <a:t>Open Addressing: </a:t>
+            </a:r>
+            <a:r>
+              <a:rPr lang="en-CA" dirty="0">
+                <a:solidFill>
+                  <a:srgbClr val="FF0000"/>
+                </a:solidFill>
+              </a:rPr>
+              <a:t>Linear Probing</a:t>
+            </a:r>
+            <a:endParaRPr lang="en-AU" dirty="0">
+              <a:solidFill>
+                <a:srgbClr val="FF0000"/>
+              </a:solidFill>
+            </a:endParaRPr>
           </a:p>
         </p:txBody>
       </p:sp>
@@ -22322,7 +22453,7 @@
             </a:pPr>
             <a:r>
               <a:rPr lang="en-CA" b="1" dirty="0"/>
-              <a:t>Linear probing</a:t>
+              <a:t>Linear Probing</a:t>
             </a:r>
             <a:br>
               <a:rPr lang="en-CA" b="1" dirty="0"/>
@@ -22591,6 +22722,51 @@
           </a:fontRef>
         </p:style>
       </p:cxnSp>
+      <p:sp>
+        <p:nvSpPr>
+          <p:cNvPr id="9" name="TextBox 8">
+            <a:extLst>
+              <a:ext uri="{FF2B5EF4-FFF2-40B4-BE49-F238E27FC236}">
+                <a16:creationId xmlns:a16="http://schemas.microsoft.com/office/drawing/2014/main" id="{C27A4809-B9EA-88C8-23BC-CFA217FAFC0A}"/>
+              </a:ext>
+            </a:extLst>
+          </p:cNvPr>
+          <p:cNvSpPr txBox="1"/>
+          <p:nvPr/>
+        </p:nvSpPr>
+        <p:spPr>
+          <a:xfrm>
+            <a:off x="1286332" y="5477406"/>
+            <a:ext cx="1694760" cy="923330"/>
+          </a:xfrm>
+          <a:prstGeom prst="rect">
+            <a:avLst/>
+          </a:prstGeom>
+          <a:solidFill>
+            <a:schemeClr val="accent4">
+              <a:lumMod val="40000"/>
+              <a:lumOff val="60000"/>
+            </a:schemeClr>
+          </a:solidFill>
+          <a:ln>
+            <a:noFill/>
+          </a:ln>
+        </p:spPr>
+        <p:txBody>
+          <a:bodyPr wrap="square" rtlCol="0">
+            <a:spAutoFit/>
+          </a:bodyPr>
+          <a:lstStyle/>
+          <a:p>
+            <a:pPr algn="ctr"/>
+            <a:r>
+              <a:rPr lang="en-CA" dirty="0"/>
+              <a:t>index positions to check on a collision</a:t>
+            </a:r>
+            <a:endParaRPr lang="en-AU" dirty="0"/>
+          </a:p>
+        </p:txBody>
+      </p:sp>
     </p:spTree>
     <p:extLst>
       <p:ext uri="{BB962C8B-B14F-4D97-AF65-F5344CB8AC3E}">
@@ -22644,9 +22820,21 @@
           <a:p>
             <a:r>
               <a:rPr lang="en-CA" dirty="0"/>
-              <a:t>Open Addressing: Quadratic Hashing</a:t>
-            </a:r>
-            <a:endParaRPr lang="en-AU" dirty="0"/>
+              <a:t>Open Addressing: </a:t>
+            </a:r>
+            <a:r>
+              <a:rPr lang="en-CA" dirty="0">
+                <a:solidFill>
+                  <a:srgbClr val="FF0000"/>
+                </a:solidFill>
+              </a:rPr>
+              <a:t>Quadratic Hashing</a:t>
+            </a:r>
+            <a:endParaRPr lang="en-AU" dirty="0">
+              <a:solidFill>
+                <a:srgbClr val="FF0000"/>
+              </a:solidFill>
+            </a:endParaRPr>
           </a:p>
         </p:txBody>
       </p:sp>
@@ -22858,6 +23046,51 @@
               <a:rPr lang="en-CA" dirty="0"/>
               <a:t> entries)</a:t>
             </a:r>
+          </a:p>
+        </p:txBody>
+      </p:sp>
+      <p:sp>
+        <p:nvSpPr>
+          <p:cNvPr id="4" name="TextBox 3">
+            <a:extLst>
+              <a:ext uri="{FF2B5EF4-FFF2-40B4-BE49-F238E27FC236}">
+                <a16:creationId xmlns:a16="http://schemas.microsoft.com/office/drawing/2014/main" id="{4CE21BD3-4F8D-2A9C-FF27-736292ABED5C}"/>
+              </a:ext>
+            </a:extLst>
+          </p:cNvPr>
+          <p:cNvSpPr txBox="1"/>
+          <p:nvPr/>
+        </p:nvSpPr>
+        <p:spPr>
+          <a:xfrm>
+            <a:off x="1286332" y="5477406"/>
+            <a:ext cx="1694760" cy="923330"/>
+          </a:xfrm>
+          <a:prstGeom prst="rect">
+            <a:avLst/>
+          </a:prstGeom>
+          <a:solidFill>
+            <a:schemeClr val="accent4">
+              <a:lumMod val="40000"/>
+              <a:lumOff val="60000"/>
+            </a:schemeClr>
+          </a:solidFill>
+          <a:ln>
+            <a:noFill/>
+          </a:ln>
+        </p:spPr>
+        <p:txBody>
+          <a:bodyPr wrap="square" rtlCol="0">
+            <a:spAutoFit/>
+          </a:bodyPr>
+          <a:lstStyle/>
+          <a:p>
+            <a:pPr algn="ctr"/>
+            <a:r>
+              <a:rPr lang="en-CA" dirty="0"/>
+              <a:t>index positions to check on a collision</a:t>
+            </a:r>
+            <a:endParaRPr lang="en-AU" dirty="0"/>
           </a:p>
         </p:txBody>
       </p:sp>
@@ -23510,9 +23743,21 @@
           <a:p>
             <a:r>
               <a:rPr lang="en-CA" dirty="0"/>
-              <a:t>Buckets vs Open Addressing</a:t>
-            </a:r>
-            <a:endParaRPr lang="en-AU" dirty="0"/>
+              <a:t>Open Addressing: </a:t>
+            </a:r>
+            <a:r>
+              <a:rPr lang="en-CA" dirty="0">
+                <a:solidFill>
+                  <a:srgbClr val="FF0000"/>
+                </a:solidFill>
+              </a:rPr>
+              <a:t>Double Hashing</a:t>
+            </a:r>
+            <a:endParaRPr lang="en-AU" dirty="0">
+              <a:solidFill>
+                <a:srgbClr val="FF0000"/>
+              </a:solidFill>
+            </a:endParaRPr>
           </a:p>
         </p:txBody>
       </p:sp>
@@ -23532,42 +23777,88 @@
             <p:ph idx="1"/>
           </p:nvPr>
         </p:nvSpPr>
-        <p:spPr/>
+        <p:spPr>
+          <a:xfrm>
+            <a:off x="838200" y="1825625"/>
+            <a:ext cx="4767146" cy="4351338"/>
+          </a:xfrm>
+        </p:spPr>
         <p:txBody>
           <a:bodyPr>
             <a:normAutofit/>
           </a:bodyPr>
           <a:lstStyle/>
           <a:p>
-            <a:r>
-              <a:rPr lang="en-CA" dirty="0"/>
-              <a:t>Buckets can be as efficient as open addressing</a:t>
-            </a:r>
-          </a:p>
-          <a:p>
-            <a:r>
-              <a:rPr lang="en-CA" dirty="0"/>
-              <a:t>However, </a:t>
-            </a:r>
+            <a:pPr marL="0" indent="0">
+              <a:buNone/>
+            </a:pPr>
             <a:r>
               <a:rPr lang="en-CA" b="1" dirty="0"/>
-              <a:t>the details matter</a:t>
-            </a:r>
-            <a:r>
-              <a:rPr lang="en-CA" dirty="0"/>
-              <a:t>!</a:t>
-            </a:r>
-          </a:p>
-          <a:p>
-            <a:r>
-              <a:rPr lang="en-CA" dirty="0"/>
-              <a:t>The exact implementation details of the hash table, and the kind of data you give it, can make a big difference.</a:t>
-            </a:r>
-          </a:p>
-          <a:p>
-            <a:r>
-              <a:rPr lang="en-CA" dirty="0"/>
-              <a:t>Hash tables are extremely common in real-life programming, with many variations and optimizations for special cases.</a:t>
+              <a:t>Double Hashing</a:t>
+            </a:r>
+            <a:br>
+              <a:rPr lang="en-CA" b="1" dirty="0"/>
+            </a:br>
+            <a:r>
+              <a:rPr lang="en-CA" dirty="0"/>
+              <a:t>(hash(key) + 1*hash'(key)) % N</a:t>
+            </a:r>
+            <a:br>
+              <a:rPr lang="en-CA" dirty="0"/>
+            </a:br>
+            <a:r>
+              <a:rPr lang="en-CA" dirty="0"/>
+              <a:t>(hash(key) + 1*hash'(key)) % N</a:t>
+            </a:r>
+            <a:br>
+              <a:rPr lang="en-CA" dirty="0"/>
+            </a:br>
+            <a:r>
+              <a:rPr lang="en-CA" dirty="0"/>
+              <a:t>(hash(key) + 2*hash'(key)) % N</a:t>
+            </a:r>
+            <a:br>
+              <a:rPr lang="en-CA" dirty="0"/>
+            </a:br>
+            <a:r>
+              <a:rPr lang="en-CA" dirty="0"/>
+              <a:t>(hash(key) + 3*hash'(key)) % N</a:t>
+            </a:r>
+            <a:br>
+              <a:rPr lang="en-CA" dirty="0"/>
+            </a:br>
+            <a:r>
+              <a:rPr lang="en-CA" dirty="0"/>
+              <a:t>(hash(key) + 4*hash'(key)) % N</a:t>
+            </a:r>
+            <a:br>
+              <a:rPr lang="en-CA" dirty="0"/>
+            </a:br>
+            <a:r>
+              <a:rPr lang="en-CA" dirty="0"/>
+              <a:t>…</a:t>
+            </a:r>
+            <a:br>
+              <a:rPr lang="en-CA" dirty="0"/>
+            </a:br>
+            <a:r>
+              <a:rPr lang="en-CA" dirty="0"/>
+              <a:t>(hash(key) +  </a:t>
+            </a:r>
+            <a:r>
+              <a:rPr lang="en-CA" dirty="0" err="1"/>
+              <a:t>i</a:t>
+            </a:r>
+            <a:r>
+              <a:rPr lang="en-CA" dirty="0"/>
+              <a:t>*hash'(key)) % N</a:t>
+            </a:r>
+            <a:br>
+              <a:rPr lang="en-CA" dirty="0"/>
+            </a:br>
+            <a:r>
+              <a:rPr lang="en-CA" dirty="0"/>
+              <a:t>…</a:t>
             </a:r>
           </a:p>
           <a:p>
@@ -23578,13 +23869,424 @@
           </a:p>
           <a:p>
             <a:endParaRPr lang="en-CA" dirty="0"/>
+          </a:p>
+        </p:txBody>
+      </p:sp>
+      <p:sp>
+        <p:nvSpPr>
+          <p:cNvPr id="5" name="TextBox 4">
+            <a:extLst>
+              <a:ext uri="{FF2B5EF4-FFF2-40B4-BE49-F238E27FC236}">
+                <a16:creationId xmlns:a16="http://schemas.microsoft.com/office/drawing/2014/main" id="{28B8EA08-2981-2FF4-BDF7-59E3A6C2CB08}"/>
+              </a:ext>
+            </a:extLst>
+          </p:cNvPr>
+          <p:cNvSpPr txBox="1"/>
+          <p:nvPr/>
+        </p:nvSpPr>
+        <p:spPr>
+          <a:xfrm>
+            <a:off x="6096000" y="4084569"/>
+            <a:ext cx="3860180" cy="1200329"/>
+          </a:xfrm>
+          <a:prstGeom prst="rect">
+            <a:avLst/>
+          </a:prstGeom>
+          <a:noFill/>
+          <a:ln>
+            <a:solidFill>
+              <a:schemeClr val="tx1"/>
+            </a:solidFill>
+          </a:ln>
+        </p:spPr>
+        <p:txBody>
+          <a:bodyPr wrap="square" rtlCol="0">
+            <a:spAutoFit/>
+          </a:bodyPr>
+          <a:lstStyle/>
+          <a:p>
+            <a:pPr marL="285750" indent="-285750">
+              <a:buFont typeface="Arial" panose="020B0604020202020204" pitchFamily="34" charset="0"/>
+              <a:buChar char="•"/>
+            </a:pPr>
+            <a:r>
+              <a:rPr lang="en-CA" dirty="0"/>
+              <a:t>Avoids clustering seen in linear probing and quadratic hashing</a:t>
+            </a:r>
+          </a:p>
+          <a:p>
+            <a:pPr marL="285750" indent="-285750">
+              <a:buFont typeface="Arial" panose="020B0604020202020204" pitchFamily="34" charset="0"/>
+              <a:buChar char="•"/>
+            </a:pPr>
+            <a:r>
+              <a:rPr lang="en-CA" dirty="0"/>
+              <a:t>Table capacity </a:t>
+            </a:r>
+            <a:r>
+              <a:rPr lang="en-CA" b="1" dirty="0"/>
+              <a:t>N</a:t>
+            </a:r>
+            <a:r>
+              <a:rPr lang="en-CA" dirty="0"/>
+              <a:t> should be prime</a:t>
+            </a:r>
+          </a:p>
+          <a:p>
+            <a:pPr marL="285750" indent="-285750">
+              <a:buFont typeface="Arial" panose="020B0604020202020204" pitchFamily="34" charset="0"/>
+              <a:buChar char="•"/>
+            </a:pPr>
+            <a:r>
+              <a:rPr lang="en-CA" dirty="0"/>
+              <a:t>Removal is tricky</a:t>
+            </a:r>
+          </a:p>
+        </p:txBody>
+      </p:sp>
+      <p:sp>
+        <p:nvSpPr>
+          <p:cNvPr id="6" name="TextBox 5">
+            <a:extLst>
+              <a:ext uri="{FF2B5EF4-FFF2-40B4-BE49-F238E27FC236}">
+                <a16:creationId xmlns:a16="http://schemas.microsoft.com/office/drawing/2014/main" id="{CD206C89-06DD-A5B3-CF93-CBB77E1B2806}"/>
+              </a:ext>
+            </a:extLst>
+          </p:cNvPr>
+          <p:cNvSpPr txBox="1"/>
+          <p:nvPr/>
+        </p:nvSpPr>
+        <p:spPr>
+          <a:xfrm>
+            <a:off x="6341327" y="1388437"/>
+            <a:ext cx="1531434" cy="923330"/>
+          </a:xfrm>
+          <a:prstGeom prst="rect">
+            <a:avLst/>
+          </a:prstGeom>
+          <a:solidFill>
+            <a:schemeClr val="accent4">
+              <a:lumMod val="40000"/>
+              <a:lumOff val="60000"/>
+            </a:schemeClr>
+          </a:solidFill>
+          <a:ln>
+            <a:noFill/>
+          </a:ln>
+        </p:spPr>
+        <p:txBody>
+          <a:bodyPr wrap="square" rtlCol="0">
+            <a:spAutoFit/>
+          </a:bodyPr>
+          <a:lstStyle/>
+          <a:p>
+            <a:pPr algn="ctr"/>
+            <a:r>
+              <a:rPr lang="en-CA" b="1" dirty="0"/>
+              <a:t>hash(key)</a:t>
+            </a:r>
+            <a:r>
+              <a:rPr lang="en-CA" dirty="0"/>
+              <a:t> is the usual hash function</a:t>
+            </a:r>
+            <a:endParaRPr lang="en-AU" dirty="0"/>
+          </a:p>
+        </p:txBody>
+      </p:sp>
+      <p:sp>
+        <p:nvSpPr>
+          <p:cNvPr id="7" name="TextBox 6">
+            <a:extLst>
+              <a:ext uri="{FF2B5EF4-FFF2-40B4-BE49-F238E27FC236}">
+                <a16:creationId xmlns:a16="http://schemas.microsoft.com/office/drawing/2014/main" id="{1C9444AC-3489-8CE2-ECE3-6DBEDA957589}"/>
+              </a:ext>
+            </a:extLst>
+          </p:cNvPr>
+          <p:cNvSpPr txBox="1"/>
+          <p:nvPr/>
+        </p:nvSpPr>
+        <p:spPr>
+          <a:xfrm>
+            <a:off x="6341327" y="2585796"/>
+            <a:ext cx="1531434" cy="923330"/>
+          </a:xfrm>
+          <a:prstGeom prst="rect">
+            <a:avLst/>
+          </a:prstGeom>
+          <a:solidFill>
+            <a:schemeClr val="accent4">
+              <a:lumMod val="40000"/>
+              <a:lumOff val="60000"/>
+            </a:schemeClr>
+          </a:solidFill>
+          <a:ln>
+            <a:noFill/>
+          </a:ln>
+        </p:spPr>
+        <p:txBody>
+          <a:bodyPr wrap="square" rtlCol="0">
+            <a:spAutoFit/>
+          </a:bodyPr>
+          <a:lstStyle/>
+          <a:p>
+            <a:pPr algn="ctr"/>
+            <a:r>
+              <a:rPr lang="en-CA" b="1" dirty="0"/>
+              <a:t>hash'(key)</a:t>
+            </a:r>
+            <a:r>
+              <a:rPr lang="en-CA" dirty="0"/>
+              <a:t> is a secondary hash function</a:t>
+            </a:r>
+            <a:endParaRPr lang="en-AU" dirty="0"/>
+          </a:p>
+        </p:txBody>
+      </p:sp>
+      <p:sp>
+        <p:nvSpPr>
+          <p:cNvPr id="8" name="TextBox 7">
+            <a:extLst>
+              <a:ext uri="{FF2B5EF4-FFF2-40B4-BE49-F238E27FC236}">
+                <a16:creationId xmlns:a16="http://schemas.microsoft.com/office/drawing/2014/main" id="{73D442C4-7A80-9563-853F-645233E72599}"/>
+              </a:ext>
+            </a:extLst>
+          </p:cNvPr>
+          <p:cNvSpPr txBox="1"/>
+          <p:nvPr/>
+        </p:nvSpPr>
+        <p:spPr>
+          <a:xfrm>
+            <a:off x="8357840" y="2585796"/>
+            <a:ext cx="1531434" cy="923330"/>
+          </a:xfrm>
+          <a:prstGeom prst="rect">
+            <a:avLst/>
+          </a:prstGeom>
+          <a:solidFill>
+            <a:schemeClr val="accent4">
+              <a:lumMod val="40000"/>
+              <a:lumOff val="60000"/>
+            </a:schemeClr>
+          </a:solidFill>
+          <a:ln>
+            <a:noFill/>
+          </a:ln>
+        </p:spPr>
+        <p:txBody>
+          <a:bodyPr wrap="square" rtlCol="0">
+            <a:spAutoFit/>
+          </a:bodyPr>
+          <a:lstStyle/>
+          <a:p>
+            <a:pPr algn="ctr"/>
+            <a:r>
+              <a:rPr lang="en-CA" b="1" dirty="0"/>
+              <a:t>hash'(key)</a:t>
+            </a:r>
+            <a:r>
+              <a:rPr lang="en-CA" dirty="0"/>
+              <a:t> should </a:t>
+            </a:r>
+            <a:r>
+              <a:rPr lang="en-CA" i="1" dirty="0"/>
+              <a:t>never</a:t>
+            </a:r>
+            <a:r>
+              <a:rPr lang="en-CA" dirty="0"/>
+              <a:t> evaluate to 0</a:t>
+            </a:r>
+            <a:endParaRPr lang="en-AU" dirty="0"/>
+          </a:p>
+        </p:txBody>
+      </p:sp>
+      <p:sp>
+        <p:nvSpPr>
+          <p:cNvPr id="9" name="Arrow: Right 8">
+            <a:extLst>
+              <a:ext uri="{FF2B5EF4-FFF2-40B4-BE49-F238E27FC236}">
+                <a16:creationId xmlns:a16="http://schemas.microsoft.com/office/drawing/2014/main" id="{CC47DAEE-4677-35E8-4142-7447F9268379}"/>
+              </a:ext>
+            </a:extLst>
+          </p:cNvPr>
+          <p:cNvSpPr/>
+          <p:nvPr/>
+        </p:nvSpPr>
+        <p:spPr>
+          <a:xfrm>
+            <a:off x="7948962" y="2914185"/>
+            <a:ext cx="332677" cy="247891"/>
+          </a:xfrm>
+          <a:prstGeom prst="rightArrow">
+            <a:avLst>
+              <a:gd name="adj1" fmla="val 44001"/>
+              <a:gd name="adj2" fmla="val 50000"/>
+            </a:avLst>
+          </a:prstGeom>
+        </p:spPr>
+        <p:style>
+          <a:lnRef idx="2">
+            <a:schemeClr val="accent1">
+              <a:shade val="15000"/>
+            </a:schemeClr>
+          </a:lnRef>
+          <a:fillRef idx="1">
+            <a:schemeClr val="accent1"/>
+          </a:fillRef>
+          <a:effectRef idx="0">
+            <a:schemeClr val="accent1"/>
+          </a:effectRef>
+          <a:fontRef idx="minor">
+            <a:schemeClr val="lt1"/>
+          </a:fontRef>
+        </p:style>
+        <p:txBody>
+          <a:bodyPr rtlCol="0" anchor="ctr"/>
+          <a:lstStyle/>
+          <a:p>
+            <a:pPr algn="ctr"/>
+            <a:endParaRPr lang="en-AU"/>
+          </a:p>
+        </p:txBody>
+      </p:sp>
+      <p:sp>
+        <p:nvSpPr>
+          <p:cNvPr id="10" name="TextBox 9">
+            <a:extLst>
+              <a:ext uri="{FF2B5EF4-FFF2-40B4-BE49-F238E27FC236}">
+                <a16:creationId xmlns:a16="http://schemas.microsoft.com/office/drawing/2014/main" id="{E6F8C828-5CB8-AD60-04D3-2017A6A7A908}"/>
+              </a:ext>
+            </a:extLst>
+          </p:cNvPr>
+          <p:cNvSpPr txBox="1"/>
+          <p:nvPr/>
+        </p:nvSpPr>
+        <p:spPr>
+          <a:xfrm>
+            <a:off x="9277815" y="1200801"/>
+            <a:ext cx="2719040" cy="923330"/>
+          </a:xfrm>
+          <a:prstGeom prst="rect">
+            <a:avLst/>
+          </a:prstGeom>
+          <a:solidFill>
+            <a:schemeClr val="accent4">
+              <a:lumMod val="40000"/>
+              <a:lumOff val="60000"/>
+            </a:schemeClr>
+          </a:solidFill>
+          <a:ln>
+            <a:noFill/>
+          </a:ln>
+        </p:spPr>
+        <p:txBody>
+          <a:bodyPr wrap="square" rtlCol="0">
+            <a:spAutoFit/>
+          </a:bodyPr>
+          <a:lstStyle/>
+          <a:p>
+            <a:pPr algn="ctr"/>
+            <a:r>
+              <a:rPr lang="en-CA" b="1" dirty="0"/>
+              <a:t>hash'(key) = p – (key % p)</a:t>
+            </a:r>
+            <a:r>
+              <a:rPr lang="en-CA" dirty="0"/>
+              <a:t> is a common choice, for some prime number p &lt; N</a:t>
+            </a:r>
+            <a:endParaRPr lang="en-AU" dirty="0"/>
+          </a:p>
+        </p:txBody>
+      </p:sp>
+      <p:cxnSp>
+        <p:nvCxnSpPr>
+          <p:cNvPr id="12" name="Straight Arrow Connector 11">
+            <a:extLst>
+              <a:ext uri="{FF2B5EF4-FFF2-40B4-BE49-F238E27FC236}">
+                <a16:creationId xmlns:a16="http://schemas.microsoft.com/office/drawing/2014/main" id="{695C668C-6C69-7876-5077-5A7730559343}"/>
+              </a:ext>
+            </a:extLst>
+          </p:cNvPr>
+          <p:cNvCxnSpPr>
+            <a:cxnSpLocks/>
+          </p:cNvCxnSpPr>
+          <p:nvPr/>
+        </p:nvCxnSpPr>
+        <p:spPr>
+          <a:xfrm flipH="1">
+            <a:off x="8995317" y="1539563"/>
+            <a:ext cx="460917" cy="1046233"/>
+          </a:xfrm>
+          <a:prstGeom prst="straightConnector1">
+            <a:avLst/>
+          </a:prstGeom>
+          <a:ln>
+            <a:tailEnd type="triangle"/>
+          </a:ln>
+        </p:spPr>
+        <p:style>
+          <a:lnRef idx="1">
+            <a:schemeClr val="accent1"/>
+          </a:lnRef>
+          <a:fillRef idx="0">
+            <a:schemeClr val="accent1"/>
+          </a:fillRef>
+          <a:effectRef idx="0">
+            <a:schemeClr val="accent1"/>
+          </a:effectRef>
+          <a:fontRef idx="minor">
+            <a:schemeClr val="tx1"/>
+          </a:fontRef>
+        </p:style>
+      </p:cxnSp>
+      <p:sp>
+        <p:nvSpPr>
+          <p:cNvPr id="16" name="TextBox 15">
+            <a:extLst>
+              <a:ext uri="{FF2B5EF4-FFF2-40B4-BE49-F238E27FC236}">
+                <a16:creationId xmlns:a16="http://schemas.microsoft.com/office/drawing/2014/main" id="{DA1D3C3B-9047-5DEA-0626-027882A4826F}"/>
+              </a:ext>
+            </a:extLst>
+          </p:cNvPr>
+          <p:cNvSpPr txBox="1"/>
+          <p:nvPr/>
+        </p:nvSpPr>
+        <p:spPr>
+          <a:xfrm>
+            <a:off x="1286332" y="5477406"/>
+            <a:ext cx="1694760" cy="923330"/>
+          </a:xfrm>
+          <a:prstGeom prst="rect">
+            <a:avLst/>
+          </a:prstGeom>
+          <a:solidFill>
+            <a:schemeClr val="accent4">
+              <a:lumMod val="40000"/>
+              <a:lumOff val="60000"/>
+            </a:schemeClr>
+          </a:solidFill>
+          <a:ln>
+            <a:noFill/>
+          </a:ln>
+        </p:spPr>
+        <p:txBody>
+          <a:bodyPr wrap="square" rtlCol="0">
+            <a:spAutoFit/>
+          </a:bodyPr>
+          <a:lstStyle/>
+          <a:p>
+            <a:pPr algn="ctr"/>
+            <a:r>
+              <a:rPr lang="en-CA" dirty="0"/>
+              <a:t>index positions to check on a collision</a:t>
+            </a:r>
+            <a:endParaRPr lang="en-AU" dirty="0"/>
           </a:p>
         </p:txBody>
       </p:sp>
     </p:spTree>
     <p:extLst>
       <p:ext uri="{BB962C8B-B14F-4D97-AF65-F5344CB8AC3E}">
-        <p14:creationId xmlns:p14="http://schemas.microsoft.com/office/powerpoint/2010/main" val="1981722786"/>
+        <p14:creationId xmlns:p14="http://schemas.microsoft.com/office/powerpoint/2010/main" val="2136513501"/>
       </p:ext>
     </p:extLst>
   </p:cSld>
@@ -23634,7 +24336,7 @@
           <a:p>
             <a:r>
               <a:rPr lang="en-CA" dirty="0"/>
-              <a:t>Hash Functions</a:t>
+              <a:t>Buckets vs Open Addressing</a:t>
             </a:r>
             <a:endParaRPr lang="en-AU" dirty="0"/>
           </a:p>
@@ -23659,92 +24361,76 @@
         <p:spPr/>
         <p:txBody>
           <a:bodyPr>
-            <a:normAutofit lnSpcReduction="10000"/>
+            <a:normAutofit/>
           </a:bodyPr>
           <a:lstStyle/>
           <a:p>
             <a:r>
               <a:rPr lang="en-CA" dirty="0"/>
-              <a:t>A good hash function is essential for an efficient hash table</a:t>
-            </a:r>
-          </a:p>
-          <a:p>
-            <a:r>
-              <a:rPr lang="en-CA" dirty="0"/>
-              <a:t>hash: keys -&gt; [0..n-1]</a:t>
-            </a:r>
-          </a:p>
-          <a:p>
-            <a:r>
-              <a:rPr lang="en-CA" dirty="0"/>
-              <a:t>Properties of a good hash function</a:t>
+              <a:t>Buckets can be as efficient as open addressing</a:t>
+            </a:r>
+          </a:p>
+          <a:p>
+            <a:r>
+              <a:rPr lang="en-CA" dirty="0"/>
+              <a:t>However, </a:t>
+            </a:r>
+            <a:r>
+              <a:rPr lang="en-CA" b="1" dirty="0"/>
+              <a:t>the details matter</a:t>
+            </a:r>
+            <a:r>
+              <a:rPr lang="en-CA" dirty="0"/>
+              <a:t>!</a:t>
+            </a:r>
+          </a:p>
+          <a:p>
+            <a:r>
+              <a:rPr lang="en-CA" dirty="0"/>
+              <a:t>The exact implementation details of the hash table, and the kind of data you give it, can make a big difference.</a:t>
+            </a:r>
+          </a:p>
+          <a:p>
+            <a:r>
+              <a:rPr lang="en-CA" dirty="0"/>
+              <a:t>Hash tables are common in practice, with many variations and optimizations for special cases</a:t>
             </a:r>
           </a:p>
           <a:p>
             <a:pPr lvl="1"/>
             <a:r>
-              <a:rPr lang="en-CA" b="1" dirty="0"/>
-              <a:t>Deterministic</a:t>
-            </a:r>
-            <a:r>
-              <a:rPr lang="en-CA" dirty="0"/>
-              <a:t>, i.e. hash(key) must always return the same value</a:t>
+              <a:rPr lang="en-CA" dirty="0"/>
+              <a:t>See the hash table implementation of Python’s dictionaries </a:t>
+            </a:r>
+            <a:r>
+              <a:rPr lang="en-CA" dirty="0">
+                <a:hlinkClick r:id="rId2"/>
+              </a:rPr>
+              <a:t>https://github.com/python/cpython/blob/main/Objects/dictobject.c</a:t>
+            </a:r>
+            <a:r>
+              <a:rPr lang="en-CA" dirty="0"/>
+              <a:t> </a:t>
             </a:r>
           </a:p>
           <a:p>
             <a:pPr lvl="1"/>
             <a:r>
-              <a:rPr lang="en-CA" b="1" dirty="0"/>
-              <a:t>Uses all the bits of the key</a:t>
-            </a:r>
-          </a:p>
-          <a:p>
-            <a:pPr lvl="2"/>
-            <a:r>
-              <a:rPr lang="en-CA" dirty="0"/>
-              <a:t>Keys that differ only in the ignored bits will have the same hash value</a:t>
-            </a:r>
-          </a:p>
-          <a:p>
-            <a:pPr lvl="2"/>
-            <a:r>
-              <a:rPr lang="en-CA" dirty="0"/>
-              <a:t>This means collisions are more likely!</a:t>
-            </a:r>
-          </a:p>
-          <a:p>
-            <a:pPr lvl="1"/>
-            <a:r>
-              <a:rPr lang="en-CA" dirty="0"/>
-              <a:t>Give a large range of unpredictable values</a:t>
-            </a:r>
-          </a:p>
-          <a:p>
-            <a:pPr lvl="2"/>
-            <a:r>
-              <a:rPr lang="en-CA" dirty="0"/>
-              <a:t>Narrow range could cause collisions</a:t>
-            </a:r>
-          </a:p>
-          <a:p>
-            <a:pPr lvl="2"/>
-            <a:r>
-              <a:rPr lang="en-CA" dirty="0"/>
-              <a:t>Patterns could cause collisions</a:t>
-            </a:r>
-          </a:p>
-          <a:p>
-            <a:pPr lvl="1"/>
-            <a:r>
-              <a:rPr lang="en-CA" b="1" dirty="0"/>
-              <a:t>Fast to calculate</a:t>
-            </a:r>
-          </a:p>
-          <a:p>
-            <a:endParaRPr lang="en-CA" dirty="0"/>
-          </a:p>
-          <a:p>
-            <a:endParaRPr lang="en-CA" dirty="0"/>
+              <a:rPr lang="en-CA"/>
+              <a:t>Closed hashing, ordered keys, </a:t>
+            </a:r>
+            <a:r>
+              <a:rPr lang="en-CA" dirty="0"/>
+              <a:t>compact </a:t>
+            </a:r>
+            <a:r>
+              <a:rPr lang="en-CA"/>
+              <a:t>memory usage, </a:t>
+            </a:r>
+            <a:r>
+              <a:rPr lang="en-CA" dirty="0"/>
+              <a:t>…</a:t>
+            </a:r>
           </a:p>
           <a:p>
             <a:pPr marL="0" indent="0">
@@ -23760,7 +24446,7 @@
     </p:spTree>
     <p:extLst>
       <p:ext uri="{BB962C8B-B14F-4D97-AF65-F5344CB8AC3E}">
-        <p14:creationId xmlns:p14="http://schemas.microsoft.com/office/powerpoint/2010/main" val="4235339031"/>
+        <p14:creationId xmlns:p14="http://schemas.microsoft.com/office/powerpoint/2010/main" val="1981722786"/>
       </p:ext>
     </p:extLst>
   </p:cSld>
@@ -23810,6 +24496,182 @@
           <a:p>
             <a:r>
               <a:rPr lang="en-CA" dirty="0"/>
+              <a:t>Hash Functions</a:t>
+            </a:r>
+            <a:endParaRPr lang="en-AU" dirty="0"/>
+          </a:p>
+        </p:txBody>
+      </p:sp>
+      <p:sp>
+        <p:nvSpPr>
+          <p:cNvPr id="3" name="Content Placeholder 2">
+            <a:extLst>
+              <a:ext uri="{FF2B5EF4-FFF2-40B4-BE49-F238E27FC236}">
+                <a16:creationId xmlns:a16="http://schemas.microsoft.com/office/drawing/2014/main" id="{853BEB51-9955-F82A-6F80-41EBE4E2A34E}"/>
+              </a:ext>
+            </a:extLst>
+          </p:cNvPr>
+          <p:cNvSpPr>
+            <a:spLocks noGrp="1"/>
+          </p:cNvSpPr>
+          <p:nvPr>
+            <p:ph idx="1"/>
+          </p:nvPr>
+        </p:nvSpPr>
+        <p:spPr/>
+        <p:txBody>
+          <a:bodyPr>
+            <a:normAutofit lnSpcReduction="10000"/>
+          </a:bodyPr>
+          <a:lstStyle/>
+          <a:p>
+            <a:r>
+              <a:rPr lang="en-CA" dirty="0"/>
+              <a:t>A good hash function is essential for an efficient hash table</a:t>
+            </a:r>
+          </a:p>
+          <a:p>
+            <a:r>
+              <a:rPr lang="en-CA" dirty="0"/>
+              <a:t>hash: keys -&gt; [0..n-1]</a:t>
+            </a:r>
+          </a:p>
+          <a:p>
+            <a:r>
+              <a:rPr lang="en-CA" dirty="0"/>
+              <a:t>Properties of a good hash function</a:t>
+            </a:r>
+          </a:p>
+          <a:p>
+            <a:pPr lvl="1"/>
+            <a:r>
+              <a:rPr lang="en-CA" b="1" dirty="0"/>
+              <a:t>Deterministic</a:t>
+            </a:r>
+            <a:r>
+              <a:rPr lang="en-CA" dirty="0"/>
+              <a:t>, i.e. hash(key) must always return the same value</a:t>
+            </a:r>
+          </a:p>
+          <a:p>
+            <a:pPr lvl="1"/>
+            <a:r>
+              <a:rPr lang="en-CA" b="1" dirty="0"/>
+              <a:t>Uses all the bits of the key</a:t>
+            </a:r>
+          </a:p>
+          <a:p>
+            <a:pPr lvl="2"/>
+            <a:r>
+              <a:rPr lang="en-CA" dirty="0"/>
+              <a:t>Keys that differ only in the ignored bits will have the same hash value</a:t>
+            </a:r>
+          </a:p>
+          <a:p>
+            <a:pPr lvl="2"/>
+            <a:r>
+              <a:rPr lang="en-CA" dirty="0"/>
+              <a:t>This means collisions are more likely!</a:t>
+            </a:r>
+          </a:p>
+          <a:p>
+            <a:pPr lvl="1"/>
+            <a:r>
+              <a:rPr lang="en-CA" dirty="0"/>
+              <a:t>Give a large range of unpredictable values</a:t>
+            </a:r>
+          </a:p>
+          <a:p>
+            <a:pPr lvl="2"/>
+            <a:r>
+              <a:rPr lang="en-CA" dirty="0"/>
+              <a:t>Narrow range could cause collisions</a:t>
+            </a:r>
+          </a:p>
+          <a:p>
+            <a:pPr lvl="2"/>
+            <a:r>
+              <a:rPr lang="en-CA" dirty="0"/>
+              <a:t>Patterns could cause collisions</a:t>
+            </a:r>
+          </a:p>
+          <a:p>
+            <a:pPr lvl="1"/>
+            <a:r>
+              <a:rPr lang="en-CA" b="1" dirty="0"/>
+              <a:t>Fast to calculate</a:t>
+            </a:r>
+          </a:p>
+          <a:p>
+            <a:endParaRPr lang="en-CA" dirty="0"/>
+          </a:p>
+          <a:p>
+            <a:endParaRPr lang="en-CA" dirty="0"/>
+          </a:p>
+          <a:p>
+            <a:pPr marL="0" indent="0">
+              <a:buNone/>
+            </a:pPr>
+            <a:endParaRPr lang="en-CA" dirty="0"/>
+          </a:p>
+          <a:p>
+            <a:endParaRPr lang="en-CA" dirty="0"/>
+          </a:p>
+        </p:txBody>
+      </p:sp>
+    </p:spTree>
+    <p:extLst>
+      <p:ext uri="{BB962C8B-B14F-4D97-AF65-F5344CB8AC3E}">
+        <p14:creationId xmlns:p14="http://schemas.microsoft.com/office/powerpoint/2010/main" val="4235339031"/>
+      </p:ext>
+    </p:extLst>
+  </p:cSld>
+  <p:clrMapOvr>
+    <a:masterClrMapping/>
+  </p:clrMapOvr>
+</p:sld>
+</file>
+
+<file path=ppt/slides/slide33.xml><?xml version="1.0" encoding="utf-8"?>
+<p:sld xmlns:a="http://schemas.openxmlformats.org/drawingml/2006/main" xmlns:r="http://schemas.openxmlformats.org/officeDocument/2006/relationships" xmlns:p="http://schemas.openxmlformats.org/presentationml/2006/main">
+  <p:cSld>
+    <p:spTree>
+      <p:nvGrpSpPr>
+        <p:cNvPr id="1" name=""/>
+        <p:cNvGrpSpPr/>
+        <p:nvPr/>
+      </p:nvGrpSpPr>
+      <p:grpSpPr>
+        <a:xfrm>
+          <a:off x="0" y="0"/>
+          <a:ext cx="0" cy="0"/>
+          <a:chOff x="0" y="0"/>
+          <a:chExt cx="0" cy="0"/>
+        </a:xfrm>
+      </p:grpSpPr>
+      <p:sp>
+        <p:nvSpPr>
+          <p:cNvPr id="2" name="Title 1">
+            <a:extLst>
+              <a:ext uri="{FF2B5EF4-FFF2-40B4-BE49-F238E27FC236}">
+                <a16:creationId xmlns:a16="http://schemas.microsoft.com/office/drawing/2014/main" id="{05EEB890-4AE9-E61C-9A74-E115946F8737}"/>
+              </a:ext>
+            </a:extLst>
+          </p:cNvPr>
+          <p:cNvSpPr>
+            <a:spLocks noGrp="1"/>
+          </p:cNvSpPr>
+          <p:nvPr>
+            <p:ph type="title"/>
+          </p:nvPr>
+        </p:nvSpPr>
+        <p:spPr/>
+        <p:txBody>
+          <a:bodyPr/>
+          <a:lstStyle/>
+          <a:p>
+            <a:r>
+              <a:rPr lang="en-CA" dirty="0"/>
               <a:t>Hash Functions: </a:t>
             </a:r>
             <a:r>
@@ -24089,7 +24951,7 @@
 </p:sld>
 </file>
 
-<file path=ppt/slides/slide33.xml><?xml version="1.0" encoding="utf-8"?>
+<file path=ppt/slides/slide34.xml><?xml version="1.0" encoding="utf-8"?>
 <p:sld xmlns:a="http://schemas.openxmlformats.org/drawingml/2006/main" xmlns:r="http://schemas.openxmlformats.org/officeDocument/2006/relationships" xmlns:p="http://schemas.openxmlformats.org/presentationml/2006/main">
   <p:cSld>
     <p:spTree>
@@ -24651,7 +25513,7 @@
 </p:sld>
 </file>
 
-<file path=ppt/slides/slide34.xml><?xml version="1.0" encoding="utf-8"?>
+<file path=ppt/slides/slide35.xml><?xml version="1.0" encoding="utf-8"?>
 <p:sld xmlns:a="http://schemas.openxmlformats.org/drawingml/2006/main" xmlns:r="http://schemas.openxmlformats.org/officeDocument/2006/relationships" xmlns:p="http://schemas.openxmlformats.org/presentationml/2006/main">
   <p:cSld>
     <p:spTree>
@@ -25125,520 +25987,6 @@
     <p:extLst>
       <p:ext uri="{BB962C8B-B14F-4D97-AF65-F5344CB8AC3E}">
         <p14:creationId xmlns:p14="http://schemas.microsoft.com/office/powerpoint/2010/main" val="1672341037"/>
-      </p:ext>
-    </p:extLst>
-  </p:cSld>
-  <p:clrMapOvr>
-    <a:masterClrMapping/>
-  </p:clrMapOvr>
-</p:sld>
-</file>
-
-<file path=ppt/slides/slide35.xml><?xml version="1.0" encoding="utf-8"?>
-<p:sld xmlns:a="http://schemas.openxmlformats.org/drawingml/2006/main" xmlns:r="http://schemas.openxmlformats.org/officeDocument/2006/relationships" xmlns:p="http://schemas.openxmlformats.org/presentationml/2006/main">
-  <p:cSld>
-    <p:spTree>
-      <p:nvGrpSpPr>
-        <p:cNvPr id="1" name=""/>
-        <p:cNvGrpSpPr/>
-        <p:nvPr/>
-      </p:nvGrpSpPr>
-      <p:grpSpPr>
-        <a:xfrm>
-          <a:off x="0" y="0"/>
-          <a:ext cx="0" cy="0"/>
-          <a:chOff x="0" y="0"/>
-          <a:chExt cx="0" cy="0"/>
-        </a:xfrm>
-      </p:grpSpPr>
-      <p:sp>
-        <p:nvSpPr>
-          <p:cNvPr id="2" name="Title 1">
-            <a:extLst>
-              <a:ext uri="{FF2B5EF4-FFF2-40B4-BE49-F238E27FC236}">
-                <a16:creationId xmlns:a16="http://schemas.microsoft.com/office/drawing/2014/main" id="{05EEB890-4AE9-E61C-9A74-E115946F8737}"/>
-              </a:ext>
-            </a:extLst>
-          </p:cNvPr>
-          <p:cNvSpPr>
-            <a:spLocks noGrp="1"/>
-          </p:cNvSpPr>
-          <p:nvPr>
-            <p:ph type="title"/>
-          </p:nvPr>
-        </p:nvSpPr>
-        <p:spPr/>
-        <p:txBody>
-          <a:bodyPr/>
-          <a:lstStyle/>
-          <a:p>
-            <a:r>
-              <a:rPr lang="en-CA" dirty="0"/>
-              <a:t>Hash Functions: </a:t>
-            </a:r>
-            <a:r>
-              <a:rPr lang="en-CA" dirty="0">
-                <a:solidFill>
-                  <a:srgbClr val="FF0000"/>
-                </a:solidFill>
-              </a:rPr>
-              <a:t>Fast to Calculate</a:t>
-            </a:r>
-            <a:endParaRPr lang="en-AU" dirty="0">
-              <a:solidFill>
-                <a:srgbClr val="FF0000"/>
-              </a:solidFill>
-            </a:endParaRPr>
-          </a:p>
-        </p:txBody>
-      </p:sp>
-      <p:sp>
-        <p:nvSpPr>
-          <p:cNvPr id="3" name="Content Placeholder 2">
-            <a:extLst>
-              <a:ext uri="{FF2B5EF4-FFF2-40B4-BE49-F238E27FC236}">
-                <a16:creationId xmlns:a16="http://schemas.microsoft.com/office/drawing/2014/main" id="{853BEB51-9955-F82A-6F80-41EBE4E2A34E}"/>
-              </a:ext>
-            </a:extLst>
-          </p:cNvPr>
-          <p:cNvSpPr>
-            <a:spLocks noGrp="1"/>
-          </p:cNvSpPr>
-          <p:nvPr>
-            <p:ph idx="1"/>
-          </p:nvPr>
-        </p:nvSpPr>
-        <p:spPr>
-          <a:xfrm>
-            <a:off x="838200" y="1825625"/>
-            <a:ext cx="5570034" cy="4351338"/>
-          </a:xfrm>
-        </p:spPr>
-        <p:txBody>
-          <a:bodyPr>
-            <a:normAutofit lnSpcReduction="10000"/>
-          </a:bodyPr>
-          <a:lstStyle/>
-          <a:p>
-            <a:r>
-              <a:rPr lang="en-CA" dirty="0"/>
-              <a:t>hash(key) should be fast to calculate</a:t>
-            </a:r>
-          </a:p>
-          <a:p>
-            <a:pPr lvl="1"/>
-            <a:r>
-              <a:rPr lang="en-CA" dirty="0"/>
-              <a:t>We want hash table operations to be as fast as possible</a:t>
-            </a:r>
-          </a:p>
-          <a:p>
-            <a:pPr lvl="1"/>
-            <a:r>
-              <a:rPr lang="en-CA" dirty="0"/>
-              <a:t>Determining the best balance between speed of calculation and quality of output is non-trivial!</a:t>
-            </a:r>
-          </a:p>
-          <a:p>
-            <a:pPr lvl="1"/>
-            <a:r>
-              <a:rPr lang="en-CA" dirty="0"/>
-              <a:t>Check out </a:t>
-            </a:r>
-            <a:r>
-              <a:rPr lang="en-CA" dirty="0" err="1">
-                <a:hlinkClick r:id="rId2"/>
-              </a:rPr>
-              <a:t>MurmurHash</a:t>
-            </a:r>
-            <a:r>
-              <a:rPr lang="en-CA" dirty="0"/>
-              <a:t>, a popular high-quality hash function</a:t>
-            </a:r>
-          </a:p>
-          <a:p>
-            <a:pPr marL="0" indent="0">
-              <a:buNone/>
-            </a:pPr>
-            <a:br>
-              <a:rPr lang="en-CA" dirty="0"/>
-            </a:br>
-            <a:br>
-              <a:rPr lang="en-CA" dirty="0"/>
-            </a:br>
-            <a:endParaRPr lang="en-CA" dirty="0"/>
-          </a:p>
-          <a:p>
-            <a:pPr marL="0" indent="0">
-              <a:buNone/>
-            </a:pPr>
-            <a:endParaRPr lang="en-CA" dirty="0"/>
-          </a:p>
-          <a:p>
-            <a:endParaRPr lang="en-CA" dirty="0"/>
-          </a:p>
-        </p:txBody>
-      </p:sp>
-      <p:sp>
-        <p:nvSpPr>
-          <p:cNvPr id="4" name="TextBox 3">
-            <a:extLst>
-              <a:ext uri="{FF2B5EF4-FFF2-40B4-BE49-F238E27FC236}">
-                <a16:creationId xmlns:a16="http://schemas.microsoft.com/office/drawing/2014/main" id="{720713C2-B2CA-2EFD-A40C-CE698351CD93}"/>
-              </a:ext>
-            </a:extLst>
-          </p:cNvPr>
-          <p:cNvSpPr txBox="1"/>
-          <p:nvPr/>
-        </p:nvSpPr>
-        <p:spPr>
-          <a:xfrm>
-            <a:off x="7344936" y="2092132"/>
-            <a:ext cx="3251211" cy="523220"/>
-          </a:xfrm>
-          <a:prstGeom prst="rect">
-            <a:avLst/>
-          </a:prstGeom>
-          <a:noFill/>
-        </p:spPr>
-        <p:txBody>
-          <a:bodyPr wrap="none" rtlCol="0">
-            <a:spAutoFit/>
-          </a:bodyPr>
-          <a:lstStyle/>
-          <a:p>
-            <a:r>
-              <a:rPr lang="en-CA" sz="2800" dirty="0"/>
-              <a:t>hash(x) = x*x + x*x*x</a:t>
-            </a:r>
-            <a:endParaRPr lang="en-AU" sz="2800" dirty="0"/>
-          </a:p>
-        </p:txBody>
-      </p:sp>
-      <p:sp>
-        <p:nvSpPr>
-          <p:cNvPr id="5" name="TextBox 4">
-            <a:extLst>
-              <a:ext uri="{FF2B5EF4-FFF2-40B4-BE49-F238E27FC236}">
-                <a16:creationId xmlns:a16="http://schemas.microsoft.com/office/drawing/2014/main" id="{166F97EC-DB21-5409-B448-A0710615047D}"/>
-              </a:ext>
-            </a:extLst>
-          </p:cNvPr>
-          <p:cNvSpPr txBox="1"/>
-          <p:nvPr/>
-        </p:nvSpPr>
-        <p:spPr>
-          <a:xfrm>
-            <a:off x="8532414" y="1434991"/>
-            <a:ext cx="1153573" cy="646331"/>
-          </a:xfrm>
-          <a:prstGeom prst="rect">
-            <a:avLst/>
-          </a:prstGeom>
-          <a:solidFill>
-            <a:schemeClr val="accent4">
-              <a:lumMod val="40000"/>
-              <a:lumOff val="60000"/>
-            </a:schemeClr>
-          </a:solidFill>
-          <a:ln>
-            <a:noFill/>
-          </a:ln>
-        </p:spPr>
-        <p:txBody>
-          <a:bodyPr wrap="square" rtlCol="0">
-            <a:spAutoFit/>
-          </a:bodyPr>
-          <a:lstStyle/>
-          <a:p>
-            <a:pPr algn="ctr"/>
-            <a:r>
-              <a:rPr lang="en-CA" dirty="0"/>
-              <a:t>Bad hash function!</a:t>
-            </a:r>
-            <a:endParaRPr lang="en-AU" dirty="0"/>
-          </a:p>
-        </p:txBody>
-      </p:sp>
-      <p:sp>
-        <p:nvSpPr>
-          <p:cNvPr id="6" name="Left Brace 5">
-            <a:extLst>
-              <a:ext uri="{FF2B5EF4-FFF2-40B4-BE49-F238E27FC236}">
-                <a16:creationId xmlns:a16="http://schemas.microsoft.com/office/drawing/2014/main" id="{79867D8C-7980-5B05-55D3-E59171D0E75B}"/>
-              </a:ext>
-            </a:extLst>
-          </p:cNvPr>
-          <p:cNvSpPr/>
-          <p:nvPr/>
-        </p:nvSpPr>
-        <p:spPr>
-          <a:xfrm rot="16200000">
-            <a:off x="9528752" y="1897087"/>
-            <a:ext cx="208156" cy="1579686"/>
-          </a:xfrm>
-          <a:prstGeom prst="leftBrace">
-            <a:avLst/>
-          </a:prstGeom>
-        </p:spPr>
-        <p:style>
-          <a:lnRef idx="1">
-            <a:schemeClr val="accent1"/>
-          </a:lnRef>
-          <a:fillRef idx="0">
-            <a:schemeClr val="accent1"/>
-          </a:fillRef>
-          <a:effectRef idx="0">
-            <a:schemeClr val="accent1"/>
-          </a:effectRef>
-          <a:fontRef idx="minor">
-            <a:schemeClr val="tx1"/>
-          </a:fontRef>
-        </p:style>
-        <p:txBody>
-          <a:bodyPr rtlCol="0" anchor="ctr"/>
-          <a:lstStyle/>
-          <a:p>
-            <a:pPr algn="ctr"/>
-            <a:endParaRPr lang="en-AU"/>
-          </a:p>
-        </p:txBody>
-      </p:sp>
-      <p:sp>
-        <p:nvSpPr>
-          <p:cNvPr id="7" name="TextBox 6">
-            <a:extLst>
-              <a:ext uri="{FF2B5EF4-FFF2-40B4-BE49-F238E27FC236}">
-                <a16:creationId xmlns:a16="http://schemas.microsoft.com/office/drawing/2014/main" id="{F1C17EC2-1160-378F-CDAB-85C9961282EC}"/>
-              </a:ext>
-            </a:extLst>
-          </p:cNvPr>
-          <p:cNvSpPr txBox="1"/>
-          <p:nvPr/>
-        </p:nvSpPr>
-        <p:spPr>
-          <a:xfrm>
-            <a:off x="8842987" y="2892324"/>
-            <a:ext cx="1947745" cy="646331"/>
-          </a:xfrm>
-          <a:prstGeom prst="rect">
-            <a:avLst/>
-          </a:prstGeom>
-          <a:solidFill>
-            <a:schemeClr val="accent4">
-              <a:lumMod val="40000"/>
-              <a:lumOff val="60000"/>
-            </a:schemeClr>
-          </a:solidFill>
-          <a:ln>
-            <a:noFill/>
-          </a:ln>
-        </p:spPr>
-        <p:txBody>
-          <a:bodyPr wrap="square" rtlCol="0">
-            <a:spAutoFit/>
-          </a:bodyPr>
-          <a:lstStyle/>
-          <a:p>
-            <a:pPr algn="ctr"/>
-            <a:r>
-              <a:rPr lang="en-CA" dirty="0"/>
-              <a:t>3 multiplications</a:t>
-            </a:r>
-            <a:br>
-              <a:rPr lang="en-CA" dirty="0"/>
-            </a:br>
-            <a:r>
-              <a:rPr lang="en-CA" dirty="0"/>
-              <a:t>1 addition</a:t>
-            </a:r>
-            <a:endParaRPr lang="en-AU" dirty="0"/>
-          </a:p>
-        </p:txBody>
-      </p:sp>
-      <p:sp>
-        <p:nvSpPr>
-          <p:cNvPr id="8" name="TextBox 7">
-            <a:extLst>
-              <a:ext uri="{FF2B5EF4-FFF2-40B4-BE49-F238E27FC236}">
-                <a16:creationId xmlns:a16="http://schemas.microsoft.com/office/drawing/2014/main" id="{A8CA337D-0CC5-B139-4E4A-8E56DA78EFE1}"/>
-              </a:ext>
-            </a:extLst>
-          </p:cNvPr>
-          <p:cNvSpPr txBox="1"/>
-          <p:nvPr/>
-        </p:nvSpPr>
-        <p:spPr>
-          <a:xfrm>
-            <a:off x="7461956" y="4730440"/>
-            <a:ext cx="3134191" cy="523220"/>
-          </a:xfrm>
-          <a:prstGeom prst="rect">
-            <a:avLst/>
-          </a:prstGeom>
-          <a:noFill/>
-        </p:spPr>
-        <p:txBody>
-          <a:bodyPr wrap="none" rtlCol="0">
-            <a:spAutoFit/>
-          </a:bodyPr>
-          <a:lstStyle/>
-          <a:p>
-            <a:r>
-              <a:rPr lang="en-CA" sz="2800" dirty="0"/>
-              <a:t>hash(x) = x*(x + x*x)</a:t>
-            </a:r>
-            <a:endParaRPr lang="en-AU" sz="2800" dirty="0"/>
-          </a:p>
-        </p:txBody>
-      </p:sp>
-      <p:sp>
-        <p:nvSpPr>
-          <p:cNvPr id="9" name="TextBox 8">
-            <a:extLst>
-              <a:ext uri="{FF2B5EF4-FFF2-40B4-BE49-F238E27FC236}">
-                <a16:creationId xmlns:a16="http://schemas.microsoft.com/office/drawing/2014/main" id="{39ED0346-F127-581B-63D2-94945803BF4A}"/>
-              </a:ext>
-            </a:extLst>
-          </p:cNvPr>
-          <p:cNvSpPr txBox="1"/>
-          <p:nvPr/>
-        </p:nvSpPr>
-        <p:spPr>
-          <a:xfrm>
-            <a:off x="8960007" y="5530632"/>
-            <a:ext cx="1947745" cy="646331"/>
-          </a:xfrm>
-          <a:prstGeom prst="rect">
-            <a:avLst/>
-          </a:prstGeom>
-          <a:solidFill>
-            <a:schemeClr val="accent4">
-              <a:lumMod val="40000"/>
-              <a:lumOff val="60000"/>
-            </a:schemeClr>
-          </a:solidFill>
-          <a:ln>
-            <a:noFill/>
-          </a:ln>
-        </p:spPr>
-        <p:txBody>
-          <a:bodyPr wrap="square" rtlCol="0">
-            <a:spAutoFit/>
-          </a:bodyPr>
-          <a:lstStyle/>
-          <a:p>
-            <a:pPr algn="ctr"/>
-            <a:r>
-              <a:rPr lang="en-CA" dirty="0"/>
-              <a:t>2 multiplications</a:t>
-            </a:r>
-            <a:br>
-              <a:rPr lang="en-CA" dirty="0"/>
-            </a:br>
-            <a:r>
-              <a:rPr lang="en-CA" dirty="0"/>
-              <a:t>1 addition</a:t>
-            </a:r>
-            <a:endParaRPr lang="en-AU" dirty="0"/>
-          </a:p>
-        </p:txBody>
-      </p:sp>
-      <p:sp>
-        <p:nvSpPr>
-          <p:cNvPr id="10" name="Arrow: Down 9">
-            <a:extLst>
-              <a:ext uri="{FF2B5EF4-FFF2-40B4-BE49-F238E27FC236}">
-                <a16:creationId xmlns:a16="http://schemas.microsoft.com/office/drawing/2014/main" id="{C426CA52-5795-6EB4-0560-A7FA9BD70B89}"/>
-              </a:ext>
-            </a:extLst>
-          </p:cNvPr>
-          <p:cNvSpPr/>
-          <p:nvPr/>
-        </p:nvSpPr>
-        <p:spPr>
-          <a:xfrm>
-            <a:off x="9625432" y="3755406"/>
-            <a:ext cx="308447" cy="758283"/>
-          </a:xfrm>
-          <a:prstGeom prst="downArrow">
-            <a:avLst/>
-          </a:prstGeom>
-        </p:spPr>
-        <p:style>
-          <a:lnRef idx="2">
-            <a:schemeClr val="accent1">
-              <a:shade val="15000"/>
-            </a:schemeClr>
-          </a:lnRef>
-          <a:fillRef idx="1">
-            <a:schemeClr val="accent1"/>
-          </a:fillRef>
-          <a:effectRef idx="0">
-            <a:schemeClr val="accent1"/>
-          </a:effectRef>
-          <a:fontRef idx="minor">
-            <a:schemeClr val="lt1"/>
-          </a:fontRef>
-        </p:style>
-        <p:txBody>
-          <a:bodyPr rtlCol="0" anchor="ctr"/>
-          <a:lstStyle/>
-          <a:p>
-            <a:pPr algn="ctr"/>
-            <a:endParaRPr lang="en-AU"/>
-          </a:p>
-        </p:txBody>
-      </p:sp>
-      <p:sp>
-        <p:nvSpPr>
-          <p:cNvPr id="11" name="TextBox 10">
-            <a:extLst>
-              <a:ext uri="{FF2B5EF4-FFF2-40B4-BE49-F238E27FC236}">
-                <a16:creationId xmlns:a16="http://schemas.microsoft.com/office/drawing/2014/main" id="{0B3048A3-03FE-EDBE-7D47-8B00E19471C1}"/>
-              </a:ext>
-            </a:extLst>
-          </p:cNvPr>
-          <p:cNvSpPr txBox="1"/>
-          <p:nvPr/>
-        </p:nvSpPr>
-        <p:spPr>
-          <a:xfrm>
-            <a:off x="7863221" y="5669131"/>
-            <a:ext cx="844832" cy="369332"/>
-          </a:xfrm>
-          <a:prstGeom prst="rect">
-            <a:avLst/>
-          </a:prstGeom>
-          <a:solidFill>
-            <a:schemeClr val="accent4">
-              <a:lumMod val="40000"/>
-              <a:lumOff val="60000"/>
-            </a:schemeClr>
-          </a:solidFill>
-          <a:ln>
-            <a:noFill/>
-          </a:ln>
-        </p:spPr>
-        <p:txBody>
-          <a:bodyPr wrap="square" rtlCol="0">
-            <a:spAutoFit/>
-          </a:bodyPr>
-          <a:lstStyle/>
-          <a:p>
-            <a:pPr algn="ctr"/>
-            <a:r>
-              <a:rPr lang="en-CA" dirty="0"/>
-              <a:t>Better!</a:t>
-            </a:r>
-            <a:endParaRPr lang="en-AU" dirty="0"/>
-          </a:p>
-        </p:txBody>
-      </p:sp>
-    </p:spTree>
-    <p:extLst>
-      <p:ext uri="{BB962C8B-B14F-4D97-AF65-F5344CB8AC3E}">
-        <p14:creationId xmlns:p14="http://schemas.microsoft.com/office/powerpoint/2010/main" val="397900611"/>
       </p:ext>
     </p:extLst>
   </p:cSld>
@@ -25670,7 +26018,7 @@
           <p:cNvPr id="2" name="Title 1">
             <a:extLst>
               <a:ext uri="{FF2B5EF4-FFF2-40B4-BE49-F238E27FC236}">
-                <a16:creationId xmlns:a16="http://schemas.microsoft.com/office/drawing/2014/main" id="{6E6C3240-625C-85D5-9A27-AFC44222D530}"/>
+                <a16:creationId xmlns:a16="http://schemas.microsoft.com/office/drawing/2014/main" id="{05EEB890-4AE9-E61C-9A74-E115946F8737}"/>
               </a:ext>
             </a:extLst>
           </p:cNvPr>
@@ -25681,21 +26029,14 @@
             <p:ph type="title"/>
           </p:nvPr>
         </p:nvSpPr>
-        <p:spPr>
-          <a:xfrm>
-            <a:off x="838199" y="365125"/>
-            <a:ext cx="4581293" cy="1325563"/>
-          </a:xfrm>
-        </p:spPr>
+        <p:spPr/>
         <p:txBody>
-          <a:bodyPr>
-            <a:normAutofit fontScale="90000"/>
-          </a:bodyPr>
+          <a:bodyPr/>
           <a:lstStyle/>
           <a:p>
             <a:r>
               <a:rPr lang="en-CA" dirty="0"/>
-              <a:t>Hashing Strings </a:t>
+              <a:t>Hash Functions: </a:t>
             </a:r>
             <a:r>
               <a:rPr lang="en-CA" dirty="0">
@@ -25703,7 +26044,7 @@
                   <a:srgbClr val="FF0000"/>
                 </a:solidFill>
               </a:rPr>
-              <a:t>Summing Characters</a:t>
+              <a:t>Fast to Calculate</a:t>
             </a:r>
             <a:endParaRPr lang="en-AU" dirty="0">
               <a:solidFill>
@@ -25715,20 +26056,107 @@
       </p:sp>
       <p:sp>
         <p:nvSpPr>
-          <p:cNvPr id="4" name="TextBox 3">
-            <a:extLst>
-              <a:ext uri="{FF2B5EF4-FFF2-40B4-BE49-F238E27FC236}">
-                <a16:creationId xmlns:a16="http://schemas.microsoft.com/office/drawing/2014/main" id="{43DFE22A-91EA-1CB3-5416-93D6F2AB3EC5}"/>
-              </a:ext>
-            </a:extLst>
-          </p:cNvPr>
-          <p:cNvSpPr txBox="1"/>
-          <p:nvPr/>
+          <p:cNvPr id="3" name="Content Placeholder 2">
+            <a:extLst>
+              <a:ext uri="{FF2B5EF4-FFF2-40B4-BE49-F238E27FC236}">
+                <a16:creationId xmlns:a16="http://schemas.microsoft.com/office/drawing/2014/main" id="{853BEB51-9955-F82A-6F80-41EBE4E2A34E}"/>
+              </a:ext>
+            </a:extLst>
+          </p:cNvPr>
+          <p:cNvSpPr>
+            <a:spLocks noGrp="1"/>
+          </p:cNvSpPr>
+          <p:nvPr>
+            <p:ph idx="1"/>
+          </p:nvPr>
         </p:nvSpPr>
         <p:spPr>
           <a:xfrm>
-            <a:off x="4311805" y="1894749"/>
-            <a:ext cx="6296917" cy="1384995"/>
+            <a:off x="838200" y="1825625"/>
+            <a:ext cx="5570034" cy="4351338"/>
+          </a:xfrm>
+        </p:spPr>
+        <p:txBody>
+          <a:bodyPr>
+            <a:normAutofit lnSpcReduction="10000"/>
+          </a:bodyPr>
+          <a:lstStyle/>
+          <a:p>
+            <a:r>
+              <a:rPr lang="en-CA" dirty="0"/>
+              <a:t>hash(key) should be fast to calculate</a:t>
+            </a:r>
+          </a:p>
+          <a:p>
+            <a:pPr lvl="1"/>
+            <a:r>
+              <a:rPr lang="en-CA" dirty="0"/>
+              <a:t>We want hash table operations to be as fast as possible</a:t>
+            </a:r>
+          </a:p>
+          <a:p>
+            <a:pPr lvl="1"/>
+            <a:r>
+              <a:rPr lang="en-CA" dirty="0"/>
+              <a:t>Determining the best balance between speed of calculation and quality of output is non-trivial!</a:t>
+            </a:r>
+          </a:p>
+          <a:p>
+            <a:pPr lvl="1"/>
+            <a:r>
+              <a:rPr lang="en-CA" dirty="0"/>
+              <a:t>Check out </a:t>
+            </a:r>
+            <a:r>
+              <a:rPr lang="en-CA" dirty="0" err="1">
+                <a:hlinkClick r:id="rId2"/>
+              </a:rPr>
+              <a:t>MurmurHash</a:t>
+            </a:r>
+            <a:r>
+              <a:rPr lang="en-CA" dirty="0"/>
+              <a:t>, a popular high-quality hash function</a:t>
+            </a:r>
+          </a:p>
+          <a:p>
+            <a:pPr marL="0" indent="0">
+              <a:buNone/>
+            </a:pPr>
+            <a:br>
+              <a:rPr lang="en-CA" dirty="0"/>
+            </a:br>
+            <a:br>
+              <a:rPr lang="en-CA" dirty="0"/>
+            </a:br>
+            <a:endParaRPr lang="en-CA" dirty="0"/>
+          </a:p>
+          <a:p>
+            <a:pPr marL="0" indent="0">
+              <a:buNone/>
+            </a:pPr>
+            <a:endParaRPr lang="en-CA" dirty="0"/>
+          </a:p>
+          <a:p>
+            <a:endParaRPr lang="en-CA" dirty="0"/>
+          </a:p>
+        </p:txBody>
+      </p:sp>
+      <p:sp>
+        <p:nvSpPr>
+          <p:cNvPr id="4" name="TextBox 3">
+            <a:extLst>
+              <a:ext uri="{FF2B5EF4-FFF2-40B4-BE49-F238E27FC236}">
+                <a16:creationId xmlns:a16="http://schemas.microsoft.com/office/drawing/2014/main" id="{720713C2-B2CA-2EFD-A40C-CE698351CD93}"/>
+              </a:ext>
+            </a:extLst>
+          </p:cNvPr>
+          <p:cNvSpPr txBox="1"/>
+          <p:nvPr/>
+        </p:nvSpPr>
+        <p:spPr>
+          <a:xfrm>
+            <a:off x="7344936" y="2092132"/>
+            <a:ext cx="3251211" cy="523220"/>
           </a:xfrm>
           <a:prstGeom prst="rect">
             <a:avLst/>
@@ -25742,69 +26170,19 @@
           <a:lstStyle/>
           <a:p>
             <a:r>
-              <a:rPr lang="en-US" sz="2800" b="0" dirty="0">
-                <a:solidFill>
-                  <a:srgbClr val="40454E"/>
-                </a:solidFill>
-                <a:effectLst/>
-                <a:latin typeface="Consolas" panose="020B0609020204030204" pitchFamily="49" charset="0"/>
-              </a:rPr>
-              <a:t>hash("cat") = 'c' + 'a' +  't' </a:t>
-            </a:r>
-            <a:endParaRPr lang="en-US" sz="2800" b="0" dirty="0">
-              <a:solidFill>
-                <a:srgbClr val="9DA5B4"/>
-              </a:solidFill>
-              <a:effectLst/>
-              <a:latin typeface="Consolas" panose="020B0609020204030204" pitchFamily="49" charset="0"/>
-            </a:endParaRPr>
-          </a:p>
-          <a:p>
-            <a:r>
-              <a:rPr lang="en-US" sz="2800" b="0" dirty="0">
-                <a:solidFill>
-                  <a:srgbClr val="40454E"/>
-                </a:solidFill>
-                <a:effectLst/>
-                <a:latin typeface="Consolas" panose="020B0609020204030204" pitchFamily="49" charset="0"/>
-              </a:rPr>
-              <a:t>            = 99  + 97  + 116 </a:t>
-            </a:r>
-            <a:endParaRPr lang="en-US" sz="2800" b="0" dirty="0">
-              <a:solidFill>
-                <a:srgbClr val="9DA5B4"/>
-              </a:solidFill>
-              <a:effectLst/>
-              <a:latin typeface="Consolas" panose="020B0609020204030204" pitchFamily="49" charset="0"/>
-            </a:endParaRPr>
-          </a:p>
-          <a:p>
-            <a:r>
-              <a:rPr lang="en-US" sz="2800" b="0" dirty="0">
-                <a:solidFill>
-                  <a:srgbClr val="40454E"/>
-                </a:solidFill>
-                <a:effectLst/>
-                <a:latin typeface="Consolas" panose="020B0609020204030204" pitchFamily="49" charset="0"/>
-              </a:rPr>
-              <a:t>            = 312</a:t>
-            </a:r>
-            <a:endParaRPr lang="en-US" sz="2800" b="0" dirty="0">
-              <a:solidFill>
-                <a:srgbClr val="9DA5B4"/>
-              </a:solidFill>
-              <a:effectLst/>
-              <a:latin typeface="Consolas" panose="020B0609020204030204" pitchFamily="49" charset="0"/>
-            </a:endParaRPr>
+              <a:rPr lang="en-CA" sz="2800" dirty="0"/>
+              <a:t>hash(x) = x*x + x*x*x</a:t>
+            </a:r>
+            <a:endParaRPr lang="en-AU" sz="2800" dirty="0"/>
           </a:p>
         </p:txBody>
       </p:sp>
       <p:sp>
         <p:nvSpPr>
-          <p:cNvPr id="9" name="TextBox 8">
-            <a:extLst>
-              <a:ext uri="{FF2B5EF4-FFF2-40B4-BE49-F238E27FC236}">
-                <a16:creationId xmlns:a16="http://schemas.microsoft.com/office/drawing/2014/main" id="{A48DE7D5-12C0-AC84-0139-CB3229CA0A87}"/>
+          <p:cNvPr id="5" name="TextBox 4">
+            <a:extLst>
+              <a:ext uri="{FF2B5EF4-FFF2-40B4-BE49-F238E27FC236}">
+                <a16:creationId xmlns:a16="http://schemas.microsoft.com/office/drawing/2014/main" id="{166F97EC-DB21-5409-B448-A0710615047D}"/>
               </a:ext>
             </a:extLst>
           </p:cNvPr>
@@ -25813,117 +26191,8 @@
         </p:nvSpPr>
         <p:spPr>
           <a:xfrm>
-            <a:off x="743414" y="3483806"/>
-            <a:ext cx="5003181" cy="2585323"/>
-          </a:xfrm>
-          <a:prstGeom prst="rect">
-            <a:avLst/>
-          </a:prstGeom>
-          <a:noFill/>
-          <a:ln>
-            <a:solidFill>
-              <a:schemeClr val="tx1"/>
-            </a:solidFill>
-          </a:ln>
-        </p:spPr>
-        <p:txBody>
-          <a:bodyPr wrap="square" rtlCol="0">
-            <a:spAutoFit/>
-          </a:bodyPr>
-          <a:lstStyle/>
-          <a:p>
-            <a:r>
-              <a:rPr lang="en-US" dirty="0">
-                <a:latin typeface="Consolas" panose="020B0609020204030204" pitchFamily="49" charset="0"/>
-              </a:rPr>
-              <a:t>int hash(const string &amp;s)</a:t>
-            </a:r>
-          </a:p>
-          <a:p>
-            <a:r>
-              <a:rPr lang="en-US" dirty="0">
-                <a:latin typeface="Consolas" panose="020B0609020204030204" pitchFamily="49" charset="0"/>
-              </a:rPr>
-              <a:t>{</a:t>
-            </a:r>
-          </a:p>
-          <a:p>
-            <a:r>
-              <a:rPr lang="en-US" dirty="0">
-                <a:latin typeface="Consolas" panose="020B0609020204030204" pitchFamily="49" charset="0"/>
-              </a:rPr>
-              <a:t>    int result = 0;</a:t>
-            </a:r>
-          </a:p>
-          <a:p>
-            <a:r>
-              <a:rPr lang="en-US" dirty="0">
-                <a:latin typeface="Consolas" panose="020B0609020204030204" pitchFamily="49" charset="0"/>
-              </a:rPr>
-              <a:t>    for (int i = 0; i &lt; s.size(); i++)</a:t>
-            </a:r>
-          </a:p>
-          <a:p>
-            <a:r>
-              <a:rPr lang="en-US" dirty="0">
-                <a:latin typeface="Consolas" panose="020B0609020204030204" pitchFamily="49" charset="0"/>
-              </a:rPr>
-              <a:t>    {</a:t>
-            </a:r>
-          </a:p>
-          <a:p>
-            <a:r>
-              <a:rPr lang="en-US" dirty="0">
-                <a:latin typeface="Consolas" panose="020B0609020204030204" pitchFamily="49" charset="0"/>
-              </a:rPr>
-              <a:t>        result += s[i];</a:t>
-            </a:r>
-          </a:p>
-          <a:p>
-            <a:r>
-              <a:rPr lang="en-US" dirty="0">
-                <a:latin typeface="Consolas" panose="020B0609020204030204" pitchFamily="49" charset="0"/>
-              </a:rPr>
-              <a:t>    }</a:t>
-            </a:r>
-          </a:p>
-          <a:p>
-            <a:r>
-              <a:rPr lang="en-US" dirty="0">
-                <a:latin typeface="Consolas" panose="020B0609020204030204" pitchFamily="49" charset="0"/>
-              </a:rPr>
-              <a:t>    return result;</a:t>
-            </a:r>
-          </a:p>
-          <a:p>
-            <a:r>
-              <a:rPr lang="en-US" dirty="0">
-                <a:latin typeface="Consolas" panose="020B0609020204030204" pitchFamily="49" charset="0"/>
-              </a:rPr>
-              <a:t>}</a:t>
-            </a:r>
-            <a:endParaRPr lang="en-AU" dirty="0">
-              <a:latin typeface="Consolas" panose="020B0609020204030204" pitchFamily="49" charset="0"/>
-            </a:endParaRPr>
-          </a:p>
-        </p:txBody>
-      </p:sp>
-      <p:sp>
-        <p:nvSpPr>
-          <p:cNvPr id="10" name="TextBox 9">
-            <a:extLst>
-              <a:ext uri="{FF2B5EF4-FFF2-40B4-BE49-F238E27FC236}">
-                <a16:creationId xmlns:a16="http://schemas.microsoft.com/office/drawing/2014/main" id="{A4FEAC98-6DC3-B4B1-0754-7C5EDD69E199}"/>
-              </a:ext>
-            </a:extLst>
-          </p:cNvPr>
-          <p:cNvSpPr txBox="1"/>
-          <p:nvPr/>
-        </p:nvSpPr>
-        <p:spPr>
-          <a:xfrm>
-            <a:off x="9138427" y="490358"/>
-            <a:ext cx="2689300" cy="1200329"/>
+            <a:off x="8532414" y="1434991"/>
+            <a:ext cx="1153573" cy="646331"/>
           </a:xfrm>
           <a:prstGeom prst="rect">
             <a:avLst/>
@@ -25947,6 +26216,599 @@
             <a:pPr algn="ctr"/>
             <a:r>
               <a:rPr lang="en-CA" dirty="0"/>
+              <a:t>Bad hash function!</a:t>
+            </a:r>
+            <a:endParaRPr lang="en-AU" dirty="0"/>
+          </a:p>
+        </p:txBody>
+      </p:sp>
+      <p:sp>
+        <p:nvSpPr>
+          <p:cNvPr id="6" name="Left Brace 5">
+            <a:extLst>
+              <a:ext uri="{FF2B5EF4-FFF2-40B4-BE49-F238E27FC236}">
+                <a16:creationId xmlns:a16="http://schemas.microsoft.com/office/drawing/2014/main" id="{79867D8C-7980-5B05-55D3-E59171D0E75B}"/>
+              </a:ext>
+            </a:extLst>
+          </p:cNvPr>
+          <p:cNvSpPr/>
+          <p:nvPr/>
+        </p:nvSpPr>
+        <p:spPr>
+          <a:xfrm rot="16200000">
+            <a:off x="9528752" y="1897087"/>
+            <a:ext cx="208156" cy="1579686"/>
+          </a:xfrm>
+          <a:prstGeom prst="leftBrace">
+            <a:avLst/>
+          </a:prstGeom>
+        </p:spPr>
+        <p:style>
+          <a:lnRef idx="1">
+            <a:schemeClr val="accent1"/>
+          </a:lnRef>
+          <a:fillRef idx="0">
+            <a:schemeClr val="accent1"/>
+          </a:fillRef>
+          <a:effectRef idx="0">
+            <a:schemeClr val="accent1"/>
+          </a:effectRef>
+          <a:fontRef idx="minor">
+            <a:schemeClr val="tx1"/>
+          </a:fontRef>
+        </p:style>
+        <p:txBody>
+          <a:bodyPr rtlCol="0" anchor="ctr"/>
+          <a:lstStyle/>
+          <a:p>
+            <a:pPr algn="ctr"/>
+            <a:endParaRPr lang="en-AU"/>
+          </a:p>
+        </p:txBody>
+      </p:sp>
+      <p:sp>
+        <p:nvSpPr>
+          <p:cNvPr id="7" name="TextBox 6">
+            <a:extLst>
+              <a:ext uri="{FF2B5EF4-FFF2-40B4-BE49-F238E27FC236}">
+                <a16:creationId xmlns:a16="http://schemas.microsoft.com/office/drawing/2014/main" id="{F1C17EC2-1160-378F-CDAB-85C9961282EC}"/>
+              </a:ext>
+            </a:extLst>
+          </p:cNvPr>
+          <p:cNvSpPr txBox="1"/>
+          <p:nvPr/>
+        </p:nvSpPr>
+        <p:spPr>
+          <a:xfrm>
+            <a:off x="8842987" y="2892324"/>
+            <a:ext cx="1947745" cy="646331"/>
+          </a:xfrm>
+          <a:prstGeom prst="rect">
+            <a:avLst/>
+          </a:prstGeom>
+          <a:solidFill>
+            <a:schemeClr val="accent4">
+              <a:lumMod val="40000"/>
+              <a:lumOff val="60000"/>
+            </a:schemeClr>
+          </a:solidFill>
+          <a:ln>
+            <a:noFill/>
+          </a:ln>
+        </p:spPr>
+        <p:txBody>
+          <a:bodyPr wrap="square" rtlCol="0">
+            <a:spAutoFit/>
+          </a:bodyPr>
+          <a:lstStyle/>
+          <a:p>
+            <a:pPr algn="ctr"/>
+            <a:r>
+              <a:rPr lang="en-CA" dirty="0"/>
+              <a:t>3 multiplications</a:t>
+            </a:r>
+            <a:br>
+              <a:rPr lang="en-CA" dirty="0"/>
+            </a:br>
+            <a:r>
+              <a:rPr lang="en-CA" dirty="0"/>
+              <a:t>1 addition</a:t>
+            </a:r>
+            <a:endParaRPr lang="en-AU" dirty="0"/>
+          </a:p>
+        </p:txBody>
+      </p:sp>
+      <p:sp>
+        <p:nvSpPr>
+          <p:cNvPr id="8" name="TextBox 7">
+            <a:extLst>
+              <a:ext uri="{FF2B5EF4-FFF2-40B4-BE49-F238E27FC236}">
+                <a16:creationId xmlns:a16="http://schemas.microsoft.com/office/drawing/2014/main" id="{A8CA337D-0CC5-B139-4E4A-8E56DA78EFE1}"/>
+              </a:ext>
+            </a:extLst>
+          </p:cNvPr>
+          <p:cNvSpPr txBox="1"/>
+          <p:nvPr/>
+        </p:nvSpPr>
+        <p:spPr>
+          <a:xfrm>
+            <a:off x="7461956" y="4730440"/>
+            <a:ext cx="3134191" cy="523220"/>
+          </a:xfrm>
+          <a:prstGeom prst="rect">
+            <a:avLst/>
+          </a:prstGeom>
+          <a:noFill/>
+        </p:spPr>
+        <p:txBody>
+          <a:bodyPr wrap="none" rtlCol="0">
+            <a:spAutoFit/>
+          </a:bodyPr>
+          <a:lstStyle/>
+          <a:p>
+            <a:r>
+              <a:rPr lang="en-CA" sz="2800" dirty="0"/>
+              <a:t>hash(x) = x*(x + x*x)</a:t>
+            </a:r>
+            <a:endParaRPr lang="en-AU" sz="2800" dirty="0"/>
+          </a:p>
+        </p:txBody>
+      </p:sp>
+      <p:sp>
+        <p:nvSpPr>
+          <p:cNvPr id="9" name="TextBox 8">
+            <a:extLst>
+              <a:ext uri="{FF2B5EF4-FFF2-40B4-BE49-F238E27FC236}">
+                <a16:creationId xmlns:a16="http://schemas.microsoft.com/office/drawing/2014/main" id="{39ED0346-F127-581B-63D2-94945803BF4A}"/>
+              </a:ext>
+            </a:extLst>
+          </p:cNvPr>
+          <p:cNvSpPr txBox="1"/>
+          <p:nvPr/>
+        </p:nvSpPr>
+        <p:spPr>
+          <a:xfrm>
+            <a:off x="8960007" y="5530632"/>
+            <a:ext cx="1947745" cy="646331"/>
+          </a:xfrm>
+          <a:prstGeom prst="rect">
+            <a:avLst/>
+          </a:prstGeom>
+          <a:solidFill>
+            <a:schemeClr val="accent4">
+              <a:lumMod val="40000"/>
+              <a:lumOff val="60000"/>
+            </a:schemeClr>
+          </a:solidFill>
+          <a:ln>
+            <a:noFill/>
+          </a:ln>
+        </p:spPr>
+        <p:txBody>
+          <a:bodyPr wrap="square" rtlCol="0">
+            <a:spAutoFit/>
+          </a:bodyPr>
+          <a:lstStyle/>
+          <a:p>
+            <a:pPr algn="ctr"/>
+            <a:r>
+              <a:rPr lang="en-CA" dirty="0"/>
+              <a:t>2 multiplications</a:t>
+            </a:r>
+            <a:br>
+              <a:rPr lang="en-CA" dirty="0"/>
+            </a:br>
+            <a:r>
+              <a:rPr lang="en-CA" dirty="0"/>
+              <a:t>1 addition</a:t>
+            </a:r>
+            <a:endParaRPr lang="en-AU" dirty="0"/>
+          </a:p>
+        </p:txBody>
+      </p:sp>
+      <p:sp>
+        <p:nvSpPr>
+          <p:cNvPr id="10" name="Arrow: Down 9">
+            <a:extLst>
+              <a:ext uri="{FF2B5EF4-FFF2-40B4-BE49-F238E27FC236}">
+                <a16:creationId xmlns:a16="http://schemas.microsoft.com/office/drawing/2014/main" id="{C426CA52-5795-6EB4-0560-A7FA9BD70B89}"/>
+              </a:ext>
+            </a:extLst>
+          </p:cNvPr>
+          <p:cNvSpPr/>
+          <p:nvPr/>
+        </p:nvSpPr>
+        <p:spPr>
+          <a:xfrm>
+            <a:off x="9625432" y="3755406"/>
+            <a:ext cx="308447" cy="758283"/>
+          </a:xfrm>
+          <a:prstGeom prst="downArrow">
+            <a:avLst/>
+          </a:prstGeom>
+        </p:spPr>
+        <p:style>
+          <a:lnRef idx="2">
+            <a:schemeClr val="accent1">
+              <a:shade val="15000"/>
+            </a:schemeClr>
+          </a:lnRef>
+          <a:fillRef idx="1">
+            <a:schemeClr val="accent1"/>
+          </a:fillRef>
+          <a:effectRef idx="0">
+            <a:schemeClr val="accent1"/>
+          </a:effectRef>
+          <a:fontRef idx="minor">
+            <a:schemeClr val="lt1"/>
+          </a:fontRef>
+        </p:style>
+        <p:txBody>
+          <a:bodyPr rtlCol="0" anchor="ctr"/>
+          <a:lstStyle/>
+          <a:p>
+            <a:pPr algn="ctr"/>
+            <a:endParaRPr lang="en-AU"/>
+          </a:p>
+        </p:txBody>
+      </p:sp>
+      <p:sp>
+        <p:nvSpPr>
+          <p:cNvPr id="11" name="TextBox 10">
+            <a:extLst>
+              <a:ext uri="{FF2B5EF4-FFF2-40B4-BE49-F238E27FC236}">
+                <a16:creationId xmlns:a16="http://schemas.microsoft.com/office/drawing/2014/main" id="{0B3048A3-03FE-EDBE-7D47-8B00E19471C1}"/>
+              </a:ext>
+            </a:extLst>
+          </p:cNvPr>
+          <p:cNvSpPr txBox="1"/>
+          <p:nvPr/>
+        </p:nvSpPr>
+        <p:spPr>
+          <a:xfrm>
+            <a:off x="7863221" y="5669131"/>
+            <a:ext cx="844832" cy="369332"/>
+          </a:xfrm>
+          <a:prstGeom prst="rect">
+            <a:avLst/>
+          </a:prstGeom>
+          <a:solidFill>
+            <a:schemeClr val="accent4">
+              <a:lumMod val="40000"/>
+              <a:lumOff val="60000"/>
+            </a:schemeClr>
+          </a:solidFill>
+          <a:ln>
+            <a:noFill/>
+          </a:ln>
+        </p:spPr>
+        <p:txBody>
+          <a:bodyPr wrap="square" rtlCol="0">
+            <a:spAutoFit/>
+          </a:bodyPr>
+          <a:lstStyle/>
+          <a:p>
+            <a:pPr algn="ctr"/>
+            <a:r>
+              <a:rPr lang="en-CA" dirty="0"/>
+              <a:t>Better!</a:t>
+            </a:r>
+            <a:endParaRPr lang="en-AU" dirty="0"/>
+          </a:p>
+        </p:txBody>
+      </p:sp>
+    </p:spTree>
+    <p:extLst>
+      <p:ext uri="{BB962C8B-B14F-4D97-AF65-F5344CB8AC3E}">
+        <p14:creationId xmlns:p14="http://schemas.microsoft.com/office/powerpoint/2010/main" val="397900611"/>
+      </p:ext>
+    </p:extLst>
+  </p:cSld>
+  <p:clrMapOvr>
+    <a:masterClrMapping/>
+  </p:clrMapOvr>
+</p:sld>
+</file>
+
+<file path=ppt/slides/slide37.xml><?xml version="1.0" encoding="utf-8"?>
+<p:sld xmlns:a="http://schemas.openxmlformats.org/drawingml/2006/main" xmlns:r="http://schemas.openxmlformats.org/officeDocument/2006/relationships" xmlns:p="http://schemas.openxmlformats.org/presentationml/2006/main">
+  <p:cSld>
+    <p:spTree>
+      <p:nvGrpSpPr>
+        <p:cNvPr id="1" name=""/>
+        <p:cNvGrpSpPr/>
+        <p:nvPr/>
+      </p:nvGrpSpPr>
+      <p:grpSpPr>
+        <a:xfrm>
+          <a:off x="0" y="0"/>
+          <a:ext cx="0" cy="0"/>
+          <a:chOff x="0" y="0"/>
+          <a:chExt cx="0" cy="0"/>
+        </a:xfrm>
+      </p:grpSpPr>
+      <p:sp>
+        <p:nvSpPr>
+          <p:cNvPr id="2" name="Title 1">
+            <a:extLst>
+              <a:ext uri="{FF2B5EF4-FFF2-40B4-BE49-F238E27FC236}">
+                <a16:creationId xmlns:a16="http://schemas.microsoft.com/office/drawing/2014/main" id="{6E6C3240-625C-85D5-9A27-AFC44222D530}"/>
+              </a:ext>
+            </a:extLst>
+          </p:cNvPr>
+          <p:cNvSpPr>
+            <a:spLocks noGrp="1"/>
+          </p:cNvSpPr>
+          <p:nvPr>
+            <p:ph type="title"/>
+          </p:nvPr>
+        </p:nvSpPr>
+        <p:spPr>
+          <a:xfrm>
+            <a:off x="838199" y="365125"/>
+            <a:ext cx="4581293" cy="1325563"/>
+          </a:xfrm>
+        </p:spPr>
+        <p:txBody>
+          <a:bodyPr>
+            <a:normAutofit fontScale="90000"/>
+          </a:bodyPr>
+          <a:lstStyle/>
+          <a:p>
+            <a:r>
+              <a:rPr lang="en-CA" dirty="0"/>
+              <a:t>Hashing Strings </a:t>
+            </a:r>
+            <a:r>
+              <a:rPr lang="en-CA" dirty="0">
+                <a:solidFill>
+                  <a:srgbClr val="FF0000"/>
+                </a:solidFill>
+              </a:rPr>
+              <a:t>Summing Characters</a:t>
+            </a:r>
+            <a:endParaRPr lang="en-AU" dirty="0">
+              <a:solidFill>
+                <a:srgbClr val="FF0000"/>
+              </a:solidFill>
+            </a:endParaRPr>
+          </a:p>
+        </p:txBody>
+      </p:sp>
+      <p:sp>
+        <p:nvSpPr>
+          <p:cNvPr id="4" name="TextBox 3">
+            <a:extLst>
+              <a:ext uri="{FF2B5EF4-FFF2-40B4-BE49-F238E27FC236}">
+                <a16:creationId xmlns:a16="http://schemas.microsoft.com/office/drawing/2014/main" id="{43DFE22A-91EA-1CB3-5416-93D6F2AB3EC5}"/>
+              </a:ext>
+            </a:extLst>
+          </p:cNvPr>
+          <p:cNvSpPr txBox="1"/>
+          <p:nvPr/>
+        </p:nvSpPr>
+        <p:spPr>
+          <a:xfrm>
+            <a:off x="4311805" y="1894749"/>
+            <a:ext cx="6296917" cy="1384995"/>
+          </a:xfrm>
+          <a:prstGeom prst="rect">
+            <a:avLst/>
+          </a:prstGeom>
+          <a:noFill/>
+        </p:spPr>
+        <p:txBody>
+          <a:bodyPr wrap="none" rtlCol="0">
+            <a:spAutoFit/>
+          </a:bodyPr>
+          <a:lstStyle/>
+          <a:p>
+            <a:r>
+              <a:rPr lang="en-US" sz="2800" b="0" dirty="0">
+                <a:solidFill>
+                  <a:srgbClr val="40454E"/>
+                </a:solidFill>
+                <a:effectLst/>
+                <a:latin typeface="Consolas" panose="020B0609020204030204" pitchFamily="49" charset="0"/>
+              </a:rPr>
+              <a:t>hash("cat") = 'c' + 'a' +  't' </a:t>
+            </a:r>
+            <a:endParaRPr lang="en-US" sz="2800" b="0" dirty="0">
+              <a:solidFill>
+                <a:srgbClr val="9DA5B4"/>
+              </a:solidFill>
+              <a:effectLst/>
+              <a:latin typeface="Consolas" panose="020B0609020204030204" pitchFamily="49" charset="0"/>
+            </a:endParaRPr>
+          </a:p>
+          <a:p>
+            <a:r>
+              <a:rPr lang="en-US" sz="2800" b="0" dirty="0">
+                <a:solidFill>
+                  <a:srgbClr val="40454E"/>
+                </a:solidFill>
+                <a:effectLst/>
+                <a:latin typeface="Consolas" panose="020B0609020204030204" pitchFamily="49" charset="0"/>
+              </a:rPr>
+              <a:t>            = 99  + 97  + 116 </a:t>
+            </a:r>
+            <a:endParaRPr lang="en-US" sz="2800" b="0" dirty="0">
+              <a:solidFill>
+                <a:srgbClr val="9DA5B4"/>
+              </a:solidFill>
+              <a:effectLst/>
+              <a:latin typeface="Consolas" panose="020B0609020204030204" pitchFamily="49" charset="0"/>
+            </a:endParaRPr>
+          </a:p>
+          <a:p>
+            <a:r>
+              <a:rPr lang="en-US" sz="2800" b="0" dirty="0">
+                <a:solidFill>
+                  <a:srgbClr val="40454E"/>
+                </a:solidFill>
+                <a:effectLst/>
+                <a:latin typeface="Consolas" panose="020B0609020204030204" pitchFamily="49" charset="0"/>
+              </a:rPr>
+              <a:t>            = 312</a:t>
+            </a:r>
+            <a:endParaRPr lang="en-US" sz="2800" b="0" dirty="0">
+              <a:solidFill>
+                <a:srgbClr val="9DA5B4"/>
+              </a:solidFill>
+              <a:effectLst/>
+              <a:latin typeface="Consolas" panose="020B0609020204030204" pitchFamily="49" charset="0"/>
+            </a:endParaRPr>
+          </a:p>
+        </p:txBody>
+      </p:sp>
+      <p:sp>
+        <p:nvSpPr>
+          <p:cNvPr id="9" name="TextBox 8">
+            <a:extLst>
+              <a:ext uri="{FF2B5EF4-FFF2-40B4-BE49-F238E27FC236}">
+                <a16:creationId xmlns:a16="http://schemas.microsoft.com/office/drawing/2014/main" id="{A48DE7D5-12C0-AC84-0139-CB3229CA0A87}"/>
+              </a:ext>
+            </a:extLst>
+          </p:cNvPr>
+          <p:cNvSpPr txBox="1"/>
+          <p:nvPr/>
+        </p:nvSpPr>
+        <p:spPr>
+          <a:xfrm>
+            <a:off x="743414" y="3483806"/>
+            <a:ext cx="5003181" cy="2585323"/>
+          </a:xfrm>
+          <a:prstGeom prst="rect">
+            <a:avLst/>
+          </a:prstGeom>
+          <a:noFill/>
+          <a:ln>
+            <a:solidFill>
+              <a:schemeClr val="tx1"/>
+            </a:solidFill>
+          </a:ln>
+        </p:spPr>
+        <p:txBody>
+          <a:bodyPr wrap="square" rtlCol="0">
+            <a:spAutoFit/>
+          </a:bodyPr>
+          <a:lstStyle/>
+          <a:p>
+            <a:r>
+              <a:rPr lang="en-US" dirty="0">
+                <a:latin typeface="Consolas" panose="020B0609020204030204" pitchFamily="49" charset="0"/>
+              </a:rPr>
+              <a:t>int hash(const string &amp;s)</a:t>
+            </a:r>
+          </a:p>
+          <a:p>
+            <a:r>
+              <a:rPr lang="en-US" dirty="0">
+                <a:latin typeface="Consolas" panose="020B0609020204030204" pitchFamily="49" charset="0"/>
+              </a:rPr>
+              <a:t>{</a:t>
+            </a:r>
+          </a:p>
+          <a:p>
+            <a:r>
+              <a:rPr lang="en-US" dirty="0">
+                <a:latin typeface="Consolas" panose="020B0609020204030204" pitchFamily="49" charset="0"/>
+              </a:rPr>
+              <a:t>    int result = 0;</a:t>
+            </a:r>
+          </a:p>
+          <a:p>
+            <a:r>
+              <a:rPr lang="en-US" dirty="0">
+                <a:latin typeface="Consolas" panose="020B0609020204030204" pitchFamily="49" charset="0"/>
+              </a:rPr>
+              <a:t>    for (int i = 0; i &lt; s.size(); i++)</a:t>
+            </a:r>
+          </a:p>
+          <a:p>
+            <a:r>
+              <a:rPr lang="en-US" dirty="0">
+                <a:latin typeface="Consolas" panose="020B0609020204030204" pitchFamily="49" charset="0"/>
+              </a:rPr>
+              <a:t>    {</a:t>
+            </a:r>
+          </a:p>
+          <a:p>
+            <a:r>
+              <a:rPr lang="en-US" dirty="0">
+                <a:latin typeface="Consolas" panose="020B0609020204030204" pitchFamily="49" charset="0"/>
+              </a:rPr>
+              <a:t>        result += s[i];</a:t>
+            </a:r>
+          </a:p>
+          <a:p>
+            <a:r>
+              <a:rPr lang="en-US" dirty="0">
+                <a:latin typeface="Consolas" panose="020B0609020204030204" pitchFamily="49" charset="0"/>
+              </a:rPr>
+              <a:t>    }</a:t>
+            </a:r>
+          </a:p>
+          <a:p>
+            <a:r>
+              <a:rPr lang="en-US" dirty="0">
+                <a:latin typeface="Consolas" panose="020B0609020204030204" pitchFamily="49" charset="0"/>
+              </a:rPr>
+              <a:t>    return result;</a:t>
+            </a:r>
+          </a:p>
+          <a:p>
+            <a:r>
+              <a:rPr lang="en-US" dirty="0">
+                <a:latin typeface="Consolas" panose="020B0609020204030204" pitchFamily="49" charset="0"/>
+              </a:rPr>
+              <a:t>}</a:t>
+            </a:r>
+            <a:endParaRPr lang="en-AU" dirty="0">
+              <a:latin typeface="Consolas" panose="020B0609020204030204" pitchFamily="49" charset="0"/>
+            </a:endParaRPr>
+          </a:p>
+        </p:txBody>
+      </p:sp>
+      <p:sp>
+        <p:nvSpPr>
+          <p:cNvPr id="10" name="TextBox 9">
+            <a:extLst>
+              <a:ext uri="{FF2B5EF4-FFF2-40B4-BE49-F238E27FC236}">
+                <a16:creationId xmlns:a16="http://schemas.microsoft.com/office/drawing/2014/main" id="{A4FEAC98-6DC3-B4B1-0754-7C5EDD69E199}"/>
+              </a:ext>
+            </a:extLst>
+          </p:cNvPr>
+          <p:cNvSpPr txBox="1"/>
+          <p:nvPr/>
+        </p:nvSpPr>
+        <p:spPr>
+          <a:xfrm>
+            <a:off x="9138427" y="490358"/>
+            <a:ext cx="2689300" cy="1200329"/>
+          </a:xfrm>
+          <a:prstGeom prst="rect">
+            <a:avLst/>
+          </a:prstGeom>
+          <a:solidFill>
+            <a:schemeClr val="accent4">
+              <a:lumMod val="40000"/>
+              <a:lumOff val="60000"/>
+            </a:schemeClr>
+          </a:solidFill>
+          <a:ln>
+            <a:noFill/>
+          </a:ln>
+        </p:spPr>
+        <p:txBody>
+          <a:bodyPr wrap="square" rtlCol="0">
+            <a:spAutoFit/>
+          </a:bodyPr>
+          <a:lstStyle/>
+          <a:p>
+            <a:pPr algn="ctr"/>
+            <a:r>
+              <a:rPr lang="en-CA" dirty="0"/>
               <a:t>In C++, characters are represented as their ASCII values, so you can add them like integers.</a:t>
             </a:r>
             <a:endParaRPr lang="en-AU" dirty="0"/>
@@ -25966,7 +26828,7 @@
 </p:sld>
 </file>
 
-<file path=ppt/slides/slide37.xml><?xml version="1.0" encoding="utf-8"?>
+<file path=ppt/slides/slide38.xml><?xml version="1.0" encoding="utf-8"?>
 <p:sld xmlns:a="http://schemas.openxmlformats.org/drawingml/2006/main" xmlns:r="http://schemas.openxmlformats.org/officeDocument/2006/relationships" xmlns:p="http://schemas.openxmlformats.org/presentationml/2006/main">
   <p:cSld>
     <p:spTree>
@@ -26762,8 +27624,8 @@
           </a:p>
         </p:txBody>
       </p:sp>
-      <mc:AlternateContent xmlns:mc="http://schemas.openxmlformats.org/markup-compatibility/2006">
-        <mc:Choice xmlns:a14="http://schemas.microsoft.com/office/drawing/2010/main" Requires="a14">
+      <mc:AlternateContent xmlns:mc="http://schemas.openxmlformats.org/markup-compatibility/2006" xmlns:a14="http://schemas.microsoft.com/office/drawing/2010/main">
+        <mc:Choice Requires="a14">
           <p:sp>
             <p:nvSpPr>
               <p:cNvPr id="32" name="TextBox 31">
@@ -26852,7 +27714,7 @@
             </p:txBody>
           </p:sp>
         </mc:Choice>
-        <mc:Fallback>
+        <mc:Fallback xmlns="">
           <p:sp>
             <p:nvSpPr>
               <p:cNvPr id="32" name="TextBox 31">
@@ -26902,8 +27764,8 @@
           </p:sp>
         </mc:Fallback>
       </mc:AlternateContent>
-      <mc:AlternateContent xmlns:mc="http://schemas.openxmlformats.org/markup-compatibility/2006">
-        <mc:Choice xmlns:a14="http://schemas.microsoft.com/office/drawing/2010/main" Requires="a14">
+      <mc:AlternateContent xmlns:mc="http://schemas.openxmlformats.org/markup-compatibility/2006" xmlns:a14="http://schemas.microsoft.com/office/drawing/2010/main">
+        <mc:Choice Requires="a14">
           <p:sp>
             <p:nvSpPr>
               <p:cNvPr id="33" name="TextBox 32">
@@ -26973,7 +27835,7 @@
             </p:txBody>
           </p:sp>
         </mc:Choice>
-        <mc:Fallback>
+        <mc:Fallback xmlns="">
           <p:sp>
             <p:nvSpPr>
               <p:cNvPr id="33" name="TextBox 32">
@@ -27082,7 +27944,7 @@
 </p:sld>
 </file>
 
-<file path=ppt/slides/slide38.xml><?xml version="1.0" encoding="utf-8"?>
+<file path=ppt/slides/slide39.xml><?xml version="1.0" encoding="utf-8"?>
 <p:sld xmlns:a="http://schemas.openxmlformats.org/drawingml/2006/main" xmlns:r="http://schemas.openxmlformats.org/officeDocument/2006/relationships" xmlns:p="http://schemas.openxmlformats.org/presentationml/2006/main">
   <p:cSld>
     <p:spTree>
@@ -27305,8 +28167,8 @@
           </a:p>
         </p:txBody>
       </p:sp>
-      <mc:AlternateContent xmlns:mc="http://schemas.openxmlformats.org/markup-compatibility/2006">
-        <mc:Choice xmlns:a14="http://schemas.microsoft.com/office/drawing/2010/main" Requires="a14">
+      <mc:AlternateContent xmlns:mc="http://schemas.openxmlformats.org/markup-compatibility/2006" xmlns:a14="http://schemas.microsoft.com/office/drawing/2010/main">
+        <mc:Choice Requires="a14">
           <p:sp>
             <p:nvSpPr>
               <p:cNvPr id="11" name="TextBox 10">
@@ -27492,7 +28354,7 @@
             </p:txBody>
           </p:sp>
         </mc:Choice>
-        <mc:Fallback>
+        <mc:Fallback xmlns="">
           <p:sp>
             <p:nvSpPr>
               <p:cNvPr id="11" name="TextBox 10">
@@ -27537,8 +28399,8 @@
           </p:sp>
         </mc:Fallback>
       </mc:AlternateContent>
-      <mc:AlternateContent xmlns:mc="http://schemas.openxmlformats.org/markup-compatibility/2006">
-        <mc:Choice xmlns:a14="http://schemas.microsoft.com/office/drawing/2010/main" Requires="a14">
+      <mc:AlternateContent xmlns:mc="http://schemas.openxmlformats.org/markup-compatibility/2006" xmlns:a14="http://schemas.microsoft.com/office/drawing/2010/main">
+        <mc:Choice Requires="a14">
           <p:sp>
             <p:nvSpPr>
               <p:cNvPr id="32" name="TextBox 31">
@@ -27627,7 +28489,7 @@
             </p:txBody>
           </p:sp>
         </mc:Choice>
-        <mc:Fallback>
+        <mc:Fallback xmlns="">
           <p:sp>
             <p:nvSpPr>
               <p:cNvPr id="32" name="TextBox 31">
@@ -27677,8 +28539,8 @@
           </p:sp>
         </mc:Fallback>
       </mc:AlternateContent>
-      <mc:AlternateContent xmlns:mc="http://schemas.openxmlformats.org/markup-compatibility/2006">
-        <mc:Choice xmlns:a14="http://schemas.microsoft.com/office/drawing/2010/main" Requires="a14">
+      <mc:AlternateContent xmlns:mc="http://schemas.openxmlformats.org/markup-compatibility/2006" xmlns:a14="http://schemas.microsoft.com/office/drawing/2010/main">
+        <mc:Choice Requires="a14">
           <p:sp>
             <p:nvSpPr>
               <p:cNvPr id="33" name="TextBox 32">
@@ -27748,7 +28610,7 @@
             </p:txBody>
           </p:sp>
         </mc:Choice>
-        <mc:Fallback>
+        <mc:Fallback xmlns="">
           <p:sp>
             <p:nvSpPr>
               <p:cNvPr id="33" name="TextBox 32">
@@ -27943,7 +28805,471 @@
 </p:sld>
 </file>
 
-<file path=ppt/slides/slide39.xml><?xml version="1.0" encoding="utf-8"?>
+<file path=ppt/slides/slide4.xml><?xml version="1.0" encoding="utf-8"?>
+<p:sld xmlns:a="http://schemas.openxmlformats.org/drawingml/2006/main" xmlns:r="http://schemas.openxmlformats.org/officeDocument/2006/relationships" xmlns:p="http://schemas.openxmlformats.org/presentationml/2006/main">
+  <p:cSld>
+    <p:spTree>
+      <p:nvGrpSpPr>
+        <p:cNvPr id="1" name=""/>
+        <p:cNvGrpSpPr/>
+        <p:nvPr/>
+      </p:nvGrpSpPr>
+      <p:grpSpPr>
+        <a:xfrm>
+          <a:off x="0" y="0"/>
+          <a:ext cx="0" cy="0"/>
+          <a:chOff x="0" y="0"/>
+          <a:chExt cx="0" cy="0"/>
+        </a:xfrm>
+      </p:grpSpPr>
+      <p:sp>
+        <p:nvSpPr>
+          <p:cNvPr id="4" name="TextBox 3">
+            <a:extLst>
+              <a:ext uri="{FF2B5EF4-FFF2-40B4-BE49-F238E27FC236}">
+                <a16:creationId xmlns:a16="http://schemas.microsoft.com/office/drawing/2014/main" id="{8B46A5D8-CF52-A68B-F655-C6DC5365138C}"/>
+              </a:ext>
+            </a:extLst>
+          </p:cNvPr>
+          <p:cNvSpPr txBox="1"/>
+          <p:nvPr/>
+        </p:nvSpPr>
+        <p:spPr>
+          <a:xfrm>
+            <a:off x="692727" y="378691"/>
+            <a:ext cx="1801091" cy="923330"/>
+          </a:xfrm>
+          <a:prstGeom prst="rect">
+            <a:avLst/>
+          </a:prstGeom>
+          <a:solidFill>
+            <a:schemeClr val="accent4">
+              <a:lumMod val="40000"/>
+              <a:lumOff val="60000"/>
+            </a:schemeClr>
+          </a:solidFill>
+          <a:ln>
+            <a:noFill/>
+          </a:ln>
+        </p:spPr>
+        <p:txBody>
+          <a:bodyPr wrap="square" rtlCol="0">
+            <a:spAutoFit/>
+          </a:bodyPr>
+          <a:lstStyle/>
+          <a:p>
+            <a:pPr algn="ctr"/>
+            <a:r>
+              <a:rPr lang="en-CA" dirty="0"/>
+              <a:t>A </a:t>
+            </a:r>
+            <a:r>
+              <a:rPr lang="en-CA" b="1" dirty="0"/>
+              <a:t>map</a:t>
+            </a:r>
+            <a:r>
+              <a:rPr lang="en-CA" dirty="0"/>
+              <a:t> is an ADT that stores </a:t>
+            </a:r>
+            <a:br>
+              <a:rPr lang="en-CA" dirty="0"/>
+            </a:br>
+            <a:r>
+              <a:rPr lang="en-CA" dirty="0"/>
+              <a:t>(key, value) pairs.</a:t>
+            </a:r>
+            <a:endParaRPr lang="en-AU" dirty="0"/>
+          </a:p>
+        </p:txBody>
+      </p:sp>
+      <p:sp>
+        <p:nvSpPr>
+          <p:cNvPr id="5" name="TextBox 4">
+            <a:extLst>
+              <a:ext uri="{FF2B5EF4-FFF2-40B4-BE49-F238E27FC236}">
+                <a16:creationId xmlns:a16="http://schemas.microsoft.com/office/drawing/2014/main" id="{B48647EF-E221-6FA3-3454-C7067ECEA17A}"/>
+              </a:ext>
+            </a:extLst>
+          </p:cNvPr>
+          <p:cNvSpPr txBox="1"/>
+          <p:nvPr/>
+        </p:nvSpPr>
+        <p:spPr>
+          <a:xfrm>
+            <a:off x="1234660" y="3429000"/>
+            <a:ext cx="8593763" cy="646331"/>
+          </a:xfrm>
+          <a:prstGeom prst="rect">
+            <a:avLst/>
+          </a:prstGeom>
+          <a:noFill/>
+        </p:spPr>
+        <p:txBody>
+          <a:bodyPr wrap="none" rtlCol="0">
+            <a:spAutoFit/>
+          </a:bodyPr>
+          <a:lstStyle/>
+          <a:p>
+            <a:r>
+              <a:rPr lang="en-CA" sz="3600" dirty="0"/>
+              <a:t>[("Kal", "corn"), ("</a:t>
+            </a:r>
+            <a:r>
+              <a:rPr lang="en-CA" sz="3600" dirty="0" err="1"/>
+              <a:t>Mei","fish</a:t>
+            </a:r>
+            <a:r>
+              <a:rPr lang="en-CA" sz="3600" dirty="0"/>
+              <a:t>"), ("Ed", "corn")]</a:t>
+            </a:r>
+            <a:endParaRPr lang="en-AU" sz="3600" dirty="0"/>
+          </a:p>
+        </p:txBody>
+      </p:sp>
+      <p:sp>
+        <p:nvSpPr>
+          <p:cNvPr id="6" name="TextBox 5">
+            <a:extLst>
+              <a:ext uri="{FF2B5EF4-FFF2-40B4-BE49-F238E27FC236}">
+                <a16:creationId xmlns:a16="http://schemas.microsoft.com/office/drawing/2014/main" id="{F302DE67-0BAD-3554-291D-232C6541E8CF}"/>
+              </a:ext>
+            </a:extLst>
+          </p:cNvPr>
+          <p:cNvSpPr txBox="1"/>
+          <p:nvPr/>
+        </p:nvSpPr>
+        <p:spPr>
+          <a:xfrm>
+            <a:off x="4387272" y="1669887"/>
+            <a:ext cx="1357746" cy="646331"/>
+          </a:xfrm>
+          <a:prstGeom prst="rect">
+            <a:avLst/>
+          </a:prstGeom>
+          <a:solidFill>
+            <a:schemeClr val="accent4">
+              <a:lumMod val="40000"/>
+              <a:lumOff val="60000"/>
+            </a:schemeClr>
+          </a:solidFill>
+          <a:ln>
+            <a:noFill/>
+          </a:ln>
+        </p:spPr>
+        <p:txBody>
+          <a:bodyPr wrap="square" rtlCol="0">
+            <a:spAutoFit/>
+          </a:bodyPr>
+          <a:lstStyle/>
+          <a:p>
+            <a:pPr algn="ctr"/>
+            <a:r>
+              <a:rPr lang="en-CA" dirty="0"/>
+              <a:t>Keys must be unique.</a:t>
+            </a:r>
+            <a:endParaRPr lang="en-AU" dirty="0"/>
+          </a:p>
+        </p:txBody>
+      </p:sp>
+      <p:cxnSp>
+        <p:nvCxnSpPr>
+          <p:cNvPr id="11" name="Straight Arrow Connector 10">
+            <a:extLst>
+              <a:ext uri="{FF2B5EF4-FFF2-40B4-BE49-F238E27FC236}">
+                <a16:creationId xmlns:a16="http://schemas.microsoft.com/office/drawing/2014/main" id="{F2DC76C1-E819-4014-A07D-A3105B48988D}"/>
+              </a:ext>
+            </a:extLst>
+          </p:cNvPr>
+          <p:cNvCxnSpPr/>
+          <p:nvPr/>
+        </p:nvCxnSpPr>
+        <p:spPr>
+          <a:xfrm flipH="1">
+            <a:off x="2355273" y="2316218"/>
+            <a:ext cx="1939636" cy="1112782"/>
+          </a:xfrm>
+          <a:prstGeom prst="straightConnector1">
+            <a:avLst/>
+          </a:prstGeom>
+          <a:ln>
+            <a:tailEnd type="triangle"/>
+          </a:ln>
+        </p:spPr>
+        <p:style>
+          <a:lnRef idx="1">
+            <a:schemeClr val="accent1"/>
+          </a:lnRef>
+          <a:fillRef idx="0">
+            <a:schemeClr val="accent1"/>
+          </a:fillRef>
+          <a:effectRef idx="0">
+            <a:schemeClr val="accent1"/>
+          </a:effectRef>
+          <a:fontRef idx="minor">
+            <a:schemeClr val="tx1"/>
+          </a:fontRef>
+        </p:style>
+      </p:cxnSp>
+      <p:cxnSp>
+        <p:nvCxnSpPr>
+          <p:cNvPr id="14" name="Straight Arrow Connector 13">
+            <a:extLst>
+              <a:ext uri="{FF2B5EF4-FFF2-40B4-BE49-F238E27FC236}">
+                <a16:creationId xmlns:a16="http://schemas.microsoft.com/office/drawing/2014/main" id="{190CCCD0-E2D2-730D-ECC6-7FA769A37CDA}"/>
+              </a:ext>
+            </a:extLst>
+          </p:cNvPr>
+          <p:cNvCxnSpPr/>
+          <p:nvPr/>
+        </p:nvCxnSpPr>
+        <p:spPr>
+          <a:xfrm>
+            <a:off x="5066145" y="2410691"/>
+            <a:ext cx="0" cy="1145309"/>
+          </a:xfrm>
+          <a:prstGeom prst="straightConnector1">
+            <a:avLst/>
+          </a:prstGeom>
+          <a:ln>
+            <a:tailEnd type="triangle"/>
+          </a:ln>
+        </p:spPr>
+        <p:style>
+          <a:lnRef idx="1">
+            <a:schemeClr val="accent1"/>
+          </a:lnRef>
+          <a:fillRef idx="0">
+            <a:schemeClr val="accent1"/>
+          </a:fillRef>
+          <a:effectRef idx="0">
+            <a:schemeClr val="accent1"/>
+          </a:effectRef>
+          <a:fontRef idx="minor">
+            <a:schemeClr val="tx1"/>
+          </a:fontRef>
+        </p:style>
+      </p:cxnSp>
+      <p:cxnSp>
+        <p:nvCxnSpPr>
+          <p:cNvPr id="16" name="Straight Arrow Connector 15">
+            <a:extLst>
+              <a:ext uri="{FF2B5EF4-FFF2-40B4-BE49-F238E27FC236}">
+                <a16:creationId xmlns:a16="http://schemas.microsoft.com/office/drawing/2014/main" id="{0A7A623B-E111-DA4E-E5F9-779D1C1989C8}"/>
+              </a:ext>
+            </a:extLst>
+          </p:cNvPr>
+          <p:cNvCxnSpPr/>
+          <p:nvPr/>
+        </p:nvCxnSpPr>
+        <p:spPr>
+          <a:xfrm>
+            <a:off x="5892800" y="2235200"/>
+            <a:ext cx="1681018" cy="1274618"/>
+          </a:xfrm>
+          <a:prstGeom prst="straightConnector1">
+            <a:avLst/>
+          </a:prstGeom>
+          <a:ln>
+            <a:tailEnd type="triangle"/>
+          </a:ln>
+        </p:spPr>
+        <p:style>
+          <a:lnRef idx="1">
+            <a:schemeClr val="accent1"/>
+          </a:lnRef>
+          <a:fillRef idx="0">
+            <a:schemeClr val="accent1"/>
+          </a:fillRef>
+          <a:effectRef idx="0">
+            <a:schemeClr val="accent1"/>
+          </a:effectRef>
+          <a:fontRef idx="minor">
+            <a:schemeClr val="tx1"/>
+          </a:fontRef>
+        </p:style>
+      </p:cxnSp>
+      <p:sp>
+        <p:nvSpPr>
+          <p:cNvPr id="17" name="TextBox 16">
+            <a:extLst>
+              <a:ext uri="{FF2B5EF4-FFF2-40B4-BE49-F238E27FC236}">
+                <a16:creationId xmlns:a16="http://schemas.microsoft.com/office/drawing/2014/main" id="{E9987884-9FE5-13DA-55CA-5904DB1FABB4}"/>
+              </a:ext>
+            </a:extLst>
+          </p:cNvPr>
+          <p:cNvSpPr txBox="1"/>
+          <p:nvPr/>
+        </p:nvSpPr>
+        <p:spPr>
+          <a:xfrm>
+            <a:off x="4948614" y="5254039"/>
+            <a:ext cx="2294772" cy="923330"/>
+          </a:xfrm>
+          <a:prstGeom prst="rect">
+            <a:avLst/>
+          </a:prstGeom>
+          <a:solidFill>
+            <a:schemeClr val="accent4">
+              <a:lumMod val="40000"/>
+              <a:lumOff val="60000"/>
+            </a:schemeClr>
+          </a:solidFill>
+          <a:ln>
+            <a:noFill/>
+          </a:ln>
+        </p:spPr>
+        <p:txBody>
+          <a:bodyPr wrap="square" rtlCol="0">
+            <a:spAutoFit/>
+          </a:bodyPr>
+          <a:lstStyle/>
+          <a:p>
+            <a:pPr algn="ctr"/>
+            <a:r>
+              <a:rPr lang="en-CA" dirty="0"/>
+              <a:t>Values don’t need to be unique. There can be duplicate values.</a:t>
+            </a:r>
+            <a:endParaRPr lang="en-AU" dirty="0"/>
+          </a:p>
+        </p:txBody>
+      </p:sp>
+      <p:cxnSp>
+        <p:nvCxnSpPr>
+          <p:cNvPr id="19" name="Straight Arrow Connector 18">
+            <a:extLst>
+              <a:ext uri="{FF2B5EF4-FFF2-40B4-BE49-F238E27FC236}">
+                <a16:creationId xmlns:a16="http://schemas.microsoft.com/office/drawing/2014/main" id="{BBAE8163-5BB3-B5D6-552A-37DCD488A406}"/>
+              </a:ext>
+            </a:extLst>
+          </p:cNvPr>
+          <p:cNvCxnSpPr>
+            <a:cxnSpLocks/>
+          </p:cNvCxnSpPr>
+          <p:nvPr/>
+        </p:nvCxnSpPr>
+        <p:spPr>
+          <a:xfrm flipH="1" flipV="1">
+            <a:off x="3398982" y="4075331"/>
+            <a:ext cx="1549632" cy="1112782"/>
+          </a:xfrm>
+          <a:prstGeom prst="straightConnector1">
+            <a:avLst/>
+          </a:prstGeom>
+          <a:ln>
+            <a:tailEnd type="triangle"/>
+          </a:ln>
+        </p:spPr>
+        <p:style>
+          <a:lnRef idx="1">
+            <a:schemeClr val="accent1"/>
+          </a:lnRef>
+          <a:fillRef idx="0">
+            <a:schemeClr val="accent1"/>
+          </a:fillRef>
+          <a:effectRef idx="0">
+            <a:schemeClr val="accent1"/>
+          </a:effectRef>
+          <a:fontRef idx="minor">
+            <a:schemeClr val="tx1"/>
+          </a:fontRef>
+        </p:style>
+      </p:cxnSp>
+      <p:cxnSp>
+        <p:nvCxnSpPr>
+          <p:cNvPr id="22" name="Straight Arrow Connector 21">
+            <a:extLst>
+              <a:ext uri="{FF2B5EF4-FFF2-40B4-BE49-F238E27FC236}">
+                <a16:creationId xmlns:a16="http://schemas.microsoft.com/office/drawing/2014/main" id="{CD735B58-7B40-D8BA-AEC9-C36D4B7118FF}"/>
+              </a:ext>
+            </a:extLst>
+          </p:cNvPr>
+          <p:cNvCxnSpPr>
+            <a:cxnSpLocks/>
+          </p:cNvCxnSpPr>
+          <p:nvPr/>
+        </p:nvCxnSpPr>
+        <p:spPr>
+          <a:xfrm flipV="1">
+            <a:off x="6188364" y="4075331"/>
+            <a:ext cx="0" cy="1112782"/>
+          </a:xfrm>
+          <a:prstGeom prst="straightConnector1">
+            <a:avLst/>
+          </a:prstGeom>
+          <a:ln>
+            <a:tailEnd type="triangle"/>
+          </a:ln>
+        </p:spPr>
+        <p:style>
+          <a:lnRef idx="1">
+            <a:schemeClr val="accent1"/>
+          </a:lnRef>
+          <a:fillRef idx="0">
+            <a:schemeClr val="accent1"/>
+          </a:fillRef>
+          <a:effectRef idx="0">
+            <a:schemeClr val="accent1"/>
+          </a:effectRef>
+          <a:fontRef idx="minor">
+            <a:schemeClr val="tx1"/>
+          </a:fontRef>
+        </p:style>
+      </p:cxnSp>
+      <p:cxnSp>
+        <p:nvCxnSpPr>
+          <p:cNvPr id="24" name="Straight Arrow Connector 23">
+            <a:extLst>
+              <a:ext uri="{FF2B5EF4-FFF2-40B4-BE49-F238E27FC236}">
+                <a16:creationId xmlns:a16="http://schemas.microsoft.com/office/drawing/2014/main" id="{59EFD409-7456-AE41-B189-94F6F9C5D867}"/>
+              </a:ext>
+            </a:extLst>
+          </p:cNvPr>
+          <p:cNvCxnSpPr>
+            <a:cxnSpLocks/>
+          </p:cNvCxnSpPr>
+          <p:nvPr/>
+        </p:nvCxnSpPr>
+        <p:spPr>
+          <a:xfrm flipV="1">
+            <a:off x="7243386" y="4075331"/>
+            <a:ext cx="1383378" cy="1112782"/>
+          </a:xfrm>
+          <a:prstGeom prst="straightConnector1">
+            <a:avLst/>
+          </a:prstGeom>
+          <a:ln>
+            <a:tailEnd type="triangle"/>
+          </a:ln>
+        </p:spPr>
+        <p:style>
+          <a:lnRef idx="1">
+            <a:schemeClr val="accent1"/>
+          </a:lnRef>
+          <a:fillRef idx="0">
+            <a:schemeClr val="accent1"/>
+          </a:fillRef>
+          <a:effectRef idx="0">
+            <a:schemeClr val="accent1"/>
+          </a:effectRef>
+          <a:fontRef idx="minor">
+            <a:schemeClr val="tx1"/>
+          </a:fontRef>
+        </p:style>
+      </p:cxnSp>
+    </p:spTree>
+    <p:extLst>
+      <p:ext uri="{BB962C8B-B14F-4D97-AF65-F5344CB8AC3E}">
+        <p14:creationId xmlns:p14="http://schemas.microsoft.com/office/powerpoint/2010/main" val="3135316208"/>
+      </p:ext>
+    </p:extLst>
+  </p:cSld>
+  <p:clrMapOvr>
+    <a:masterClrMapping/>
+  </p:clrMapOvr>
+</p:sld>
+</file>
+
+<file path=ppt/slides/slide40.xml><?xml version="1.0" encoding="utf-8"?>
 <p:sld xmlns:a="http://schemas.openxmlformats.org/drawingml/2006/main" xmlns:r="http://schemas.openxmlformats.org/officeDocument/2006/relationships" xmlns:p="http://schemas.openxmlformats.org/presentationml/2006/main">
   <p:cSld>
     <p:spTree>
@@ -28002,8 +29328,8 @@
           </a:p>
         </p:txBody>
       </p:sp>
-      <mc:AlternateContent xmlns:mc="http://schemas.openxmlformats.org/markup-compatibility/2006">
-        <mc:Choice xmlns:a14="http://schemas.microsoft.com/office/drawing/2010/main" Requires="a14">
+      <mc:AlternateContent xmlns:mc="http://schemas.openxmlformats.org/markup-compatibility/2006" xmlns:a14="http://schemas.microsoft.com/office/drawing/2010/main">
+        <mc:Choice Requires="a14">
           <p:sp>
             <p:nvSpPr>
               <p:cNvPr id="4" name="TextBox 3">
@@ -28137,7 +29463,7 @@
             </p:txBody>
           </p:sp>
         </mc:Choice>
-        <mc:Fallback>
+        <mc:Fallback xmlns="">
           <p:sp>
             <p:nvSpPr>
               <p:cNvPr id="4" name="TextBox 3">
@@ -29041,471 +30367,7 @@
 </p:sld>
 </file>
 
-<file path=ppt/slides/slide4.xml><?xml version="1.0" encoding="utf-8"?>
-<p:sld xmlns:a="http://schemas.openxmlformats.org/drawingml/2006/main" xmlns:r="http://schemas.openxmlformats.org/officeDocument/2006/relationships" xmlns:p="http://schemas.openxmlformats.org/presentationml/2006/main">
-  <p:cSld>
-    <p:spTree>
-      <p:nvGrpSpPr>
-        <p:cNvPr id="1" name=""/>
-        <p:cNvGrpSpPr/>
-        <p:nvPr/>
-      </p:nvGrpSpPr>
-      <p:grpSpPr>
-        <a:xfrm>
-          <a:off x="0" y="0"/>
-          <a:ext cx="0" cy="0"/>
-          <a:chOff x="0" y="0"/>
-          <a:chExt cx="0" cy="0"/>
-        </a:xfrm>
-      </p:grpSpPr>
-      <p:sp>
-        <p:nvSpPr>
-          <p:cNvPr id="4" name="TextBox 3">
-            <a:extLst>
-              <a:ext uri="{FF2B5EF4-FFF2-40B4-BE49-F238E27FC236}">
-                <a16:creationId xmlns:a16="http://schemas.microsoft.com/office/drawing/2014/main" id="{8B46A5D8-CF52-A68B-F655-C6DC5365138C}"/>
-              </a:ext>
-            </a:extLst>
-          </p:cNvPr>
-          <p:cNvSpPr txBox="1"/>
-          <p:nvPr/>
-        </p:nvSpPr>
-        <p:spPr>
-          <a:xfrm>
-            <a:off x="692727" y="378691"/>
-            <a:ext cx="1801091" cy="923330"/>
-          </a:xfrm>
-          <a:prstGeom prst="rect">
-            <a:avLst/>
-          </a:prstGeom>
-          <a:solidFill>
-            <a:schemeClr val="accent4">
-              <a:lumMod val="40000"/>
-              <a:lumOff val="60000"/>
-            </a:schemeClr>
-          </a:solidFill>
-          <a:ln>
-            <a:noFill/>
-          </a:ln>
-        </p:spPr>
-        <p:txBody>
-          <a:bodyPr wrap="square" rtlCol="0">
-            <a:spAutoFit/>
-          </a:bodyPr>
-          <a:lstStyle/>
-          <a:p>
-            <a:pPr algn="ctr"/>
-            <a:r>
-              <a:rPr lang="en-CA" dirty="0"/>
-              <a:t>A </a:t>
-            </a:r>
-            <a:r>
-              <a:rPr lang="en-CA" b="1" dirty="0"/>
-              <a:t>map</a:t>
-            </a:r>
-            <a:r>
-              <a:rPr lang="en-CA" dirty="0"/>
-              <a:t> is an ADT that stores </a:t>
-            </a:r>
-            <a:br>
-              <a:rPr lang="en-CA" dirty="0"/>
-            </a:br>
-            <a:r>
-              <a:rPr lang="en-CA" dirty="0"/>
-              <a:t>(key, value) pairs.</a:t>
-            </a:r>
-            <a:endParaRPr lang="en-AU" dirty="0"/>
-          </a:p>
-        </p:txBody>
-      </p:sp>
-      <p:sp>
-        <p:nvSpPr>
-          <p:cNvPr id="5" name="TextBox 4">
-            <a:extLst>
-              <a:ext uri="{FF2B5EF4-FFF2-40B4-BE49-F238E27FC236}">
-                <a16:creationId xmlns:a16="http://schemas.microsoft.com/office/drawing/2014/main" id="{B48647EF-E221-6FA3-3454-C7067ECEA17A}"/>
-              </a:ext>
-            </a:extLst>
-          </p:cNvPr>
-          <p:cNvSpPr txBox="1"/>
-          <p:nvPr/>
-        </p:nvSpPr>
-        <p:spPr>
-          <a:xfrm>
-            <a:off x="1234660" y="3429000"/>
-            <a:ext cx="8593763" cy="646331"/>
-          </a:xfrm>
-          <a:prstGeom prst="rect">
-            <a:avLst/>
-          </a:prstGeom>
-          <a:noFill/>
-        </p:spPr>
-        <p:txBody>
-          <a:bodyPr wrap="none" rtlCol="0">
-            <a:spAutoFit/>
-          </a:bodyPr>
-          <a:lstStyle/>
-          <a:p>
-            <a:r>
-              <a:rPr lang="en-CA" sz="3600" dirty="0"/>
-              <a:t>[("Kal", "corn"), ("</a:t>
-            </a:r>
-            <a:r>
-              <a:rPr lang="en-CA" sz="3600" dirty="0" err="1"/>
-              <a:t>Mei","fish</a:t>
-            </a:r>
-            <a:r>
-              <a:rPr lang="en-CA" sz="3600" dirty="0"/>
-              <a:t>"), ("Ed", "corn")]</a:t>
-            </a:r>
-            <a:endParaRPr lang="en-AU" sz="3600" dirty="0"/>
-          </a:p>
-        </p:txBody>
-      </p:sp>
-      <p:sp>
-        <p:nvSpPr>
-          <p:cNvPr id="6" name="TextBox 5">
-            <a:extLst>
-              <a:ext uri="{FF2B5EF4-FFF2-40B4-BE49-F238E27FC236}">
-                <a16:creationId xmlns:a16="http://schemas.microsoft.com/office/drawing/2014/main" id="{F302DE67-0BAD-3554-291D-232C6541E8CF}"/>
-              </a:ext>
-            </a:extLst>
-          </p:cNvPr>
-          <p:cNvSpPr txBox="1"/>
-          <p:nvPr/>
-        </p:nvSpPr>
-        <p:spPr>
-          <a:xfrm>
-            <a:off x="4387272" y="1669887"/>
-            <a:ext cx="1357746" cy="646331"/>
-          </a:xfrm>
-          <a:prstGeom prst="rect">
-            <a:avLst/>
-          </a:prstGeom>
-          <a:solidFill>
-            <a:schemeClr val="accent4">
-              <a:lumMod val="40000"/>
-              <a:lumOff val="60000"/>
-            </a:schemeClr>
-          </a:solidFill>
-          <a:ln>
-            <a:noFill/>
-          </a:ln>
-        </p:spPr>
-        <p:txBody>
-          <a:bodyPr wrap="square" rtlCol="0">
-            <a:spAutoFit/>
-          </a:bodyPr>
-          <a:lstStyle/>
-          <a:p>
-            <a:pPr algn="ctr"/>
-            <a:r>
-              <a:rPr lang="en-CA" dirty="0"/>
-              <a:t>Keys must be unique.</a:t>
-            </a:r>
-            <a:endParaRPr lang="en-AU" dirty="0"/>
-          </a:p>
-        </p:txBody>
-      </p:sp>
-      <p:cxnSp>
-        <p:nvCxnSpPr>
-          <p:cNvPr id="11" name="Straight Arrow Connector 10">
-            <a:extLst>
-              <a:ext uri="{FF2B5EF4-FFF2-40B4-BE49-F238E27FC236}">
-                <a16:creationId xmlns:a16="http://schemas.microsoft.com/office/drawing/2014/main" id="{F2DC76C1-E819-4014-A07D-A3105B48988D}"/>
-              </a:ext>
-            </a:extLst>
-          </p:cNvPr>
-          <p:cNvCxnSpPr/>
-          <p:nvPr/>
-        </p:nvCxnSpPr>
-        <p:spPr>
-          <a:xfrm flipH="1">
-            <a:off x="2355273" y="2316218"/>
-            <a:ext cx="1939636" cy="1112782"/>
-          </a:xfrm>
-          <a:prstGeom prst="straightConnector1">
-            <a:avLst/>
-          </a:prstGeom>
-          <a:ln>
-            <a:tailEnd type="triangle"/>
-          </a:ln>
-        </p:spPr>
-        <p:style>
-          <a:lnRef idx="1">
-            <a:schemeClr val="accent1"/>
-          </a:lnRef>
-          <a:fillRef idx="0">
-            <a:schemeClr val="accent1"/>
-          </a:fillRef>
-          <a:effectRef idx="0">
-            <a:schemeClr val="accent1"/>
-          </a:effectRef>
-          <a:fontRef idx="minor">
-            <a:schemeClr val="tx1"/>
-          </a:fontRef>
-        </p:style>
-      </p:cxnSp>
-      <p:cxnSp>
-        <p:nvCxnSpPr>
-          <p:cNvPr id="14" name="Straight Arrow Connector 13">
-            <a:extLst>
-              <a:ext uri="{FF2B5EF4-FFF2-40B4-BE49-F238E27FC236}">
-                <a16:creationId xmlns:a16="http://schemas.microsoft.com/office/drawing/2014/main" id="{190CCCD0-E2D2-730D-ECC6-7FA769A37CDA}"/>
-              </a:ext>
-            </a:extLst>
-          </p:cNvPr>
-          <p:cNvCxnSpPr/>
-          <p:nvPr/>
-        </p:nvCxnSpPr>
-        <p:spPr>
-          <a:xfrm>
-            <a:off x="5066145" y="2410691"/>
-            <a:ext cx="0" cy="1145309"/>
-          </a:xfrm>
-          <a:prstGeom prst="straightConnector1">
-            <a:avLst/>
-          </a:prstGeom>
-          <a:ln>
-            <a:tailEnd type="triangle"/>
-          </a:ln>
-        </p:spPr>
-        <p:style>
-          <a:lnRef idx="1">
-            <a:schemeClr val="accent1"/>
-          </a:lnRef>
-          <a:fillRef idx="0">
-            <a:schemeClr val="accent1"/>
-          </a:fillRef>
-          <a:effectRef idx="0">
-            <a:schemeClr val="accent1"/>
-          </a:effectRef>
-          <a:fontRef idx="minor">
-            <a:schemeClr val="tx1"/>
-          </a:fontRef>
-        </p:style>
-      </p:cxnSp>
-      <p:cxnSp>
-        <p:nvCxnSpPr>
-          <p:cNvPr id="16" name="Straight Arrow Connector 15">
-            <a:extLst>
-              <a:ext uri="{FF2B5EF4-FFF2-40B4-BE49-F238E27FC236}">
-                <a16:creationId xmlns:a16="http://schemas.microsoft.com/office/drawing/2014/main" id="{0A7A623B-E111-DA4E-E5F9-779D1C1989C8}"/>
-              </a:ext>
-            </a:extLst>
-          </p:cNvPr>
-          <p:cNvCxnSpPr/>
-          <p:nvPr/>
-        </p:nvCxnSpPr>
-        <p:spPr>
-          <a:xfrm>
-            <a:off x="5892800" y="2235200"/>
-            <a:ext cx="1681018" cy="1274618"/>
-          </a:xfrm>
-          <a:prstGeom prst="straightConnector1">
-            <a:avLst/>
-          </a:prstGeom>
-          <a:ln>
-            <a:tailEnd type="triangle"/>
-          </a:ln>
-        </p:spPr>
-        <p:style>
-          <a:lnRef idx="1">
-            <a:schemeClr val="accent1"/>
-          </a:lnRef>
-          <a:fillRef idx="0">
-            <a:schemeClr val="accent1"/>
-          </a:fillRef>
-          <a:effectRef idx="0">
-            <a:schemeClr val="accent1"/>
-          </a:effectRef>
-          <a:fontRef idx="minor">
-            <a:schemeClr val="tx1"/>
-          </a:fontRef>
-        </p:style>
-      </p:cxnSp>
-      <p:sp>
-        <p:nvSpPr>
-          <p:cNvPr id="17" name="TextBox 16">
-            <a:extLst>
-              <a:ext uri="{FF2B5EF4-FFF2-40B4-BE49-F238E27FC236}">
-                <a16:creationId xmlns:a16="http://schemas.microsoft.com/office/drawing/2014/main" id="{E9987884-9FE5-13DA-55CA-5904DB1FABB4}"/>
-              </a:ext>
-            </a:extLst>
-          </p:cNvPr>
-          <p:cNvSpPr txBox="1"/>
-          <p:nvPr/>
-        </p:nvSpPr>
-        <p:spPr>
-          <a:xfrm>
-            <a:off x="4948614" y="5254039"/>
-            <a:ext cx="2294772" cy="923330"/>
-          </a:xfrm>
-          <a:prstGeom prst="rect">
-            <a:avLst/>
-          </a:prstGeom>
-          <a:solidFill>
-            <a:schemeClr val="accent4">
-              <a:lumMod val="40000"/>
-              <a:lumOff val="60000"/>
-            </a:schemeClr>
-          </a:solidFill>
-          <a:ln>
-            <a:noFill/>
-          </a:ln>
-        </p:spPr>
-        <p:txBody>
-          <a:bodyPr wrap="square" rtlCol="0">
-            <a:spAutoFit/>
-          </a:bodyPr>
-          <a:lstStyle/>
-          <a:p>
-            <a:pPr algn="ctr"/>
-            <a:r>
-              <a:rPr lang="en-CA" dirty="0"/>
-              <a:t>Values don’t need to be unique. There can be duplicate values.</a:t>
-            </a:r>
-            <a:endParaRPr lang="en-AU" dirty="0"/>
-          </a:p>
-        </p:txBody>
-      </p:sp>
-      <p:cxnSp>
-        <p:nvCxnSpPr>
-          <p:cNvPr id="19" name="Straight Arrow Connector 18">
-            <a:extLst>
-              <a:ext uri="{FF2B5EF4-FFF2-40B4-BE49-F238E27FC236}">
-                <a16:creationId xmlns:a16="http://schemas.microsoft.com/office/drawing/2014/main" id="{BBAE8163-5BB3-B5D6-552A-37DCD488A406}"/>
-              </a:ext>
-            </a:extLst>
-          </p:cNvPr>
-          <p:cNvCxnSpPr>
-            <a:cxnSpLocks/>
-          </p:cNvCxnSpPr>
-          <p:nvPr/>
-        </p:nvCxnSpPr>
-        <p:spPr>
-          <a:xfrm flipH="1" flipV="1">
-            <a:off x="3398982" y="4075331"/>
-            <a:ext cx="1549632" cy="1112782"/>
-          </a:xfrm>
-          <a:prstGeom prst="straightConnector1">
-            <a:avLst/>
-          </a:prstGeom>
-          <a:ln>
-            <a:tailEnd type="triangle"/>
-          </a:ln>
-        </p:spPr>
-        <p:style>
-          <a:lnRef idx="1">
-            <a:schemeClr val="accent1"/>
-          </a:lnRef>
-          <a:fillRef idx="0">
-            <a:schemeClr val="accent1"/>
-          </a:fillRef>
-          <a:effectRef idx="0">
-            <a:schemeClr val="accent1"/>
-          </a:effectRef>
-          <a:fontRef idx="minor">
-            <a:schemeClr val="tx1"/>
-          </a:fontRef>
-        </p:style>
-      </p:cxnSp>
-      <p:cxnSp>
-        <p:nvCxnSpPr>
-          <p:cNvPr id="22" name="Straight Arrow Connector 21">
-            <a:extLst>
-              <a:ext uri="{FF2B5EF4-FFF2-40B4-BE49-F238E27FC236}">
-                <a16:creationId xmlns:a16="http://schemas.microsoft.com/office/drawing/2014/main" id="{CD735B58-7B40-D8BA-AEC9-C36D4B7118FF}"/>
-              </a:ext>
-            </a:extLst>
-          </p:cNvPr>
-          <p:cNvCxnSpPr>
-            <a:cxnSpLocks/>
-          </p:cNvCxnSpPr>
-          <p:nvPr/>
-        </p:nvCxnSpPr>
-        <p:spPr>
-          <a:xfrm flipV="1">
-            <a:off x="6188364" y="4075331"/>
-            <a:ext cx="0" cy="1112782"/>
-          </a:xfrm>
-          <a:prstGeom prst="straightConnector1">
-            <a:avLst/>
-          </a:prstGeom>
-          <a:ln>
-            <a:tailEnd type="triangle"/>
-          </a:ln>
-        </p:spPr>
-        <p:style>
-          <a:lnRef idx="1">
-            <a:schemeClr val="accent1"/>
-          </a:lnRef>
-          <a:fillRef idx="0">
-            <a:schemeClr val="accent1"/>
-          </a:fillRef>
-          <a:effectRef idx="0">
-            <a:schemeClr val="accent1"/>
-          </a:effectRef>
-          <a:fontRef idx="minor">
-            <a:schemeClr val="tx1"/>
-          </a:fontRef>
-        </p:style>
-      </p:cxnSp>
-      <p:cxnSp>
-        <p:nvCxnSpPr>
-          <p:cNvPr id="24" name="Straight Arrow Connector 23">
-            <a:extLst>
-              <a:ext uri="{FF2B5EF4-FFF2-40B4-BE49-F238E27FC236}">
-                <a16:creationId xmlns:a16="http://schemas.microsoft.com/office/drawing/2014/main" id="{59EFD409-7456-AE41-B189-94F6F9C5D867}"/>
-              </a:ext>
-            </a:extLst>
-          </p:cNvPr>
-          <p:cNvCxnSpPr>
-            <a:cxnSpLocks/>
-          </p:cNvCxnSpPr>
-          <p:nvPr/>
-        </p:nvCxnSpPr>
-        <p:spPr>
-          <a:xfrm flipV="1">
-            <a:off x="7243386" y="4075331"/>
-            <a:ext cx="1383378" cy="1112782"/>
-          </a:xfrm>
-          <a:prstGeom prst="straightConnector1">
-            <a:avLst/>
-          </a:prstGeom>
-          <a:ln>
-            <a:tailEnd type="triangle"/>
-          </a:ln>
-        </p:spPr>
-        <p:style>
-          <a:lnRef idx="1">
-            <a:schemeClr val="accent1"/>
-          </a:lnRef>
-          <a:fillRef idx="0">
-            <a:schemeClr val="accent1"/>
-          </a:fillRef>
-          <a:effectRef idx="0">
-            <a:schemeClr val="accent1"/>
-          </a:effectRef>
-          <a:fontRef idx="minor">
-            <a:schemeClr val="tx1"/>
-          </a:fontRef>
-        </p:style>
-      </p:cxnSp>
-    </p:spTree>
-    <p:extLst>
-      <p:ext uri="{BB962C8B-B14F-4D97-AF65-F5344CB8AC3E}">
-        <p14:creationId xmlns:p14="http://schemas.microsoft.com/office/powerpoint/2010/main" val="3135316208"/>
-      </p:ext>
-    </p:extLst>
-  </p:cSld>
-  <p:clrMapOvr>
-    <a:masterClrMapping/>
-  </p:clrMapOvr>
-</p:sld>
-</file>
-
-<file path=ppt/slides/slide40.xml><?xml version="1.0" encoding="utf-8"?>
+<file path=ppt/slides/slide41.xml><?xml version="1.0" encoding="utf-8"?>
 <p:sld xmlns:a="http://schemas.openxmlformats.org/drawingml/2006/main" xmlns:r="http://schemas.openxmlformats.org/officeDocument/2006/relationships" xmlns:p="http://schemas.openxmlformats.org/presentationml/2006/main">
   <p:cSld>
     <p:spTree>
@@ -29556,8 +30418,8 @@
           </a:p>
         </p:txBody>
       </p:sp>
-      <mc:AlternateContent xmlns:mc="http://schemas.openxmlformats.org/markup-compatibility/2006">
-        <mc:Choice xmlns:a14="http://schemas.microsoft.com/office/drawing/2010/main" Requires="a14">
+      <mc:AlternateContent xmlns:mc="http://schemas.openxmlformats.org/markup-compatibility/2006" xmlns:a14="http://schemas.microsoft.com/office/drawing/2010/main">
+        <mc:Choice Requires="a14">
           <p:sp>
             <p:nvSpPr>
               <p:cNvPr id="4" name="TextBox 3">
@@ -29691,7 +30553,7 @@
             </p:txBody>
           </p:sp>
         </mc:Choice>
-        <mc:Fallback>
+        <mc:Fallback xmlns="">
           <p:sp>
             <p:nvSpPr>
               <p:cNvPr id="4" name="TextBox 3">
@@ -30988,7 +31850,7 @@
 </p:sld>
 </file>
 
-<file path=ppt/slides/slide41.xml><?xml version="1.0" encoding="utf-8"?>
+<file path=ppt/slides/slide42.xml><?xml version="1.0" encoding="utf-8"?>
 <p:sld xmlns:a="http://schemas.openxmlformats.org/drawingml/2006/main" xmlns:r="http://schemas.openxmlformats.org/officeDocument/2006/relationships" xmlns:p="http://schemas.openxmlformats.org/presentationml/2006/main">
   <p:cSld>
     <p:spTree>
@@ -31039,8 +31901,8 @@
           </a:p>
         </p:txBody>
       </p:sp>
-      <mc:AlternateContent xmlns:mc="http://schemas.openxmlformats.org/markup-compatibility/2006">
-        <mc:Choice xmlns:a14="http://schemas.microsoft.com/office/drawing/2010/main" Requires="a14">
+      <mc:AlternateContent xmlns:mc="http://schemas.openxmlformats.org/markup-compatibility/2006" xmlns:a14="http://schemas.microsoft.com/office/drawing/2010/main">
+        <mc:Choice Requires="a14">
           <p:sp>
             <p:nvSpPr>
               <p:cNvPr id="4" name="TextBox 3">
@@ -31174,7 +32036,7 @@
             </p:txBody>
           </p:sp>
         </mc:Choice>
-        <mc:Fallback>
+        <mc:Fallback xmlns="">
           <p:sp>
             <p:nvSpPr>
               <p:cNvPr id="4" name="TextBox 3">
@@ -32208,7 +33070,7 @@
 </p:sld>
 </file>
 
-<file path=ppt/slides/slide42.xml><?xml version="1.0" encoding="utf-8"?>
+<file path=ppt/slides/slide43.xml><?xml version="1.0" encoding="utf-8"?>
 <p:sld xmlns:a="http://schemas.openxmlformats.org/drawingml/2006/main" xmlns:r="http://schemas.openxmlformats.org/officeDocument/2006/relationships" xmlns:p="http://schemas.openxmlformats.org/presentationml/2006/main">
   <p:cSld>
     <p:spTree>
@@ -34422,7 +35284,7 @@
 </p:sld>
 </file>
 
-<file path=ppt/slides/slide43.xml><?xml version="1.0" encoding="utf-8"?>
+<file path=ppt/slides/slide44.xml><?xml version="1.0" encoding="utf-8"?>
 <p:sld xmlns:a="http://schemas.openxmlformats.org/drawingml/2006/main" xmlns:r="http://schemas.openxmlformats.org/officeDocument/2006/relationships" xmlns:p="http://schemas.openxmlformats.org/presentationml/2006/main">
   <p:cSld>
     <p:spTree>
